--- a/Anforderungen/Abschlusspräsentation.pptx
+++ b/Anforderungen/Abschlusspräsentation.pptx
@@ -11,16 +11,17 @@
     <p:sldId id="265" r:id="rId5"/>
     <p:sldId id="266" r:id="rId6"/>
     <p:sldId id="262" r:id="rId7"/>
-    <p:sldId id="267" r:id="rId8"/>
-    <p:sldId id="263" r:id="rId9"/>
-    <p:sldId id="264" r:id="rId10"/>
-    <p:sldId id="268" r:id="rId11"/>
-    <p:sldId id="269" r:id="rId12"/>
-    <p:sldId id="272" r:id="rId13"/>
-    <p:sldId id="270" r:id="rId14"/>
-    <p:sldId id="271" r:id="rId15"/>
-    <p:sldId id="260" r:id="rId16"/>
-    <p:sldId id="261" r:id="rId17"/>
+    <p:sldId id="274" r:id="rId8"/>
+    <p:sldId id="275" r:id="rId9"/>
+    <p:sldId id="276" r:id="rId10"/>
+    <p:sldId id="277" r:id="rId11"/>
+    <p:sldId id="278" r:id="rId12"/>
+    <p:sldId id="279" r:id="rId13"/>
+    <p:sldId id="280" r:id="rId14"/>
+    <p:sldId id="281" r:id="rId15"/>
+    <p:sldId id="283" r:id="rId16"/>
+    <p:sldId id="284" r:id="rId17"/>
+    <p:sldId id="261" r:id="rId18"/>
   </p:sldIdLst>
   <p:sldSz cx="20167600" cy="15125700"/>
   <p:notesSz cx="10693400" cy="15125700"/>
@@ -195,7 +196,7 @@
           <a:noFill/>
           <a:extLst>
             <a:ext uri="{909E8E84-426E-40dd-AFC4-6F175D3DCCD1}">
-              <a14:hiddenFill xmlns="" xmlns:a14="http://schemas.microsoft.com/office/drawing/2010/main">
+              <a14:hiddenFill xmlns:a14="http://schemas.microsoft.com/office/drawing/2010/main" xmlns="">
                 <a:solidFill>
                   <a:srgbClr val="FFFFFF"/>
                 </a:solidFill>
@@ -255,7 +256,7 @@
             </a:ln>
             <a:extLst>
               <a:ext uri="{91240B29-F687-4f45-9708-019B960494DF}">
-                <a14:hiddenLine xmlns="" xmlns:a14="http://schemas.microsoft.com/office/drawing/2010/main" w="9525">
+                <a14:hiddenLine xmlns:a14="http://schemas.microsoft.com/office/drawing/2010/main" xmlns="" w="9525">
                   <a:solidFill>
                     <a:srgbClr val="000000"/>
                   </a:solidFill>
@@ -345,7 +346,7 @@
             </a:ln>
             <a:extLst>
               <a:ext uri="{91240B29-F687-4f45-9708-019B960494DF}">
-                <a14:hiddenLine xmlns="" xmlns:a14="http://schemas.microsoft.com/office/drawing/2010/main" w="9525">
+                <a14:hiddenLine xmlns:a14="http://schemas.microsoft.com/office/drawing/2010/main" xmlns="" w="9525">
                   <a:solidFill>
                     <a:srgbClr val="000000"/>
                   </a:solidFill>
@@ -435,7 +436,7 @@
             </a:ln>
             <a:extLst>
               <a:ext uri="{91240B29-F687-4f45-9708-019B960494DF}">
-                <a14:hiddenLine xmlns="" xmlns:a14="http://schemas.microsoft.com/office/drawing/2010/main" w="9525">
+                <a14:hiddenLine xmlns:a14="http://schemas.microsoft.com/office/drawing/2010/main" xmlns="" w="9525">
                   <a:solidFill>
                     <a:srgbClr val="000000"/>
                   </a:solidFill>
@@ -469,7 +470,7 @@
             </a:ln>
             <a:extLst>
               <a:ext uri="{91240B29-F687-4f45-9708-019B960494DF}">
-                <a14:hiddenLine xmlns="" xmlns:a14="http://schemas.microsoft.com/office/drawing/2010/main" w="9525">
+                <a14:hiddenLine xmlns:a14="http://schemas.microsoft.com/office/drawing/2010/main" xmlns="" w="9525">
                   <a:solidFill>
                     <a:srgbClr val="000000"/>
                   </a:solidFill>
@@ -559,7 +560,7 @@
             </a:ln>
             <a:extLst>
               <a:ext uri="{91240B29-F687-4f45-9708-019B960494DF}">
-                <a14:hiddenLine xmlns="" xmlns:a14="http://schemas.microsoft.com/office/drawing/2010/main" w="9525">
+                <a14:hiddenLine xmlns:a14="http://schemas.microsoft.com/office/drawing/2010/main" xmlns="" w="9525">
                   <a:solidFill>
                     <a:srgbClr val="000000"/>
                   </a:solidFill>
@@ -621,7 +622,7 @@
             </a:ln>
             <a:extLst>
               <a:ext uri="{91240B29-F687-4f45-9708-019B960494DF}">
-                <a14:hiddenLine xmlns="" xmlns:a14="http://schemas.microsoft.com/office/drawing/2010/main" w="9525">
+                <a14:hiddenLine xmlns:a14="http://schemas.microsoft.com/office/drawing/2010/main" xmlns="" w="9525">
                   <a:solidFill>
                     <a:srgbClr val="000000"/>
                   </a:solidFill>
@@ -683,7 +684,7 @@
             </a:ln>
             <a:extLst>
               <a:ext uri="{91240B29-F687-4f45-9708-019B960494DF}">
-                <a14:hiddenLine xmlns="" xmlns:a14="http://schemas.microsoft.com/office/drawing/2010/main" w="9525">
+                <a14:hiddenLine xmlns:a14="http://schemas.microsoft.com/office/drawing/2010/main" xmlns="" w="9525">
                   <a:solidFill>
                     <a:srgbClr val="000000"/>
                   </a:solidFill>
@@ -773,7 +774,7 @@
             </a:ln>
             <a:extLst>
               <a:ext uri="{91240B29-F687-4f45-9708-019B960494DF}">
-                <a14:hiddenLine xmlns="" xmlns:a14="http://schemas.microsoft.com/office/drawing/2010/main" w="9525">
+                <a14:hiddenLine xmlns:a14="http://schemas.microsoft.com/office/drawing/2010/main" xmlns="" w="9525">
                   <a:solidFill>
                     <a:srgbClr val="000000"/>
                   </a:solidFill>
@@ -835,7 +836,7 @@
             </a:ln>
             <a:extLst>
               <a:ext uri="{91240B29-F687-4f45-9708-019B960494DF}">
-                <a14:hiddenLine xmlns="" xmlns:a14="http://schemas.microsoft.com/office/drawing/2010/main" w="9525">
+                <a14:hiddenLine xmlns:a14="http://schemas.microsoft.com/office/drawing/2010/main" xmlns="" w="9525">
                   <a:solidFill>
                     <a:srgbClr val="000000"/>
                   </a:solidFill>
@@ -897,7 +898,7 @@
             </a:ln>
             <a:extLst>
               <a:ext uri="{91240B29-F687-4f45-9708-019B960494DF}">
-                <a14:hiddenLine xmlns="" xmlns:a14="http://schemas.microsoft.com/office/drawing/2010/main" w="9525">
+                <a14:hiddenLine xmlns:a14="http://schemas.microsoft.com/office/drawing/2010/main" xmlns="" w="9525">
                   <a:solidFill>
                     <a:srgbClr val="000000"/>
                   </a:solidFill>
@@ -987,7 +988,7 @@
             </a:ln>
             <a:extLst>
               <a:ext uri="{91240B29-F687-4f45-9708-019B960494DF}">
-                <a14:hiddenLine xmlns="" xmlns:a14="http://schemas.microsoft.com/office/drawing/2010/main" w="9525">
+                <a14:hiddenLine xmlns:a14="http://schemas.microsoft.com/office/drawing/2010/main" xmlns="" w="9525">
                   <a:solidFill>
                     <a:srgbClr val="000000"/>
                   </a:solidFill>
@@ -1077,7 +1078,7 @@
             </a:ln>
             <a:extLst>
               <a:ext uri="{91240B29-F687-4f45-9708-019B960494DF}">
-                <a14:hiddenLine xmlns="" xmlns:a14="http://schemas.microsoft.com/office/drawing/2010/main" w="9525">
+                <a14:hiddenLine xmlns:a14="http://schemas.microsoft.com/office/drawing/2010/main" xmlns="" w="9525">
                   <a:solidFill>
                     <a:srgbClr val="000000"/>
                   </a:solidFill>
@@ -1139,7 +1140,7 @@
             </a:ln>
             <a:extLst>
               <a:ext uri="{91240B29-F687-4f45-9708-019B960494DF}">
-                <a14:hiddenLine xmlns="" xmlns:a14="http://schemas.microsoft.com/office/drawing/2010/main" w="9525">
+                <a14:hiddenLine xmlns:a14="http://schemas.microsoft.com/office/drawing/2010/main" xmlns="" w="9525">
                   <a:solidFill>
                     <a:srgbClr val="000000"/>
                   </a:solidFill>
@@ -1249,7 +1250,7 @@
             </a:ln>
             <a:extLst>
               <a:ext uri="{91240B29-F687-4f45-9708-019B960494DF}">
-                <a14:hiddenLine xmlns="" xmlns:a14="http://schemas.microsoft.com/office/drawing/2010/main" w="9525">
+                <a14:hiddenLine xmlns:a14="http://schemas.microsoft.com/office/drawing/2010/main" xmlns="" w="9525">
                   <a:solidFill>
                     <a:srgbClr val="000000"/>
                   </a:solidFill>
@@ -1311,7 +1312,7 @@
             </a:ln>
             <a:extLst>
               <a:ext uri="{91240B29-F687-4f45-9708-019B960494DF}">
-                <a14:hiddenLine xmlns="" xmlns:a14="http://schemas.microsoft.com/office/drawing/2010/main" w="9525">
+                <a14:hiddenLine xmlns:a14="http://schemas.microsoft.com/office/drawing/2010/main" xmlns="" w="9525">
                   <a:solidFill>
                     <a:srgbClr val="000000"/>
                   </a:solidFill>
@@ -1401,7 +1402,7 @@
             </a:ln>
             <a:extLst>
               <a:ext uri="{91240B29-F687-4f45-9708-019B960494DF}">
-                <a14:hiddenLine xmlns="" xmlns:a14="http://schemas.microsoft.com/office/drawing/2010/main" w="9525">
+                <a14:hiddenLine xmlns:a14="http://schemas.microsoft.com/office/drawing/2010/main" xmlns="" w="9525">
                   <a:solidFill>
                     <a:srgbClr val="000000"/>
                   </a:solidFill>
@@ -1491,7 +1492,7 @@
             </a:ln>
             <a:extLst>
               <a:ext uri="{91240B29-F687-4f45-9708-019B960494DF}">
-                <a14:hiddenLine xmlns="" xmlns:a14="http://schemas.microsoft.com/office/drawing/2010/main" w="9525">
+                <a14:hiddenLine xmlns:a14="http://schemas.microsoft.com/office/drawing/2010/main" xmlns="" w="9525">
                   <a:solidFill>
                     <a:srgbClr val="000000"/>
                   </a:solidFill>
@@ -1553,7 +1554,7 @@
             </a:ln>
             <a:extLst>
               <a:ext uri="{91240B29-F687-4f45-9708-019B960494DF}">
-                <a14:hiddenLine xmlns="" xmlns:a14="http://schemas.microsoft.com/office/drawing/2010/main" w="9525">
+                <a14:hiddenLine xmlns:a14="http://schemas.microsoft.com/office/drawing/2010/main" xmlns="" w="9525">
                   <a:solidFill>
                     <a:srgbClr val="000000"/>
                   </a:solidFill>
@@ -1643,7 +1644,7 @@
             </a:ln>
             <a:extLst>
               <a:ext uri="{91240B29-F687-4f45-9708-019B960494DF}">
-                <a14:hiddenLine xmlns="" xmlns:a14="http://schemas.microsoft.com/office/drawing/2010/main" w="9525">
+                <a14:hiddenLine xmlns:a14="http://schemas.microsoft.com/office/drawing/2010/main" xmlns="" w="9525">
                   <a:solidFill>
                     <a:srgbClr val="000000"/>
                   </a:solidFill>
@@ -1733,7 +1734,7 @@
             </a:ln>
             <a:extLst>
               <a:ext uri="{91240B29-F687-4f45-9708-019B960494DF}">
-                <a14:hiddenLine xmlns="" xmlns:a14="http://schemas.microsoft.com/office/drawing/2010/main" w="9525">
+                <a14:hiddenLine xmlns:a14="http://schemas.microsoft.com/office/drawing/2010/main" xmlns="" w="9525">
                   <a:solidFill>
                     <a:srgbClr val="000000"/>
                   </a:solidFill>
@@ -1789,7 +1790,7 @@
             </a:ln>
             <a:extLst>
               <a:ext uri="{91240B29-F687-4f45-9708-019B960494DF}">
-                <a14:hiddenLine xmlns="" xmlns:a14="http://schemas.microsoft.com/office/drawing/2010/main" w="9525">
+                <a14:hiddenLine xmlns:a14="http://schemas.microsoft.com/office/drawing/2010/main" xmlns="" w="9525">
                   <a:solidFill>
                     <a:srgbClr val="000000"/>
                   </a:solidFill>
@@ -1879,7 +1880,7 @@
             </a:ln>
             <a:extLst>
               <a:ext uri="{91240B29-F687-4f45-9708-019B960494DF}">
-                <a14:hiddenLine xmlns="" xmlns:a14="http://schemas.microsoft.com/office/drawing/2010/main" w="9525">
+                <a14:hiddenLine xmlns:a14="http://schemas.microsoft.com/office/drawing/2010/main" xmlns="" w="9525">
                   <a:solidFill>
                     <a:srgbClr val="000000"/>
                   </a:solidFill>
@@ -1935,7 +1936,7 @@
             </a:ln>
             <a:extLst>
               <a:ext uri="{91240B29-F687-4f45-9708-019B960494DF}">
-                <a14:hiddenLine xmlns="" xmlns:a14="http://schemas.microsoft.com/office/drawing/2010/main" w="9525">
+                <a14:hiddenLine xmlns:a14="http://schemas.microsoft.com/office/drawing/2010/main" xmlns="" w="9525">
                   <a:solidFill>
                     <a:srgbClr val="000000"/>
                   </a:solidFill>
@@ -2025,7 +2026,7 @@
             </a:ln>
             <a:extLst>
               <a:ext uri="{91240B29-F687-4f45-9708-019B960494DF}">
-                <a14:hiddenLine xmlns="" xmlns:a14="http://schemas.microsoft.com/office/drawing/2010/main" w="9525">
+                <a14:hiddenLine xmlns:a14="http://schemas.microsoft.com/office/drawing/2010/main" xmlns="" w="9525">
                   <a:solidFill>
                     <a:srgbClr val="000000"/>
                   </a:solidFill>
@@ -2093,7 +2094,7 @@
             </a:ln>
             <a:extLst>
               <a:ext uri="{91240B29-F687-4f45-9708-019B960494DF}">
-                <a14:hiddenLine xmlns="" xmlns:a14="http://schemas.microsoft.com/office/drawing/2010/main" w="9525">
+                <a14:hiddenLine xmlns:a14="http://schemas.microsoft.com/office/drawing/2010/main" xmlns="" w="9525">
                   <a:solidFill>
                     <a:srgbClr val="000000"/>
                   </a:solidFill>
@@ -2183,7 +2184,7 @@
             </a:ln>
             <a:extLst>
               <a:ext uri="{91240B29-F687-4f45-9708-019B960494DF}">
-                <a14:hiddenLine xmlns="" xmlns:a14="http://schemas.microsoft.com/office/drawing/2010/main" w="9525">
+                <a14:hiddenLine xmlns:a14="http://schemas.microsoft.com/office/drawing/2010/main" xmlns="" w="9525">
                   <a:solidFill>
                     <a:srgbClr val="000000"/>
                   </a:solidFill>
@@ -2251,7 +2252,7 @@
             </a:ln>
             <a:extLst>
               <a:ext uri="{91240B29-F687-4f45-9708-019B960494DF}">
-                <a14:hiddenLine xmlns="" xmlns:a14="http://schemas.microsoft.com/office/drawing/2010/main" w="9525">
+                <a14:hiddenLine xmlns:a14="http://schemas.microsoft.com/office/drawing/2010/main" xmlns="" w="9525">
                   <a:solidFill>
                     <a:srgbClr val="000000"/>
                   </a:solidFill>
@@ -2341,7 +2342,7 @@
             </a:ln>
             <a:extLst>
               <a:ext uri="{91240B29-F687-4f45-9708-019B960494DF}">
-                <a14:hiddenLine xmlns="" xmlns:a14="http://schemas.microsoft.com/office/drawing/2010/main" w="9525">
+                <a14:hiddenLine xmlns:a14="http://schemas.microsoft.com/office/drawing/2010/main" xmlns="" w="9525">
                   <a:solidFill>
                     <a:srgbClr val="000000"/>
                   </a:solidFill>
@@ -2375,7 +2376,7 @@
             </a:ln>
             <a:extLst>
               <a:ext uri="{91240B29-F687-4f45-9708-019B960494DF}">
-                <a14:hiddenLine xmlns="" xmlns:a14="http://schemas.microsoft.com/office/drawing/2010/main" w="9525">
+                <a14:hiddenLine xmlns:a14="http://schemas.microsoft.com/office/drawing/2010/main" xmlns="" w="9525">
                   <a:solidFill>
                     <a:srgbClr val="000000"/>
                   </a:solidFill>
@@ -2465,7 +2466,7 @@
             </a:ln>
             <a:extLst>
               <a:ext uri="{91240B29-F687-4f45-9708-019B960494DF}">
-                <a14:hiddenLine xmlns="" xmlns:a14="http://schemas.microsoft.com/office/drawing/2010/main" w="9525">
+                <a14:hiddenLine xmlns:a14="http://schemas.microsoft.com/office/drawing/2010/main" xmlns="" w="9525">
                   <a:solidFill>
                     <a:srgbClr val="000000"/>
                   </a:solidFill>
@@ -2527,7 +2528,7 @@
             </a:ln>
             <a:extLst>
               <a:ext uri="{91240B29-F687-4f45-9708-019B960494DF}">
-                <a14:hiddenLine xmlns="" xmlns:a14="http://schemas.microsoft.com/office/drawing/2010/main" w="9525">
+                <a14:hiddenLine xmlns:a14="http://schemas.microsoft.com/office/drawing/2010/main" xmlns="" w="9525">
                   <a:solidFill>
                     <a:srgbClr val="000000"/>
                   </a:solidFill>
@@ -2589,7 +2590,7 @@
             </a:ln>
             <a:extLst>
               <a:ext uri="{91240B29-F687-4f45-9708-019B960494DF}">
-                <a14:hiddenLine xmlns="" xmlns:a14="http://schemas.microsoft.com/office/drawing/2010/main" w="9525">
+                <a14:hiddenLine xmlns:a14="http://schemas.microsoft.com/office/drawing/2010/main" xmlns="" w="9525">
                   <a:solidFill>
                     <a:srgbClr val="000000"/>
                   </a:solidFill>
@@ -2679,7 +2680,7 @@
             </a:ln>
             <a:extLst>
               <a:ext uri="{91240B29-F687-4f45-9708-019B960494DF}">
-                <a14:hiddenLine xmlns="" xmlns:a14="http://schemas.microsoft.com/office/drawing/2010/main" w="9525">
+                <a14:hiddenLine xmlns:a14="http://schemas.microsoft.com/office/drawing/2010/main" xmlns="" w="9525">
                   <a:solidFill>
                     <a:srgbClr val="000000"/>
                   </a:solidFill>
@@ -2747,7 +2748,7 @@
             </a:ln>
             <a:extLst>
               <a:ext uri="{91240B29-F687-4f45-9708-019B960494DF}">
-                <a14:hiddenLine xmlns="" xmlns:a14="http://schemas.microsoft.com/office/drawing/2010/main" w="9525">
+                <a14:hiddenLine xmlns:a14="http://schemas.microsoft.com/office/drawing/2010/main" xmlns="" w="9525">
                   <a:solidFill>
                     <a:srgbClr val="000000"/>
                   </a:solidFill>
@@ -2809,7 +2810,7 @@
             </a:ln>
             <a:extLst>
               <a:ext uri="{91240B29-F687-4f45-9708-019B960494DF}">
-                <a14:hiddenLine xmlns="" xmlns:a14="http://schemas.microsoft.com/office/drawing/2010/main" w="9525">
+                <a14:hiddenLine xmlns:a14="http://schemas.microsoft.com/office/drawing/2010/main" xmlns="" w="9525">
                   <a:solidFill>
                     <a:srgbClr val="000000"/>
                   </a:solidFill>
@@ -2899,7 +2900,7 @@
             </a:ln>
             <a:extLst>
               <a:ext uri="{91240B29-F687-4f45-9708-019B960494DF}">
-                <a14:hiddenLine xmlns="" xmlns:a14="http://schemas.microsoft.com/office/drawing/2010/main" w="9525">
+                <a14:hiddenLine xmlns:a14="http://schemas.microsoft.com/office/drawing/2010/main" xmlns="" w="9525">
                   <a:solidFill>
                     <a:srgbClr val="000000"/>
                   </a:solidFill>
@@ -2961,7 +2962,7 @@
             </a:ln>
             <a:extLst>
               <a:ext uri="{91240B29-F687-4f45-9708-019B960494DF}">
-                <a14:hiddenLine xmlns="" xmlns:a14="http://schemas.microsoft.com/office/drawing/2010/main" w="9525">
+                <a14:hiddenLine xmlns:a14="http://schemas.microsoft.com/office/drawing/2010/main" xmlns="" w="9525">
                   <a:solidFill>
                     <a:srgbClr val="000000"/>
                   </a:solidFill>
@@ -3051,7 +3052,7 @@
             </a:ln>
             <a:extLst>
               <a:ext uri="{91240B29-F687-4f45-9708-019B960494DF}">
-                <a14:hiddenLine xmlns="" xmlns:a14="http://schemas.microsoft.com/office/drawing/2010/main" w="9525">
+                <a14:hiddenLine xmlns:a14="http://schemas.microsoft.com/office/drawing/2010/main" xmlns="" w="9525">
                   <a:solidFill>
                     <a:srgbClr val="000000"/>
                   </a:solidFill>
@@ -3113,7 +3114,7 @@
             </a:ln>
             <a:extLst>
               <a:ext uri="{91240B29-F687-4f45-9708-019B960494DF}">
-                <a14:hiddenLine xmlns="" xmlns:a14="http://schemas.microsoft.com/office/drawing/2010/main" w="9525">
+                <a14:hiddenLine xmlns:a14="http://schemas.microsoft.com/office/drawing/2010/main" xmlns="" w="9525">
                   <a:solidFill>
                     <a:srgbClr val="000000"/>
                   </a:solidFill>
@@ -3203,7 +3204,7 @@
             </a:ln>
             <a:extLst>
               <a:ext uri="{91240B29-F687-4f45-9708-019B960494DF}">
-                <a14:hiddenLine xmlns="" xmlns:a14="http://schemas.microsoft.com/office/drawing/2010/main" w="9525">
+                <a14:hiddenLine xmlns:a14="http://schemas.microsoft.com/office/drawing/2010/main" xmlns="" w="9525">
                   <a:solidFill>
                     <a:srgbClr val="000000"/>
                   </a:solidFill>
@@ -3237,7 +3238,7 @@
             </a:ln>
             <a:extLst>
               <a:ext uri="{91240B29-F687-4f45-9708-019B960494DF}">
-                <a14:hiddenLine xmlns="" xmlns:a14="http://schemas.microsoft.com/office/drawing/2010/main" w="9525">
+                <a14:hiddenLine xmlns:a14="http://schemas.microsoft.com/office/drawing/2010/main" xmlns="" w="9525">
                   <a:solidFill>
                     <a:srgbClr val="000000"/>
                   </a:solidFill>
@@ -3302,7 +3303,7 @@
             </a:ln>
             <a:extLst>
               <a:ext uri="{91240B29-F687-4f45-9708-019B960494DF}">
-                <a14:hiddenLine xmlns="" xmlns:a14="http://schemas.microsoft.com/office/drawing/2010/main" w="9525">
+                <a14:hiddenLine xmlns:a14="http://schemas.microsoft.com/office/drawing/2010/main" xmlns="" w="9525">
                   <a:solidFill>
                     <a:srgbClr val="000000"/>
                   </a:solidFill>
@@ -3392,7 +3393,7 @@
             </a:ln>
             <a:extLst>
               <a:ext uri="{91240B29-F687-4f45-9708-019B960494DF}">
-                <a14:hiddenLine xmlns="" xmlns:a14="http://schemas.microsoft.com/office/drawing/2010/main" w="9525">
+                <a14:hiddenLine xmlns:a14="http://schemas.microsoft.com/office/drawing/2010/main" xmlns="" w="9525">
                   <a:solidFill>
                     <a:srgbClr val="000000"/>
                   </a:solidFill>
@@ -3454,7 +3455,7 @@
             </a:ln>
             <a:extLst>
               <a:ext uri="{91240B29-F687-4f45-9708-019B960494DF}">
-                <a14:hiddenLine xmlns="" xmlns:a14="http://schemas.microsoft.com/office/drawing/2010/main" w="9525">
+                <a14:hiddenLine xmlns:a14="http://schemas.microsoft.com/office/drawing/2010/main" xmlns="" w="9525">
                   <a:solidFill>
                     <a:srgbClr val="000000"/>
                   </a:solidFill>
@@ -3544,7 +3545,7 @@
             </a:ln>
             <a:extLst>
               <a:ext uri="{91240B29-F687-4f45-9708-019B960494DF}">
-                <a14:hiddenLine xmlns="" xmlns:a14="http://schemas.microsoft.com/office/drawing/2010/main" w="9525">
+                <a14:hiddenLine xmlns:a14="http://schemas.microsoft.com/office/drawing/2010/main" xmlns="" w="9525">
                   <a:solidFill>
                     <a:srgbClr val="000000"/>
                   </a:solidFill>
@@ -3634,7 +3635,7 @@
             </a:ln>
             <a:extLst>
               <a:ext uri="{91240B29-F687-4f45-9708-019B960494DF}">
-                <a14:hiddenLine xmlns="" xmlns:a14="http://schemas.microsoft.com/office/drawing/2010/main" w="9525">
+                <a14:hiddenLine xmlns:a14="http://schemas.microsoft.com/office/drawing/2010/main" xmlns="" w="9525">
                   <a:solidFill>
                     <a:srgbClr val="000000"/>
                   </a:solidFill>
@@ -3699,7 +3700,7 @@
             </a:ln>
             <a:extLst>
               <a:ext uri="{91240B29-F687-4f45-9708-019B960494DF}">
-                <a14:hiddenLine xmlns="" xmlns:a14="http://schemas.microsoft.com/office/drawing/2010/main" w="9525">
+                <a14:hiddenLine xmlns:a14="http://schemas.microsoft.com/office/drawing/2010/main" xmlns="" w="9525">
                   <a:solidFill>
                     <a:srgbClr val="000000"/>
                   </a:solidFill>
@@ -3761,7 +3762,7 @@
             </a:ln>
             <a:extLst>
               <a:ext uri="{91240B29-F687-4f45-9708-019B960494DF}">
-                <a14:hiddenLine xmlns="" xmlns:a14="http://schemas.microsoft.com/office/drawing/2010/main" w="9525">
+                <a14:hiddenLine xmlns:a14="http://schemas.microsoft.com/office/drawing/2010/main" xmlns="" w="9525">
                   <a:solidFill>
                     <a:srgbClr val="000000"/>
                   </a:solidFill>
@@ -3851,7 +3852,7 @@
             </a:ln>
             <a:extLst>
               <a:ext uri="{91240B29-F687-4f45-9708-019B960494DF}">
-                <a14:hiddenLine xmlns="" xmlns:a14="http://schemas.microsoft.com/office/drawing/2010/main" w="9525">
+                <a14:hiddenLine xmlns:a14="http://schemas.microsoft.com/office/drawing/2010/main" xmlns="" w="9525">
                   <a:solidFill>
                     <a:srgbClr val="000000"/>
                   </a:solidFill>
@@ -3941,7 +3942,7 @@
             </a:ln>
             <a:extLst>
               <a:ext uri="{91240B29-F687-4f45-9708-019B960494DF}">
-                <a14:hiddenLine xmlns="" xmlns:a14="http://schemas.microsoft.com/office/drawing/2010/main" w="9525">
+                <a14:hiddenLine xmlns:a14="http://schemas.microsoft.com/office/drawing/2010/main" xmlns="" w="9525">
                   <a:solidFill>
                     <a:srgbClr val="000000"/>
                   </a:solidFill>
@@ -4003,7 +4004,7 @@
             </a:ln>
             <a:extLst>
               <a:ext uri="{91240B29-F687-4f45-9708-019B960494DF}">
-                <a14:hiddenLine xmlns="" xmlns:a14="http://schemas.microsoft.com/office/drawing/2010/main" w="9525">
+                <a14:hiddenLine xmlns:a14="http://schemas.microsoft.com/office/drawing/2010/main" xmlns="" w="9525">
                   <a:solidFill>
                     <a:srgbClr val="000000"/>
                   </a:solidFill>
@@ -4123,7 +4124,7 @@
             </a:ln>
             <a:extLst>
               <a:ext uri="{91240B29-F687-4f45-9708-019B960494DF}">
-                <a14:hiddenLine xmlns="" xmlns:a14="http://schemas.microsoft.com/office/drawing/2010/main" w="9525">
+                <a14:hiddenLine xmlns:a14="http://schemas.microsoft.com/office/drawing/2010/main" xmlns="" w="9525">
                   <a:solidFill>
                     <a:srgbClr val="000000"/>
                   </a:solidFill>
@@ -4191,7 +4192,7 @@
             </a:ln>
             <a:extLst>
               <a:ext uri="{91240B29-F687-4f45-9708-019B960494DF}">
-                <a14:hiddenLine xmlns="" xmlns:a14="http://schemas.microsoft.com/office/drawing/2010/main" w="9525">
+                <a14:hiddenLine xmlns:a14="http://schemas.microsoft.com/office/drawing/2010/main" xmlns="" w="9525">
                   <a:solidFill>
                     <a:srgbClr val="000000"/>
                   </a:solidFill>
@@ -4281,7 +4282,7 @@
             </a:ln>
             <a:extLst>
               <a:ext uri="{91240B29-F687-4f45-9708-019B960494DF}">
-                <a14:hiddenLine xmlns="" xmlns:a14="http://schemas.microsoft.com/office/drawing/2010/main" w="9525">
+                <a14:hiddenLine xmlns:a14="http://schemas.microsoft.com/office/drawing/2010/main" xmlns="" w="9525">
                   <a:solidFill>
                     <a:srgbClr val="000000"/>
                   </a:solidFill>
@@ -4421,7 +4422,7 @@
           <a:p>
             <a:fld id="{1D8BD707-D9CF-40AE-B4C6-C98DA3205C09}" type="datetimeFigureOut">
               <a:rPr lang="en-US" smtClean="0"/>
-              <a:t>5/10/2022</a:t>
+              <a:t>5/11/2022</a:t>
             </a:fld>
             <a:endParaRPr lang="en-US"/>
           </a:p>
@@ -4688,7 +4689,7 @@
           <a:p>
             <a:fld id="{1D8BD707-D9CF-40AE-B4C6-C98DA3205C09}" type="datetimeFigureOut">
               <a:rPr lang="en-US" smtClean="0"/>
-              <a:t>5/10/2022</a:t>
+              <a:t>5/11/2022</a:t>
             </a:fld>
             <a:endParaRPr lang="en-US"/>
           </a:p>
@@ -4884,7 +4885,7 @@
           <a:p>
             <a:fld id="{1D8BD707-D9CF-40AE-B4C6-C98DA3205C09}" type="datetimeFigureOut">
               <a:rPr lang="en-US" smtClean="0"/>
-              <a:t>5/10/2022</a:t>
+              <a:t>5/11/2022</a:t>
             </a:fld>
             <a:endParaRPr lang="en-US"/>
           </a:p>
@@ -5147,7 +5148,7 @@
           <a:p>
             <a:fld id="{1D8BD707-D9CF-40AE-B4C6-C98DA3205C09}" type="datetimeFigureOut">
               <a:rPr lang="en-US" smtClean="0"/>
-              <a:t>5/10/2022</a:t>
+              <a:t>5/11/2022</a:t>
             </a:fld>
             <a:endParaRPr lang="en-US"/>
           </a:p>
@@ -5581,7 +5582,7 @@
           <a:p>
             <a:fld id="{1D8BD707-D9CF-40AE-B4C6-C98DA3205C09}" type="datetimeFigureOut">
               <a:rPr lang="en-US" smtClean="0"/>
-              <a:t>5/10/2022</a:t>
+              <a:t>5/11/2022</a:t>
             </a:fld>
             <a:endParaRPr lang="en-US"/>
           </a:p>
@@ -6127,7 +6128,7 @@
           <a:p>
             <a:fld id="{1D8BD707-D9CF-40AE-B4C6-C98DA3205C09}" type="datetimeFigureOut">
               <a:rPr lang="en-US" smtClean="0"/>
-              <a:t>5/10/2022</a:t>
+              <a:t>5/11/2022</a:t>
             </a:fld>
             <a:endParaRPr lang="en-US"/>
           </a:p>
@@ -6847,7 +6848,7 @@
           <a:p>
             <a:fld id="{1D8BD707-D9CF-40AE-B4C6-C98DA3205C09}" type="datetimeFigureOut">
               <a:rPr lang="en-US" smtClean="0"/>
-              <a:t>5/10/2022</a:t>
+              <a:t>5/11/2022</a:t>
             </a:fld>
             <a:endParaRPr lang="en-US"/>
           </a:p>
@@ -7021,7 +7022,7 @@
           <a:p>
             <a:fld id="{1D8BD707-D9CF-40AE-B4C6-C98DA3205C09}" type="datetimeFigureOut">
               <a:rPr lang="en-US" smtClean="0"/>
-              <a:t>5/10/2022</a:t>
+              <a:t>5/11/2022</a:t>
             </a:fld>
             <a:endParaRPr lang="en-US"/>
           </a:p>
@@ -7201,7 +7202,7 @@
           <a:p>
             <a:fld id="{1D8BD707-D9CF-40AE-B4C6-C98DA3205C09}" type="datetimeFigureOut">
               <a:rPr lang="en-US" smtClean="0"/>
-              <a:t>5/10/2022</a:t>
+              <a:t>5/11/2022</a:t>
             </a:fld>
             <a:endParaRPr lang="en-US"/>
           </a:p>
@@ -7386,7 +7387,7 @@
           <a:p>
             <a:fld id="{1D8BD707-D9CF-40AE-B4C6-C98DA3205C09}" type="datetimeFigureOut">
               <a:rPr lang="en-US" smtClean="0"/>
-              <a:t>5/10/2022</a:t>
+              <a:t>5/11/2022</a:t>
             </a:fld>
             <a:endParaRPr lang="en-US"/>
           </a:p>
@@ -7653,7 +7654,7 @@
           <a:p>
             <a:fld id="{1D8BD707-D9CF-40AE-B4C6-C98DA3205C09}" type="datetimeFigureOut">
               <a:rPr lang="en-US" smtClean="0"/>
-              <a:t>5/10/2022</a:t>
+              <a:t>5/11/2022</a:t>
             </a:fld>
             <a:endParaRPr lang="en-US"/>
           </a:p>
@@ -7885,7 +7886,7 @@
           <a:p>
             <a:fld id="{1D8BD707-D9CF-40AE-B4C6-C98DA3205C09}" type="datetimeFigureOut">
               <a:rPr lang="en-US" smtClean="0"/>
-              <a:t>5/10/2022</a:t>
+              <a:t>5/11/2022</a:t>
             </a:fld>
             <a:endParaRPr lang="en-US"/>
           </a:p>
@@ -8266,7 +8267,7 @@
           <a:p>
             <a:fld id="{1D8BD707-D9CF-40AE-B4C6-C98DA3205C09}" type="datetimeFigureOut">
               <a:rPr lang="en-US" smtClean="0"/>
-              <a:t>5/10/2022</a:t>
+              <a:t>5/11/2022</a:t>
             </a:fld>
             <a:endParaRPr lang="en-US"/>
           </a:p>
@@ -8384,7 +8385,7 @@
           <a:p>
             <a:fld id="{1D8BD707-D9CF-40AE-B4C6-C98DA3205C09}" type="datetimeFigureOut">
               <a:rPr lang="en-US" smtClean="0"/>
-              <a:t>5/10/2022</a:t>
+              <a:t>5/11/2022</a:t>
             </a:fld>
             <a:endParaRPr lang="en-US"/>
           </a:p>
@@ -8479,7 +8480,7 @@
           <a:p>
             <a:fld id="{1D8BD707-D9CF-40AE-B4C6-C98DA3205C09}" type="datetimeFigureOut">
               <a:rPr lang="en-US" smtClean="0"/>
-              <a:t>5/10/2022</a:t>
+              <a:t>5/11/2022</a:t>
             </a:fld>
             <a:endParaRPr lang="en-US"/>
           </a:p>
@@ -8728,7 +8729,7 @@
           <a:p>
             <a:fld id="{1D8BD707-D9CF-40AE-B4C6-C98DA3205C09}" type="datetimeFigureOut">
               <a:rPr lang="en-US" smtClean="0"/>
-              <a:t>5/10/2022</a:t>
+              <a:t>5/11/2022</a:t>
             </a:fld>
             <a:endParaRPr lang="en-US"/>
           </a:p>
@@ -8980,7 +8981,7 @@
           <a:p>
             <a:fld id="{1D8BD707-D9CF-40AE-B4C6-C98DA3205C09}" type="datetimeFigureOut">
               <a:rPr lang="en-US" smtClean="0"/>
-              <a:t>5/10/2022</a:t>
+              <a:t>5/11/2022</a:t>
             </a:fld>
             <a:endParaRPr lang="en-US"/>
           </a:p>
@@ -9103,7 +9104,7 @@
           <a:noFill/>
           <a:extLst>
             <a:ext uri="{909E8E84-426E-40dd-AFC4-6F175D3DCCD1}">
-              <a14:hiddenFill xmlns="" xmlns:a14="http://schemas.microsoft.com/office/drawing/2010/main">
+              <a14:hiddenFill xmlns:a14="http://schemas.microsoft.com/office/drawing/2010/main" xmlns="">
                 <a:solidFill>
                   <a:srgbClr val="FFFFFF"/>
                 </a:solidFill>
@@ -9177,7 +9178,7 @@
               </a:ln>
               <a:extLst>
                 <a:ext uri="{91240B29-F687-4f45-9708-019B960494DF}">
-                  <a14:hiddenLine xmlns="" xmlns:a14="http://schemas.microsoft.com/office/drawing/2010/main" w="9525">
+                  <a14:hiddenLine xmlns:a14="http://schemas.microsoft.com/office/drawing/2010/main" xmlns="" w="9525">
                     <a:solidFill>
                       <a:srgbClr val="000000"/>
                     </a:solidFill>
@@ -9267,7 +9268,7 @@
               </a:ln>
               <a:extLst>
                 <a:ext uri="{91240B29-F687-4f45-9708-019B960494DF}">
-                  <a14:hiddenLine xmlns="" xmlns:a14="http://schemas.microsoft.com/office/drawing/2010/main" w="9525">
+                  <a14:hiddenLine xmlns:a14="http://schemas.microsoft.com/office/drawing/2010/main" xmlns="" w="9525">
                     <a:solidFill>
                       <a:srgbClr val="000000"/>
                     </a:solidFill>
@@ -9357,7 +9358,7 @@
               </a:ln>
               <a:extLst>
                 <a:ext uri="{91240B29-F687-4f45-9708-019B960494DF}">
-                  <a14:hiddenLine xmlns="" xmlns:a14="http://schemas.microsoft.com/office/drawing/2010/main" w="9525">
+                  <a14:hiddenLine xmlns:a14="http://schemas.microsoft.com/office/drawing/2010/main" xmlns="" w="9525">
                     <a:solidFill>
                       <a:srgbClr val="000000"/>
                     </a:solidFill>
@@ -9419,7 +9420,7 @@
               </a:ln>
               <a:extLst>
                 <a:ext uri="{91240B29-F687-4f45-9708-019B960494DF}">
-                  <a14:hiddenLine xmlns="" xmlns:a14="http://schemas.microsoft.com/office/drawing/2010/main" w="9525">
+                  <a14:hiddenLine xmlns:a14="http://schemas.microsoft.com/office/drawing/2010/main" xmlns="" w="9525">
                     <a:solidFill>
                       <a:srgbClr val="000000"/>
                     </a:solidFill>
@@ -9509,7 +9510,7 @@
               </a:ln>
               <a:extLst>
                 <a:ext uri="{91240B29-F687-4f45-9708-019B960494DF}">
-                  <a14:hiddenLine xmlns="" xmlns:a14="http://schemas.microsoft.com/office/drawing/2010/main" w="9525">
+                  <a14:hiddenLine xmlns:a14="http://schemas.microsoft.com/office/drawing/2010/main" xmlns="" w="9525">
                     <a:solidFill>
                       <a:srgbClr val="000000"/>
                     </a:solidFill>
@@ -9571,7 +9572,7 @@
               </a:ln>
               <a:extLst>
                 <a:ext uri="{91240B29-F687-4f45-9708-019B960494DF}">
-                  <a14:hiddenLine xmlns="" xmlns:a14="http://schemas.microsoft.com/office/drawing/2010/main" w="9525">
+                  <a14:hiddenLine xmlns:a14="http://schemas.microsoft.com/office/drawing/2010/main" xmlns="" w="9525">
                     <a:solidFill>
                       <a:srgbClr val="000000"/>
                     </a:solidFill>
@@ -9633,7 +9634,7 @@
               </a:ln>
               <a:extLst>
                 <a:ext uri="{91240B29-F687-4f45-9708-019B960494DF}">
-                  <a14:hiddenLine xmlns="" xmlns:a14="http://schemas.microsoft.com/office/drawing/2010/main" w="9525">
+                  <a14:hiddenLine xmlns:a14="http://schemas.microsoft.com/office/drawing/2010/main" xmlns="" w="9525">
                     <a:solidFill>
                       <a:srgbClr val="000000"/>
                     </a:solidFill>
@@ -9723,7 +9724,7 @@
               </a:ln>
               <a:extLst>
                 <a:ext uri="{91240B29-F687-4f45-9708-019B960494DF}">
-                  <a14:hiddenLine xmlns="" xmlns:a14="http://schemas.microsoft.com/office/drawing/2010/main" w="9525">
+                  <a14:hiddenLine xmlns:a14="http://schemas.microsoft.com/office/drawing/2010/main" xmlns="" w="9525">
                     <a:solidFill>
                       <a:srgbClr val="000000"/>
                     </a:solidFill>
@@ -9813,7 +9814,7 @@
               </a:ln>
               <a:extLst>
                 <a:ext uri="{91240B29-F687-4f45-9708-019B960494DF}">
-                  <a14:hiddenLine xmlns="" xmlns:a14="http://schemas.microsoft.com/office/drawing/2010/main" w="9525">
+                  <a14:hiddenLine xmlns:a14="http://schemas.microsoft.com/office/drawing/2010/main" xmlns="" w="9525">
                     <a:solidFill>
                       <a:srgbClr val="000000"/>
                     </a:solidFill>
@@ -9875,7 +9876,7 @@
               </a:ln>
               <a:extLst>
                 <a:ext uri="{91240B29-F687-4f45-9708-019B960494DF}">
-                  <a14:hiddenLine xmlns="" xmlns:a14="http://schemas.microsoft.com/office/drawing/2010/main" w="9525">
+                  <a14:hiddenLine xmlns:a14="http://schemas.microsoft.com/office/drawing/2010/main" xmlns="" w="9525">
                     <a:solidFill>
                       <a:srgbClr val="000000"/>
                     </a:solidFill>
@@ -9985,7 +9986,7 @@
               </a:ln>
               <a:extLst>
                 <a:ext uri="{91240B29-F687-4f45-9708-019B960494DF}">
-                  <a14:hiddenLine xmlns="" xmlns:a14="http://schemas.microsoft.com/office/drawing/2010/main" w="9525">
+                  <a14:hiddenLine xmlns:a14="http://schemas.microsoft.com/office/drawing/2010/main" xmlns="" w="9525">
                     <a:solidFill>
                       <a:srgbClr val="000000"/>
                     </a:solidFill>
@@ -10069,7 +10070,7 @@
               </a:ln>
               <a:extLst>
                 <a:ext uri="{91240B29-F687-4f45-9708-019B960494DF}">
-                  <a14:hiddenLine xmlns="" xmlns:a14="http://schemas.microsoft.com/office/drawing/2010/main" w="9525">
+                  <a14:hiddenLine xmlns:a14="http://schemas.microsoft.com/office/drawing/2010/main" xmlns="" w="9525">
                     <a:solidFill>
                       <a:srgbClr val="000000"/>
                     </a:solidFill>
@@ -10131,7 +10132,7 @@
               </a:ln>
               <a:extLst>
                 <a:ext uri="{91240B29-F687-4f45-9708-019B960494DF}">
-                  <a14:hiddenLine xmlns="" xmlns:a14="http://schemas.microsoft.com/office/drawing/2010/main" w="9525">
+                  <a14:hiddenLine xmlns:a14="http://schemas.microsoft.com/office/drawing/2010/main" xmlns="" w="9525">
                     <a:solidFill>
                       <a:srgbClr val="000000"/>
                     </a:solidFill>
@@ -10193,7 +10194,7 @@
               </a:ln>
               <a:extLst>
                 <a:ext uri="{91240B29-F687-4f45-9708-019B960494DF}">
-                  <a14:hiddenLine xmlns="" xmlns:a14="http://schemas.microsoft.com/office/drawing/2010/main" w="9525">
+                  <a14:hiddenLine xmlns:a14="http://schemas.microsoft.com/office/drawing/2010/main" xmlns="" w="9525">
                     <a:solidFill>
                       <a:srgbClr val="000000"/>
                     </a:solidFill>
@@ -10283,7 +10284,7 @@
               </a:ln>
               <a:extLst>
                 <a:ext uri="{91240B29-F687-4f45-9708-019B960494DF}">
-                  <a14:hiddenLine xmlns="" xmlns:a14="http://schemas.microsoft.com/office/drawing/2010/main" w="9525">
+                  <a14:hiddenLine xmlns:a14="http://schemas.microsoft.com/office/drawing/2010/main" xmlns="" w="9525">
                     <a:solidFill>
                       <a:srgbClr val="000000"/>
                     </a:solidFill>
@@ -10317,7 +10318,7 @@
               </a:ln>
               <a:extLst>
                 <a:ext uri="{91240B29-F687-4f45-9708-019B960494DF}">
-                  <a14:hiddenLine xmlns="" xmlns:a14="http://schemas.microsoft.com/office/drawing/2010/main" w="9525">
+                  <a14:hiddenLine xmlns:a14="http://schemas.microsoft.com/office/drawing/2010/main" xmlns="" w="9525">
                     <a:solidFill>
                       <a:srgbClr val="000000"/>
                     </a:solidFill>
@@ -10382,7 +10383,7 @@
               </a:ln>
               <a:extLst>
                 <a:ext uri="{91240B29-F687-4f45-9708-019B960494DF}">
-                  <a14:hiddenLine xmlns="" xmlns:a14="http://schemas.microsoft.com/office/drawing/2010/main" w="9525">
+                  <a14:hiddenLine xmlns:a14="http://schemas.microsoft.com/office/drawing/2010/main" xmlns="" w="9525">
                     <a:solidFill>
                       <a:srgbClr val="000000"/>
                     </a:solidFill>
@@ -10472,7 +10473,7 @@
               </a:ln>
               <a:extLst>
                 <a:ext uri="{91240B29-F687-4f45-9708-019B960494DF}">
-                  <a14:hiddenLine xmlns="" xmlns:a14="http://schemas.microsoft.com/office/drawing/2010/main" w="9525">
+                  <a14:hiddenLine xmlns:a14="http://schemas.microsoft.com/office/drawing/2010/main" xmlns="" w="9525">
                     <a:solidFill>
                       <a:srgbClr val="000000"/>
                     </a:solidFill>
@@ -10534,7 +10535,7 @@
               </a:ln>
               <a:extLst>
                 <a:ext uri="{91240B29-F687-4f45-9708-019B960494DF}">
-                  <a14:hiddenLine xmlns="" xmlns:a14="http://schemas.microsoft.com/office/drawing/2010/main" w="9525">
+                  <a14:hiddenLine xmlns:a14="http://schemas.microsoft.com/office/drawing/2010/main" xmlns="" w="9525">
                     <a:solidFill>
                       <a:srgbClr val="000000"/>
                     </a:solidFill>
@@ -10624,7 +10625,7 @@
               </a:ln>
               <a:extLst>
                 <a:ext uri="{91240B29-F687-4f45-9708-019B960494DF}">
-                  <a14:hiddenLine xmlns="" xmlns:a14="http://schemas.microsoft.com/office/drawing/2010/main" w="9525">
+                  <a14:hiddenLine xmlns:a14="http://schemas.microsoft.com/office/drawing/2010/main" xmlns="" w="9525">
                     <a:solidFill>
                       <a:srgbClr val="000000"/>
                     </a:solidFill>
@@ -10689,7 +10690,7 @@
               </a:ln>
               <a:extLst>
                 <a:ext uri="{91240B29-F687-4f45-9708-019B960494DF}">
-                  <a14:hiddenLine xmlns="" xmlns:a14="http://schemas.microsoft.com/office/drawing/2010/main" w="9525">
+                  <a14:hiddenLine xmlns:a14="http://schemas.microsoft.com/office/drawing/2010/main" xmlns="" w="9525">
                     <a:solidFill>
                       <a:srgbClr val="000000"/>
                     </a:solidFill>
@@ -10751,7 +10752,7 @@
               </a:ln>
               <a:extLst>
                 <a:ext uri="{91240B29-F687-4f45-9708-019B960494DF}">
-                  <a14:hiddenLine xmlns="" xmlns:a14="http://schemas.microsoft.com/office/drawing/2010/main" w="9525">
+                  <a14:hiddenLine xmlns:a14="http://schemas.microsoft.com/office/drawing/2010/main" xmlns="" w="9525">
                     <a:solidFill>
                       <a:srgbClr val="000000"/>
                     </a:solidFill>
@@ -10841,7 +10842,7 @@
               </a:ln>
               <a:extLst>
                 <a:ext uri="{91240B29-F687-4f45-9708-019B960494DF}">
-                  <a14:hiddenLine xmlns="" xmlns:a14="http://schemas.microsoft.com/office/drawing/2010/main" w="9525">
+                  <a14:hiddenLine xmlns:a14="http://schemas.microsoft.com/office/drawing/2010/main" xmlns="" w="9525">
                     <a:solidFill>
                       <a:srgbClr val="000000"/>
                     </a:solidFill>
@@ -10931,7 +10932,7 @@
               </a:ln>
               <a:extLst>
                 <a:ext uri="{91240B29-F687-4f45-9708-019B960494DF}">
-                  <a14:hiddenLine xmlns="" xmlns:a14="http://schemas.microsoft.com/office/drawing/2010/main" w="9525">
+                  <a14:hiddenLine xmlns:a14="http://schemas.microsoft.com/office/drawing/2010/main" xmlns="" w="9525">
                     <a:solidFill>
                       <a:srgbClr val="000000"/>
                     </a:solidFill>
@@ -10996,7 +10997,7 @@
               </a:ln>
               <a:extLst>
                 <a:ext uri="{91240B29-F687-4f45-9708-019B960494DF}">
-                  <a14:hiddenLine xmlns="" xmlns:a14="http://schemas.microsoft.com/office/drawing/2010/main" w="9525">
+                  <a14:hiddenLine xmlns:a14="http://schemas.microsoft.com/office/drawing/2010/main" xmlns="" w="9525">
                     <a:solidFill>
                       <a:srgbClr val="000000"/>
                     </a:solidFill>
@@ -11116,7 +11117,7 @@
               </a:ln>
               <a:extLst>
                 <a:ext uri="{91240B29-F687-4f45-9708-019B960494DF}">
-                  <a14:hiddenLine xmlns="" xmlns:a14="http://schemas.microsoft.com/office/drawing/2010/main" w="9525">
+                  <a14:hiddenLine xmlns:a14="http://schemas.microsoft.com/office/drawing/2010/main" xmlns="" w="9525">
                     <a:solidFill>
                       <a:srgbClr val="000000"/>
                     </a:solidFill>
@@ -11214,7 +11215,7 @@
               </a:ln>
               <a:extLst>
                 <a:ext uri="{91240B29-F687-4f45-9708-019B960494DF}">
-                  <a14:hiddenLine xmlns="" xmlns:a14="http://schemas.microsoft.com/office/drawing/2010/main" w="9525">
+                  <a14:hiddenLine xmlns:a14="http://schemas.microsoft.com/office/drawing/2010/main" xmlns="" w="9525">
                     <a:solidFill>
                       <a:srgbClr val="000000"/>
                     </a:solidFill>
@@ -11329,7 +11330,7 @@
               </a:ln>
               <a:extLst>
                 <a:ext uri="{91240B29-F687-4f45-9708-019B960494DF}">
-                  <a14:hiddenLine xmlns="" xmlns:a14="http://schemas.microsoft.com/office/drawing/2010/main" w="9525">
+                  <a14:hiddenLine xmlns:a14="http://schemas.microsoft.com/office/drawing/2010/main" xmlns="" w="9525">
                     <a:solidFill>
                       <a:srgbClr val="000000"/>
                     </a:solidFill>
@@ -11419,7 +11420,7 @@
               </a:ln>
               <a:extLst>
                 <a:ext uri="{91240B29-F687-4f45-9708-019B960494DF}">
-                  <a14:hiddenLine xmlns="" xmlns:a14="http://schemas.microsoft.com/office/drawing/2010/main" w="9525">
+                  <a14:hiddenLine xmlns:a14="http://schemas.microsoft.com/office/drawing/2010/main" xmlns="" w="9525">
                     <a:solidFill>
                       <a:srgbClr val="000000"/>
                     </a:solidFill>
@@ -11484,7 +11485,7 @@
               </a:ln>
               <a:extLst>
                 <a:ext uri="{91240B29-F687-4f45-9708-019B960494DF}">
-                  <a14:hiddenLine xmlns="" xmlns:a14="http://schemas.microsoft.com/office/drawing/2010/main" w="9525">
+                  <a14:hiddenLine xmlns:a14="http://schemas.microsoft.com/office/drawing/2010/main" xmlns="" w="9525">
                     <a:solidFill>
                       <a:srgbClr val="000000"/>
                     </a:solidFill>
@@ -11574,7 +11575,7 @@
               </a:ln>
               <a:extLst>
                 <a:ext uri="{91240B29-F687-4f45-9708-019B960494DF}">
-                  <a14:hiddenLine xmlns="" xmlns:a14="http://schemas.microsoft.com/office/drawing/2010/main" w="9525">
+                  <a14:hiddenLine xmlns:a14="http://schemas.microsoft.com/office/drawing/2010/main" xmlns="" w="9525">
                     <a:solidFill>
                       <a:srgbClr val="000000"/>
                     </a:solidFill>
@@ -11642,7 +11643,7 @@
               </a:ln>
               <a:extLst>
                 <a:ext uri="{91240B29-F687-4f45-9708-019B960494DF}">
-                  <a14:hiddenLine xmlns="" xmlns:a14="http://schemas.microsoft.com/office/drawing/2010/main" w="9525">
+                  <a14:hiddenLine xmlns:a14="http://schemas.microsoft.com/office/drawing/2010/main" xmlns="" w="9525">
                     <a:solidFill>
                       <a:srgbClr val="000000"/>
                     </a:solidFill>
@@ -11732,7 +11733,7 @@
               </a:ln>
               <a:extLst>
                 <a:ext uri="{91240B29-F687-4f45-9708-019B960494DF}">
-                  <a14:hiddenLine xmlns="" xmlns:a14="http://schemas.microsoft.com/office/drawing/2010/main" w="9525">
+                  <a14:hiddenLine xmlns:a14="http://schemas.microsoft.com/office/drawing/2010/main" xmlns="" w="9525">
                     <a:solidFill>
                       <a:srgbClr val="000000"/>
                     </a:solidFill>
@@ -11800,7 +11801,7 @@
               </a:ln>
               <a:extLst>
                 <a:ext uri="{91240B29-F687-4f45-9708-019B960494DF}">
-                  <a14:hiddenLine xmlns="" xmlns:a14="http://schemas.microsoft.com/office/drawing/2010/main" w="9525">
+                  <a14:hiddenLine xmlns:a14="http://schemas.microsoft.com/office/drawing/2010/main" xmlns="" w="9525">
                     <a:solidFill>
                       <a:srgbClr val="000000"/>
                     </a:solidFill>
@@ -11890,7 +11891,7 @@
               </a:ln>
               <a:extLst>
                 <a:ext uri="{91240B29-F687-4f45-9708-019B960494DF}">
-                  <a14:hiddenLine xmlns="" xmlns:a14="http://schemas.microsoft.com/office/drawing/2010/main" w="9525">
+                  <a14:hiddenLine xmlns:a14="http://schemas.microsoft.com/office/drawing/2010/main" xmlns="" w="9525">
                     <a:solidFill>
                       <a:srgbClr val="000000"/>
                     </a:solidFill>
@@ -11924,7 +11925,7 @@
               </a:ln>
               <a:extLst>
                 <a:ext uri="{91240B29-F687-4f45-9708-019B960494DF}">
-                  <a14:hiddenLine xmlns="" xmlns:a14="http://schemas.microsoft.com/office/drawing/2010/main" w="9525">
+                  <a14:hiddenLine xmlns:a14="http://schemas.microsoft.com/office/drawing/2010/main" xmlns="" w="9525">
                     <a:solidFill>
                       <a:srgbClr val="000000"/>
                     </a:solidFill>
@@ -12064,7 +12065,7 @@
           <a:p>
             <a:fld id="{1D8BD707-D9CF-40AE-B4C6-C98DA3205C09}" type="datetimeFigureOut">
               <a:rPr lang="en-US" smtClean="0"/>
-              <a:t>5/10/2022</a:t>
+              <a:t>5/11/2022</a:t>
             </a:fld>
             <a:endParaRPr lang="en-US"/>
           </a:p>
@@ -12757,8 +12758,8 @@
         </p:nvSpPr>
         <p:spPr>
           <a:xfrm>
-            <a:off x="4514875" y="6045148"/>
-            <a:ext cx="10882616" cy="1446550"/>
+            <a:off x="3756037" y="6343650"/>
+            <a:ext cx="12400291" cy="1446550"/>
           </a:xfrm>
           <a:prstGeom prst="rect">
             <a:avLst/>
@@ -12800,7 +12801,17 @@
                   </a:schemeClr>
                 </a:solidFill>
               </a:rPr>
-              <a:t>Positions-regelung eines </a:t>
+              <a:t>Positionsregelung </a:t>
+            </a:r>
+            <a:r>
+              <a:rPr lang="de-DE" sz="4400" b="1" dirty="0" smtClean="0">
+                <a:solidFill>
+                  <a:schemeClr val="accent4">
+                    <a:lumMod val="50000"/>
+                  </a:schemeClr>
+                </a:solidFill>
+              </a:rPr>
+              <a:t>eines </a:t>
             </a:r>
             <a:r>
               <a:rPr lang="de-DE" sz="4400" b="1" dirty="0" err="1">
@@ -13048,14 +13059,14 @@
       </p:grpSp>
       <p:sp>
         <p:nvSpPr>
-          <p:cNvPr id="14" name="object 6"/>
+          <p:cNvPr id="18" name="object 6"/>
           <p:cNvSpPr txBox="1"/>
           <p:nvPr/>
         </p:nvSpPr>
         <p:spPr>
           <a:xfrm>
-            <a:off x="2036183" y="4794912"/>
-            <a:ext cx="10800000" cy="492443"/>
+            <a:off x="4916183" y="3219450"/>
+            <a:ext cx="9049469" cy="553998"/>
           </a:xfrm>
           <a:prstGeom prst="rect">
             <a:avLst/>
@@ -13069,209 +13080,25 @@
           <a:p>
             <a:pPr marL="12699" marR="6350"/>
             <a:r>
-              <a:rPr lang="de-DE" sz="3200" spc="-204" dirty="0" smtClean="0">
+              <a:rPr lang="de-DE" sz="3600" b="1" spc="-204" dirty="0" smtClean="0">
                 <a:solidFill>
                   <a:schemeClr val="accent4">
                     <a:lumMod val="50000"/>
                   </a:schemeClr>
                 </a:solidFill>
-                <a:latin typeface="Arial" panose="020B0604020202020204" pitchFamily="34" charset="0"/>
-                <a:cs typeface="Arial" panose="020B0604020202020204" pitchFamily="34" charset="0"/>
+                <a:latin typeface="Cambria"/>
+                <a:cs typeface="Cambria"/>
               </a:rPr>
-              <a:t>Aufbau</a:t>
-            </a:r>
-            <a:endParaRPr sz="3200" dirty="0">
+              <a:t>Projekt-Verlauf</a:t>
+            </a:r>
+            <a:endParaRPr sz="3600" dirty="0">
               <a:solidFill>
                 <a:schemeClr val="accent4">
                   <a:lumMod val="50000"/>
                 </a:schemeClr>
               </a:solidFill>
-              <a:latin typeface="Arial" panose="020B0604020202020204" pitchFamily="34" charset="0"/>
-              <a:cs typeface="Arial" panose="020B0604020202020204" pitchFamily="34" charset="0"/>
-            </a:endParaRPr>
-          </a:p>
-        </p:txBody>
-      </p:sp>
-      <p:sp>
-        <p:nvSpPr>
-          <p:cNvPr id="15" name="object 6"/>
-          <p:cNvSpPr txBox="1"/>
-          <p:nvPr/>
-        </p:nvSpPr>
-        <p:spPr>
-          <a:xfrm>
-            <a:off x="2036183" y="5546992"/>
-            <a:ext cx="10800000" cy="492443"/>
-          </a:xfrm>
-          <a:prstGeom prst="rect">
-            <a:avLst/>
-          </a:prstGeom>
-        </p:spPr>
-        <p:txBody>
-          <a:bodyPr vert="horz" wrap="square" lIns="0" tIns="0" rIns="0" bIns="0" rtlCol="0">
-            <a:spAutoFit/>
-          </a:bodyPr>
-          <a:lstStyle/>
-          <a:p>
-            <a:pPr marL="12699" marR="6350"/>
-            <a:r>
-              <a:rPr lang="de-DE" sz="3200" spc="-204" dirty="0" smtClean="0">
-                <a:solidFill>
-                  <a:schemeClr val="accent4">
-                    <a:lumMod val="50000"/>
-                  </a:schemeClr>
-                </a:solidFill>
-                <a:latin typeface="Arial" panose="020B0604020202020204" pitchFamily="34" charset="0"/>
-                <a:cs typeface="Arial" panose="020B0604020202020204" pitchFamily="34" charset="0"/>
-              </a:rPr>
-              <a:t>Erstinbetriebnahme / Konfiguration</a:t>
-            </a:r>
-            <a:endParaRPr sz="3200" dirty="0">
-              <a:solidFill>
-                <a:schemeClr val="accent4">
-                  <a:lumMod val="50000"/>
-                </a:schemeClr>
-              </a:solidFill>
-              <a:latin typeface="Arial" panose="020B0604020202020204" pitchFamily="34" charset="0"/>
-              <a:cs typeface="Arial" panose="020B0604020202020204" pitchFamily="34" charset="0"/>
-            </a:endParaRPr>
-          </a:p>
-        </p:txBody>
-      </p:sp>
-      <p:sp>
-        <p:nvSpPr>
-          <p:cNvPr id="16" name="object 6"/>
-          <p:cNvSpPr txBox="1"/>
-          <p:nvPr/>
-        </p:nvSpPr>
-        <p:spPr>
-          <a:xfrm>
-            <a:off x="2036183" y="6296960"/>
-            <a:ext cx="10800000" cy="492443"/>
-          </a:xfrm>
-          <a:prstGeom prst="rect">
-            <a:avLst/>
-          </a:prstGeom>
-        </p:spPr>
-        <p:txBody>
-          <a:bodyPr vert="horz" wrap="square" lIns="0" tIns="0" rIns="0" bIns="0" rtlCol="0">
-            <a:spAutoFit/>
-          </a:bodyPr>
-          <a:lstStyle/>
-          <a:p>
-            <a:pPr marL="12699" marR="6350"/>
-            <a:r>
-              <a:rPr lang="de-DE" sz="3200" spc="-204" dirty="0" smtClean="0">
-                <a:solidFill>
-                  <a:schemeClr val="accent4">
-                    <a:lumMod val="50000"/>
-                  </a:schemeClr>
-                </a:solidFill>
-                <a:latin typeface="Arial" panose="020B0604020202020204" pitchFamily="34" charset="0"/>
-                <a:cs typeface="Arial" panose="020B0604020202020204" pitchFamily="34" charset="0"/>
-              </a:rPr>
-              <a:t>Auswahl möglicher Topics / Services</a:t>
-            </a:r>
-            <a:endParaRPr sz="3200" dirty="0">
-              <a:solidFill>
-                <a:schemeClr val="accent4">
-                  <a:lumMod val="50000"/>
-                </a:schemeClr>
-              </a:solidFill>
-              <a:latin typeface="Arial" panose="020B0604020202020204" pitchFamily="34" charset="0"/>
-              <a:cs typeface="Arial" panose="020B0604020202020204" pitchFamily="34" charset="0"/>
-            </a:endParaRPr>
-          </a:p>
-        </p:txBody>
-      </p:sp>
-      <p:sp>
-        <p:nvSpPr>
-          <p:cNvPr id="17" name="object 6"/>
-          <p:cNvSpPr txBox="1"/>
-          <p:nvPr/>
-        </p:nvSpPr>
-        <p:spPr>
-          <a:xfrm>
-            <a:off x="2031103" y="7046928"/>
-            <a:ext cx="10800000" cy="492443"/>
-          </a:xfrm>
-          <a:prstGeom prst="rect">
-            <a:avLst/>
-          </a:prstGeom>
-        </p:spPr>
-        <p:txBody>
-          <a:bodyPr vert="horz" wrap="square" lIns="0" tIns="0" rIns="0" bIns="0" rtlCol="0">
-            <a:spAutoFit/>
-          </a:bodyPr>
-          <a:lstStyle/>
-          <a:p>
-            <a:pPr marL="12699" marR="6350"/>
-            <a:r>
-              <a:rPr lang="de-DE" sz="3200" spc="-204" dirty="0" smtClean="0">
-                <a:solidFill>
-                  <a:schemeClr val="accent4">
-                    <a:lumMod val="50000"/>
-                  </a:schemeClr>
-                </a:solidFill>
-                <a:latin typeface="Arial" panose="020B0604020202020204" pitchFamily="34" charset="0"/>
-                <a:cs typeface="Arial" panose="020B0604020202020204" pitchFamily="34" charset="0"/>
-              </a:rPr>
-              <a:t>Entwurf des Regelungssystems</a:t>
-            </a:r>
-            <a:endParaRPr sz="3200" dirty="0">
-              <a:solidFill>
-                <a:schemeClr val="accent4">
-                  <a:lumMod val="50000"/>
-                </a:schemeClr>
-              </a:solidFill>
-              <a:latin typeface="Arial" panose="020B0604020202020204" pitchFamily="34" charset="0"/>
-              <a:cs typeface="Arial" panose="020B0604020202020204" pitchFamily="34" charset="0"/>
-            </a:endParaRPr>
-          </a:p>
-        </p:txBody>
-      </p:sp>
-      <p:sp>
-        <p:nvSpPr>
-          <p:cNvPr id="18" name="object 6"/>
-          <p:cNvSpPr txBox="1"/>
-          <p:nvPr/>
-        </p:nvSpPr>
-        <p:spPr>
-          <a:xfrm>
-            <a:off x="2004506" y="7796896"/>
-            <a:ext cx="10800000" cy="492443"/>
-          </a:xfrm>
-          <a:prstGeom prst="rect">
-            <a:avLst/>
-          </a:prstGeom>
-        </p:spPr>
-        <p:txBody>
-          <a:bodyPr vert="horz" wrap="square" lIns="0" tIns="0" rIns="0" bIns="0" rtlCol="0">
-            <a:spAutoFit/>
-          </a:bodyPr>
-          <a:lstStyle/>
-          <a:p>
-            <a:pPr marL="12699" marR="6350"/>
-            <a:r>
-              <a:rPr lang="de-DE" sz="3200" spc="-204" dirty="0" smtClean="0">
-                <a:solidFill>
-                  <a:schemeClr val="accent4">
-                    <a:lumMod val="50000"/>
-                  </a:schemeClr>
-                </a:solidFill>
-                <a:latin typeface="Arial" panose="020B0604020202020204" pitchFamily="34" charset="0"/>
-                <a:cs typeface="Arial" panose="020B0604020202020204" pitchFamily="34" charset="0"/>
-              </a:rPr>
-              <a:t>Test der gewünschten Topics / Services</a:t>
-            </a:r>
-            <a:endParaRPr sz="3200" dirty="0">
-              <a:solidFill>
-                <a:schemeClr val="accent4">
-                  <a:lumMod val="50000"/>
-                </a:schemeClr>
-              </a:solidFill>
-              <a:latin typeface="Arial" panose="020B0604020202020204" pitchFamily="34" charset="0"/>
-              <a:cs typeface="Arial" panose="020B0604020202020204" pitchFamily="34" charset="0"/>
+              <a:latin typeface="Cambria"/>
+              <a:cs typeface="Cambria"/>
             </a:endParaRPr>
           </a:p>
         </p:txBody>
@@ -13342,166 +13169,50 @@
           </a:p>
         </p:txBody>
       </p:sp>
-      <p:sp>
-        <p:nvSpPr>
-          <p:cNvPr id="21" name="object 6"/>
-          <p:cNvSpPr txBox="1"/>
+      <p:pic>
+        <p:nvPicPr>
+          <p:cNvPr id="2" name="Grafik 1"/>
+          <p:cNvPicPr>
+            <a:picLocks noChangeAspect="1"/>
+          </p:cNvPicPr>
           <p:nvPr/>
-        </p:nvSpPr>
+        </p:nvPicPr>
+        <p:blipFill>
+          <a:blip r:embed="rId3"/>
+          <a:stretch>
+            <a:fillRect/>
+          </a:stretch>
+        </p:blipFill>
         <p:spPr>
           <a:xfrm>
-            <a:off x="4916183" y="3219450"/>
-            <a:ext cx="9049469" cy="553998"/>
+            <a:off x="8331200" y="3019920"/>
+            <a:ext cx="11520000" cy="3181396"/>
           </a:xfrm>
           <a:prstGeom prst="rect">
             <a:avLst/>
           </a:prstGeom>
         </p:spPr>
-        <p:txBody>
-          <a:bodyPr vert="horz" wrap="square" lIns="0" tIns="0" rIns="0" bIns="0" rtlCol="0">
-            <a:spAutoFit/>
-          </a:bodyPr>
-          <a:lstStyle/>
-          <a:p>
-            <a:pPr marL="12699" marR="6350"/>
-            <a:r>
-              <a:rPr lang="de-DE" sz="3600" b="1" spc="-204" dirty="0" smtClean="0">
-                <a:solidFill>
-                  <a:schemeClr val="accent4">
-                    <a:lumMod val="50000"/>
-                  </a:schemeClr>
-                </a:solidFill>
-                <a:latin typeface="Cambria"/>
-                <a:cs typeface="Cambria"/>
-              </a:rPr>
-              <a:t>Vorgehen: </a:t>
-            </a:r>
-            <a:r>
-              <a:rPr lang="de-DE" sz="3600" b="1" spc="-204" dirty="0" err="1" smtClean="0">
-                <a:solidFill>
-                  <a:schemeClr val="accent4">
-                    <a:lumMod val="50000"/>
-                  </a:schemeClr>
-                </a:solidFill>
-                <a:latin typeface="Cambria"/>
-                <a:cs typeface="Cambria"/>
-              </a:rPr>
-              <a:t>coex</a:t>
-            </a:r>
-            <a:r>
-              <a:rPr lang="de-DE" sz="3600" b="1" spc="-204" dirty="0" smtClean="0">
-                <a:solidFill>
-                  <a:schemeClr val="accent4">
-                    <a:lumMod val="50000"/>
-                  </a:schemeClr>
-                </a:solidFill>
-                <a:latin typeface="Cambria"/>
-                <a:cs typeface="Cambria"/>
-              </a:rPr>
-              <a:t> </a:t>
-            </a:r>
-            <a:r>
-              <a:rPr lang="de-DE" sz="3600" b="1" spc="-204" dirty="0" err="1" smtClean="0">
-                <a:solidFill>
-                  <a:schemeClr val="accent4">
-                    <a:lumMod val="50000"/>
-                  </a:schemeClr>
-                </a:solidFill>
-                <a:latin typeface="Cambria"/>
-                <a:cs typeface="Cambria"/>
-              </a:rPr>
-              <a:t>Clover</a:t>
-            </a:r>
-            <a:r>
-              <a:rPr lang="de-DE" sz="3600" b="1" spc="-204" dirty="0" smtClean="0">
-                <a:solidFill>
-                  <a:schemeClr val="accent4">
-                    <a:lumMod val="50000"/>
-                  </a:schemeClr>
-                </a:solidFill>
-                <a:latin typeface="Cambria"/>
-                <a:cs typeface="Cambria"/>
-              </a:rPr>
-              <a:t> 4.20</a:t>
-            </a:r>
-            <a:endParaRPr sz="3600" dirty="0">
-              <a:solidFill>
-                <a:schemeClr val="accent4">
-                  <a:lumMod val="50000"/>
-                </a:schemeClr>
-              </a:solidFill>
-              <a:latin typeface="Cambria"/>
-              <a:cs typeface="Cambria"/>
-            </a:endParaRPr>
-          </a:p>
-        </p:txBody>
-      </p:sp>
+      </p:pic>
       <p:sp>
         <p:nvSpPr>
-          <p:cNvPr id="20" name="object 6"/>
-          <p:cNvSpPr txBox="1"/>
+          <p:cNvPr id="5" name="Ellipse 4"/>
+          <p:cNvSpPr/>
           <p:nvPr/>
         </p:nvSpPr>
         <p:spPr>
           <a:xfrm>
-            <a:off x="2810623" y="8734438"/>
-            <a:ext cx="10800000" cy="492443"/>
+            <a:off x="11074400" y="3019920"/>
+            <a:ext cx="1800000" cy="3181396"/>
           </a:xfrm>
-          <a:prstGeom prst="rect">
+          <a:prstGeom prst="ellipse">
             <a:avLst/>
           </a:prstGeom>
-        </p:spPr>
-        <p:txBody>
-          <a:bodyPr vert="horz" wrap="square" lIns="0" tIns="0" rIns="0" bIns="0" rtlCol="0">
-            <a:spAutoFit/>
-          </a:bodyPr>
-          <a:lstStyle/>
-          <a:p>
-            <a:pPr marL="12699" marR="6350"/>
-            <a:r>
-              <a:rPr lang="de-DE" sz="3200" spc="-204" dirty="0" smtClean="0">
-                <a:solidFill>
-                  <a:schemeClr val="accent4">
-                    <a:lumMod val="50000"/>
-                  </a:schemeClr>
-                </a:solidFill>
-                <a:latin typeface="Arial" panose="020B0604020202020204" pitchFamily="34" charset="0"/>
-                <a:cs typeface="Arial" panose="020B0604020202020204" pitchFamily="34" charset="0"/>
-              </a:rPr>
-              <a:t>Ergebnis aller Tests nicht wie gewünscht bzw. erwartet</a:t>
-            </a:r>
-            <a:endParaRPr sz="3200" dirty="0">
-              <a:solidFill>
-                <a:schemeClr val="accent4">
-                  <a:lumMod val="50000"/>
-                </a:schemeClr>
-              </a:solidFill>
-              <a:latin typeface="Arial" panose="020B0604020202020204" pitchFamily="34" charset="0"/>
-              <a:cs typeface="Arial" panose="020B0604020202020204" pitchFamily="34" charset="0"/>
-            </a:endParaRPr>
-          </a:p>
-        </p:txBody>
-      </p:sp>
-      <p:sp>
-        <p:nvSpPr>
-          <p:cNvPr id="22" name="Gewitterblitz 21"/>
-          <p:cNvSpPr/>
-          <p:nvPr/>
-        </p:nvSpPr>
-        <p:spPr>
-          <a:xfrm flipH="1">
-            <a:off x="11910523" y="7872192"/>
-            <a:ext cx="1600200" cy="2210768"/>
-          </a:xfrm>
-          <a:prstGeom prst="lightningBolt">
-            <a:avLst/>
-          </a:prstGeom>
-          <a:solidFill>
-            <a:srgbClr val="FFFF00"/>
-          </a:solidFill>
-          <a:ln w="50800">
+          <a:noFill/>
+          <a:ln w="95250">
             <a:solidFill>
-              <a:srgbClr val="FFC000"/>
+              <a:schemeClr val="accent3">
+                <a:lumMod val="75000"/>
+              </a:schemeClr>
             </a:solidFill>
           </a:ln>
         </p:spPr>
@@ -13530,10 +13241,268 @@
           </a:p>
         </p:txBody>
       </p:sp>
+      <p:sp>
+        <p:nvSpPr>
+          <p:cNvPr id="14" name="object 6"/>
+          <p:cNvSpPr txBox="1"/>
+          <p:nvPr/>
+        </p:nvSpPr>
+        <p:spPr>
+          <a:xfrm>
+            <a:off x="2810623" y="6695635"/>
+            <a:ext cx="10800000" cy="492443"/>
+          </a:xfrm>
+          <a:prstGeom prst="rect">
+            <a:avLst/>
+          </a:prstGeom>
+        </p:spPr>
+        <p:txBody>
+          <a:bodyPr vert="horz" wrap="square" lIns="0" tIns="0" rIns="0" bIns="0" rtlCol="0">
+            <a:spAutoFit/>
+          </a:bodyPr>
+          <a:lstStyle/>
+          <a:p>
+            <a:pPr marL="12699" marR="6350"/>
+            <a:r>
+              <a:rPr lang="de-DE" sz="3200" spc="-204" dirty="0" smtClean="0">
+                <a:solidFill>
+                  <a:schemeClr val="accent4">
+                    <a:lumMod val="50000"/>
+                  </a:schemeClr>
+                </a:solidFill>
+                <a:latin typeface="Arial" panose="020B0604020202020204" pitchFamily="34" charset="0"/>
+                <a:cs typeface="Arial" panose="020B0604020202020204" pitchFamily="34" charset="0"/>
+              </a:rPr>
+              <a:t>Ergebnis aller Tests nicht wie gewünscht bzw. erwartet</a:t>
+            </a:r>
+            <a:endParaRPr sz="3200" dirty="0">
+              <a:solidFill>
+                <a:schemeClr val="accent4">
+                  <a:lumMod val="50000"/>
+                </a:schemeClr>
+              </a:solidFill>
+              <a:latin typeface="Arial" panose="020B0604020202020204" pitchFamily="34" charset="0"/>
+              <a:cs typeface="Arial" panose="020B0604020202020204" pitchFamily="34" charset="0"/>
+            </a:endParaRPr>
+          </a:p>
+        </p:txBody>
+      </p:sp>
+      <p:sp>
+        <p:nvSpPr>
+          <p:cNvPr id="15" name="Rechteck 14"/>
+          <p:cNvSpPr/>
+          <p:nvPr/>
+        </p:nvSpPr>
+        <p:spPr>
+          <a:xfrm>
+            <a:off x="2396183" y="9291517"/>
+            <a:ext cx="15120000" cy="3600000"/>
+          </a:xfrm>
+          <a:prstGeom prst="rect">
+            <a:avLst/>
+          </a:prstGeom>
+          <a:solidFill>
+            <a:schemeClr val="accent3">
+              <a:lumMod val="20000"/>
+              <a:lumOff val="80000"/>
+            </a:schemeClr>
+          </a:solidFill>
+          <a:ln w="50800">
+            <a:solidFill>
+              <a:srgbClr val="FF0000"/>
+            </a:solidFill>
+          </a:ln>
+        </p:spPr>
+        <p:style>
+          <a:lnRef idx="2">
+            <a:schemeClr val="accent1">
+              <a:shade val="50000"/>
+            </a:schemeClr>
+          </a:lnRef>
+          <a:fillRef idx="1">
+            <a:schemeClr val="accent1"/>
+          </a:fillRef>
+          <a:effectRef idx="0">
+            <a:schemeClr val="accent1"/>
+          </a:effectRef>
+          <a:fontRef idx="minor">
+            <a:schemeClr val="lt1"/>
+          </a:fontRef>
+        </p:style>
+        <p:txBody>
+          <a:bodyPr rtlCol="0" anchor="ctr"/>
+          <a:lstStyle/>
+          <a:p>
+            <a:pPr algn="ctr"/>
+            <a:r>
+              <a:rPr lang="de-DE" sz="3600" dirty="0" err="1" smtClean="0">
+                <a:solidFill>
+                  <a:srgbClr val="FF0000"/>
+                </a:solidFill>
+              </a:rPr>
+              <a:t>Lesson</a:t>
+            </a:r>
+            <a:r>
+              <a:rPr lang="de-DE" sz="3600" dirty="0" smtClean="0">
+                <a:solidFill>
+                  <a:srgbClr val="FF0000"/>
+                </a:solidFill>
+              </a:rPr>
+              <a:t> </a:t>
+            </a:r>
+            <a:r>
+              <a:rPr lang="de-DE" sz="3600" dirty="0" err="1" smtClean="0">
+                <a:solidFill>
+                  <a:srgbClr val="FF0000"/>
+                </a:solidFill>
+              </a:rPr>
+              <a:t>Learned</a:t>
+            </a:r>
+            <a:endParaRPr lang="de-DE" sz="3600" dirty="0" smtClean="0">
+              <a:solidFill>
+                <a:srgbClr val="FF0000"/>
+              </a:solidFill>
+            </a:endParaRPr>
+          </a:p>
+          <a:p>
+            <a:pPr algn="ctr"/>
+            <a:endParaRPr lang="de-DE" sz="3600" dirty="0" smtClean="0">
+              <a:solidFill>
+                <a:schemeClr val="bg1"/>
+              </a:solidFill>
+            </a:endParaRPr>
+          </a:p>
+          <a:p>
+            <a:pPr algn="ctr"/>
+            <a:r>
+              <a:rPr lang="de-DE" sz="3600" dirty="0" smtClean="0">
+                <a:solidFill>
+                  <a:schemeClr val="bg1"/>
+                </a:solidFill>
+              </a:rPr>
+              <a:t>Explorative </a:t>
+            </a:r>
+            <a:r>
+              <a:rPr lang="de-DE" sz="3600" dirty="0" smtClean="0">
+                <a:solidFill>
+                  <a:schemeClr val="bg1"/>
+                </a:solidFill>
+              </a:rPr>
+              <a:t>Tests VOR vollständiger Implementierung!</a:t>
+            </a:r>
+          </a:p>
+          <a:p>
+            <a:pPr algn="ctr"/>
+            <a:endParaRPr lang="de-DE" sz="3600" dirty="0" smtClean="0">
+              <a:solidFill>
+                <a:schemeClr val="bg1"/>
+              </a:solidFill>
+            </a:endParaRPr>
+          </a:p>
+          <a:p>
+            <a:pPr algn="ctr"/>
+            <a:endParaRPr lang="de-DE" sz="3600" dirty="0" smtClean="0">
+              <a:solidFill>
+                <a:schemeClr val="bg1"/>
+              </a:solidFill>
+            </a:endParaRPr>
+          </a:p>
+          <a:p>
+            <a:pPr algn="ctr"/>
+            <a:endParaRPr lang="de-DE" sz="3600" dirty="0" smtClean="0">
+              <a:solidFill>
+                <a:schemeClr val="bg1"/>
+              </a:solidFill>
+            </a:endParaRPr>
+          </a:p>
+        </p:txBody>
+      </p:sp>
+      <p:sp>
+        <p:nvSpPr>
+          <p:cNvPr id="17" name="object 6"/>
+          <p:cNvSpPr txBox="1"/>
+          <p:nvPr/>
+        </p:nvSpPr>
+        <p:spPr>
+          <a:xfrm>
+            <a:off x="3454400" y="7414918"/>
+            <a:ext cx="10800000" cy="492443"/>
+          </a:xfrm>
+          <a:prstGeom prst="rect">
+            <a:avLst/>
+          </a:prstGeom>
+        </p:spPr>
+        <p:txBody>
+          <a:bodyPr vert="horz" wrap="square" lIns="0" tIns="0" rIns="0" bIns="0" rtlCol="0">
+            <a:spAutoFit/>
+          </a:bodyPr>
+          <a:lstStyle/>
+          <a:p>
+            <a:pPr marL="12699" marR="6350"/>
+            <a:r>
+              <a:rPr lang="de-DE" sz="3200" spc="-204" dirty="0" err="1" smtClean="0">
+                <a:solidFill>
+                  <a:schemeClr val="accent4">
+                    <a:lumMod val="50000"/>
+                  </a:schemeClr>
+                </a:solidFill>
+                <a:latin typeface="Arial" panose="020B0604020202020204" pitchFamily="34" charset="0"/>
+                <a:cs typeface="Arial" panose="020B0604020202020204" pitchFamily="34" charset="0"/>
+              </a:rPr>
+              <a:t>Rekalibrierung</a:t>
+            </a:r>
+            <a:r>
+              <a:rPr lang="de-DE" sz="3200" spc="-204" dirty="0">
+                <a:solidFill>
+                  <a:schemeClr val="accent4">
+                    <a:lumMod val="50000"/>
+                  </a:schemeClr>
+                </a:solidFill>
+                <a:latin typeface="Arial" panose="020B0604020202020204" pitchFamily="34" charset="0"/>
+                <a:cs typeface="Arial" panose="020B0604020202020204" pitchFamily="34" charset="0"/>
+              </a:rPr>
+              <a:t> </a:t>
+            </a:r>
+            <a:r>
+              <a:rPr lang="de-DE" sz="3200" spc="-204" dirty="0" smtClean="0">
+                <a:solidFill>
+                  <a:schemeClr val="accent4">
+                    <a:lumMod val="50000"/>
+                  </a:schemeClr>
+                </a:solidFill>
+                <a:latin typeface="Arial" panose="020B0604020202020204" pitchFamily="34" charset="0"/>
+                <a:cs typeface="Arial" panose="020B0604020202020204" pitchFamily="34" charset="0"/>
+              </a:rPr>
+              <a:t>und </a:t>
+            </a:r>
+            <a:r>
+              <a:rPr lang="de-DE" sz="3200" spc="-204" dirty="0" smtClean="0">
+                <a:solidFill>
+                  <a:schemeClr val="accent4">
+                    <a:lumMod val="50000"/>
+                  </a:schemeClr>
+                </a:solidFill>
+                <a:latin typeface="Arial" panose="020B0604020202020204" pitchFamily="34" charset="0"/>
+                <a:cs typeface="Arial" panose="020B0604020202020204" pitchFamily="34" charset="0"/>
+              </a:rPr>
+              <a:t>neu-Inbetriebnahme ohne Erfolg</a:t>
+            </a:r>
+            <a:endParaRPr sz="3200" dirty="0">
+              <a:solidFill>
+                <a:schemeClr val="accent4">
+                  <a:lumMod val="50000"/>
+                </a:schemeClr>
+              </a:solidFill>
+              <a:latin typeface="Arial" panose="020B0604020202020204" pitchFamily="34" charset="0"/>
+              <a:cs typeface="Arial" panose="020B0604020202020204" pitchFamily="34" charset="0"/>
+            </a:endParaRPr>
+          </a:p>
+        </p:txBody>
+      </p:sp>
     </p:spTree>
     <p:extLst>
       <p:ext uri="{BB962C8B-B14F-4D97-AF65-F5344CB8AC3E}">
-        <p14:creationId xmlns:p14="http://schemas.microsoft.com/office/powerpoint/2010/main" val="1792089652"/>
+        <p14:creationId xmlns:p14="http://schemas.microsoft.com/office/powerpoint/2010/main" val="823856358"/>
       </p:ext>
     </p:extLst>
   </p:cSld>
@@ -13567,52 +13536,6 @@
           <a:chExt cx="0" cy="0"/>
         </a:xfrm>
       </p:grpSpPr>
-      <p:sp>
-        <p:nvSpPr>
-          <p:cNvPr id="20" name="object 6"/>
-          <p:cNvSpPr txBox="1"/>
-          <p:nvPr/>
-        </p:nvSpPr>
-        <p:spPr>
-          <a:xfrm>
-            <a:off x="2810623" y="8734438"/>
-            <a:ext cx="10800000" cy="492443"/>
-          </a:xfrm>
-          <a:prstGeom prst="rect">
-            <a:avLst/>
-          </a:prstGeom>
-        </p:spPr>
-        <p:txBody>
-          <a:bodyPr vert="horz" wrap="square" lIns="0" tIns="0" rIns="0" bIns="0" rtlCol="0">
-            <a:spAutoFit/>
-          </a:bodyPr>
-          <a:lstStyle/>
-          <a:p>
-            <a:pPr marL="12699" marR="6350"/>
-            <a:r>
-              <a:rPr lang="de-DE" sz="3200" spc="-204" dirty="0" smtClean="0">
-                <a:solidFill>
-                  <a:schemeClr val="accent4">
-                    <a:lumMod val="50000"/>
-                  </a:schemeClr>
-                </a:solidFill>
-                <a:latin typeface="Arial" panose="020B0604020202020204" pitchFamily="34" charset="0"/>
-                <a:cs typeface="Arial" panose="020B0604020202020204" pitchFamily="34" charset="0"/>
-              </a:rPr>
-              <a:t>Ergebnis aller Tests nicht wie gewünscht bzw. erwartet</a:t>
-            </a:r>
-            <a:endParaRPr sz="3200" dirty="0">
-              <a:solidFill>
-                <a:schemeClr val="accent4">
-                  <a:lumMod val="50000"/>
-                </a:schemeClr>
-              </a:solidFill>
-              <a:latin typeface="Arial" panose="020B0604020202020204" pitchFamily="34" charset="0"/>
-              <a:cs typeface="Arial" panose="020B0604020202020204" pitchFamily="34" charset="0"/>
-            </a:endParaRPr>
-          </a:p>
-        </p:txBody>
-      </p:sp>
       <p:pic>
         <p:nvPicPr>
           <p:cNvPr id="8" name="Grafik 7"/>
@@ -13807,14 +13730,14 @@
       </p:grpSp>
       <p:sp>
         <p:nvSpPr>
-          <p:cNvPr id="14" name="object 6"/>
+          <p:cNvPr id="18" name="object 6"/>
           <p:cNvSpPr txBox="1"/>
           <p:nvPr/>
         </p:nvSpPr>
         <p:spPr>
           <a:xfrm>
-            <a:off x="2036183" y="4794912"/>
-            <a:ext cx="10800000" cy="492443"/>
+            <a:off x="4916183" y="3219450"/>
+            <a:ext cx="9049469" cy="553998"/>
           </a:xfrm>
           <a:prstGeom prst="rect">
             <a:avLst/>
@@ -13828,209 +13751,25 @@
           <a:p>
             <a:pPr marL="12699" marR="6350"/>
             <a:r>
-              <a:rPr lang="de-DE" sz="3200" spc="-204" dirty="0" smtClean="0">
+              <a:rPr lang="de-DE" sz="3600" b="1" spc="-204" dirty="0" smtClean="0">
                 <a:solidFill>
                   <a:schemeClr val="accent4">
                     <a:lumMod val="50000"/>
                   </a:schemeClr>
                 </a:solidFill>
-                <a:latin typeface="Arial" panose="020B0604020202020204" pitchFamily="34" charset="0"/>
-                <a:cs typeface="Arial" panose="020B0604020202020204" pitchFamily="34" charset="0"/>
+                <a:latin typeface="Cambria"/>
+                <a:cs typeface="Cambria"/>
               </a:rPr>
-              <a:t>Aufbau</a:t>
-            </a:r>
-            <a:endParaRPr sz="3200" dirty="0">
+              <a:t>Projekt-Verlauf</a:t>
+            </a:r>
+            <a:endParaRPr sz="3600" dirty="0">
               <a:solidFill>
                 <a:schemeClr val="accent4">
                   <a:lumMod val="50000"/>
                 </a:schemeClr>
               </a:solidFill>
-              <a:latin typeface="Arial" panose="020B0604020202020204" pitchFamily="34" charset="0"/>
-              <a:cs typeface="Arial" panose="020B0604020202020204" pitchFamily="34" charset="0"/>
-            </a:endParaRPr>
-          </a:p>
-        </p:txBody>
-      </p:sp>
-      <p:sp>
-        <p:nvSpPr>
-          <p:cNvPr id="15" name="object 6"/>
-          <p:cNvSpPr txBox="1"/>
-          <p:nvPr/>
-        </p:nvSpPr>
-        <p:spPr>
-          <a:xfrm>
-            <a:off x="2036183" y="5546992"/>
-            <a:ext cx="10800000" cy="492443"/>
-          </a:xfrm>
-          <a:prstGeom prst="rect">
-            <a:avLst/>
-          </a:prstGeom>
-        </p:spPr>
-        <p:txBody>
-          <a:bodyPr vert="horz" wrap="square" lIns="0" tIns="0" rIns="0" bIns="0" rtlCol="0">
-            <a:spAutoFit/>
-          </a:bodyPr>
-          <a:lstStyle/>
-          <a:p>
-            <a:pPr marL="12699" marR="6350"/>
-            <a:r>
-              <a:rPr lang="de-DE" sz="3200" spc="-204" dirty="0" smtClean="0">
-                <a:solidFill>
-                  <a:schemeClr val="accent4">
-                    <a:lumMod val="50000"/>
-                  </a:schemeClr>
-                </a:solidFill>
-                <a:latin typeface="Arial" panose="020B0604020202020204" pitchFamily="34" charset="0"/>
-                <a:cs typeface="Arial" panose="020B0604020202020204" pitchFamily="34" charset="0"/>
-              </a:rPr>
-              <a:t>Erstinbetriebnahme / Konfiguration</a:t>
-            </a:r>
-            <a:endParaRPr sz="3200" dirty="0">
-              <a:solidFill>
-                <a:schemeClr val="accent4">
-                  <a:lumMod val="50000"/>
-                </a:schemeClr>
-              </a:solidFill>
-              <a:latin typeface="Arial" panose="020B0604020202020204" pitchFamily="34" charset="0"/>
-              <a:cs typeface="Arial" panose="020B0604020202020204" pitchFamily="34" charset="0"/>
-            </a:endParaRPr>
-          </a:p>
-        </p:txBody>
-      </p:sp>
-      <p:sp>
-        <p:nvSpPr>
-          <p:cNvPr id="16" name="object 6"/>
-          <p:cNvSpPr txBox="1"/>
-          <p:nvPr/>
-        </p:nvSpPr>
-        <p:spPr>
-          <a:xfrm>
-            <a:off x="2036183" y="6296960"/>
-            <a:ext cx="10800000" cy="492443"/>
-          </a:xfrm>
-          <a:prstGeom prst="rect">
-            <a:avLst/>
-          </a:prstGeom>
-        </p:spPr>
-        <p:txBody>
-          <a:bodyPr vert="horz" wrap="square" lIns="0" tIns="0" rIns="0" bIns="0" rtlCol="0">
-            <a:spAutoFit/>
-          </a:bodyPr>
-          <a:lstStyle/>
-          <a:p>
-            <a:pPr marL="12699" marR="6350"/>
-            <a:r>
-              <a:rPr lang="de-DE" sz="3200" spc="-204" dirty="0" smtClean="0">
-                <a:solidFill>
-                  <a:schemeClr val="accent4">
-                    <a:lumMod val="50000"/>
-                  </a:schemeClr>
-                </a:solidFill>
-                <a:latin typeface="Arial" panose="020B0604020202020204" pitchFamily="34" charset="0"/>
-                <a:cs typeface="Arial" panose="020B0604020202020204" pitchFamily="34" charset="0"/>
-              </a:rPr>
-              <a:t>Auswahl möglicher Topics / Services</a:t>
-            </a:r>
-            <a:endParaRPr sz="3200" dirty="0">
-              <a:solidFill>
-                <a:schemeClr val="accent4">
-                  <a:lumMod val="50000"/>
-                </a:schemeClr>
-              </a:solidFill>
-              <a:latin typeface="Arial" panose="020B0604020202020204" pitchFamily="34" charset="0"/>
-              <a:cs typeface="Arial" panose="020B0604020202020204" pitchFamily="34" charset="0"/>
-            </a:endParaRPr>
-          </a:p>
-        </p:txBody>
-      </p:sp>
-      <p:sp>
-        <p:nvSpPr>
-          <p:cNvPr id="17" name="object 6"/>
-          <p:cNvSpPr txBox="1"/>
-          <p:nvPr/>
-        </p:nvSpPr>
-        <p:spPr>
-          <a:xfrm>
-            <a:off x="2031103" y="7046928"/>
-            <a:ext cx="10800000" cy="492443"/>
-          </a:xfrm>
-          <a:prstGeom prst="rect">
-            <a:avLst/>
-          </a:prstGeom>
-        </p:spPr>
-        <p:txBody>
-          <a:bodyPr vert="horz" wrap="square" lIns="0" tIns="0" rIns="0" bIns="0" rtlCol="0">
-            <a:spAutoFit/>
-          </a:bodyPr>
-          <a:lstStyle/>
-          <a:p>
-            <a:pPr marL="12699" marR="6350"/>
-            <a:r>
-              <a:rPr lang="de-DE" sz="3200" spc="-204" dirty="0" smtClean="0">
-                <a:solidFill>
-                  <a:schemeClr val="accent4">
-                    <a:lumMod val="50000"/>
-                  </a:schemeClr>
-                </a:solidFill>
-                <a:latin typeface="Arial" panose="020B0604020202020204" pitchFamily="34" charset="0"/>
-                <a:cs typeface="Arial" panose="020B0604020202020204" pitchFamily="34" charset="0"/>
-              </a:rPr>
-              <a:t>Entwurf des Regelungssystems</a:t>
-            </a:r>
-            <a:endParaRPr sz="3200" dirty="0">
-              <a:solidFill>
-                <a:schemeClr val="accent4">
-                  <a:lumMod val="50000"/>
-                </a:schemeClr>
-              </a:solidFill>
-              <a:latin typeface="Arial" panose="020B0604020202020204" pitchFamily="34" charset="0"/>
-              <a:cs typeface="Arial" panose="020B0604020202020204" pitchFamily="34" charset="0"/>
-            </a:endParaRPr>
-          </a:p>
-        </p:txBody>
-      </p:sp>
-      <p:sp>
-        <p:nvSpPr>
-          <p:cNvPr id="18" name="object 6"/>
-          <p:cNvSpPr txBox="1"/>
-          <p:nvPr/>
-        </p:nvSpPr>
-        <p:spPr>
-          <a:xfrm>
-            <a:off x="2004506" y="7796896"/>
-            <a:ext cx="10800000" cy="492443"/>
-          </a:xfrm>
-          <a:prstGeom prst="rect">
-            <a:avLst/>
-          </a:prstGeom>
-        </p:spPr>
-        <p:txBody>
-          <a:bodyPr vert="horz" wrap="square" lIns="0" tIns="0" rIns="0" bIns="0" rtlCol="0">
-            <a:spAutoFit/>
-          </a:bodyPr>
-          <a:lstStyle/>
-          <a:p>
-            <a:pPr marL="12699" marR="6350"/>
-            <a:r>
-              <a:rPr lang="de-DE" sz="3200" spc="-204" dirty="0" smtClean="0">
-                <a:solidFill>
-                  <a:schemeClr val="accent4">
-                    <a:lumMod val="50000"/>
-                  </a:schemeClr>
-                </a:solidFill>
-                <a:latin typeface="Arial" panose="020B0604020202020204" pitchFamily="34" charset="0"/>
-                <a:cs typeface="Arial" panose="020B0604020202020204" pitchFamily="34" charset="0"/>
-              </a:rPr>
-              <a:t>Test der gewünschten Topics / Services</a:t>
-            </a:r>
-            <a:endParaRPr sz="3200" dirty="0">
-              <a:solidFill>
-                <a:schemeClr val="accent4">
-                  <a:lumMod val="50000"/>
-                </a:schemeClr>
-              </a:solidFill>
-              <a:latin typeface="Arial" panose="020B0604020202020204" pitchFamily="34" charset="0"/>
-              <a:cs typeface="Arial" panose="020B0604020202020204" pitchFamily="34" charset="0"/>
+              <a:latin typeface="Cambria"/>
+              <a:cs typeface="Cambria"/>
             </a:endParaRPr>
           </a:p>
         </p:txBody>
@@ -14101,16 +13840,88 @@
           </a:p>
         </p:txBody>
       </p:sp>
+      <p:pic>
+        <p:nvPicPr>
+          <p:cNvPr id="2" name="Grafik 1"/>
+          <p:cNvPicPr>
+            <a:picLocks noChangeAspect="1"/>
+          </p:cNvPicPr>
+          <p:nvPr/>
+        </p:nvPicPr>
+        <p:blipFill>
+          <a:blip r:embed="rId3"/>
+          <a:stretch>
+            <a:fillRect/>
+          </a:stretch>
+        </p:blipFill>
+        <p:spPr>
+          <a:xfrm>
+            <a:off x="8331200" y="3019920"/>
+            <a:ext cx="11520000" cy="3181396"/>
+          </a:xfrm>
+          <a:prstGeom prst="rect">
+            <a:avLst/>
+          </a:prstGeom>
+        </p:spPr>
+      </p:pic>
       <p:sp>
         <p:nvSpPr>
-          <p:cNvPr id="21" name="object 6"/>
+          <p:cNvPr id="5" name="Ellipse 4"/>
+          <p:cNvSpPr/>
+          <p:nvPr/>
+        </p:nvSpPr>
+        <p:spPr>
+          <a:xfrm>
+            <a:off x="12619400" y="3019920"/>
+            <a:ext cx="360000" cy="3181396"/>
+          </a:xfrm>
+          <a:prstGeom prst="ellipse">
+            <a:avLst/>
+          </a:prstGeom>
+          <a:noFill/>
+          <a:ln w="95250">
+            <a:solidFill>
+              <a:schemeClr val="accent3">
+                <a:lumMod val="75000"/>
+              </a:schemeClr>
+            </a:solidFill>
+          </a:ln>
+        </p:spPr>
+        <p:style>
+          <a:lnRef idx="2">
+            <a:schemeClr val="accent1">
+              <a:shade val="50000"/>
+            </a:schemeClr>
+          </a:lnRef>
+          <a:fillRef idx="1">
+            <a:schemeClr val="accent1"/>
+          </a:fillRef>
+          <a:effectRef idx="0">
+            <a:schemeClr val="accent1"/>
+          </a:effectRef>
+          <a:fontRef idx="minor">
+            <a:schemeClr val="lt1"/>
+          </a:fontRef>
+        </p:style>
+        <p:txBody>
+          <a:bodyPr rtlCol="0" anchor="ctr"/>
+          <a:lstStyle/>
+          <a:p>
+            <a:pPr algn="ctr"/>
+            <a:endParaRPr lang="de-DE"/>
+          </a:p>
+        </p:txBody>
+      </p:sp>
+      <p:sp>
+        <p:nvSpPr>
+          <p:cNvPr id="14" name="object 6"/>
           <p:cNvSpPr txBox="1"/>
           <p:nvPr/>
         </p:nvSpPr>
         <p:spPr>
           <a:xfrm>
-            <a:off x="4916183" y="3219450"/>
-            <a:ext cx="9049469" cy="553998"/>
+            <a:off x="2810623" y="6695635"/>
+            <a:ext cx="10800000" cy="492443"/>
           </a:xfrm>
           <a:prstGeom prst="rect">
             <a:avLst/>
@@ -14124,87 +13935,39 @@
           <a:p>
             <a:pPr marL="12699" marR="6350"/>
             <a:r>
-              <a:rPr lang="de-DE" sz="3600" b="1" spc="-204" dirty="0" smtClean="0">
+              <a:rPr lang="de-DE" sz="3200" spc="-204" dirty="0" smtClean="0">
                 <a:solidFill>
                   <a:schemeClr val="accent4">
                     <a:lumMod val="50000"/>
                   </a:schemeClr>
                 </a:solidFill>
-                <a:latin typeface="Cambria"/>
-                <a:cs typeface="Cambria"/>
+                <a:latin typeface="Arial" panose="020B0604020202020204" pitchFamily="34" charset="0"/>
+                <a:cs typeface="Arial" panose="020B0604020202020204" pitchFamily="34" charset="0"/>
               </a:rPr>
-              <a:t>Vorgehen: </a:t>
-            </a:r>
-            <a:r>
-              <a:rPr lang="de-DE" sz="3600" b="1" spc="-204" dirty="0" err="1" smtClean="0">
-                <a:solidFill>
-                  <a:schemeClr val="accent4">
-                    <a:lumMod val="50000"/>
-                  </a:schemeClr>
-                </a:solidFill>
-                <a:latin typeface="Cambria"/>
-                <a:cs typeface="Cambria"/>
-              </a:rPr>
-              <a:t>coex</a:t>
-            </a:r>
-            <a:r>
-              <a:rPr lang="de-DE" sz="3600" b="1" spc="-204" dirty="0" smtClean="0">
-                <a:solidFill>
-                  <a:schemeClr val="accent4">
-                    <a:lumMod val="50000"/>
-                  </a:schemeClr>
-                </a:solidFill>
-                <a:latin typeface="Cambria"/>
-                <a:cs typeface="Cambria"/>
-              </a:rPr>
-              <a:t> </a:t>
-            </a:r>
-            <a:r>
-              <a:rPr lang="de-DE" sz="3600" b="1" spc="-204" dirty="0" err="1" smtClean="0">
-                <a:solidFill>
-                  <a:schemeClr val="accent4">
-                    <a:lumMod val="50000"/>
-                  </a:schemeClr>
-                </a:solidFill>
-                <a:latin typeface="Cambria"/>
-                <a:cs typeface="Cambria"/>
-              </a:rPr>
-              <a:t>Clover</a:t>
-            </a:r>
-            <a:r>
-              <a:rPr lang="de-DE" sz="3600" b="1" spc="-204" dirty="0" smtClean="0">
-                <a:solidFill>
-                  <a:schemeClr val="accent4">
-                    <a:lumMod val="50000"/>
-                  </a:schemeClr>
-                </a:solidFill>
-                <a:latin typeface="Cambria"/>
-                <a:cs typeface="Cambria"/>
-              </a:rPr>
-              <a:t> 4.20</a:t>
-            </a:r>
-            <a:endParaRPr sz="3600" dirty="0">
+              <a:t>Ergebnis aller Tests nicht wie gewünscht bzw. erwartet</a:t>
+            </a:r>
+            <a:endParaRPr sz="3200" dirty="0">
               <a:solidFill>
                 <a:schemeClr val="accent4">
                   <a:lumMod val="50000"/>
                 </a:schemeClr>
               </a:solidFill>
-              <a:latin typeface="Cambria"/>
-              <a:cs typeface="Cambria"/>
+              <a:latin typeface="Arial" panose="020B0604020202020204" pitchFamily="34" charset="0"/>
+              <a:cs typeface="Arial" panose="020B0604020202020204" pitchFamily="34" charset="0"/>
             </a:endParaRPr>
           </a:p>
         </p:txBody>
       </p:sp>
       <p:sp>
         <p:nvSpPr>
-          <p:cNvPr id="3" name="Rechteck 2"/>
+          <p:cNvPr id="15" name="Rechteck 14"/>
           <p:cNvSpPr/>
           <p:nvPr/>
         </p:nvSpPr>
         <p:spPr>
           <a:xfrm>
-            <a:off x="2396183" y="4413149"/>
-            <a:ext cx="15120000" cy="5760000"/>
+            <a:off x="2396183" y="9291517"/>
+            <a:ext cx="15120000" cy="3600000"/>
           </a:xfrm>
           <a:prstGeom prst="rect">
             <a:avLst/>
@@ -14282,21 +14045,32 @@
           </a:p>
           <a:p>
             <a:pPr algn="ctr"/>
-            <a:endParaRPr lang="de-DE" sz="3600" dirty="0">
-              <a:solidFill>
-                <a:schemeClr val="bg1"/>
-              </a:solidFill>
-            </a:endParaRPr>
-          </a:p>
-          <a:p>
-            <a:pPr algn="ctr"/>
             <a:r>
               <a:rPr lang="de-DE" sz="3600" dirty="0" smtClean="0">
                 <a:solidFill>
                   <a:schemeClr val="bg1"/>
                 </a:solidFill>
               </a:rPr>
-              <a:t>Explorative Tests VOR vollständiger Implementierung!</a:t>
+              <a:t>Fassen </a:t>
+            </a:r>
+            <a:r>
+              <a:rPr lang="de-DE" sz="3600" dirty="0">
+                <a:solidFill>
+                  <a:schemeClr val="bg1"/>
+                </a:solidFill>
+              </a:rPr>
+              <a:t>Sie nie in sich drehende Teile!</a:t>
+            </a:r>
+          </a:p>
+          <a:p>
+            <a:pPr algn="ctr"/>
+            <a:r>
+              <a:rPr lang="de-DE" sz="3600" dirty="0" smtClean="0">
+                <a:solidFill>
+                  <a:schemeClr val="bg1"/>
+                </a:solidFill>
+              </a:rPr>
+              <a:t>Gesundheit ist wichtiger als Hardware.</a:t>
             </a:r>
           </a:p>
           <a:p>
@@ -14317,10 +14091,187 @@
           </a:p>
         </p:txBody>
       </p:sp>
+      <p:pic>
+        <p:nvPicPr>
+          <p:cNvPr id="16" name="Grafik 15"/>
+          <p:cNvPicPr>
+            <a:picLocks noChangeAspect="1"/>
+          </p:cNvPicPr>
+          <p:nvPr/>
+        </p:nvPicPr>
+        <p:blipFill>
+          <a:blip r:embed="rId4"/>
+          <a:stretch>
+            <a:fillRect/>
+          </a:stretch>
+        </p:blipFill>
+        <p:spPr>
+          <a:xfrm>
+            <a:off x="15356182" y="10764591"/>
+            <a:ext cx="4320000" cy="2167260"/>
+          </a:xfrm>
+          <a:prstGeom prst="rect">
+            <a:avLst/>
+          </a:prstGeom>
+        </p:spPr>
+      </p:pic>
+      <p:sp>
+        <p:nvSpPr>
+          <p:cNvPr id="17" name="object 6"/>
+          <p:cNvSpPr txBox="1"/>
+          <p:nvPr/>
+        </p:nvSpPr>
+        <p:spPr>
+          <a:xfrm>
+            <a:off x="14015744" y="13090517"/>
+            <a:ext cx="7000875" cy="369332"/>
+          </a:xfrm>
+          <a:prstGeom prst="rect">
+            <a:avLst/>
+          </a:prstGeom>
+        </p:spPr>
+        <p:txBody>
+          <a:bodyPr vert="horz" wrap="square" lIns="0" tIns="0" rIns="0" bIns="0" rtlCol="0">
+            <a:spAutoFit/>
+          </a:bodyPr>
+          <a:lstStyle/>
+          <a:p>
+            <a:pPr marL="12699" marR="6350" algn="ctr"/>
+            <a:r>
+              <a:rPr lang="de-DE" sz="2400" b="1" spc="-204" dirty="0" err="1" smtClean="0">
+                <a:latin typeface="Cambria"/>
+                <a:cs typeface="Cambria"/>
+              </a:rPr>
+              <a:t>Safety</a:t>
+            </a:r>
+            <a:r>
+              <a:rPr lang="de-DE" sz="2400" b="1" spc="-204" dirty="0" smtClean="0">
+                <a:latin typeface="Cambria"/>
+                <a:cs typeface="Cambria"/>
+              </a:rPr>
+              <a:t> Label  </a:t>
+            </a:r>
+            <a:r>
+              <a:rPr lang="de-DE" sz="2400" b="1" spc="-204" dirty="0" err="1" smtClean="0">
+                <a:latin typeface="Cambria"/>
+                <a:cs typeface="Cambria"/>
+              </a:rPr>
+              <a:t>Rotating</a:t>
+            </a:r>
+            <a:r>
+              <a:rPr lang="de-DE" sz="2400" b="1" spc="-204" dirty="0" smtClean="0">
+                <a:latin typeface="Cambria"/>
+                <a:cs typeface="Cambria"/>
+              </a:rPr>
+              <a:t> </a:t>
+            </a:r>
+            <a:r>
+              <a:rPr lang="de-DE" sz="2400" b="1" spc="-204" dirty="0" smtClean="0">
+                <a:latin typeface="Cambria"/>
+                <a:cs typeface="Cambria"/>
+              </a:rPr>
+              <a:t>Blades</a:t>
+            </a:r>
+            <a:r>
+              <a:rPr lang="de-DE" sz="2400" b="1" spc="-204" baseline="30000" dirty="0" smtClean="0">
+                <a:latin typeface="Cambria"/>
+                <a:cs typeface="Cambria"/>
+              </a:rPr>
+              <a:t>3</a:t>
+            </a:r>
+            <a:endParaRPr sz="2400" baseline="30000" dirty="0">
+              <a:latin typeface="Cambria"/>
+              <a:cs typeface="Cambria"/>
+            </a:endParaRPr>
+          </a:p>
+        </p:txBody>
+      </p:sp>
+      <p:sp>
+        <p:nvSpPr>
+          <p:cNvPr id="20" name="object 6"/>
+          <p:cNvSpPr txBox="1"/>
+          <p:nvPr/>
+        </p:nvSpPr>
+        <p:spPr>
+          <a:xfrm>
+            <a:off x="3454400" y="7414918"/>
+            <a:ext cx="10800000" cy="492443"/>
+          </a:xfrm>
+          <a:prstGeom prst="rect">
+            <a:avLst/>
+          </a:prstGeom>
+        </p:spPr>
+        <p:txBody>
+          <a:bodyPr vert="horz" wrap="square" lIns="0" tIns="0" rIns="0" bIns="0" rtlCol="0">
+            <a:spAutoFit/>
+          </a:bodyPr>
+          <a:lstStyle/>
+          <a:p>
+            <a:pPr marL="12699" marR="6350"/>
+            <a:r>
+              <a:rPr lang="de-DE" sz="3200" spc="-204" dirty="0" err="1" smtClean="0">
+                <a:solidFill>
+                  <a:schemeClr val="accent4">
+                    <a:lumMod val="50000"/>
+                  </a:schemeClr>
+                </a:solidFill>
+                <a:latin typeface="Arial" panose="020B0604020202020204" pitchFamily="34" charset="0"/>
+                <a:cs typeface="Arial" panose="020B0604020202020204" pitchFamily="34" charset="0"/>
+              </a:rPr>
+              <a:t>Rekalibrierung</a:t>
+            </a:r>
+            <a:r>
+              <a:rPr lang="de-DE" sz="3200" spc="-204" dirty="0">
+                <a:solidFill>
+                  <a:schemeClr val="accent4">
+                    <a:lumMod val="50000"/>
+                  </a:schemeClr>
+                </a:solidFill>
+                <a:latin typeface="Arial" panose="020B0604020202020204" pitchFamily="34" charset="0"/>
+                <a:cs typeface="Arial" panose="020B0604020202020204" pitchFamily="34" charset="0"/>
+              </a:rPr>
+              <a:t> </a:t>
+            </a:r>
+            <a:r>
+              <a:rPr lang="de-DE" sz="3200" spc="-204" dirty="0" smtClean="0">
+                <a:solidFill>
+                  <a:schemeClr val="accent4">
+                    <a:lumMod val="50000"/>
+                  </a:schemeClr>
+                </a:solidFill>
+                <a:latin typeface="Arial" panose="020B0604020202020204" pitchFamily="34" charset="0"/>
+                <a:cs typeface="Arial" panose="020B0604020202020204" pitchFamily="34" charset="0"/>
+              </a:rPr>
+              <a:t>und </a:t>
+            </a:r>
+            <a:r>
+              <a:rPr lang="de-DE" sz="3200" spc="-204" dirty="0" smtClean="0">
+                <a:solidFill>
+                  <a:schemeClr val="accent4">
+                    <a:lumMod val="50000"/>
+                  </a:schemeClr>
+                </a:solidFill>
+                <a:latin typeface="Arial" panose="020B0604020202020204" pitchFamily="34" charset="0"/>
+                <a:cs typeface="Arial" panose="020B0604020202020204" pitchFamily="34" charset="0"/>
+              </a:rPr>
+              <a:t>neu-Inbetriebnahme ohne Erfolg</a:t>
+            </a:r>
+            <a:endParaRPr sz="3200" dirty="0">
+              <a:solidFill>
+                <a:schemeClr val="accent4">
+                  <a:lumMod val="50000"/>
+                </a:schemeClr>
+              </a:solidFill>
+              <a:latin typeface="Arial" panose="020B0604020202020204" pitchFamily="34" charset="0"/>
+              <a:cs typeface="Arial" panose="020B0604020202020204" pitchFamily="34" charset="0"/>
+            </a:endParaRPr>
+          </a:p>
+        </p:txBody>
+      </p:sp>
     </p:spTree>
     <p:extLst>
       <p:ext uri="{BB962C8B-B14F-4D97-AF65-F5344CB8AC3E}">
-        <p14:creationId xmlns:p14="http://schemas.microsoft.com/office/powerpoint/2010/main" val="3303802418"/>
+        <p14:creationId xmlns:p14="http://schemas.microsoft.com/office/powerpoint/2010/main" val="2471344405"/>
       </p:ext>
     </p:extLst>
   </p:cSld>
@@ -14354,52 +14305,6 @@
           <a:chExt cx="0" cy="0"/>
         </a:xfrm>
       </p:grpSpPr>
-      <p:sp>
-        <p:nvSpPr>
-          <p:cNvPr id="20" name="object 6"/>
-          <p:cNvSpPr txBox="1"/>
-          <p:nvPr/>
-        </p:nvSpPr>
-        <p:spPr>
-          <a:xfrm>
-            <a:off x="2810623" y="8734438"/>
-            <a:ext cx="10800000" cy="492443"/>
-          </a:xfrm>
-          <a:prstGeom prst="rect">
-            <a:avLst/>
-          </a:prstGeom>
-        </p:spPr>
-        <p:txBody>
-          <a:bodyPr vert="horz" wrap="square" lIns="0" tIns="0" rIns="0" bIns="0" rtlCol="0">
-            <a:spAutoFit/>
-          </a:bodyPr>
-          <a:lstStyle/>
-          <a:p>
-            <a:pPr marL="12699" marR="6350"/>
-            <a:r>
-              <a:rPr lang="de-DE" sz="3200" spc="-204" dirty="0" smtClean="0">
-                <a:solidFill>
-                  <a:schemeClr val="accent4">
-                    <a:lumMod val="50000"/>
-                  </a:schemeClr>
-                </a:solidFill>
-                <a:latin typeface="Arial" panose="020B0604020202020204" pitchFamily="34" charset="0"/>
-                <a:cs typeface="Arial" panose="020B0604020202020204" pitchFamily="34" charset="0"/>
-              </a:rPr>
-              <a:t>Ergebnis aller Tests nicht wie gewünscht bzw. erwartet</a:t>
-            </a:r>
-            <a:endParaRPr sz="3200" dirty="0">
-              <a:solidFill>
-                <a:schemeClr val="accent4">
-                  <a:lumMod val="50000"/>
-                </a:schemeClr>
-              </a:solidFill>
-              <a:latin typeface="Arial" panose="020B0604020202020204" pitchFamily="34" charset="0"/>
-              <a:cs typeface="Arial" panose="020B0604020202020204" pitchFamily="34" charset="0"/>
-            </a:endParaRPr>
-          </a:p>
-        </p:txBody>
-      </p:sp>
       <p:pic>
         <p:nvPicPr>
           <p:cNvPr id="8" name="Grafik 7"/>
@@ -14594,14 +14499,14 @@
       </p:grpSp>
       <p:sp>
         <p:nvSpPr>
-          <p:cNvPr id="14" name="object 6"/>
+          <p:cNvPr id="18" name="object 6"/>
           <p:cNvSpPr txBox="1"/>
           <p:nvPr/>
         </p:nvSpPr>
         <p:spPr>
           <a:xfrm>
-            <a:off x="2036183" y="4794912"/>
-            <a:ext cx="10800000" cy="492443"/>
+            <a:off x="4916183" y="3219450"/>
+            <a:ext cx="9049469" cy="553998"/>
           </a:xfrm>
           <a:prstGeom prst="rect">
             <a:avLst/>
@@ -14615,209 +14520,25 @@
           <a:p>
             <a:pPr marL="12699" marR="6350"/>
             <a:r>
-              <a:rPr lang="de-DE" sz="3200" spc="-204" dirty="0" smtClean="0">
+              <a:rPr lang="de-DE" sz="3600" b="1" spc="-204" dirty="0" smtClean="0">
                 <a:solidFill>
                   <a:schemeClr val="accent4">
                     <a:lumMod val="50000"/>
                   </a:schemeClr>
                 </a:solidFill>
-                <a:latin typeface="Arial" panose="020B0604020202020204" pitchFamily="34" charset="0"/>
-                <a:cs typeface="Arial" panose="020B0604020202020204" pitchFamily="34" charset="0"/>
+                <a:latin typeface="Cambria"/>
+                <a:cs typeface="Cambria"/>
               </a:rPr>
-              <a:t>Aufbau</a:t>
-            </a:r>
-            <a:endParaRPr sz="3200" dirty="0">
+              <a:t>Projekt-Verlauf</a:t>
+            </a:r>
+            <a:endParaRPr sz="3600" dirty="0">
               <a:solidFill>
                 <a:schemeClr val="accent4">
                   <a:lumMod val="50000"/>
                 </a:schemeClr>
               </a:solidFill>
-              <a:latin typeface="Arial" panose="020B0604020202020204" pitchFamily="34" charset="0"/>
-              <a:cs typeface="Arial" panose="020B0604020202020204" pitchFamily="34" charset="0"/>
-            </a:endParaRPr>
-          </a:p>
-        </p:txBody>
-      </p:sp>
-      <p:sp>
-        <p:nvSpPr>
-          <p:cNvPr id="15" name="object 6"/>
-          <p:cNvSpPr txBox="1"/>
-          <p:nvPr/>
-        </p:nvSpPr>
-        <p:spPr>
-          <a:xfrm>
-            <a:off x="2036183" y="5546992"/>
-            <a:ext cx="10800000" cy="492443"/>
-          </a:xfrm>
-          <a:prstGeom prst="rect">
-            <a:avLst/>
-          </a:prstGeom>
-        </p:spPr>
-        <p:txBody>
-          <a:bodyPr vert="horz" wrap="square" lIns="0" tIns="0" rIns="0" bIns="0" rtlCol="0">
-            <a:spAutoFit/>
-          </a:bodyPr>
-          <a:lstStyle/>
-          <a:p>
-            <a:pPr marL="12699" marR="6350"/>
-            <a:r>
-              <a:rPr lang="de-DE" sz="3200" spc="-204" dirty="0" smtClean="0">
-                <a:solidFill>
-                  <a:schemeClr val="accent4">
-                    <a:lumMod val="50000"/>
-                  </a:schemeClr>
-                </a:solidFill>
-                <a:latin typeface="Arial" panose="020B0604020202020204" pitchFamily="34" charset="0"/>
-                <a:cs typeface="Arial" panose="020B0604020202020204" pitchFamily="34" charset="0"/>
-              </a:rPr>
-              <a:t>Erstinbetriebnahme / Konfiguration</a:t>
-            </a:r>
-            <a:endParaRPr sz="3200" dirty="0">
-              <a:solidFill>
-                <a:schemeClr val="accent4">
-                  <a:lumMod val="50000"/>
-                </a:schemeClr>
-              </a:solidFill>
-              <a:latin typeface="Arial" panose="020B0604020202020204" pitchFamily="34" charset="0"/>
-              <a:cs typeface="Arial" panose="020B0604020202020204" pitchFamily="34" charset="0"/>
-            </a:endParaRPr>
-          </a:p>
-        </p:txBody>
-      </p:sp>
-      <p:sp>
-        <p:nvSpPr>
-          <p:cNvPr id="16" name="object 6"/>
-          <p:cNvSpPr txBox="1"/>
-          <p:nvPr/>
-        </p:nvSpPr>
-        <p:spPr>
-          <a:xfrm>
-            <a:off x="2036183" y="6296960"/>
-            <a:ext cx="10800000" cy="492443"/>
-          </a:xfrm>
-          <a:prstGeom prst="rect">
-            <a:avLst/>
-          </a:prstGeom>
-        </p:spPr>
-        <p:txBody>
-          <a:bodyPr vert="horz" wrap="square" lIns="0" tIns="0" rIns="0" bIns="0" rtlCol="0">
-            <a:spAutoFit/>
-          </a:bodyPr>
-          <a:lstStyle/>
-          <a:p>
-            <a:pPr marL="12699" marR="6350"/>
-            <a:r>
-              <a:rPr lang="de-DE" sz="3200" spc="-204" dirty="0" smtClean="0">
-                <a:solidFill>
-                  <a:schemeClr val="accent4">
-                    <a:lumMod val="50000"/>
-                  </a:schemeClr>
-                </a:solidFill>
-                <a:latin typeface="Arial" panose="020B0604020202020204" pitchFamily="34" charset="0"/>
-                <a:cs typeface="Arial" panose="020B0604020202020204" pitchFamily="34" charset="0"/>
-              </a:rPr>
-              <a:t>Auswahl möglicher Topics / Services</a:t>
-            </a:r>
-            <a:endParaRPr sz="3200" dirty="0">
-              <a:solidFill>
-                <a:schemeClr val="accent4">
-                  <a:lumMod val="50000"/>
-                </a:schemeClr>
-              </a:solidFill>
-              <a:latin typeface="Arial" panose="020B0604020202020204" pitchFamily="34" charset="0"/>
-              <a:cs typeface="Arial" panose="020B0604020202020204" pitchFamily="34" charset="0"/>
-            </a:endParaRPr>
-          </a:p>
-        </p:txBody>
-      </p:sp>
-      <p:sp>
-        <p:nvSpPr>
-          <p:cNvPr id="17" name="object 6"/>
-          <p:cNvSpPr txBox="1"/>
-          <p:nvPr/>
-        </p:nvSpPr>
-        <p:spPr>
-          <a:xfrm>
-            <a:off x="2031103" y="7046928"/>
-            <a:ext cx="10800000" cy="492443"/>
-          </a:xfrm>
-          <a:prstGeom prst="rect">
-            <a:avLst/>
-          </a:prstGeom>
-        </p:spPr>
-        <p:txBody>
-          <a:bodyPr vert="horz" wrap="square" lIns="0" tIns="0" rIns="0" bIns="0" rtlCol="0">
-            <a:spAutoFit/>
-          </a:bodyPr>
-          <a:lstStyle/>
-          <a:p>
-            <a:pPr marL="12699" marR="6350"/>
-            <a:r>
-              <a:rPr lang="de-DE" sz="3200" spc="-204" dirty="0" smtClean="0">
-                <a:solidFill>
-                  <a:schemeClr val="accent4">
-                    <a:lumMod val="50000"/>
-                  </a:schemeClr>
-                </a:solidFill>
-                <a:latin typeface="Arial" panose="020B0604020202020204" pitchFamily="34" charset="0"/>
-                <a:cs typeface="Arial" panose="020B0604020202020204" pitchFamily="34" charset="0"/>
-              </a:rPr>
-              <a:t>Entwurf des Regelungssystems</a:t>
-            </a:r>
-            <a:endParaRPr sz="3200" dirty="0">
-              <a:solidFill>
-                <a:schemeClr val="accent4">
-                  <a:lumMod val="50000"/>
-                </a:schemeClr>
-              </a:solidFill>
-              <a:latin typeface="Arial" panose="020B0604020202020204" pitchFamily="34" charset="0"/>
-              <a:cs typeface="Arial" panose="020B0604020202020204" pitchFamily="34" charset="0"/>
-            </a:endParaRPr>
-          </a:p>
-        </p:txBody>
-      </p:sp>
-      <p:sp>
-        <p:nvSpPr>
-          <p:cNvPr id="18" name="object 6"/>
-          <p:cNvSpPr txBox="1"/>
-          <p:nvPr/>
-        </p:nvSpPr>
-        <p:spPr>
-          <a:xfrm>
-            <a:off x="2004506" y="7796896"/>
-            <a:ext cx="10800000" cy="492443"/>
-          </a:xfrm>
-          <a:prstGeom prst="rect">
-            <a:avLst/>
-          </a:prstGeom>
-        </p:spPr>
-        <p:txBody>
-          <a:bodyPr vert="horz" wrap="square" lIns="0" tIns="0" rIns="0" bIns="0" rtlCol="0">
-            <a:spAutoFit/>
-          </a:bodyPr>
-          <a:lstStyle/>
-          <a:p>
-            <a:pPr marL="12699" marR="6350"/>
-            <a:r>
-              <a:rPr lang="de-DE" sz="3200" spc="-204" dirty="0" smtClean="0">
-                <a:solidFill>
-                  <a:schemeClr val="accent4">
-                    <a:lumMod val="50000"/>
-                  </a:schemeClr>
-                </a:solidFill>
-                <a:latin typeface="Arial" panose="020B0604020202020204" pitchFamily="34" charset="0"/>
-                <a:cs typeface="Arial" panose="020B0604020202020204" pitchFamily="34" charset="0"/>
-              </a:rPr>
-              <a:t>Test der gewünschten Topics / Services</a:t>
-            </a:r>
-            <a:endParaRPr sz="3200" dirty="0">
-              <a:solidFill>
-                <a:schemeClr val="accent4">
-                  <a:lumMod val="50000"/>
-                </a:schemeClr>
-              </a:solidFill>
-              <a:latin typeface="Arial" panose="020B0604020202020204" pitchFamily="34" charset="0"/>
-              <a:cs typeface="Arial" panose="020B0604020202020204" pitchFamily="34" charset="0"/>
+              <a:latin typeface="Cambria"/>
+              <a:cs typeface="Cambria"/>
             </a:endParaRPr>
           </a:p>
         </p:txBody>
@@ -14888,123 +14609,50 @@
           </a:p>
         </p:txBody>
       </p:sp>
-      <p:sp>
-        <p:nvSpPr>
-          <p:cNvPr id="21" name="object 6"/>
-          <p:cNvSpPr txBox="1"/>
+      <p:pic>
+        <p:nvPicPr>
+          <p:cNvPr id="2" name="Grafik 1"/>
+          <p:cNvPicPr>
+            <a:picLocks noChangeAspect="1"/>
+          </p:cNvPicPr>
           <p:nvPr/>
-        </p:nvSpPr>
+        </p:nvPicPr>
+        <p:blipFill>
+          <a:blip r:embed="rId3"/>
+          <a:stretch>
+            <a:fillRect/>
+          </a:stretch>
+        </p:blipFill>
         <p:spPr>
           <a:xfrm>
-            <a:off x="4916183" y="3219450"/>
-            <a:ext cx="9049469" cy="553998"/>
+            <a:off x="8331200" y="3019920"/>
+            <a:ext cx="11520000" cy="3181396"/>
           </a:xfrm>
           <a:prstGeom prst="rect">
             <a:avLst/>
           </a:prstGeom>
         </p:spPr>
-        <p:txBody>
-          <a:bodyPr vert="horz" wrap="square" lIns="0" tIns="0" rIns="0" bIns="0" rtlCol="0">
-            <a:spAutoFit/>
-          </a:bodyPr>
-          <a:lstStyle/>
-          <a:p>
-            <a:pPr marL="12699" marR="6350"/>
-            <a:r>
-              <a:rPr lang="de-DE" sz="3600" b="1" spc="-204" dirty="0" smtClean="0">
-                <a:solidFill>
-                  <a:schemeClr val="accent4">
-                    <a:lumMod val="50000"/>
-                  </a:schemeClr>
-                </a:solidFill>
-                <a:latin typeface="Cambria"/>
-                <a:cs typeface="Cambria"/>
-              </a:rPr>
-              <a:t>Vorgehen: </a:t>
-            </a:r>
-            <a:r>
-              <a:rPr lang="de-DE" sz="3600" b="1" spc="-204" dirty="0" err="1" smtClean="0">
-                <a:solidFill>
-                  <a:schemeClr val="accent4">
-                    <a:lumMod val="50000"/>
-                  </a:schemeClr>
-                </a:solidFill>
-                <a:latin typeface="Cambria"/>
-                <a:cs typeface="Cambria"/>
-              </a:rPr>
-              <a:t>coex</a:t>
-            </a:r>
-            <a:r>
-              <a:rPr lang="de-DE" sz="3600" b="1" spc="-204" dirty="0" smtClean="0">
-                <a:solidFill>
-                  <a:schemeClr val="accent4">
-                    <a:lumMod val="50000"/>
-                  </a:schemeClr>
-                </a:solidFill>
-                <a:latin typeface="Cambria"/>
-                <a:cs typeface="Cambria"/>
-              </a:rPr>
-              <a:t> </a:t>
-            </a:r>
-            <a:r>
-              <a:rPr lang="de-DE" sz="3600" b="1" spc="-204" dirty="0" err="1" smtClean="0">
-                <a:solidFill>
-                  <a:schemeClr val="accent4">
-                    <a:lumMod val="50000"/>
-                  </a:schemeClr>
-                </a:solidFill>
-                <a:latin typeface="Cambria"/>
-                <a:cs typeface="Cambria"/>
-              </a:rPr>
-              <a:t>Clover</a:t>
-            </a:r>
-            <a:r>
-              <a:rPr lang="de-DE" sz="3600" b="1" spc="-204" dirty="0" smtClean="0">
-                <a:solidFill>
-                  <a:schemeClr val="accent4">
-                    <a:lumMod val="50000"/>
-                  </a:schemeClr>
-                </a:solidFill>
-                <a:latin typeface="Cambria"/>
-                <a:cs typeface="Cambria"/>
-              </a:rPr>
-              <a:t> 4.20</a:t>
-            </a:r>
-            <a:endParaRPr sz="3600" dirty="0">
-              <a:solidFill>
-                <a:schemeClr val="accent4">
-                  <a:lumMod val="50000"/>
-                </a:schemeClr>
-              </a:solidFill>
-              <a:latin typeface="Cambria"/>
-              <a:cs typeface="Cambria"/>
-            </a:endParaRPr>
-          </a:p>
-        </p:txBody>
-      </p:sp>
+      </p:pic>
       <p:sp>
         <p:nvSpPr>
-          <p:cNvPr id="3" name="Rechteck 2"/>
+          <p:cNvPr id="5" name="Ellipse 4"/>
           <p:cNvSpPr/>
           <p:nvPr/>
         </p:nvSpPr>
         <p:spPr>
           <a:xfrm>
-            <a:off x="2396183" y="4413149"/>
-            <a:ext cx="15120000" cy="5760000"/>
+            <a:off x="12903200" y="3019920"/>
+            <a:ext cx="900000" cy="3181396"/>
           </a:xfrm>
-          <a:prstGeom prst="rect">
+          <a:prstGeom prst="ellipse">
             <a:avLst/>
           </a:prstGeom>
-          <a:solidFill>
-            <a:schemeClr val="accent3">
-              <a:lumMod val="20000"/>
-              <a:lumOff val="80000"/>
-            </a:schemeClr>
-          </a:solidFill>
-          <a:ln w="50800">
+          <a:noFill/>
+          <a:ln w="95250">
             <a:solidFill>
-              <a:srgbClr val="FF0000"/>
+              <a:schemeClr val="accent3">
+                <a:lumMod val="75000"/>
+              </a:schemeClr>
             </a:solidFill>
           </a:ln>
         </p:spPr>
@@ -15029,115 +14677,20 @@
           <a:lstStyle/>
           <a:p>
             <a:pPr algn="ctr"/>
-            <a:r>
-              <a:rPr lang="de-DE" sz="3600" dirty="0" err="1" smtClean="0">
-                <a:solidFill>
-                  <a:srgbClr val="FF0000"/>
-                </a:solidFill>
-              </a:rPr>
-              <a:t>Lesson</a:t>
-            </a:r>
-            <a:r>
-              <a:rPr lang="de-DE" sz="3600" dirty="0" smtClean="0">
-                <a:solidFill>
-                  <a:srgbClr val="FF0000"/>
-                </a:solidFill>
-              </a:rPr>
-              <a:t> </a:t>
-            </a:r>
-            <a:r>
-              <a:rPr lang="de-DE" sz="3600" dirty="0" err="1" smtClean="0">
-                <a:solidFill>
-                  <a:srgbClr val="FF0000"/>
-                </a:solidFill>
-              </a:rPr>
-              <a:t>Learned</a:t>
-            </a:r>
-            <a:endParaRPr lang="de-DE" sz="3600" dirty="0" smtClean="0">
-              <a:solidFill>
-                <a:srgbClr val="FF0000"/>
-              </a:solidFill>
-            </a:endParaRPr>
-          </a:p>
-          <a:p>
-            <a:pPr algn="ctr"/>
-            <a:endParaRPr lang="de-DE" sz="3600" dirty="0" smtClean="0">
-              <a:solidFill>
-                <a:schemeClr val="bg1"/>
-              </a:solidFill>
-            </a:endParaRPr>
-          </a:p>
-          <a:p>
-            <a:pPr algn="ctr"/>
-            <a:endParaRPr lang="de-DE" sz="3600" dirty="0">
-              <a:solidFill>
-                <a:schemeClr val="bg1"/>
-              </a:solidFill>
-            </a:endParaRPr>
-          </a:p>
-          <a:p>
-            <a:pPr algn="ctr"/>
-            <a:r>
-              <a:rPr lang="de-DE" sz="3600" dirty="0" smtClean="0">
-                <a:solidFill>
-                  <a:schemeClr val="bg1"/>
-                </a:solidFill>
-              </a:rPr>
-              <a:t>Fassen Sie nie in sich drehende Teile!</a:t>
-            </a:r>
-          </a:p>
-          <a:p>
-            <a:pPr algn="ctr"/>
-            <a:endParaRPr lang="de-DE" sz="3600" dirty="0" smtClean="0">
-              <a:solidFill>
-                <a:schemeClr val="bg1"/>
-              </a:solidFill>
-            </a:endParaRPr>
-          </a:p>
-          <a:p>
-            <a:pPr algn="ctr"/>
-            <a:endParaRPr lang="de-DE" sz="3600" dirty="0" smtClean="0">
-              <a:solidFill>
-                <a:schemeClr val="bg1"/>
-              </a:solidFill>
-            </a:endParaRPr>
+            <a:endParaRPr lang="de-DE"/>
           </a:p>
         </p:txBody>
       </p:sp>
-      <p:pic>
-        <p:nvPicPr>
-          <p:cNvPr id="2" name="Grafik 1"/>
-          <p:cNvPicPr>
-            <a:picLocks noChangeAspect="1"/>
-          </p:cNvPicPr>
-          <p:nvPr/>
-        </p:nvPicPr>
-        <p:blipFill>
-          <a:blip r:embed="rId3"/>
-          <a:stretch>
-            <a:fillRect/>
-          </a:stretch>
-        </p:blipFill>
-        <p:spPr>
-          <a:xfrm>
-            <a:off x="7076183" y="8601951"/>
-            <a:ext cx="5760000" cy="2889698"/>
-          </a:xfrm>
-          <a:prstGeom prst="rect">
-            <a:avLst/>
-          </a:prstGeom>
-        </p:spPr>
-      </p:pic>
       <p:sp>
         <p:nvSpPr>
-          <p:cNvPr id="22" name="object 6"/>
+          <p:cNvPr id="14" name="object 6"/>
           <p:cNvSpPr txBox="1"/>
           <p:nvPr/>
         </p:nvSpPr>
         <p:spPr>
           <a:xfrm>
-            <a:off x="6455745" y="11619595"/>
-            <a:ext cx="7000875" cy="369332"/>
+            <a:off x="2810623" y="6695635"/>
+            <a:ext cx="10800000" cy="492443"/>
           </a:xfrm>
           <a:prstGeom prst="rect">
             <a:avLst/>
@@ -15149,45 +14702,73 @@
           </a:bodyPr>
           <a:lstStyle/>
           <a:p>
-            <a:pPr marL="12699" marR="6350" algn="ctr"/>
-            <a:r>
-              <a:rPr lang="de-DE" sz="2400" b="1" spc="-204" dirty="0" err="1" smtClean="0">
-                <a:latin typeface="Cambria"/>
-                <a:cs typeface="Cambria"/>
+            <a:pPr marL="12699" marR="6350"/>
+            <a:r>
+              <a:rPr lang="de-DE" sz="3200" spc="-204" dirty="0" smtClean="0">
+                <a:solidFill>
+                  <a:schemeClr val="accent4">
+                    <a:lumMod val="50000"/>
+                  </a:schemeClr>
+                </a:solidFill>
+                <a:latin typeface="Arial" panose="020B0604020202020204" pitchFamily="34" charset="0"/>
+                <a:cs typeface="Arial" panose="020B0604020202020204" pitchFamily="34" charset="0"/>
               </a:rPr>
-              <a:t>Safety</a:t>
-            </a:r>
-            <a:r>
-              <a:rPr lang="de-DE" sz="2400" b="1" spc="-204" dirty="0" smtClean="0">
-                <a:latin typeface="Cambria"/>
-                <a:cs typeface="Cambria"/>
+              <a:t>Zwischenpräsentation, Ankündigung: Austausch der Hardware</a:t>
+            </a:r>
+            <a:endParaRPr sz="3200" dirty="0">
+              <a:solidFill>
+                <a:schemeClr val="accent4">
+                  <a:lumMod val="50000"/>
+                </a:schemeClr>
+              </a:solidFill>
+              <a:latin typeface="Arial" panose="020B0604020202020204" pitchFamily="34" charset="0"/>
+              <a:cs typeface="Arial" panose="020B0604020202020204" pitchFamily="34" charset="0"/>
+            </a:endParaRPr>
+          </a:p>
+        </p:txBody>
+      </p:sp>
+      <p:sp>
+        <p:nvSpPr>
+          <p:cNvPr id="20" name="object 6"/>
+          <p:cNvSpPr txBox="1"/>
+          <p:nvPr/>
+        </p:nvSpPr>
+        <p:spPr>
+          <a:xfrm>
+            <a:off x="2780143" y="7453412"/>
+            <a:ext cx="10800000" cy="492443"/>
+          </a:xfrm>
+          <a:prstGeom prst="rect">
+            <a:avLst/>
+          </a:prstGeom>
+        </p:spPr>
+        <p:txBody>
+          <a:bodyPr vert="horz" wrap="square" lIns="0" tIns="0" rIns="0" bIns="0" rtlCol="0">
+            <a:spAutoFit/>
+          </a:bodyPr>
+          <a:lstStyle/>
+          <a:p>
+            <a:pPr marL="12699" marR="6350"/>
+            <a:r>
+              <a:rPr lang="de-DE" sz="3200" spc="-204" dirty="0" smtClean="0">
+                <a:solidFill>
+                  <a:schemeClr val="accent4">
+                    <a:lumMod val="50000"/>
+                  </a:schemeClr>
+                </a:solidFill>
+                <a:latin typeface="Arial" panose="020B0604020202020204" pitchFamily="34" charset="0"/>
+                <a:cs typeface="Arial" panose="020B0604020202020204" pitchFamily="34" charset="0"/>
               </a:rPr>
-              <a:t> Label  </a:t>
-            </a:r>
-            <a:r>
-              <a:rPr lang="de-DE" sz="2400" b="1" spc="-204" dirty="0" err="1" smtClean="0">
-                <a:latin typeface="Cambria"/>
-                <a:cs typeface="Cambria"/>
-              </a:rPr>
-              <a:t>Rotating</a:t>
-            </a:r>
-            <a:r>
-              <a:rPr lang="de-DE" sz="2400" b="1" spc="-204" dirty="0" smtClean="0">
-                <a:latin typeface="Cambria"/>
-                <a:cs typeface="Cambria"/>
-              </a:rPr>
-              <a:t> Blades</a:t>
-            </a:r>
-            <a:r>
-              <a:rPr lang="de-DE" sz="2400" b="1" spc="-204" baseline="30000" dirty="0" smtClean="0">
-                <a:latin typeface="Cambria"/>
-                <a:cs typeface="Cambria"/>
-              </a:rPr>
-              <a:t>4</a:t>
-            </a:r>
-            <a:endParaRPr sz="2400" baseline="30000" dirty="0">
-              <a:latin typeface="Cambria"/>
-              <a:cs typeface="Cambria"/>
+              <a:t>Austausch der Hardware</a:t>
+            </a:r>
+            <a:endParaRPr sz="3200" dirty="0">
+              <a:solidFill>
+                <a:schemeClr val="accent4">
+                  <a:lumMod val="50000"/>
+                </a:schemeClr>
+              </a:solidFill>
+              <a:latin typeface="Arial" panose="020B0604020202020204" pitchFamily="34" charset="0"/>
+              <a:cs typeface="Arial" panose="020B0604020202020204" pitchFamily="34" charset="0"/>
             </a:endParaRPr>
           </a:p>
         </p:txBody>
@@ -15195,7 +14776,7 @@
     </p:spTree>
     <p:extLst>
       <p:ext uri="{BB962C8B-B14F-4D97-AF65-F5344CB8AC3E}">
-        <p14:creationId xmlns:p14="http://schemas.microsoft.com/office/powerpoint/2010/main" val="2474486031"/>
+        <p14:creationId xmlns:p14="http://schemas.microsoft.com/office/powerpoint/2010/main" val="3656502956"/>
       </p:ext>
     </p:extLst>
   </p:cSld>
@@ -15229,52 +14810,6 @@
           <a:chExt cx="0" cy="0"/>
         </a:xfrm>
       </p:grpSpPr>
-      <p:sp>
-        <p:nvSpPr>
-          <p:cNvPr id="20" name="object 6"/>
-          <p:cNvSpPr txBox="1"/>
-          <p:nvPr/>
-        </p:nvSpPr>
-        <p:spPr>
-          <a:xfrm>
-            <a:off x="2810623" y="8734438"/>
-            <a:ext cx="10800000" cy="492443"/>
-          </a:xfrm>
-          <a:prstGeom prst="rect">
-            <a:avLst/>
-          </a:prstGeom>
-        </p:spPr>
-        <p:txBody>
-          <a:bodyPr vert="horz" wrap="square" lIns="0" tIns="0" rIns="0" bIns="0" rtlCol="0">
-            <a:spAutoFit/>
-          </a:bodyPr>
-          <a:lstStyle/>
-          <a:p>
-            <a:pPr marL="12699" marR="6350"/>
-            <a:r>
-              <a:rPr lang="de-DE" sz="3200" spc="-204" dirty="0" smtClean="0">
-                <a:solidFill>
-                  <a:schemeClr val="accent4">
-                    <a:lumMod val="50000"/>
-                  </a:schemeClr>
-                </a:solidFill>
-                <a:latin typeface="Arial" panose="020B0604020202020204" pitchFamily="34" charset="0"/>
-                <a:cs typeface="Arial" panose="020B0604020202020204" pitchFamily="34" charset="0"/>
-              </a:rPr>
-              <a:t>Ergebnis aller Tests nicht wie gewünscht bzw. erwartet</a:t>
-            </a:r>
-            <a:endParaRPr sz="3200" dirty="0">
-              <a:solidFill>
-                <a:schemeClr val="accent4">
-                  <a:lumMod val="50000"/>
-                </a:schemeClr>
-              </a:solidFill>
-              <a:latin typeface="Arial" panose="020B0604020202020204" pitchFamily="34" charset="0"/>
-              <a:cs typeface="Arial" panose="020B0604020202020204" pitchFamily="34" charset="0"/>
-            </a:endParaRPr>
-          </a:p>
-        </p:txBody>
-      </p:sp>
       <p:pic>
         <p:nvPicPr>
           <p:cNvPr id="8" name="Grafik 7"/>
@@ -15469,14 +15004,14 @@
       </p:grpSp>
       <p:sp>
         <p:nvSpPr>
-          <p:cNvPr id="14" name="object 6"/>
+          <p:cNvPr id="18" name="object 6"/>
           <p:cNvSpPr txBox="1"/>
           <p:nvPr/>
         </p:nvSpPr>
         <p:spPr>
           <a:xfrm>
-            <a:off x="2036183" y="4794912"/>
-            <a:ext cx="10800000" cy="492443"/>
+            <a:off x="4916183" y="3219450"/>
+            <a:ext cx="9049469" cy="553998"/>
           </a:xfrm>
           <a:prstGeom prst="rect">
             <a:avLst/>
@@ -15490,209 +15025,25 @@
           <a:p>
             <a:pPr marL="12699" marR="6350"/>
             <a:r>
-              <a:rPr lang="de-DE" sz="3200" spc="-204" dirty="0" smtClean="0">
+              <a:rPr lang="de-DE" sz="3600" b="1" spc="-204" dirty="0" smtClean="0">
                 <a:solidFill>
                   <a:schemeClr val="accent4">
                     <a:lumMod val="50000"/>
                   </a:schemeClr>
                 </a:solidFill>
-                <a:latin typeface="Arial" panose="020B0604020202020204" pitchFamily="34" charset="0"/>
-                <a:cs typeface="Arial" panose="020B0604020202020204" pitchFamily="34" charset="0"/>
+                <a:latin typeface="Cambria"/>
+                <a:cs typeface="Cambria"/>
               </a:rPr>
-              <a:t>Aufbau</a:t>
-            </a:r>
-            <a:endParaRPr sz="3200" dirty="0">
+              <a:t>Projekt-Verlauf</a:t>
+            </a:r>
+            <a:endParaRPr sz="3600" dirty="0">
               <a:solidFill>
                 <a:schemeClr val="accent4">
                   <a:lumMod val="50000"/>
                 </a:schemeClr>
               </a:solidFill>
-              <a:latin typeface="Arial" panose="020B0604020202020204" pitchFamily="34" charset="0"/>
-              <a:cs typeface="Arial" panose="020B0604020202020204" pitchFamily="34" charset="0"/>
-            </a:endParaRPr>
-          </a:p>
-        </p:txBody>
-      </p:sp>
-      <p:sp>
-        <p:nvSpPr>
-          <p:cNvPr id="15" name="object 6"/>
-          <p:cNvSpPr txBox="1"/>
-          <p:nvPr/>
-        </p:nvSpPr>
-        <p:spPr>
-          <a:xfrm>
-            <a:off x="2036183" y="5546992"/>
-            <a:ext cx="10800000" cy="492443"/>
-          </a:xfrm>
-          <a:prstGeom prst="rect">
-            <a:avLst/>
-          </a:prstGeom>
-        </p:spPr>
-        <p:txBody>
-          <a:bodyPr vert="horz" wrap="square" lIns="0" tIns="0" rIns="0" bIns="0" rtlCol="0">
-            <a:spAutoFit/>
-          </a:bodyPr>
-          <a:lstStyle/>
-          <a:p>
-            <a:pPr marL="12699" marR="6350"/>
-            <a:r>
-              <a:rPr lang="de-DE" sz="3200" spc="-204" dirty="0" smtClean="0">
-                <a:solidFill>
-                  <a:schemeClr val="accent4">
-                    <a:lumMod val="50000"/>
-                  </a:schemeClr>
-                </a:solidFill>
-                <a:latin typeface="Arial" panose="020B0604020202020204" pitchFamily="34" charset="0"/>
-                <a:cs typeface="Arial" panose="020B0604020202020204" pitchFamily="34" charset="0"/>
-              </a:rPr>
-              <a:t>Erstinbetriebnahme / Konfiguration</a:t>
-            </a:r>
-            <a:endParaRPr sz="3200" dirty="0">
-              <a:solidFill>
-                <a:schemeClr val="accent4">
-                  <a:lumMod val="50000"/>
-                </a:schemeClr>
-              </a:solidFill>
-              <a:latin typeface="Arial" panose="020B0604020202020204" pitchFamily="34" charset="0"/>
-              <a:cs typeface="Arial" panose="020B0604020202020204" pitchFamily="34" charset="0"/>
-            </a:endParaRPr>
-          </a:p>
-        </p:txBody>
-      </p:sp>
-      <p:sp>
-        <p:nvSpPr>
-          <p:cNvPr id="16" name="object 6"/>
-          <p:cNvSpPr txBox="1"/>
-          <p:nvPr/>
-        </p:nvSpPr>
-        <p:spPr>
-          <a:xfrm>
-            <a:off x="2036183" y="6296960"/>
-            <a:ext cx="10800000" cy="492443"/>
-          </a:xfrm>
-          <a:prstGeom prst="rect">
-            <a:avLst/>
-          </a:prstGeom>
-        </p:spPr>
-        <p:txBody>
-          <a:bodyPr vert="horz" wrap="square" lIns="0" tIns="0" rIns="0" bIns="0" rtlCol="0">
-            <a:spAutoFit/>
-          </a:bodyPr>
-          <a:lstStyle/>
-          <a:p>
-            <a:pPr marL="12699" marR="6350"/>
-            <a:r>
-              <a:rPr lang="de-DE" sz="3200" spc="-204" dirty="0" smtClean="0">
-                <a:solidFill>
-                  <a:schemeClr val="accent4">
-                    <a:lumMod val="50000"/>
-                  </a:schemeClr>
-                </a:solidFill>
-                <a:latin typeface="Arial" panose="020B0604020202020204" pitchFamily="34" charset="0"/>
-                <a:cs typeface="Arial" panose="020B0604020202020204" pitchFamily="34" charset="0"/>
-              </a:rPr>
-              <a:t>Auswahl möglicher Topics / Services</a:t>
-            </a:r>
-            <a:endParaRPr sz="3200" dirty="0">
-              <a:solidFill>
-                <a:schemeClr val="accent4">
-                  <a:lumMod val="50000"/>
-                </a:schemeClr>
-              </a:solidFill>
-              <a:latin typeface="Arial" panose="020B0604020202020204" pitchFamily="34" charset="0"/>
-              <a:cs typeface="Arial" panose="020B0604020202020204" pitchFamily="34" charset="0"/>
-            </a:endParaRPr>
-          </a:p>
-        </p:txBody>
-      </p:sp>
-      <p:sp>
-        <p:nvSpPr>
-          <p:cNvPr id="17" name="object 6"/>
-          <p:cNvSpPr txBox="1"/>
-          <p:nvPr/>
-        </p:nvSpPr>
-        <p:spPr>
-          <a:xfrm>
-            <a:off x="2031103" y="7046928"/>
-            <a:ext cx="10800000" cy="492443"/>
-          </a:xfrm>
-          <a:prstGeom prst="rect">
-            <a:avLst/>
-          </a:prstGeom>
-        </p:spPr>
-        <p:txBody>
-          <a:bodyPr vert="horz" wrap="square" lIns="0" tIns="0" rIns="0" bIns="0" rtlCol="0">
-            <a:spAutoFit/>
-          </a:bodyPr>
-          <a:lstStyle/>
-          <a:p>
-            <a:pPr marL="12699" marR="6350"/>
-            <a:r>
-              <a:rPr lang="de-DE" sz="3200" spc="-204" dirty="0" smtClean="0">
-                <a:solidFill>
-                  <a:schemeClr val="accent4">
-                    <a:lumMod val="50000"/>
-                  </a:schemeClr>
-                </a:solidFill>
-                <a:latin typeface="Arial" panose="020B0604020202020204" pitchFamily="34" charset="0"/>
-                <a:cs typeface="Arial" panose="020B0604020202020204" pitchFamily="34" charset="0"/>
-              </a:rPr>
-              <a:t>Entwurf des Regelungssystems</a:t>
-            </a:r>
-            <a:endParaRPr sz="3200" dirty="0">
-              <a:solidFill>
-                <a:schemeClr val="accent4">
-                  <a:lumMod val="50000"/>
-                </a:schemeClr>
-              </a:solidFill>
-              <a:latin typeface="Arial" panose="020B0604020202020204" pitchFamily="34" charset="0"/>
-              <a:cs typeface="Arial" panose="020B0604020202020204" pitchFamily="34" charset="0"/>
-            </a:endParaRPr>
-          </a:p>
-        </p:txBody>
-      </p:sp>
-      <p:sp>
-        <p:nvSpPr>
-          <p:cNvPr id="18" name="object 6"/>
-          <p:cNvSpPr txBox="1"/>
-          <p:nvPr/>
-        </p:nvSpPr>
-        <p:spPr>
-          <a:xfrm>
-            <a:off x="2004506" y="7796896"/>
-            <a:ext cx="10800000" cy="492443"/>
-          </a:xfrm>
-          <a:prstGeom prst="rect">
-            <a:avLst/>
-          </a:prstGeom>
-        </p:spPr>
-        <p:txBody>
-          <a:bodyPr vert="horz" wrap="square" lIns="0" tIns="0" rIns="0" bIns="0" rtlCol="0">
-            <a:spAutoFit/>
-          </a:bodyPr>
-          <a:lstStyle/>
-          <a:p>
-            <a:pPr marL="12699" marR="6350"/>
-            <a:r>
-              <a:rPr lang="de-DE" sz="3200" spc="-204" dirty="0" smtClean="0">
-                <a:solidFill>
-                  <a:schemeClr val="accent4">
-                    <a:lumMod val="50000"/>
-                  </a:schemeClr>
-                </a:solidFill>
-                <a:latin typeface="Arial" panose="020B0604020202020204" pitchFamily="34" charset="0"/>
-                <a:cs typeface="Arial" panose="020B0604020202020204" pitchFamily="34" charset="0"/>
-              </a:rPr>
-              <a:t>Test der gewünschten Topics / Services</a:t>
-            </a:r>
-            <a:endParaRPr sz="3200" dirty="0">
-              <a:solidFill>
-                <a:schemeClr val="accent4">
-                  <a:lumMod val="50000"/>
-                </a:schemeClr>
-              </a:solidFill>
-              <a:latin typeface="Arial" panose="020B0604020202020204" pitchFamily="34" charset="0"/>
-              <a:cs typeface="Arial" panose="020B0604020202020204" pitchFamily="34" charset="0"/>
+              <a:latin typeface="Cambria"/>
+              <a:cs typeface="Cambria"/>
             </a:endParaRPr>
           </a:p>
         </p:txBody>
@@ -15763,109 +15114,87 @@
           </a:p>
         </p:txBody>
       </p:sp>
+      <p:pic>
+        <p:nvPicPr>
+          <p:cNvPr id="2" name="Grafik 1"/>
+          <p:cNvPicPr>
+            <a:picLocks noChangeAspect="1"/>
+          </p:cNvPicPr>
+          <p:nvPr/>
+        </p:nvPicPr>
+        <p:blipFill>
+          <a:blip r:embed="rId3"/>
+          <a:stretch>
+            <a:fillRect/>
+          </a:stretch>
+        </p:blipFill>
+        <p:spPr>
+          <a:xfrm>
+            <a:off x="8331200" y="3019920"/>
+            <a:ext cx="11520000" cy="3181396"/>
+          </a:xfrm>
+          <a:prstGeom prst="rect">
+            <a:avLst/>
+          </a:prstGeom>
+        </p:spPr>
+      </p:pic>
       <p:sp>
         <p:nvSpPr>
-          <p:cNvPr id="21" name="object 6"/>
+          <p:cNvPr id="5" name="Ellipse 4"/>
+          <p:cNvSpPr/>
+          <p:nvPr/>
+        </p:nvSpPr>
+        <p:spPr>
+          <a:xfrm>
+            <a:off x="12903200" y="3019920"/>
+            <a:ext cx="900000" cy="3181396"/>
+          </a:xfrm>
+          <a:prstGeom prst="ellipse">
+            <a:avLst/>
+          </a:prstGeom>
+          <a:noFill/>
+          <a:ln w="95250">
+            <a:solidFill>
+              <a:schemeClr val="accent3">
+                <a:lumMod val="75000"/>
+              </a:schemeClr>
+            </a:solidFill>
+          </a:ln>
+        </p:spPr>
+        <p:style>
+          <a:lnRef idx="2">
+            <a:schemeClr val="accent1">
+              <a:shade val="50000"/>
+            </a:schemeClr>
+          </a:lnRef>
+          <a:fillRef idx="1">
+            <a:schemeClr val="accent1"/>
+          </a:fillRef>
+          <a:effectRef idx="0">
+            <a:schemeClr val="accent1"/>
+          </a:effectRef>
+          <a:fontRef idx="minor">
+            <a:schemeClr val="lt1"/>
+          </a:fontRef>
+        </p:style>
+        <p:txBody>
+          <a:bodyPr rtlCol="0" anchor="ctr"/>
+          <a:lstStyle/>
+          <a:p>
+            <a:pPr algn="ctr"/>
+            <a:endParaRPr lang="de-DE"/>
+          </a:p>
+        </p:txBody>
+      </p:sp>
+      <p:sp>
+        <p:nvSpPr>
+          <p:cNvPr id="14" name="object 6"/>
           <p:cNvSpPr txBox="1"/>
           <p:nvPr/>
         </p:nvSpPr>
         <p:spPr>
           <a:xfrm>
-            <a:off x="4916183" y="3219450"/>
-            <a:ext cx="9049469" cy="553998"/>
-          </a:xfrm>
-          <a:prstGeom prst="rect">
-            <a:avLst/>
-          </a:prstGeom>
-        </p:spPr>
-        <p:txBody>
-          <a:bodyPr vert="horz" wrap="square" lIns="0" tIns="0" rIns="0" bIns="0" rtlCol="0">
-            <a:spAutoFit/>
-          </a:bodyPr>
-          <a:lstStyle/>
-          <a:p>
-            <a:pPr marL="12699" marR="6350"/>
-            <a:r>
-              <a:rPr lang="de-DE" sz="3600" b="1" spc="-204" dirty="0" smtClean="0">
-                <a:solidFill>
-                  <a:schemeClr val="accent4">
-                    <a:lumMod val="50000"/>
-                  </a:schemeClr>
-                </a:solidFill>
-                <a:latin typeface="Cambria"/>
-                <a:cs typeface="Cambria"/>
-              </a:rPr>
-              <a:t>Vorgehen: </a:t>
-            </a:r>
-            <a:r>
-              <a:rPr lang="de-DE" sz="3600" b="1" spc="-204" dirty="0" err="1" smtClean="0">
-                <a:solidFill>
-                  <a:schemeClr val="accent4">
-                    <a:lumMod val="50000"/>
-                  </a:schemeClr>
-                </a:solidFill>
-                <a:latin typeface="Cambria"/>
-                <a:cs typeface="Cambria"/>
-              </a:rPr>
-              <a:t>coex</a:t>
-            </a:r>
-            <a:r>
-              <a:rPr lang="de-DE" sz="3600" b="1" spc="-204" dirty="0" smtClean="0">
-                <a:solidFill>
-                  <a:schemeClr val="accent4">
-                    <a:lumMod val="50000"/>
-                  </a:schemeClr>
-                </a:solidFill>
-                <a:latin typeface="Cambria"/>
-                <a:cs typeface="Cambria"/>
-              </a:rPr>
-              <a:t> </a:t>
-            </a:r>
-            <a:r>
-              <a:rPr lang="de-DE" sz="3600" b="1" spc="-204" dirty="0" err="1" smtClean="0">
-                <a:solidFill>
-                  <a:schemeClr val="accent4">
-                    <a:lumMod val="50000"/>
-                  </a:schemeClr>
-                </a:solidFill>
-                <a:latin typeface="Cambria"/>
-                <a:cs typeface="Cambria"/>
-              </a:rPr>
-              <a:t>Clover</a:t>
-            </a:r>
-            <a:r>
-              <a:rPr lang="de-DE" sz="3600" b="1" spc="-204" dirty="0" smtClean="0">
-                <a:solidFill>
-                  <a:schemeClr val="accent4">
-                    <a:lumMod val="50000"/>
-                  </a:schemeClr>
-                </a:solidFill>
-                <a:latin typeface="Cambria"/>
-                <a:cs typeface="Cambria"/>
-              </a:rPr>
-              <a:t> 4.20</a:t>
-            </a:r>
-            <a:endParaRPr sz="3600" dirty="0">
-              <a:solidFill>
-                <a:schemeClr val="accent4">
-                  <a:lumMod val="50000"/>
-                </a:schemeClr>
-              </a:solidFill>
-              <a:latin typeface="Cambria"/>
-              <a:cs typeface="Cambria"/>
-            </a:endParaRPr>
-          </a:p>
-        </p:txBody>
-      </p:sp>
-      <p:sp>
-        <p:nvSpPr>
-          <p:cNvPr id="22" name="object 6"/>
-          <p:cNvSpPr txBox="1"/>
-          <p:nvPr/>
-        </p:nvSpPr>
-        <p:spPr>
-          <a:xfrm>
-            <a:off x="2810623" y="9392216"/>
+            <a:off x="2810623" y="6695635"/>
             <a:ext cx="10800000" cy="492443"/>
           </a:xfrm>
           <a:prstGeom prst="rect">
@@ -15880,18 +15209,6 @@
           <a:p>
             <a:pPr marL="12699" marR="6350"/>
             <a:r>
-              <a:rPr lang="de-DE" sz="3200" spc="-204" dirty="0" err="1" smtClean="0">
-                <a:solidFill>
-                  <a:schemeClr val="accent4">
-                    <a:lumMod val="50000"/>
-                  </a:schemeClr>
-                </a:solidFill>
-                <a:latin typeface="Arial" panose="020B0604020202020204" pitchFamily="34" charset="0"/>
-                <a:cs typeface="Arial" panose="020B0604020202020204" pitchFamily="34" charset="0"/>
-              </a:rPr>
-              <a:t>Example</a:t>
-            </a:r>
-            <a:r>
               <a:rPr lang="de-DE" sz="3200" spc="-204" dirty="0" smtClean="0">
                 <a:solidFill>
                   <a:schemeClr val="accent4">
@@ -15901,32 +15218,42 @@
                 <a:latin typeface="Arial" panose="020B0604020202020204" pitchFamily="34" charset="0"/>
                 <a:cs typeface="Arial" panose="020B0604020202020204" pitchFamily="34" charset="0"/>
               </a:rPr>
-              <a:t>-Code</a:t>
-            </a:r>
-            <a:r>
-              <a:rPr lang="de-DE" sz="3200" spc="-204" dirty="0">
-                <a:solidFill>
-                  <a:schemeClr val="accent4">
-                    <a:lumMod val="50000"/>
-                  </a:schemeClr>
-                </a:solidFill>
-                <a:latin typeface="Arial" panose="020B0604020202020204" pitchFamily="34" charset="0"/>
-                <a:cs typeface="Arial" panose="020B0604020202020204" pitchFamily="34" charset="0"/>
-              </a:rPr>
-              <a:t>, </a:t>
-            </a:r>
-            <a:r>
-              <a:rPr lang="de-DE" sz="3200" spc="-204" dirty="0" err="1">
-                <a:solidFill>
-                  <a:schemeClr val="accent4">
-                    <a:lumMod val="50000"/>
-                  </a:schemeClr>
-                </a:solidFill>
-                <a:latin typeface="Arial" panose="020B0604020202020204" pitchFamily="34" charset="0"/>
-                <a:cs typeface="Arial" panose="020B0604020202020204" pitchFamily="34" charset="0"/>
-              </a:rPr>
-              <a:t>Rekalibrierung</a:t>
-            </a:r>
+              <a:t>Zwischenpräsentation, Ankündigung: Austausch der Hardware</a:t>
+            </a:r>
+            <a:endParaRPr sz="3200" dirty="0">
+              <a:solidFill>
+                <a:schemeClr val="accent4">
+                  <a:lumMod val="50000"/>
+                </a:schemeClr>
+              </a:solidFill>
+              <a:latin typeface="Arial" panose="020B0604020202020204" pitchFamily="34" charset="0"/>
+              <a:cs typeface="Arial" panose="020B0604020202020204" pitchFamily="34" charset="0"/>
+            </a:endParaRPr>
+          </a:p>
+        </p:txBody>
+      </p:sp>
+      <p:sp>
+        <p:nvSpPr>
+          <p:cNvPr id="20" name="object 6"/>
+          <p:cNvSpPr txBox="1"/>
+          <p:nvPr/>
+        </p:nvSpPr>
+        <p:spPr>
+          <a:xfrm>
+            <a:off x="2780143" y="7453412"/>
+            <a:ext cx="10800000" cy="492443"/>
+          </a:xfrm>
+          <a:prstGeom prst="rect">
+            <a:avLst/>
+          </a:prstGeom>
+        </p:spPr>
+        <p:txBody>
+          <a:bodyPr vert="horz" wrap="square" lIns="0" tIns="0" rIns="0" bIns="0" rtlCol="0">
+            <a:spAutoFit/>
+          </a:bodyPr>
+          <a:lstStyle/>
+          <a:p>
+            <a:pPr marL="12699" marR="6350"/>
             <a:r>
               <a:rPr lang="de-DE" sz="3200" spc="-204" dirty="0" smtClean="0">
                 <a:solidFill>
@@ -15937,31 +15264,7 @@
                 <a:latin typeface="Arial" panose="020B0604020202020204" pitchFamily="34" charset="0"/>
                 <a:cs typeface="Arial" panose="020B0604020202020204" pitchFamily="34" charset="0"/>
               </a:rPr>
-              <a:t>, neu aufsetzen des </a:t>
-            </a:r>
-            <a:r>
-              <a:rPr lang="de-DE" sz="3200" spc="-204" dirty="0" err="1" smtClean="0">
-                <a:solidFill>
-                  <a:schemeClr val="accent4">
-                    <a:lumMod val="50000"/>
-                  </a:schemeClr>
-                </a:solidFill>
-                <a:latin typeface="Arial" panose="020B0604020202020204" pitchFamily="34" charset="0"/>
-                <a:cs typeface="Arial" panose="020B0604020202020204" pitchFamily="34" charset="0"/>
-              </a:rPr>
-              <a:t>Pie</a:t>
-            </a:r>
-            <a:r>
-              <a:rPr lang="de-DE" sz="3200" spc="-204" dirty="0" smtClean="0">
-                <a:solidFill>
-                  <a:schemeClr val="accent4">
-                    <a:lumMod val="50000"/>
-                  </a:schemeClr>
-                </a:solidFill>
-                <a:latin typeface="Arial" panose="020B0604020202020204" pitchFamily="34" charset="0"/>
-                <a:cs typeface="Arial" panose="020B0604020202020204" pitchFamily="34" charset="0"/>
-              </a:rPr>
-              <a:t>-Image</a:t>
+              <a:t>Austausch der Hardware</a:t>
             </a:r>
             <a:endParaRPr sz="3200" dirty="0">
               <a:solidFill>
@@ -15975,10 +15278,143 @@
           </a:p>
         </p:txBody>
       </p:sp>
+      <p:sp>
+        <p:nvSpPr>
+          <p:cNvPr id="22" name="Rechteck 21"/>
+          <p:cNvSpPr/>
+          <p:nvPr/>
+        </p:nvSpPr>
+        <p:spPr>
+          <a:xfrm>
+            <a:off x="2396183" y="9291517"/>
+            <a:ext cx="15120000" cy="3600000"/>
+          </a:xfrm>
+          <a:prstGeom prst="rect">
+            <a:avLst/>
+          </a:prstGeom>
+          <a:solidFill>
+            <a:schemeClr val="accent3">
+              <a:lumMod val="20000"/>
+              <a:lumOff val="80000"/>
+            </a:schemeClr>
+          </a:solidFill>
+          <a:ln w="50800">
+            <a:solidFill>
+              <a:srgbClr val="FF0000"/>
+            </a:solidFill>
+          </a:ln>
+        </p:spPr>
+        <p:style>
+          <a:lnRef idx="2">
+            <a:schemeClr val="accent1">
+              <a:shade val="50000"/>
+            </a:schemeClr>
+          </a:lnRef>
+          <a:fillRef idx="1">
+            <a:schemeClr val="accent1"/>
+          </a:fillRef>
+          <a:effectRef idx="0">
+            <a:schemeClr val="accent1"/>
+          </a:effectRef>
+          <a:fontRef idx="minor">
+            <a:schemeClr val="lt1"/>
+          </a:fontRef>
+        </p:style>
+        <p:txBody>
+          <a:bodyPr rtlCol="0" anchor="ctr"/>
+          <a:lstStyle/>
+          <a:p>
+            <a:pPr algn="ctr"/>
+            <a:r>
+              <a:rPr lang="de-DE" sz="3600" dirty="0" err="1" smtClean="0">
+                <a:solidFill>
+                  <a:srgbClr val="FF0000"/>
+                </a:solidFill>
+              </a:rPr>
+              <a:t>Lesson</a:t>
+            </a:r>
+            <a:r>
+              <a:rPr lang="de-DE" sz="3600" dirty="0" smtClean="0">
+                <a:solidFill>
+                  <a:srgbClr val="FF0000"/>
+                </a:solidFill>
+              </a:rPr>
+              <a:t> </a:t>
+            </a:r>
+            <a:r>
+              <a:rPr lang="de-DE" sz="3600" dirty="0" err="1" smtClean="0">
+                <a:solidFill>
+                  <a:srgbClr val="FF0000"/>
+                </a:solidFill>
+              </a:rPr>
+              <a:t>Learned</a:t>
+            </a:r>
+            <a:endParaRPr lang="de-DE" sz="3600" dirty="0" smtClean="0">
+              <a:solidFill>
+                <a:srgbClr val="FF0000"/>
+              </a:solidFill>
+            </a:endParaRPr>
+          </a:p>
+          <a:p>
+            <a:pPr algn="ctr"/>
+            <a:endParaRPr lang="de-DE" sz="3600" dirty="0" smtClean="0">
+              <a:solidFill>
+                <a:schemeClr val="bg1"/>
+              </a:solidFill>
+            </a:endParaRPr>
+          </a:p>
+          <a:p>
+            <a:pPr algn="ctr"/>
+            <a:r>
+              <a:rPr lang="de-DE" sz="3600" dirty="0" smtClean="0">
+                <a:solidFill>
+                  <a:schemeClr val="bg1"/>
+                </a:solidFill>
+              </a:rPr>
+              <a:t>Aufgaben/Problematiken </a:t>
+            </a:r>
+            <a:r>
+              <a:rPr lang="de-DE" sz="3600" dirty="0">
+                <a:solidFill>
+                  <a:schemeClr val="bg1"/>
+                </a:solidFill>
+              </a:rPr>
+              <a:t>an passende Ansprechperson übergeben!</a:t>
+            </a:r>
+          </a:p>
+          <a:p>
+            <a:pPr algn="ctr"/>
+            <a:r>
+              <a:rPr lang="de-DE" sz="3600" dirty="0">
+                <a:solidFill>
+                  <a:schemeClr val="bg1"/>
+                </a:solidFill>
+              </a:rPr>
+              <a:t>Im Zweifel bzw. Zeitmangel: Hardware austauschen.</a:t>
+            </a:r>
+          </a:p>
+          <a:p>
+            <a:pPr algn="ctr"/>
+            <a:endParaRPr lang="de-DE" sz="3600" dirty="0" smtClean="0">
+              <a:solidFill>
+                <a:schemeClr val="bg1"/>
+              </a:solidFill>
+            </a:endParaRPr>
+          </a:p>
+          <a:p>
+            <a:pPr algn="ctr"/>
+            <a:endParaRPr lang="de-DE" sz="3600" dirty="0" smtClean="0">
+              <a:solidFill>
+                <a:schemeClr val="bg1"/>
+              </a:solidFill>
+            </a:endParaRPr>
+          </a:p>
+        </p:txBody>
+      </p:sp>
     </p:spTree>
     <p:extLst>
       <p:ext uri="{BB962C8B-B14F-4D97-AF65-F5344CB8AC3E}">
-        <p14:creationId xmlns:p14="http://schemas.microsoft.com/office/powerpoint/2010/main" val="3516522992"/>
+        <p14:creationId xmlns:p14="http://schemas.microsoft.com/office/powerpoint/2010/main" val="2013580419"/>
       </p:ext>
     </p:extLst>
   </p:cSld>
@@ -16012,170 +15448,6 @@
           <a:chExt cx="0" cy="0"/>
         </a:xfrm>
       </p:grpSpPr>
-      <p:sp>
-        <p:nvSpPr>
-          <p:cNvPr id="22" name="object 6"/>
-          <p:cNvSpPr txBox="1"/>
-          <p:nvPr/>
-        </p:nvSpPr>
-        <p:spPr>
-          <a:xfrm>
-            <a:off x="2810623" y="9392216"/>
-            <a:ext cx="10800000" cy="492443"/>
-          </a:xfrm>
-          <a:prstGeom prst="rect">
-            <a:avLst/>
-          </a:prstGeom>
-        </p:spPr>
-        <p:txBody>
-          <a:bodyPr vert="horz" wrap="square" lIns="0" tIns="0" rIns="0" bIns="0" rtlCol="0">
-            <a:spAutoFit/>
-          </a:bodyPr>
-          <a:lstStyle/>
-          <a:p>
-            <a:pPr marL="12699" marR="6350"/>
-            <a:r>
-              <a:rPr lang="de-DE" sz="3200" spc="-204" dirty="0" err="1" smtClean="0">
-                <a:solidFill>
-                  <a:schemeClr val="accent4">
-                    <a:lumMod val="50000"/>
-                  </a:schemeClr>
-                </a:solidFill>
-                <a:latin typeface="Arial" panose="020B0604020202020204" pitchFamily="34" charset="0"/>
-                <a:cs typeface="Arial" panose="020B0604020202020204" pitchFamily="34" charset="0"/>
-              </a:rPr>
-              <a:t>Example</a:t>
-            </a:r>
-            <a:r>
-              <a:rPr lang="de-DE" sz="3200" spc="-204" dirty="0" smtClean="0">
-                <a:solidFill>
-                  <a:schemeClr val="accent4">
-                    <a:lumMod val="50000"/>
-                  </a:schemeClr>
-                </a:solidFill>
-                <a:latin typeface="Arial" panose="020B0604020202020204" pitchFamily="34" charset="0"/>
-                <a:cs typeface="Arial" panose="020B0604020202020204" pitchFamily="34" charset="0"/>
-              </a:rPr>
-              <a:t>-Code</a:t>
-            </a:r>
-            <a:r>
-              <a:rPr lang="de-DE" sz="3200" spc="-204" dirty="0">
-                <a:solidFill>
-                  <a:schemeClr val="accent4">
-                    <a:lumMod val="50000"/>
-                  </a:schemeClr>
-                </a:solidFill>
-                <a:latin typeface="Arial" panose="020B0604020202020204" pitchFamily="34" charset="0"/>
-                <a:cs typeface="Arial" panose="020B0604020202020204" pitchFamily="34" charset="0"/>
-              </a:rPr>
-              <a:t>, </a:t>
-            </a:r>
-            <a:r>
-              <a:rPr lang="de-DE" sz="3200" spc="-204" dirty="0" err="1">
-                <a:solidFill>
-                  <a:schemeClr val="accent4">
-                    <a:lumMod val="50000"/>
-                  </a:schemeClr>
-                </a:solidFill>
-                <a:latin typeface="Arial" panose="020B0604020202020204" pitchFamily="34" charset="0"/>
-                <a:cs typeface="Arial" panose="020B0604020202020204" pitchFamily="34" charset="0"/>
-              </a:rPr>
-              <a:t>Rekalibrierung</a:t>
-            </a:r>
-            <a:r>
-              <a:rPr lang="de-DE" sz="3200" spc="-204" dirty="0" smtClean="0">
-                <a:solidFill>
-                  <a:schemeClr val="accent4">
-                    <a:lumMod val="50000"/>
-                  </a:schemeClr>
-                </a:solidFill>
-                <a:latin typeface="Arial" panose="020B0604020202020204" pitchFamily="34" charset="0"/>
-                <a:cs typeface="Arial" panose="020B0604020202020204" pitchFamily="34" charset="0"/>
-              </a:rPr>
-              <a:t>, neu aufsetzen des </a:t>
-            </a:r>
-            <a:r>
-              <a:rPr lang="de-DE" sz="3200" spc="-204" dirty="0" err="1" smtClean="0">
-                <a:solidFill>
-                  <a:schemeClr val="accent4">
-                    <a:lumMod val="50000"/>
-                  </a:schemeClr>
-                </a:solidFill>
-                <a:latin typeface="Arial" panose="020B0604020202020204" pitchFamily="34" charset="0"/>
-                <a:cs typeface="Arial" panose="020B0604020202020204" pitchFamily="34" charset="0"/>
-              </a:rPr>
-              <a:t>Pie</a:t>
-            </a:r>
-            <a:r>
-              <a:rPr lang="de-DE" sz="3200" spc="-204" dirty="0" smtClean="0">
-                <a:solidFill>
-                  <a:schemeClr val="accent4">
-                    <a:lumMod val="50000"/>
-                  </a:schemeClr>
-                </a:solidFill>
-                <a:latin typeface="Arial" panose="020B0604020202020204" pitchFamily="34" charset="0"/>
-                <a:cs typeface="Arial" panose="020B0604020202020204" pitchFamily="34" charset="0"/>
-              </a:rPr>
-              <a:t>-Image</a:t>
-            </a:r>
-            <a:endParaRPr sz="3200" dirty="0">
-              <a:solidFill>
-                <a:schemeClr val="accent4">
-                  <a:lumMod val="50000"/>
-                </a:schemeClr>
-              </a:solidFill>
-              <a:latin typeface="Arial" panose="020B0604020202020204" pitchFamily="34" charset="0"/>
-              <a:cs typeface="Arial" panose="020B0604020202020204" pitchFamily="34" charset="0"/>
-            </a:endParaRPr>
-          </a:p>
-        </p:txBody>
-      </p:sp>
-      <p:sp>
-        <p:nvSpPr>
-          <p:cNvPr id="20" name="object 6"/>
-          <p:cNvSpPr txBox="1"/>
-          <p:nvPr/>
-        </p:nvSpPr>
-        <p:spPr>
-          <a:xfrm>
-            <a:off x="2810623" y="8734438"/>
-            <a:ext cx="10800000" cy="492443"/>
-          </a:xfrm>
-          <a:prstGeom prst="rect">
-            <a:avLst/>
-          </a:prstGeom>
-        </p:spPr>
-        <p:txBody>
-          <a:bodyPr vert="horz" wrap="square" lIns="0" tIns="0" rIns="0" bIns="0" rtlCol="0">
-            <a:spAutoFit/>
-          </a:bodyPr>
-          <a:lstStyle/>
-          <a:p>
-            <a:pPr marL="12699" marR="6350"/>
-            <a:r>
-              <a:rPr lang="de-DE" sz="3200" spc="-204" dirty="0" smtClean="0">
-                <a:solidFill>
-                  <a:schemeClr val="accent4">
-                    <a:lumMod val="50000"/>
-                  </a:schemeClr>
-                </a:solidFill>
-                <a:latin typeface="Arial" panose="020B0604020202020204" pitchFamily="34" charset="0"/>
-                <a:cs typeface="Arial" panose="020B0604020202020204" pitchFamily="34" charset="0"/>
-              </a:rPr>
-              <a:t>Ergebnis aller Tests nicht wie gewünscht bzw. erwartet</a:t>
-            </a:r>
-            <a:endParaRPr sz="3200" dirty="0">
-              <a:solidFill>
-                <a:schemeClr val="accent4">
-                  <a:lumMod val="50000"/>
-                </a:schemeClr>
-              </a:solidFill>
-              <a:latin typeface="Arial" panose="020B0604020202020204" pitchFamily="34" charset="0"/>
-              <a:cs typeface="Arial" panose="020B0604020202020204" pitchFamily="34" charset="0"/>
-            </a:endParaRPr>
-          </a:p>
-        </p:txBody>
-      </p:sp>
       <p:pic>
         <p:nvPicPr>
           <p:cNvPr id="8" name="Grafik 7"/>
@@ -16370,14 +15642,14 @@
       </p:grpSp>
       <p:sp>
         <p:nvSpPr>
-          <p:cNvPr id="14" name="object 6"/>
+          <p:cNvPr id="18" name="object 6"/>
           <p:cNvSpPr txBox="1"/>
           <p:nvPr/>
         </p:nvSpPr>
         <p:spPr>
           <a:xfrm>
-            <a:off x="2036183" y="4794912"/>
-            <a:ext cx="10800000" cy="492443"/>
+            <a:off x="4916183" y="3219450"/>
+            <a:ext cx="9049469" cy="553998"/>
           </a:xfrm>
           <a:prstGeom prst="rect">
             <a:avLst/>
@@ -16391,209 +15663,25 @@
           <a:p>
             <a:pPr marL="12699" marR="6350"/>
             <a:r>
-              <a:rPr lang="de-DE" sz="3200" spc="-204" dirty="0" smtClean="0">
+              <a:rPr lang="de-DE" sz="3600" b="1" spc="-204" dirty="0" smtClean="0">
                 <a:solidFill>
                   <a:schemeClr val="accent4">
                     <a:lumMod val="50000"/>
                   </a:schemeClr>
                 </a:solidFill>
-                <a:latin typeface="Arial" panose="020B0604020202020204" pitchFamily="34" charset="0"/>
-                <a:cs typeface="Arial" panose="020B0604020202020204" pitchFamily="34" charset="0"/>
+                <a:latin typeface="Cambria"/>
+                <a:cs typeface="Cambria"/>
               </a:rPr>
-              <a:t>Aufbau</a:t>
-            </a:r>
-            <a:endParaRPr sz="3200" dirty="0">
+              <a:t>Projekt-Verlauf</a:t>
+            </a:r>
+            <a:endParaRPr sz="3600" dirty="0">
               <a:solidFill>
                 <a:schemeClr val="accent4">
                   <a:lumMod val="50000"/>
                 </a:schemeClr>
               </a:solidFill>
-              <a:latin typeface="Arial" panose="020B0604020202020204" pitchFamily="34" charset="0"/>
-              <a:cs typeface="Arial" panose="020B0604020202020204" pitchFamily="34" charset="0"/>
-            </a:endParaRPr>
-          </a:p>
-        </p:txBody>
-      </p:sp>
-      <p:sp>
-        <p:nvSpPr>
-          <p:cNvPr id="15" name="object 6"/>
-          <p:cNvSpPr txBox="1"/>
-          <p:nvPr/>
-        </p:nvSpPr>
-        <p:spPr>
-          <a:xfrm>
-            <a:off x="2036183" y="5546992"/>
-            <a:ext cx="10800000" cy="492443"/>
-          </a:xfrm>
-          <a:prstGeom prst="rect">
-            <a:avLst/>
-          </a:prstGeom>
-        </p:spPr>
-        <p:txBody>
-          <a:bodyPr vert="horz" wrap="square" lIns="0" tIns="0" rIns="0" bIns="0" rtlCol="0">
-            <a:spAutoFit/>
-          </a:bodyPr>
-          <a:lstStyle/>
-          <a:p>
-            <a:pPr marL="12699" marR="6350"/>
-            <a:r>
-              <a:rPr lang="de-DE" sz="3200" spc="-204" dirty="0" smtClean="0">
-                <a:solidFill>
-                  <a:schemeClr val="accent4">
-                    <a:lumMod val="50000"/>
-                  </a:schemeClr>
-                </a:solidFill>
-                <a:latin typeface="Arial" panose="020B0604020202020204" pitchFamily="34" charset="0"/>
-                <a:cs typeface="Arial" panose="020B0604020202020204" pitchFamily="34" charset="0"/>
-              </a:rPr>
-              <a:t>Erstinbetriebnahme / Konfiguration</a:t>
-            </a:r>
-            <a:endParaRPr sz="3200" dirty="0">
-              <a:solidFill>
-                <a:schemeClr val="accent4">
-                  <a:lumMod val="50000"/>
-                </a:schemeClr>
-              </a:solidFill>
-              <a:latin typeface="Arial" panose="020B0604020202020204" pitchFamily="34" charset="0"/>
-              <a:cs typeface="Arial" panose="020B0604020202020204" pitchFamily="34" charset="0"/>
-            </a:endParaRPr>
-          </a:p>
-        </p:txBody>
-      </p:sp>
-      <p:sp>
-        <p:nvSpPr>
-          <p:cNvPr id="16" name="object 6"/>
-          <p:cNvSpPr txBox="1"/>
-          <p:nvPr/>
-        </p:nvSpPr>
-        <p:spPr>
-          <a:xfrm>
-            <a:off x="2036183" y="6296960"/>
-            <a:ext cx="10800000" cy="492443"/>
-          </a:xfrm>
-          <a:prstGeom prst="rect">
-            <a:avLst/>
-          </a:prstGeom>
-        </p:spPr>
-        <p:txBody>
-          <a:bodyPr vert="horz" wrap="square" lIns="0" tIns="0" rIns="0" bIns="0" rtlCol="0">
-            <a:spAutoFit/>
-          </a:bodyPr>
-          <a:lstStyle/>
-          <a:p>
-            <a:pPr marL="12699" marR="6350"/>
-            <a:r>
-              <a:rPr lang="de-DE" sz="3200" spc="-204" dirty="0" smtClean="0">
-                <a:solidFill>
-                  <a:schemeClr val="accent4">
-                    <a:lumMod val="50000"/>
-                  </a:schemeClr>
-                </a:solidFill>
-                <a:latin typeface="Arial" panose="020B0604020202020204" pitchFamily="34" charset="0"/>
-                <a:cs typeface="Arial" panose="020B0604020202020204" pitchFamily="34" charset="0"/>
-              </a:rPr>
-              <a:t>Auswahl möglicher Topics / Services</a:t>
-            </a:r>
-            <a:endParaRPr sz="3200" dirty="0">
-              <a:solidFill>
-                <a:schemeClr val="accent4">
-                  <a:lumMod val="50000"/>
-                </a:schemeClr>
-              </a:solidFill>
-              <a:latin typeface="Arial" panose="020B0604020202020204" pitchFamily="34" charset="0"/>
-              <a:cs typeface="Arial" panose="020B0604020202020204" pitchFamily="34" charset="0"/>
-            </a:endParaRPr>
-          </a:p>
-        </p:txBody>
-      </p:sp>
-      <p:sp>
-        <p:nvSpPr>
-          <p:cNvPr id="17" name="object 6"/>
-          <p:cNvSpPr txBox="1"/>
-          <p:nvPr/>
-        </p:nvSpPr>
-        <p:spPr>
-          <a:xfrm>
-            <a:off x="2031103" y="7046928"/>
-            <a:ext cx="10800000" cy="492443"/>
-          </a:xfrm>
-          <a:prstGeom prst="rect">
-            <a:avLst/>
-          </a:prstGeom>
-        </p:spPr>
-        <p:txBody>
-          <a:bodyPr vert="horz" wrap="square" lIns="0" tIns="0" rIns="0" bIns="0" rtlCol="0">
-            <a:spAutoFit/>
-          </a:bodyPr>
-          <a:lstStyle/>
-          <a:p>
-            <a:pPr marL="12699" marR="6350"/>
-            <a:r>
-              <a:rPr lang="de-DE" sz="3200" spc="-204" dirty="0" smtClean="0">
-                <a:solidFill>
-                  <a:schemeClr val="accent4">
-                    <a:lumMod val="50000"/>
-                  </a:schemeClr>
-                </a:solidFill>
-                <a:latin typeface="Arial" panose="020B0604020202020204" pitchFamily="34" charset="0"/>
-                <a:cs typeface="Arial" panose="020B0604020202020204" pitchFamily="34" charset="0"/>
-              </a:rPr>
-              <a:t>Entwurf des Regelungssystems</a:t>
-            </a:r>
-            <a:endParaRPr sz="3200" dirty="0">
-              <a:solidFill>
-                <a:schemeClr val="accent4">
-                  <a:lumMod val="50000"/>
-                </a:schemeClr>
-              </a:solidFill>
-              <a:latin typeface="Arial" panose="020B0604020202020204" pitchFamily="34" charset="0"/>
-              <a:cs typeface="Arial" panose="020B0604020202020204" pitchFamily="34" charset="0"/>
-            </a:endParaRPr>
-          </a:p>
-        </p:txBody>
-      </p:sp>
-      <p:sp>
-        <p:nvSpPr>
-          <p:cNvPr id="18" name="object 6"/>
-          <p:cNvSpPr txBox="1"/>
-          <p:nvPr/>
-        </p:nvSpPr>
-        <p:spPr>
-          <a:xfrm>
-            <a:off x="2004506" y="7796896"/>
-            <a:ext cx="10800000" cy="492443"/>
-          </a:xfrm>
-          <a:prstGeom prst="rect">
-            <a:avLst/>
-          </a:prstGeom>
-        </p:spPr>
-        <p:txBody>
-          <a:bodyPr vert="horz" wrap="square" lIns="0" tIns="0" rIns="0" bIns="0" rtlCol="0">
-            <a:spAutoFit/>
-          </a:bodyPr>
-          <a:lstStyle/>
-          <a:p>
-            <a:pPr marL="12699" marR="6350"/>
-            <a:r>
-              <a:rPr lang="de-DE" sz="3200" spc="-204" dirty="0" smtClean="0">
-                <a:solidFill>
-                  <a:schemeClr val="accent4">
-                    <a:lumMod val="50000"/>
-                  </a:schemeClr>
-                </a:solidFill>
-                <a:latin typeface="Arial" panose="020B0604020202020204" pitchFamily="34" charset="0"/>
-                <a:cs typeface="Arial" panose="020B0604020202020204" pitchFamily="34" charset="0"/>
-              </a:rPr>
-              <a:t>Test der gewünschten Topics / Services</a:t>
-            </a:r>
-            <a:endParaRPr sz="3200" dirty="0">
-              <a:solidFill>
-                <a:schemeClr val="accent4">
-                  <a:lumMod val="50000"/>
-                </a:schemeClr>
-              </a:solidFill>
-              <a:latin typeface="Arial" panose="020B0604020202020204" pitchFamily="34" charset="0"/>
-              <a:cs typeface="Arial" panose="020B0604020202020204" pitchFamily="34" charset="0"/>
+              <a:latin typeface="Cambria"/>
+              <a:cs typeface="Cambria"/>
             </a:endParaRPr>
           </a:p>
         </p:txBody>
@@ -16664,123 +15752,50 @@
           </a:p>
         </p:txBody>
       </p:sp>
-      <p:sp>
-        <p:nvSpPr>
-          <p:cNvPr id="21" name="object 6"/>
-          <p:cNvSpPr txBox="1"/>
+      <p:pic>
+        <p:nvPicPr>
+          <p:cNvPr id="2" name="Grafik 1"/>
+          <p:cNvPicPr>
+            <a:picLocks noChangeAspect="1"/>
+          </p:cNvPicPr>
           <p:nvPr/>
-        </p:nvSpPr>
+        </p:nvPicPr>
+        <p:blipFill>
+          <a:blip r:embed="rId3"/>
+          <a:stretch>
+            <a:fillRect/>
+          </a:stretch>
+        </p:blipFill>
         <p:spPr>
           <a:xfrm>
-            <a:off x="4916183" y="3219450"/>
-            <a:ext cx="9049469" cy="553998"/>
+            <a:off x="8331200" y="3019920"/>
+            <a:ext cx="11520000" cy="3181396"/>
           </a:xfrm>
           <a:prstGeom prst="rect">
             <a:avLst/>
           </a:prstGeom>
         </p:spPr>
-        <p:txBody>
-          <a:bodyPr vert="horz" wrap="square" lIns="0" tIns="0" rIns="0" bIns="0" rtlCol="0">
-            <a:spAutoFit/>
-          </a:bodyPr>
-          <a:lstStyle/>
-          <a:p>
-            <a:pPr marL="12699" marR="6350"/>
-            <a:r>
-              <a:rPr lang="de-DE" sz="3600" b="1" spc="-204" dirty="0" smtClean="0">
-                <a:solidFill>
-                  <a:schemeClr val="accent4">
-                    <a:lumMod val="50000"/>
-                  </a:schemeClr>
-                </a:solidFill>
-                <a:latin typeface="Cambria"/>
-                <a:cs typeface="Cambria"/>
-              </a:rPr>
-              <a:t>Vorgehen: </a:t>
-            </a:r>
-            <a:r>
-              <a:rPr lang="de-DE" sz="3600" b="1" spc="-204" dirty="0" err="1" smtClean="0">
-                <a:solidFill>
-                  <a:schemeClr val="accent4">
-                    <a:lumMod val="50000"/>
-                  </a:schemeClr>
-                </a:solidFill>
-                <a:latin typeface="Cambria"/>
-                <a:cs typeface="Cambria"/>
-              </a:rPr>
-              <a:t>coex</a:t>
-            </a:r>
-            <a:r>
-              <a:rPr lang="de-DE" sz="3600" b="1" spc="-204" dirty="0" smtClean="0">
-                <a:solidFill>
-                  <a:schemeClr val="accent4">
-                    <a:lumMod val="50000"/>
-                  </a:schemeClr>
-                </a:solidFill>
-                <a:latin typeface="Cambria"/>
-                <a:cs typeface="Cambria"/>
-              </a:rPr>
-              <a:t> </a:t>
-            </a:r>
-            <a:r>
-              <a:rPr lang="de-DE" sz="3600" b="1" spc="-204" dirty="0" err="1" smtClean="0">
-                <a:solidFill>
-                  <a:schemeClr val="accent4">
-                    <a:lumMod val="50000"/>
-                  </a:schemeClr>
-                </a:solidFill>
-                <a:latin typeface="Cambria"/>
-                <a:cs typeface="Cambria"/>
-              </a:rPr>
-              <a:t>Clover</a:t>
-            </a:r>
-            <a:r>
-              <a:rPr lang="de-DE" sz="3600" b="1" spc="-204" dirty="0" smtClean="0">
-                <a:solidFill>
-                  <a:schemeClr val="accent4">
-                    <a:lumMod val="50000"/>
-                  </a:schemeClr>
-                </a:solidFill>
-                <a:latin typeface="Cambria"/>
-                <a:cs typeface="Cambria"/>
-              </a:rPr>
-              <a:t> 4.20</a:t>
-            </a:r>
-            <a:endParaRPr sz="3600" dirty="0">
-              <a:solidFill>
-                <a:schemeClr val="accent4">
-                  <a:lumMod val="50000"/>
-                </a:schemeClr>
-              </a:solidFill>
-              <a:latin typeface="Cambria"/>
-              <a:cs typeface="Cambria"/>
-            </a:endParaRPr>
-          </a:p>
-        </p:txBody>
-      </p:sp>
+      </p:pic>
       <p:sp>
         <p:nvSpPr>
-          <p:cNvPr id="3" name="Rechteck 2"/>
+          <p:cNvPr id="5" name="Ellipse 4"/>
           <p:cNvSpPr/>
           <p:nvPr/>
         </p:nvSpPr>
         <p:spPr>
           <a:xfrm>
-            <a:off x="2396183" y="4413149"/>
-            <a:ext cx="15120000" cy="5760000"/>
+            <a:off x="13580142" y="3019920"/>
+            <a:ext cx="4199857" cy="3181396"/>
           </a:xfrm>
-          <a:prstGeom prst="rect">
+          <a:prstGeom prst="ellipse">
             <a:avLst/>
           </a:prstGeom>
-          <a:solidFill>
-            <a:schemeClr val="accent3">
-              <a:lumMod val="20000"/>
-              <a:lumOff val="80000"/>
-            </a:schemeClr>
-          </a:solidFill>
-          <a:ln w="50800">
+          <a:noFill/>
+          <a:ln w="95250">
             <a:solidFill>
-              <a:srgbClr val="FF0000"/>
+              <a:schemeClr val="accent3">
+                <a:lumMod val="75000"/>
+              </a:schemeClr>
             </a:solidFill>
           </a:ln>
         </p:spPr>
@@ -16805,91 +15820,441 @@
           <a:lstStyle/>
           <a:p>
             <a:pPr algn="ctr"/>
-            <a:r>
-              <a:rPr lang="de-DE" sz="3600" dirty="0" err="1" smtClean="0">
+            <a:endParaRPr lang="de-DE"/>
+          </a:p>
+        </p:txBody>
+      </p:sp>
+      <p:sp>
+        <p:nvSpPr>
+          <p:cNvPr id="14" name="object 6"/>
+          <p:cNvSpPr txBox="1"/>
+          <p:nvPr/>
+        </p:nvSpPr>
+        <p:spPr>
+          <a:xfrm>
+            <a:off x="2810623" y="6695635"/>
+            <a:ext cx="10800000" cy="492443"/>
+          </a:xfrm>
+          <a:prstGeom prst="rect">
+            <a:avLst/>
+          </a:prstGeom>
+        </p:spPr>
+        <p:txBody>
+          <a:bodyPr vert="horz" wrap="square" lIns="0" tIns="0" rIns="0" bIns="0" rtlCol="0">
+            <a:spAutoFit/>
+          </a:bodyPr>
+          <a:lstStyle/>
+          <a:p>
+            <a:pPr marL="12699" marR="6350"/>
+            <a:r>
+              <a:rPr lang="de-DE" sz="3200" spc="-204" dirty="0" smtClean="0">
                 <a:solidFill>
-                  <a:srgbClr val="FF0000"/>
+                  <a:schemeClr val="accent4">
+                    <a:lumMod val="50000"/>
+                  </a:schemeClr>
                 </a:solidFill>
+                <a:latin typeface="Arial" panose="020B0604020202020204" pitchFamily="34" charset="0"/>
+                <a:cs typeface="Arial" panose="020B0604020202020204" pitchFamily="34" charset="0"/>
               </a:rPr>
-              <a:t>Lesson</a:t>
-            </a:r>
-            <a:r>
-              <a:rPr lang="de-DE" sz="3600" dirty="0" smtClean="0">
+              <a:t>Bürokratie at </a:t>
+            </a:r>
+            <a:r>
+              <a:rPr lang="de-DE" sz="3200" spc="-204" dirty="0" err="1" smtClean="0">
                 <a:solidFill>
-                  <a:srgbClr val="FF0000"/>
+                  <a:schemeClr val="accent4">
+                    <a:lumMod val="50000"/>
+                  </a:schemeClr>
                 </a:solidFill>
+                <a:latin typeface="Arial" panose="020B0604020202020204" pitchFamily="34" charset="0"/>
+                <a:cs typeface="Arial" panose="020B0604020202020204" pitchFamily="34" charset="0"/>
+              </a:rPr>
+              <a:t>its</a:t>
+            </a:r>
+            <a:r>
+              <a:rPr lang="de-DE" sz="3200" spc="-204" dirty="0" smtClean="0">
+                <a:solidFill>
+                  <a:schemeClr val="accent4">
+                    <a:lumMod val="50000"/>
+                  </a:schemeClr>
+                </a:solidFill>
+                <a:latin typeface="Arial" panose="020B0604020202020204" pitchFamily="34" charset="0"/>
+                <a:cs typeface="Arial" panose="020B0604020202020204" pitchFamily="34" charset="0"/>
               </a:rPr>
               <a:t> </a:t>
             </a:r>
             <a:r>
-              <a:rPr lang="de-DE" sz="3600" dirty="0" err="1" smtClean="0">
+              <a:rPr lang="de-DE" sz="3200" spc="-204" dirty="0" err="1" smtClean="0">
                 <a:solidFill>
-                  <a:srgbClr val="FF0000"/>
+                  <a:schemeClr val="accent4">
+                    <a:lumMod val="50000"/>
+                  </a:schemeClr>
                 </a:solidFill>
+                <a:latin typeface="Arial" panose="020B0604020202020204" pitchFamily="34" charset="0"/>
+                <a:cs typeface="Arial" panose="020B0604020202020204" pitchFamily="34" charset="0"/>
               </a:rPr>
-              <a:t>Learned</a:t>
-            </a:r>
-            <a:endParaRPr lang="de-DE" sz="3600" dirty="0" smtClean="0">
+              <a:t>best</a:t>
+            </a:r>
+            <a:r>
+              <a:rPr lang="de-DE" sz="3200" spc="-204" dirty="0" smtClean="0">
+                <a:solidFill>
+                  <a:schemeClr val="accent4">
+                    <a:lumMod val="50000"/>
+                  </a:schemeClr>
+                </a:solidFill>
+                <a:latin typeface="Arial" panose="020B0604020202020204" pitchFamily="34" charset="0"/>
+                <a:cs typeface="Arial" panose="020B0604020202020204" pitchFamily="34" charset="0"/>
+              </a:rPr>
+              <a:t>!</a:t>
+            </a:r>
+            <a:endParaRPr sz="3200" dirty="0">
               <a:solidFill>
-                <a:srgbClr val="FF0000"/>
+                <a:schemeClr val="accent4">
+                  <a:lumMod val="50000"/>
+                </a:schemeClr>
               </a:solidFill>
+              <a:latin typeface="Arial" panose="020B0604020202020204" pitchFamily="34" charset="0"/>
+              <a:cs typeface="Arial" panose="020B0604020202020204" pitchFamily="34" charset="0"/>
             </a:endParaRPr>
           </a:p>
+        </p:txBody>
+      </p:sp>
+      <p:sp>
+        <p:nvSpPr>
+          <p:cNvPr id="16" name="Pfeil nach oben 15"/>
+          <p:cNvSpPr/>
+          <p:nvPr/>
+        </p:nvSpPr>
+        <p:spPr>
+          <a:xfrm>
+            <a:off x="13817600" y="5624335"/>
+            <a:ext cx="720000" cy="1080000"/>
+          </a:xfrm>
+          <a:prstGeom prst="upArrow">
+            <a:avLst/>
+          </a:prstGeom>
+          <a:solidFill>
+            <a:srgbClr val="FFFF00"/>
+          </a:solidFill>
+          <a:ln>
+            <a:solidFill>
+              <a:schemeClr val="bg1"/>
+            </a:solidFill>
+          </a:ln>
+        </p:spPr>
+        <p:style>
+          <a:lnRef idx="2">
+            <a:schemeClr val="accent1">
+              <a:shade val="50000"/>
+            </a:schemeClr>
+          </a:lnRef>
+          <a:fillRef idx="1">
+            <a:schemeClr val="accent1"/>
+          </a:fillRef>
+          <a:effectRef idx="0">
+            <a:schemeClr val="accent1"/>
+          </a:effectRef>
+          <a:fontRef idx="minor">
+            <a:schemeClr val="lt1"/>
+          </a:fontRef>
+        </p:style>
+        <p:txBody>
+          <a:bodyPr rtlCol="0" anchor="ctr"/>
+          <a:lstStyle/>
           <a:p>
             <a:pPr algn="ctr"/>
-            <a:endParaRPr lang="de-DE" sz="3600" dirty="0" smtClean="0">
+            <a:endParaRPr lang="de-DE"/>
+          </a:p>
+        </p:txBody>
+      </p:sp>
+      <p:sp>
+        <p:nvSpPr>
+          <p:cNvPr id="17" name="Pfeil nach oben 16"/>
+          <p:cNvSpPr/>
+          <p:nvPr/>
+        </p:nvSpPr>
+        <p:spPr>
+          <a:xfrm>
+            <a:off x="16602800" y="5615635"/>
+            <a:ext cx="720000" cy="1080000"/>
+          </a:xfrm>
+          <a:prstGeom prst="upArrow">
+            <a:avLst/>
+          </a:prstGeom>
+          <a:solidFill>
+            <a:schemeClr val="accent4">
+              <a:lumMod val="60000"/>
+              <a:lumOff val="40000"/>
+            </a:schemeClr>
+          </a:solidFill>
+          <a:ln>
+            <a:solidFill>
+              <a:schemeClr val="bg1"/>
+            </a:solidFill>
+          </a:ln>
+        </p:spPr>
+        <p:style>
+          <a:lnRef idx="2">
+            <a:schemeClr val="accent1">
+              <a:shade val="50000"/>
+            </a:schemeClr>
+          </a:lnRef>
+          <a:fillRef idx="1">
+            <a:schemeClr val="accent1"/>
+          </a:fillRef>
+          <a:effectRef idx="0">
+            <a:schemeClr val="accent1"/>
+          </a:effectRef>
+          <a:fontRef idx="minor">
+            <a:schemeClr val="lt1"/>
+          </a:fontRef>
+        </p:style>
+        <p:txBody>
+          <a:bodyPr rtlCol="0" anchor="ctr"/>
+          <a:lstStyle/>
+          <a:p>
+            <a:pPr algn="ctr"/>
+            <a:endParaRPr lang="de-DE"/>
+          </a:p>
+        </p:txBody>
+      </p:sp>
+      <p:sp>
+        <p:nvSpPr>
+          <p:cNvPr id="15" name="Pfeil nach oben 14"/>
+          <p:cNvSpPr/>
+          <p:nvPr/>
+        </p:nvSpPr>
+        <p:spPr>
+          <a:xfrm>
+            <a:off x="17136200" y="5615635"/>
+            <a:ext cx="720000" cy="1080000"/>
+          </a:xfrm>
+          <a:prstGeom prst="upArrow">
+            <a:avLst/>
+          </a:prstGeom>
+          <a:solidFill>
+            <a:srgbClr val="92D050"/>
+          </a:solidFill>
+          <a:ln>
+            <a:solidFill>
+              <a:schemeClr val="bg1"/>
+            </a:solidFill>
+          </a:ln>
+        </p:spPr>
+        <p:style>
+          <a:lnRef idx="2">
+            <a:schemeClr val="accent1">
+              <a:shade val="50000"/>
+            </a:schemeClr>
+          </a:lnRef>
+          <a:fillRef idx="1">
+            <a:schemeClr val="accent1"/>
+          </a:fillRef>
+          <a:effectRef idx="0">
+            <a:schemeClr val="accent1"/>
+          </a:effectRef>
+          <a:fontRef idx="minor">
+            <a:schemeClr val="lt1"/>
+          </a:fontRef>
+        </p:style>
+        <p:txBody>
+          <a:bodyPr rtlCol="0" anchor="ctr"/>
+          <a:lstStyle/>
+          <a:p>
+            <a:pPr algn="ctr"/>
+            <a:endParaRPr lang="de-DE"/>
+          </a:p>
+        </p:txBody>
+      </p:sp>
+      <p:sp>
+        <p:nvSpPr>
+          <p:cNvPr id="21" name="Pfeil nach oben 20"/>
+          <p:cNvSpPr/>
+          <p:nvPr/>
+        </p:nvSpPr>
+        <p:spPr>
+          <a:xfrm>
+            <a:off x="15951200" y="5615635"/>
+            <a:ext cx="720000" cy="1080000"/>
+          </a:xfrm>
+          <a:prstGeom prst="upArrow">
+            <a:avLst/>
+          </a:prstGeom>
+          <a:solidFill>
+            <a:schemeClr val="accent2"/>
+          </a:solidFill>
+          <a:ln>
+            <a:solidFill>
+              <a:schemeClr val="bg1"/>
+            </a:solidFill>
+          </a:ln>
+        </p:spPr>
+        <p:style>
+          <a:lnRef idx="2">
+            <a:schemeClr val="accent1">
+              <a:shade val="50000"/>
+            </a:schemeClr>
+          </a:lnRef>
+          <a:fillRef idx="1">
+            <a:schemeClr val="accent1"/>
+          </a:fillRef>
+          <a:effectRef idx="0">
+            <a:schemeClr val="accent1"/>
+          </a:effectRef>
+          <a:fontRef idx="minor">
+            <a:schemeClr val="lt1"/>
+          </a:fontRef>
+        </p:style>
+        <p:txBody>
+          <a:bodyPr rtlCol="0" anchor="ctr"/>
+          <a:lstStyle/>
+          <a:p>
+            <a:pPr algn="ctr"/>
+            <a:endParaRPr lang="de-DE"/>
+          </a:p>
+        </p:txBody>
+      </p:sp>
+      <p:sp>
+        <p:nvSpPr>
+          <p:cNvPr id="22" name="object 6"/>
+          <p:cNvSpPr txBox="1"/>
+          <p:nvPr/>
+        </p:nvSpPr>
+        <p:spPr>
+          <a:xfrm>
+            <a:off x="3454400" y="7414918"/>
+            <a:ext cx="10800000" cy="492443"/>
+          </a:xfrm>
+          <a:prstGeom prst="rect">
+            <a:avLst/>
+          </a:prstGeom>
+        </p:spPr>
+        <p:txBody>
+          <a:bodyPr vert="horz" wrap="square" lIns="0" tIns="0" rIns="0" bIns="0" rtlCol="0">
+            <a:spAutoFit/>
+          </a:bodyPr>
+          <a:lstStyle/>
+          <a:p>
+            <a:pPr marL="12699" marR="6350"/>
+            <a:r>
+              <a:rPr lang="de-DE" sz="3200" spc="-204" dirty="0" smtClean="0">
+                <a:solidFill>
+                  <a:schemeClr val="accent4">
+                    <a:lumMod val="50000"/>
+                  </a:schemeClr>
+                </a:solidFill>
+                <a:latin typeface="Arial" panose="020B0604020202020204" pitchFamily="34" charset="0"/>
+                <a:cs typeface="Arial" panose="020B0604020202020204" pitchFamily="34" charset="0"/>
+              </a:rPr>
+              <a:t>Gelb:		Bestellung</a:t>
+            </a:r>
+            <a:endParaRPr sz="3200" dirty="0">
               <a:solidFill>
-                <a:schemeClr val="bg1"/>
+                <a:schemeClr val="accent4">
+                  <a:lumMod val="50000"/>
+                </a:schemeClr>
               </a:solidFill>
+              <a:latin typeface="Arial" panose="020B0604020202020204" pitchFamily="34" charset="0"/>
+              <a:cs typeface="Arial" panose="020B0604020202020204" pitchFamily="34" charset="0"/>
             </a:endParaRPr>
           </a:p>
-          <a:p>
-            <a:pPr algn="ctr"/>
-            <a:endParaRPr lang="de-DE" sz="3600" dirty="0">
+        </p:txBody>
+      </p:sp>
+      <p:sp>
+        <p:nvSpPr>
+          <p:cNvPr id="23" name="object 6"/>
+          <p:cNvSpPr txBox="1"/>
+          <p:nvPr/>
+        </p:nvSpPr>
+        <p:spPr>
+          <a:xfrm>
+            <a:off x="3459480" y="7912844"/>
+            <a:ext cx="10800000" cy="492443"/>
+          </a:xfrm>
+          <a:prstGeom prst="rect">
+            <a:avLst/>
+          </a:prstGeom>
+        </p:spPr>
+        <p:txBody>
+          <a:bodyPr vert="horz" wrap="square" lIns="0" tIns="0" rIns="0" bIns="0" rtlCol="0">
+            <a:spAutoFit/>
+          </a:bodyPr>
+          <a:lstStyle/>
+          <a:p>
+            <a:pPr marL="12699" marR="6350"/>
+            <a:r>
+              <a:rPr lang="de-DE" sz="3200" spc="-204" dirty="0" smtClean="0">
+                <a:solidFill>
+                  <a:schemeClr val="accent4">
+                    <a:lumMod val="50000"/>
+                  </a:schemeClr>
+                </a:solidFill>
+                <a:latin typeface="Arial" panose="020B0604020202020204" pitchFamily="34" charset="0"/>
+                <a:cs typeface="Arial" panose="020B0604020202020204" pitchFamily="34" charset="0"/>
+              </a:rPr>
+              <a:t>Orange:	Rückfrage</a:t>
+            </a:r>
+            <a:endParaRPr sz="3200" dirty="0">
               <a:solidFill>
-                <a:schemeClr val="bg1"/>
+                <a:schemeClr val="accent4">
+                  <a:lumMod val="50000"/>
+                </a:schemeClr>
               </a:solidFill>
+              <a:latin typeface="Arial" panose="020B0604020202020204" pitchFamily="34" charset="0"/>
+              <a:cs typeface="Arial" panose="020B0604020202020204" pitchFamily="34" charset="0"/>
             </a:endParaRPr>
           </a:p>
-          <a:p>
-            <a:pPr algn="ctr"/>
-            <a:r>
-              <a:rPr lang="de-DE" sz="3600" dirty="0" smtClean="0">
+        </p:txBody>
+      </p:sp>
+      <p:sp>
+        <p:nvSpPr>
+          <p:cNvPr id="24" name="object 6"/>
+          <p:cNvSpPr txBox="1"/>
+          <p:nvPr/>
+        </p:nvSpPr>
+        <p:spPr>
+          <a:xfrm>
+            <a:off x="3454400" y="8405287"/>
+            <a:ext cx="10800000" cy="492443"/>
+          </a:xfrm>
+          <a:prstGeom prst="rect">
+            <a:avLst/>
+          </a:prstGeom>
+        </p:spPr>
+        <p:txBody>
+          <a:bodyPr vert="horz" wrap="square" lIns="0" tIns="0" rIns="0" bIns="0" rtlCol="0">
+            <a:spAutoFit/>
+          </a:bodyPr>
+          <a:lstStyle/>
+          <a:p>
+            <a:pPr marL="12699" marR="6350"/>
+            <a:r>
+              <a:rPr lang="de-DE" sz="3200" spc="-204" dirty="0" smtClean="0">
                 <a:solidFill>
-                  <a:schemeClr val="bg1"/>
+                  <a:schemeClr val="accent4">
+                    <a:lumMod val="50000"/>
+                  </a:schemeClr>
                 </a:solidFill>
+                <a:latin typeface="Arial" panose="020B0604020202020204" pitchFamily="34" charset="0"/>
+                <a:cs typeface="Arial" panose="020B0604020202020204" pitchFamily="34" charset="0"/>
               </a:rPr>
-              <a:t>Manchmal sind die anderen schuld ;)</a:t>
-            </a:r>
-          </a:p>
-          <a:p>
-            <a:pPr algn="ctr"/>
-            <a:r>
-              <a:rPr lang="de-DE" sz="3600" dirty="0" smtClean="0">
-                <a:solidFill>
-                  <a:schemeClr val="bg1"/>
-                </a:solidFill>
-              </a:rPr>
-              <a:t>Aufgaben an passende Ansprechperson übergeben!</a:t>
-            </a:r>
-          </a:p>
-          <a:p>
-            <a:pPr algn="ctr"/>
-            <a:r>
-              <a:rPr lang="de-DE" sz="3600" dirty="0" smtClean="0">
-                <a:solidFill>
-                  <a:schemeClr val="bg1"/>
-                </a:solidFill>
-              </a:rPr>
-              <a:t>Im Zweifel bzw. Zeitmangel: Hardware austauschen.</a:t>
-            </a:r>
+              <a:t>Grün:		Lieferung</a:t>
+            </a:r>
+            <a:endParaRPr sz="3200" dirty="0">
+              <a:solidFill>
+                <a:schemeClr val="accent4">
+                  <a:lumMod val="50000"/>
+                </a:schemeClr>
+              </a:solidFill>
+              <a:latin typeface="Arial" panose="020B0604020202020204" pitchFamily="34" charset="0"/>
+              <a:cs typeface="Arial" panose="020B0604020202020204" pitchFamily="34" charset="0"/>
+            </a:endParaRPr>
           </a:p>
         </p:txBody>
       </p:sp>
     </p:spTree>
     <p:extLst>
       <p:ext uri="{BB962C8B-B14F-4D97-AF65-F5344CB8AC3E}">
-        <p14:creationId xmlns:p14="http://schemas.microsoft.com/office/powerpoint/2010/main" val="2754334786"/>
+        <p14:creationId xmlns:p14="http://schemas.microsoft.com/office/powerpoint/2010/main" val="3020996292"/>
       </p:ext>
     </p:extLst>
   </p:cSld>
@@ -17117,7 +16482,53 @@
       </p:grpSp>
       <p:sp>
         <p:nvSpPr>
-          <p:cNvPr id="16" name="Textfeld 15"/>
+          <p:cNvPr id="18" name="object 6"/>
+          <p:cNvSpPr txBox="1"/>
+          <p:nvPr/>
+        </p:nvSpPr>
+        <p:spPr>
+          <a:xfrm>
+            <a:off x="4916183" y="3219450"/>
+            <a:ext cx="9049469" cy="553998"/>
+          </a:xfrm>
+          <a:prstGeom prst="rect">
+            <a:avLst/>
+          </a:prstGeom>
+        </p:spPr>
+        <p:txBody>
+          <a:bodyPr vert="horz" wrap="square" lIns="0" tIns="0" rIns="0" bIns="0" rtlCol="0">
+            <a:spAutoFit/>
+          </a:bodyPr>
+          <a:lstStyle/>
+          <a:p>
+            <a:pPr marL="12699" marR="6350"/>
+            <a:r>
+              <a:rPr lang="de-DE" sz="3600" b="1" spc="-204" dirty="0" smtClean="0">
+                <a:solidFill>
+                  <a:schemeClr val="accent4">
+                    <a:lumMod val="50000"/>
+                  </a:schemeClr>
+                </a:solidFill>
+                <a:latin typeface="Cambria"/>
+                <a:cs typeface="Cambria"/>
+              </a:rPr>
+              <a:t>Projekt-Verlauf</a:t>
+            </a:r>
+            <a:endParaRPr sz="3600" dirty="0">
+              <a:solidFill>
+                <a:schemeClr val="accent4">
+                  <a:lumMod val="50000"/>
+                </a:schemeClr>
+              </a:solidFill>
+              <a:latin typeface="Cambria"/>
+              <a:cs typeface="Cambria"/>
+            </a:endParaRPr>
+          </a:p>
+        </p:txBody>
+      </p:sp>
+      <p:sp>
+        <p:nvSpPr>
+          <p:cNvPr id="19" name="Textfeld 18"/>
           <p:cNvSpPr txBox="1"/>
           <p:nvPr/>
         </p:nvSpPr>
@@ -17181,10 +16592,263 @@
           </a:p>
         </p:txBody>
       </p:sp>
+      <p:pic>
+        <p:nvPicPr>
+          <p:cNvPr id="2" name="Grafik 1"/>
+          <p:cNvPicPr>
+            <a:picLocks noChangeAspect="1"/>
+          </p:cNvPicPr>
+          <p:nvPr/>
+        </p:nvPicPr>
+        <p:blipFill>
+          <a:blip r:embed="rId3"/>
+          <a:stretch>
+            <a:fillRect/>
+          </a:stretch>
+        </p:blipFill>
+        <p:spPr>
+          <a:xfrm>
+            <a:off x="8331200" y="3019920"/>
+            <a:ext cx="11520000" cy="3181396"/>
+          </a:xfrm>
+          <a:prstGeom prst="rect">
+            <a:avLst/>
+          </a:prstGeom>
+        </p:spPr>
+      </p:pic>
+      <p:sp>
+        <p:nvSpPr>
+          <p:cNvPr id="5" name="Ellipse 4"/>
+          <p:cNvSpPr/>
+          <p:nvPr/>
+        </p:nvSpPr>
+        <p:spPr>
+          <a:xfrm>
+            <a:off x="17475200" y="3019920"/>
+            <a:ext cx="1440000" cy="3181396"/>
+          </a:xfrm>
+          <a:prstGeom prst="ellipse">
+            <a:avLst/>
+          </a:prstGeom>
+          <a:noFill/>
+          <a:ln w="95250">
+            <a:solidFill>
+              <a:schemeClr val="accent3">
+                <a:lumMod val="75000"/>
+              </a:schemeClr>
+            </a:solidFill>
+          </a:ln>
+        </p:spPr>
+        <p:style>
+          <a:lnRef idx="2">
+            <a:schemeClr val="accent1">
+              <a:shade val="50000"/>
+            </a:schemeClr>
+          </a:lnRef>
+          <a:fillRef idx="1">
+            <a:schemeClr val="accent1"/>
+          </a:fillRef>
+          <a:effectRef idx="0">
+            <a:schemeClr val="accent1"/>
+          </a:effectRef>
+          <a:fontRef idx="minor">
+            <a:schemeClr val="lt1"/>
+          </a:fontRef>
+        </p:style>
+        <p:txBody>
+          <a:bodyPr rtlCol="0" anchor="ctr"/>
+          <a:lstStyle/>
+          <a:p>
+            <a:pPr algn="ctr"/>
+            <a:endParaRPr lang="de-DE"/>
+          </a:p>
+        </p:txBody>
+      </p:sp>
+      <p:sp>
+        <p:nvSpPr>
+          <p:cNvPr id="14" name="object 6"/>
+          <p:cNvSpPr txBox="1"/>
+          <p:nvPr/>
+        </p:nvSpPr>
+        <p:spPr>
+          <a:xfrm>
+            <a:off x="2810623" y="6695635"/>
+            <a:ext cx="10800000" cy="492443"/>
+          </a:xfrm>
+          <a:prstGeom prst="rect">
+            <a:avLst/>
+          </a:prstGeom>
+        </p:spPr>
+        <p:txBody>
+          <a:bodyPr vert="horz" wrap="square" lIns="0" tIns="0" rIns="0" bIns="0" rtlCol="0">
+            <a:spAutoFit/>
+          </a:bodyPr>
+          <a:lstStyle/>
+          <a:p>
+            <a:pPr marL="12699" marR="6350"/>
+            <a:r>
+              <a:rPr lang="de-DE" sz="3200" spc="-204" dirty="0" smtClean="0">
+                <a:solidFill>
+                  <a:schemeClr val="accent4">
+                    <a:lumMod val="50000"/>
+                  </a:schemeClr>
+                </a:solidFill>
+                <a:latin typeface="Arial" panose="020B0604020202020204" pitchFamily="34" charset="0"/>
+                <a:cs typeface="Arial" panose="020B0604020202020204" pitchFamily="34" charset="0"/>
+              </a:rPr>
+              <a:t>Fortschritt der Ausarbeitung</a:t>
+            </a:r>
+            <a:endParaRPr sz="3200" dirty="0">
+              <a:solidFill>
+                <a:schemeClr val="accent4">
+                  <a:lumMod val="50000"/>
+                </a:schemeClr>
+              </a:solidFill>
+              <a:latin typeface="Arial" panose="020B0604020202020204" pitchFamily="34" charset="0"/>
+              <a:cs typeface="Arial" panose="020B0604020202020204" pitchFamily="34" charset="0"/>
+            </a:endParaRPr>
+          </a:p>
+        </p:txBody>
+      </p:sp>
+      <p:sp>
+        <p:nvSpPr>
+          <p:cNvPr id="20" name="Rechteck 19"/>
+          <p:cNvSpPr/>
+          <p:nvPr/>
+        </p:nvSpPr>
+        <p:spPr>
+          <a:xfrm>
+            <a:off x="2396183" y="9291517"/>
+            <a:ext cx="15120000" cy="3600000"/>
+          </a:xfrm>
+          <a:prstGeom prst="rect">
+            <a:avLst/>
+          </a:prstGeom>
+          <a:solidFill>
+            <a:schemeClr val="accent3">
+              <a:lumMod val="20000"/>
+              <a:lumOff val="80000"/>
+            </a:schemeClr>
+          </a:solidFill>
+          <a:ln w="50800">
+            <a:solidFill>
+              <a:srgbClr val="FF0000"/>
+            </a:solidFill>
+          </a:ln>
+        </p:spPr>
+        <p:style>
+          <a:lnRef idx="2">
+            <a:schemeClr val="accent1">
+              <a:shade val="50000"/>
+            </a:schemeClr>
+          </a:lnRef>
+          <a:fillRef idx="1">
+            <a:schemeClr val="accent1"/>
+          </a:fillRef>
+          <a:effectRef idx="0">
+            <a:schemeClr val="accent1"/>
+          </a:effectRef>
+          <a:fontRef idx="minor">
+            <a:schemeClr val="lt1"/>
+          </a:fontRef>
+        </p:style>
+        <p:txBody>
+          <a:bodyPr rtlCol="0" anchor="ctr"/>
+          <a:lstStyle/>
+          <a:p>
+            <a:pPr algn="ctr"/>
+            <a:r>
+              <a:rPr lang="de-DE" sz="3600" dirty="0" err="1" smtClean="0">
+                <a:solidFill>
+                  <a:srgbClr val="FF0000"/>
+                </a:solidFill>
+              </a:rPr>
+              <a:t>Lesson</a:t>
+            </a:r>
+            <a:r>
+              <a:rPr lang="de-DE" sz="3600" dirty="0" smtClean="0">
+                <a:solidFill>
+                  <a:srgbClr val="FF0000"/>
+                </a:solidFill>
+              </a:rPr>
+              <a:t> </a:t>
+            </a:r>
+            <a:r>
+              <a:rPr lang="de-DE" sz="3600" dirty="0" err="1" smtClean="0">
+                <a:solidFill>
+                  <a:srgbClr val="FF0000"/>
+                </a:solidFill>
+              </a:rPr>
+              <a:t>Learned</a:t>
+            </a:r>
+            <a:endParaRPr lang="de-DE" sz="3600" dirty="0" smtClean="0">
+              <a:solidFill>
+                <a:srgbClr val="FF0000"/>
+              </a:solidFill>
+            </a:endParaRPr>
+          </a:p>
+          <a:p>
+            <a:pPr algn="ctr"/>
+            <a:endParaRPr lang="de-DE" sz="3600" dirty="0" smtClean="0">
+              <a:solidFill>
+                <a:schemeClr val="bg1"/>
+              </a:solidFill>
+            </a:endParaRPr>
+          </a:p>
+          <a:p>
+            <a:pPr algn="ctr"/>
+            <a:r>
+              <a:rPr lang="de-DE" sz="3600" dirty="0" smtClean="0">
+                <a:solidFill>
+                  <a:schemeClr val="bg1"/>
+                </a:solidFill>
+              </a:rPr>
+              <a:t>Prioritäten korrekt setzen!</a:t>
+            </a:r>
+            <a:endParaRPr lang="de-DE" sz="3600" dirty="0">
+              <a:solidFill>
+                <a:schemeClr val="bg1"/>
+              </a:solidFill>
+            </a:endParaRPr>
+          </a:p>
+          <a:p>
+            <a:pPr algn="ctr"/>
+            <a:r>
+              <a:rPr lang="de-DE" sz="3600" dirty="0" smtClean="0">
+                <a:solidFill>
+                  <a:schemeClr val="bg1"/>
+                </a:solidFill>
+              </a:rPr>
+              <a:t>Hier: Ausarbeitung wird maßgeblich bewertet.</a:t>
+            </a:r>
+            <a:endParaRPr lang="de-DE" sz="3600" dirty="0" smtClean="0">
+              <a:solidFill>
+                <a:schemeClr val="bg1"/>
+              </a:solidFill>
+            </a:endParaRPr>
+          </a:p>
+          <a:p>
+            <a:pPr algn="ctr"/>
+            <a:endParaRPr lang="de-DE" sz="3600" dirty="0" smtClean="0">
+              <a:solidFill>
+                <a:schemeClr val="bg1"/>
+              </a:solidFill>
+            </a:endParaRPr>
+          </a:p>
+          <a:p>
+            <a:pPr algn="ctr"/>
+            <a:endParaRPr lang="de-DE" sz="3600" dirty="0" smtClean="0">
+              <a:solidFill>
+                <a:schemeClr val="bg1"/>
+              </a:solidFill>
+            </a:endParaRPr>
+          </a:p>
+        </p:txBody>
+      </p:sp>
     </p:spTree>
     <p:extLst>
       <p:ext uri="{BB962C8B-B14F-4D97-AF65-F5344CB8AC3E}">
-        <p14:creationId xmlns:p14="http://schemas.microsoft.com/office/powerpoint/2010/main" val="1600733054"/>
+        <p14:creationId xmlns:p14="http://schemas.microsoft.com/office/powerpoint/2010/main" val="2549381804"/>
       </p:ext>
     </p:extLst>
   </p:cSld>
@@ -17202,6 +16866,371 @@
 </file>
 
 <file path=ppt/slides/slide16.xml><?xml version="1.0" encoding="utf-8"?>
+<p:sld xmlns:a="http://schemas.openxmlformats.org/drawingml/2006/main" xmlns:r="http://schemas.openxmlformats.org/officeDocument/2006/relationships" xmlns:p="http://schemas.openxmlformats.org/presentationml/2006/main">
+  <p:cSld>
+    <p:spTree>
+      <p:nvGrpSpPr>
+        <p:cNvPr id="1" name=""/>
+        <p:cNvGrpSpPr/>
+        <p:nvPr/>
+      </p:nvGrpSpPr>
+      <p:grpSpPr>
+        <a:xfrm>
+          <a:off x="0" y="0"/>
+          <a:ext cx="0" cy="0"/>
+          <a:chOff x="0" y="0"/>
+          <a:chExt cx="0" cy="0"/>
+        </a:xfrm>
+      </p:grpSpPr>
+      <p:pic>
+        <p:nvPicPr>
+          <p:cNvPr id="8" name="Grafik 7"/>
+          <p:cNvPicPr>
+            <a:picLocks noChangeAspect="1"/>
+          </p:cNvPicPr>
+          <p:nvPr/>
+        </p:nvPicPr>
+        <p:blipFill>
+          <a:blip r:embed="rId2" cstate="print">
+            <a:extLst>
+              <a:ext uri="{28A0092B-C50C-407E-A947-70E740481C1C}">
+                <a14:useLocalDpi xmlns:a14="http://schemas.microsoft.com/office/drawing/2010/main" val="0"/>
+              </a:ext>
+            </a:extLst>
+          </a:blip>
+          <a:stretch>
+            <a:fillRect/>
+          </a:stretch>
+        </p:blipFill>
+        <p:spPr>
+          <a:xfrm>
+            <a:off x="14996183" y="781049"/>
+            <a:ext cx="3749040" cy="1990047"/>
+          </a:xfrm>
+          <a:prstGeom prst="rect">
+            <a:avLst/>
+          </a:prstGeom>
+        </p:spPr>
+      </p:pic>
+      <p:grpSp>
+        <p:nvGrpSpPr>
+          <p:cNvPr id="13" name="Gruppieren 12"/>
+          <p:cNvGrpSpPr/>
+          <p:nvPr/>
+        </p:nvGrpSpPr>
+        <p:grpSpPr>
+          <a:xfrm>
+            <a:off x="4916183" y="13658850"/>
+            <a:ext cx="10080000" cy="900000"/>
+            <a:chOff x="4916183" y="13658850"/>
+            <a:chExt cx="10080000" cy="900000"/>
+          </a:xfrm>
+        </p:grpSpPr>
+        <p:sp>
+          <p:nvSpPr>
+            <p:cNvPr id="4" name="object 4"/>
+            <p:cNvSpPr/>
+            <p:nvPr/>
+          </p:nvSpPr>
+          <p:spPr>
+            <a:xfrm>
+              <a:off x="4916183" y="13658850"/>
+              <a:ext cx="10080000" cy="900000"/>
+            </a:xfrm>
+            <a:custGeom>
+              <a:avLst/>
+              <a:gdLst/>
+              <a:ahLst/>
+              <a:cxnLst/>
+              <a:rect l="l" t="t" r="r" b="b"/>
+              <a:pathLst>
+                <a:path w="10015855" h="807719">
+                  <a:moveTo>
+                    <a:pt x="0" y="807351"/>
+                  </a:moveTo>
+                  <a:lnTo>
+                    <a:pt x="10015334" y="807351"/>
+                  </a:lnTo>
+                  <a:lnTo>
+                    <a:pt x="10015334" y="0"/>
+                  </a:lnTo>
+                  <a:lnTo>
+                    <a:pt x="0" y="0"/>
+                  </a:lnTo>
+                  <a:lnTo>
+                    <a:pt x="0" y="807351"/>
+                  </a:lnTo>
+                  <a:close/>
+                </a:path>
+              </a:pathLst>
+            </a:custGeom>
+            <a:solidFill>
+              <a:srgbClr val="FFFFFF"/>
+            </a:solidFill>
+          </p:spPr>
+          <p:txBody>
+            <a:bodyPr wrap="square" lIns="0" tIns="0" rIns="0" bIns="0" rtlCol="0">
+              <a:spAutoFit/>
+            </a:bodyPr>
+            <a:lstStyle/>
+            <a:p>
+              <a:endParaRPr/>
+            </a:p>
+          </p:txBody>
+        </p:sp>
+        <p:sp>
+          <p:nvSpPr>
+            <p:cNvPr id="7" name="object 7"/>
+            <p:cNvSpPr txBox="1"/>
+            <p:nvPr/>
+          </p:nvSpPr>
+          <p:spPr>
+            <a:xfrm>
+              <a:off x="5960623" y="13924184"/>
+              <a:ext cx="4500000" cy="369332"/>
+            </a:xfrm>
+            <a:prstGeom prst="rect">
+              <a:avLst/>
+            </a:prstGeom>
+          </p:spPr>
+          <p:txBody>
+            <a:bodyPr vert="horz" wrap="square" lIns="0" tIns="0" rIns="0" bIns="0" rtlCol="0">
+              <a:spAutoFit/>
+            </a:bodyPr>
+            <a:lstStyle/>
+            <a:p>
+              <a:pPr marL="12699"/>
+              <a:r>
+                <a:rPr lang="de-DE" sz="2400" b="1" spc="-20" dirty="0">
+                  <a:solidFill>
+                    <a:srgbClr val="546670"/>
+                  </a:solidFill>
+                  <a:latin typeface="Calibri"/>
+                  <a:cs typeface="Calibri"/>
+                </a:rPr>
+                <a:t>Michael Maag, TINF19B1</a:t>
+              </a:r>
+              <a:endParaRPr sz="2400" b="1" spc="-20" dirty="0">
+                <a:solidFill>
+                  <a:srgbClr val="546670"/>
+                </a:solidFill>
+                <a:latin typeface="Calibri"/>
+                <a:cs typeface="Calibri"/>
+              </a:endParaRPr>
+            </a:p>
+          </p:txBody>
+        </p:sp>
+        <p:sp>
+          <p:nvSpPr>
+            <p:cNvPr id="12" name="object 7"/>
+            <p:cNvSpPr txBox="1"/>
+            <p:nvPr/>
+          </p:nvSpPr>
+          <p:spPr>
+            <a:xfrm>
+              <a:off x="10460623" y="13924184"/>
+              <a:ext cx="4500000" cy="369332"/>
+            </a:xfrm>
+            <a:prstGeom prst="rect">
+              <a:avLst/>
+            </a:prstGeom>
+          </p:spPr>
+          <p:txBody>
+            <a:bodyPr vert="horz" wrap="square" lIns="0" tIns="0" rIns="0" bIns="0" rtlCol="0">
+              <a:spAutoFit/>
+            </a:bodyPr>
+            <a:lstStyle/>
+            <a:p>
+              <a:pPr marL="12699">
+                <a:spcBef>
+                  <a:spcPts val="370"/>
+                </a:spcBef>
+              </a:pPr>
+              <a:r>
+                <a:rPr lang="de-DE" sz="2400" b="1" spc="-20" dirty="0" smtClean="0">
+                  <a:solidFill>
+                    <a:srgbClr val="546670"/>
+                  </a:solidFill>
+                  <a:latin typeface="Calibri"/>
+                  <a:cs typeface="Calibri"/>
+                </a:rPr>
+                <a:t>Betreuer</a:t>
+              </a:r>
+              <a:r>
+                <a:rPr lang="de-DE" sz="2400" b="1" spc="-20" dirty="0">
+                  <a:solidFill>
+                    <a:srgbClr val="546670"/>
+                  </a:solidFill>
+                  <a:latin typeface="Calibri"/>
+                  <a:cs typeface="Calibri"/>
+                </a:rPr>
+                <a:t>: Herr Strand</a:t>
+              </a:r>
+              <a:endParaRPr sz="2400" dirty="0">
+                <a:latin typeface="Calibri"/>
+                <a:cs typeface="Calibri"/>
+              </a:endParaRPr>
+            </a:p>
+          </p:txBody>
+        </p:sp>
+      </p:grpSp>
+      <p:sp>
+        <p:nvSpPr>
+          <p:cNvPr id="18" name="object 6"/>
+          <p:cNvSpPr txBox="1"/>
+          <p:nvPr/>
+        </p:nvSpPr>
+        <p:spPr>
+          <a:xfrm>
+            <a:off x="4916183" y="3219450"/>
+            <a:ext cx="9049469" cy="553998"/>
+          </a:xfrm>
+          <a:prstGeom prst="rect">
+            <a:avLst/>
+          </a:prstGeom>
+        </p:spPr>
+        <p:txBody>
+          <a:bodyPr vert="horz" wrap="square" lIns="0" tIns="0" rIns="0" bIns="0" rtlCol="0">
+            <a:spAutoFit/>
+          </a:bodyPr>
+          <a:lstStyle/>
+          <a:p>
+            <a:pPr marL="12699" marR="6350"/>
+            <a:r>
+              <a:rPr lang="de-DE" sz="3600" b="1" spc="-204" dirty="0" smtClean="0">
+                <a:solidFill>
+                  <a:schemeClr val="accent4">
+                    <a:lumMod val="50000"/>
+                  </a:schemeClr>
+                </a:solidFill>
+                <a:latin typeface="Cambria"/>
+                <a:cs typeface="Cambria"/>
+              </a:rPr>
+              <a:t>Ergebnis</a:t>
+            </a:r>
+            <a:endParaRPr sz="3600" dirty="0">
+              <a:solidFill>
+                <a:schemeClr val="accent4">
+                  <a:lumMod val="50000"/>
+                </a:schemeClr>
+              </a:solidFill>
+              <a:latin typeface="Cambria"/>
+              <a:cs typeface="Cambria"/>
+            </a:endParaRPr>
+          </a:p>
+        </p:txBody>
+      </p:sp>
+      <p:sp>
+        <p:nvSpPr>
+          <p:cNvPr id="19" name="Textfeld 18"/>
+          <p:cNvSpPr txBox="1"/>
+          <p:nvPr/>
+        </p:nvSpPr>
+        <p:spPr>
+          <a:xfrm>
+            <a:off x="5996183" y="1324546"/>
+            <a:ext cx="7920000" cy="1446550"/>
+          </a:xfrm>
+          <a:prstGeom prst="rect">
+            <a:avLst/>
+          </a:prstGeom>
+          <a:noFill/>
+        </p:spPr>
+        <p:txBody>
+          <a:bodyPr wrap="square" rtlCol="0">
+            <a:spAutoFit/>
+          </a:bodyPr>
+          <a:lstStyle/>
+          <a:p>
+            <a:pPr algn="ctr"/>
+            <a:r>
+              <a:rPr lang="de-DE" sz="4400" dirty="0" err="1" smtClean="0">
+                <a:solidFill>
+                  <a:schemeClr val="accent4">
+                    <a:lumMod val="50000"/>
+                  </a:schemeClr>
+                </a:solidFill>
+              </a:rPr>
+              <a:t>RaHM</a:t>
+            </a:r>
+            <a:r>
+              <a:rPr lang="de-DE" sz="4400" dirty="0" smtClean="0">
+                <a:solidFill>
+                  <a:schemeClr val="accent4">
+                    <a:lumMod val="50000"/>
+                  </a:schemeClr>
+                </a:solidFill>
+              </a:rPr>
+              <a:t>-Lab:</a:t>
+            </a:r>
+          </a:p>
+          <a:p>
+            <a:pPr algn="ctr"/>
+            <a:r>
+              <a:rPr lang="de-DE" sz="4400" dirty="0" smtClean="0">
+                <a:solidFill>
+                  <a:schemeClr val="accent4">
+                    <a:lumMod val="50000"/>
+                  </a:schemeClr>
+                </a:solidFill>
+              </a:rPr>
+              <a:t>Positionsregelung Drohne</a:t>
+            </a:r>
+            <a:endParaRPr lang="de-DE" sz="4400" dirty="0">
+              <a:solidFill>
+                <a:schemeClr val="accent4">
+                  <a:lumMod val="50000"/>
+                </a:schemeClr>
+              </a:solidFill>
+            </a:endParaRPr>
+          </a:p>
+        </p:txBody>
+      </p:sp>
+      <p:pic>
+        <p:nvPicPr>
+          <p:cNvPr id="3" name="Grafik 2"/>
+          <p:cNvPicPr>
+            <a:picLocks noChangeAspect="1"/>
+          </p:cNvPicPr>
+          <p:nvPr/>
+        </p:nvPicPr>
+        <p:blipFill>
+          <a:blip r:embed="rId3"/>
+          <a:stretch>
+            <a:fillRect/>
+          </a:stretch>
+        </p:blipFill>
+        <p:spPr>
+          <a:xfrm>
+            <a:off x="2999731" y="4214879"/>
+            <a:ext cx="13912904" cy="9000000"/>
+          </a:xfrm>
+          <a:prstGeom prst="rect">
+            <a:avLst/>
+          </a:prstGeom>
+        </p:spPr>
+      </p:pic>
+    </p:spTree>
+    <p:extLst>
+      <p:ext uri="{BB962C8B-B14F-4D97-AF65-F5344CB8AC3E}">
+        <p14:creationId xmlns:p14="http://schemas.microsoft.com/office/powerpoint/2010/main" val="1642104453"/>
+      </p:ext>
+    </p:extLst>
+  </p:cSld>
+  <p:clrMapOvr>
+    <a:masterClrMapping/>
+  </p:clrMapOvr>
+  <p:timing>
+    <p:tnLst>
+      <p:par>
+        <p:cTn id="1" dur="indefinite" restart="never" nodeType="tmRoot"/>
+      </p:par>
+    </p:tnLst>
+  </p:timing>
+</p:sld>
+</file>
+
+<file path=ppt/slides/slide17.xml><?xml version="1.0" encoding="utf-8"?>
 <p:sld xmlns:a="http://schemas.openxmlformats.org/drawingml/2006/main" xmlns:r="http://schemas.openxmlformats.org/officeDocument/2006/relationships" xmlns:p="http://schemas.openxmlformats.org/presentationml/2006/main">
   <p:cSld>
     <p:spTree>
@@ -17242,12 +17271,22 @@
             <a:pPr marL="12699" marR="6350"/>
             <a:r>
               <a:rPr lang="de-DE" sz="3600" b="1" spc="-204" dirty="0" smtClean="0">
+                <a:solidFill>
+                  <a:schemeClr val="accent4">
+                    <a:lumMod val="50000"/>
+                  </a:schemeClr>
+                </a:solidFill>
                 <a:latin typeface="Cambria"/>
                 <a:cs typeface="Cambria"/>
               </a:rPr>
               <a:t>Quellen</a:t>
             </a:r>
             <a:endParaRPr sz="3600" dirty="0">
+              <a:solidFill>
+                <a:schemeClr val="accent4">
+                  <a:lumMod val="50000"/>
+                </a:schemeClr>
+              </a:solidFill>
               <a:latin typeface="Cambria"/>
               <a:cs typeface="Cambria"/>
             </a:endParaRPr>
@@ -17470,6 +17509,11 @@
             <a:pPr marL="12699" marR="6350"/>
             <a:r>
               <a:rPr lang="de-DE" sz="3200" spc="-204" dirty="0" smtClean="0">
+                <a:solidFill>
+                  <a:schemeClr val="accent4">
+                    <a:lumMod val="50000"/>
+                  </a:schemeClr>
+                </a:solidFill>
                 <a:latin typeface="Arial" panose="020B0604020202020204" pitchFamily="34" charset="0"/>
                 <a:cs typeface="Arial" panose="020B0604020202020204" pitchFamily="34" charset="0"/>
               </a:rPr>
@@ -17477,6 +17521,11 @@
             </a:r>
             <a:r>
               <a:rPr lang="de-DE" sz="3200" dirty="0" smtClean="0">
+                <a:solidFill>
+                  <a:schemeClr val="accent4">
+                    <a:lumMod val="50000"/>
+                  </a:schemeClr>
+                </a:solidFill>
                 <a:latin typeface="Arial" panose="020B0604020202020204" pitchFamily="34" charset="0"/>
                 <a:cs typeface="Arial" panose="020B0604020202020204" pitchFamily="34" charset="0"/>
               </a:rPr>
@@ -17484,6 +17533,11 @@
             </a:r>
             <a:r>
               <a:rPr lang="de-DE" sz="3200" dirty="0">
+                <a:solidFill>
+                  <a:schemeClr val="accent4">
+                    <a:lumMod val="50000"/>
+                  </a:schemeClr>
+                </a:solidFill>
                 <a:latin typeface="Arial" panose="020B0604020202020204" pitchFamily="34" charset="0"/>
                 <a:cs typeface="Arial" panose="020B0604020202020204" pitchFamily="34" charset="0"/>
               </a:rPr>
@@ -17491,6 +17545,11 @@
             </a:r>
             <a:r>
               <a:rPr lang="de-DE" sz="3200" dirty="0" err="1">
+                <a:solidFill>
+                  <a:schemeClr val="accent4">
+                    <a:lumMod val="50000"/>
+                  </a:schemeClr>
+                </a:solidFill>
                 <a:latin typeface="Arial" panose="020B0604020202020204" pitchFamily="34" charset="0"/>
                 <a:cs typeface="Arial" panose="020B0604020202020204" pitchFamily="34" charset="0"/>
               </a:rPr>
@@ -17498,6 +17557,11 @@
             </a:r>
             <a:r>
               <a:rPr lang="de-DE" sz="3200" dirty="0">
+                <a:solidFill>
+                  <a:schemeClr val="accent4">
+                    <a:lumMod val="50000"/>
+                  </a:schemeClr>
+                </a:solidFill>
                 <a:latin typeface="Arial" panose="020B0604020202020204" pitchFamily="34" charset="0"/>
                 <a:cs typeface="Arial" panose="020B0604020202020204" pitchFamily="34" charset="0"/>
               </a:rPr>
@@ -17505,12 +17569,22 @@
             </a:r>
             <a:r>
               <a:rPr lang="de-DE" sz="3200" spc="-204" dirty="0" smtClean="0">
+                <a:solidFill>
+                  <a:schemeClr val="accent4">
+                    <a:lumMod val="50000"/>
+                  </a:schemeClr>
+                </a:solidFill>
                 <a:latin typeface="Arial" panose="020B0604020202020204" pitchFamily="34" charset="0"/>
                 <a:cs typeface="Arial" panose="020B0604020202020204" pitchFamily="34" charset="0"/>
               </a:rPr>
               <a:t> </a:t>
             </a:r>
             <a:endParaRPr sz="3200" dirty="0">
+              <a:solidFill>
+                <a:schemeClr val="accent4">
+                  <a:lumMod val="50000"/>
+                </a:schemeClr>
+              </a:solidFill>
               <a:latin typeface="Arial" panose="020B0604020202020204" pitchFamily="34" charset="0"/>
               <a:cs typeface="Arial" panose="020B0604020202020204" pitchFamily="34" charset="0"/>
             </a:endParaRPr>
@@ -17541,6 +17615,11 @@
             <a:pPr marL="12699" marR="6350"/>
             <a:r>
               <a:rPr lang="de-DE" sz="3200" spc="-204" dirty="0" smtClean="0">
+                <a:solidFill>
+                  <a:schemeClr val="accent4">
+                    <a:lumMod val="50000"/>
+                  </a:schemeClr>
+                </a:solidFill>
                 <a:latin typeface="Arial" panose="020B0604020202020204" pitchFamily="34" charset="0"/>
                 <a:cs typeface="Arial" panose="020B0604020202020204" pitchFamily="34" charset="0"/>
               </a:rPr>
@@ -17548,69 +17627,22 @@
             </a:r>
             <a:r>
               <a:rPr lang="de-DE" sz="3200" spc="-204" dirty="0">
+                <a:solidFill>
+                  <a:schemeClr val="accent4">
+                    <a:lumMod val="50000"/>
+                  </a:schemeClr>
+                </a:solidFill>
                 <a:latin typeface="Arial" panose="020B0604020202020204" pitchFamily="34" charset="0"/>
                 <a:cs typeface="Arial" panose="020B0604020202020204" pitchFamily="34" charset="0"/>
               </a:rPr>
               <a:t>https://clover.coex.tech/en/assemble_4_2.html</a:t>
             </a:r>
             <a:endParaRPr sz="3200" dirty="0">
-              <a:latin typeface="Arial" panose="020B0604020202020204" pitchFamily="34" charset="0"/>
-              <a:cs typeface="Arial" panose="020B0604020202020204" pitchFamily="34" charset="0"/>
-            </a:endParaRPr>
-          </a:p>
-        </p:txBody>
-      </p:sp>
-      <p:sp>
-        <p:nvSpPr>
-          <p:cNvPr id="14" name="object 6"/>
-          <p:cNvSpPr txBox="1"/>
-          <p:nvPr/>
-        </p:nvSpPr>
-        <p:spPr>
-          <a:xfrm>
-            <a:off x="2051422" y="6305525"/>
-            <a:ext cx="16967223" cy="492443"/>
-          </a:xfrm>
-          <a:prstGeom prst="rect">
-            <a:avLst/>
-          </a:prstGeom>
-        </p:spPr>
-        <p:txBody>
-          <a:bodyPr vert="horz" wrap="square" lIns="0" tIns="0" rIns="0" bIns="0" rtlCol="0">
-            <a:spAutoFit/>
-          </a:bodyPr>
-          <a:lstStyle/>
-          <a:p>
-            <a:pPr marL="12699" marR="6350"/>
-            <a:r>
-              <a:rPr lang="de-DE" sz="3200" spc="-204" dirty="0" smtClean="0">
-                <a:latin typeface="Arial" panose="020B0604020202020204" pitchFamily="34" charset="0"/>
-                <a:cs typeface="Arial" panose="020B0604020202020204" pitchFamily="34" charset="0"/>
-              </a:rPr>
-              <a:t>(3</a:t>
-            </a:r>
-            <a:r>
-              <a:rPr lang="de-DE" sz="3200" spc="-204" dirty="0">
-                <a:latin typeface="Arial" panose="020B0604020202020204" pitchFamily="34" charset="0"/>
-                <a:cs typeface="Arial" panose="020B0604020202020204" pitchFamily="34" charset="0"/>
-              </a:rPr>
-              <a:t>) </a:t>
-            </a:r>
-            <a:r>
-              <a:rPr lang="de-DE" sz="3200" spc="-204" dirty="0" smtClean="0">
-                <a:latin typeface="Arial" panose="020B0604020202020204" pitchFamily="34" charset="0"/>
-                <a:cs typeface="Arial" panose="020B0604020202020204" pitchFamily="34" charset="0"/>
-              </a:rPr>
-              <a:t> https</a:t>
-            </a:r>
-            <a:r>
-              <a:rPr lang="de-DE" sz="3200" spc="-204" dirty="0">
-                <a:latin typeface="Arial" panose="020B0604020202020204" pitchFamily="34" charset="0"/>
-                <a:cs typeface="Arial" panose="020B0604020202020204" pitchFamily="34" charset="0"/>
-              </a:rPr>
-              <a:t>://clover.coex.tech/en/calibration.html</a:t>
-            </a:r>
-            <a:endParaRPr sz="3200" dirty="0">
+              <a:solidFill>
+                <a:schemeClr val="accent4">
+                  <a:lumMod val="50000"/>
+                </a:schemeClr>
+              </a:solidFill>
               <a:latin typeface="Arial" panose="020B0604020202020204" pitchFamily="34" charset="0"/>
               <a:cs typeface="Arial" panose="020B0604020202020204" pitchFamily="34" charset="0"/>
             </a:endParaRPr>
@@ -17691,7 +17723,7 @@
         </p:nvSpPr>
         <p:spPr>
           <a:xfrm>
-            <a:off x="2051422" y="7060008"/>
+            <a:off x="2020942" y="6305525"/>
             <a:ext cx="16967223" cy="492443"/>
           </a:xfrm>
           <a:prstGeom prst="rect">
@@ -17707,13 +17739,35 @@
             <a:pPr marL="12699" marR="6350"/>
             <a:r>
               <a:rPr lang="de-DE" sz="3200" spc="-204" dirty="0" smtClean="0">
+                <a:solidFill>
+                  <a:schemeClr val="accent4">
+                    <a:lumMod val="50000"/>
+                  </a:schemeClr>
+                </a:solidFill>
                 <a:latin typeface="Arial" panose="020B0604020202020204" pitchFamily="34" charset="0"/>
                 <a:cs typeface="Arial" panose="020B0604020202020204" pitchFamily="34" charset="0"/>
               </a:rPr>
-              <a:t>(4) http</a:t>
+              <a:t>(3) </a:t>
+            </a:r>
+            <a:r>
+              <a:rPr lang="de-DE" sz="3200" spc="-204" dirty="0" smtClean="0">
+                <a:solidFill>
+                  <a:schemeClr val="accent4">
+                    <a:lumMod val="50000"/>
+                  </a:schemeClr>
+                </a:solidFill>
+                <a:latin typeface="Arial" panose="020B0604020202020204" pitchFamily="34" charset="0"/>
+                <a:cs typeface="Arial" panose="020B0604020202020204" pitchFamily="34" charset="0"/>
+              </a:rPr>
+              <a:t>http</a:t>
             </a:r>
             <a:r>
               <a:rPr lang="de-DE" sz="3200" spc="-204" dirty="0">
+                <a:solidFill>
+                  <a:schemeClr val="accent4">
+                    <a:lumMod val="50000"/>
+                  </a:schemeClr>
+                </a:solidFill>
                 <a:latin typeface="Arial" panose="020B0604020202020204" pitchFamily="34" charset="0"/>
                 <a:cs typeface="Arial" panose="020B0604020202020204" pitchFamily="34" charset="0"/>
               </a:rPr>
@@ -17732,6 +17786,14 @@
   <p:clrMapOvr>
     <a:masterClrMapping/>
   </p:clrMapOvr>
+  <mc:AlternateContent xmlns:mc="http://schemas.openxmlformats.org/markup-compatibility/2006">
+    <mc:Choice xmlns:p14="http://schemas.microsoft.com/office/powerpoint/2010/main" Requires="p14">
+      <p:transition spd="slow" p14:dur="2000"/>
+    </mc:Choice>
+    <mc:Fallback>
+      <p:transition spd="slow"/>
+    </mc:Fallback>
+  </mc:AlternateContent>
   <p:timing>
     <p:tnLst>
       <p:par>
@@ -17975,12 +18037,22 @@
             <a:pPr marL="12699" marR="6350"/>
             <a:r>
               <a:rPr lang="de-DE" sz="3600" b="1" spc="-204" dirty="0" smtClean="0">
+                <a:solidFill>
+                  <a:schemeClr val="accent4">
+                    <a:lumMod val="50000"/>
+                  </a:schemeClr>
+                </a:solidFill>
                 <a:latin typeface="Cambria"/>
                 <a:cs typeface="Cambria"/>
               </a:rPr>
               <a:t>Projekt-Idee</a:t>
             </a:r>
             <a:endParaRPr sz="3600" dirty="0">
+              <a:solidFill>
+                <a:schemeClr val="accent4">
+                  <a:lumMod val="50000"/>
+                </a:schemeClr>
+              </a:solidFill>
               <a:latin typeface="Cambria"/>
               <a:cs typeface="Cambria"/>
             </a:endParaRPr>
@@ -18011,48 +18083,22 @@
             <a:pPr marL="12699" marR="6350"/>
             <a:r>
               <a:rPr lang="de-DE" sz="3600" b="1" spc="-204" dirty="0" smtClean="0">
+                <a:solidFill>
+                  <a:schemeClr val="accent4">
+                    <a:lumMod val="50000"/>
+                  </a:schemeClr>
+                </a:solidFill>
                 <a:latin typeface="Cambria"/>
                 <a:cs typeface="Cambria"/>
               </a:rPr>
-              <a:t>Aktueller Stand</a:t>
+              <a:t>Projekt-Verlauf</a:t>
             </a:r>
             <a:endParaRPr sz="3600" dirty="0">
-              <a:latin typeface="Cambria"/>
-              <a:cs typeface="Cambria"/>
-            </a:endParaRPr>
-          </a:p>
-        </p:txBody>
-      </p:sp>
-      <p:sp>
-        <p:nvSpPr>
-          <p:cNvPr id="14" name="object 6"/>
-          <p:cNvSpPr txBox="1"/>
-          <p:nvPr/>
-        </p:nvSpPr>
-        <p:spPr>
-          <a:xfrm>
-            <a:off x="4911102" y="6153514"/>
-            <a:ext cx="9049469" cy="553998"/>
-          </a:xfrm>
-          <a:prstGeom prst="rect">
-            <a:avLst/>
-          </a:prstGeom>
-        </p:spPr>
-        <p:txBody>
-          <a:bodyPr vert="horz" wrap="square" lIns="0" tIns="0" rIns="0" bIns="0" rtlCol="0">
-            <a:spAutoFit/>
-          </a:bodyPr>
-          <a:lstStyle/>
-          <a:p>
-            <a:pPr marL="12699" marR="6350"/>
-            <a:r>
-              <a:rPr lang="de-DE" sz="3600" b="1" spc="-204" dirty="0" err="1" smtClean="0">
-                <a:latin typeface="Cambria"/>
-                <a:cs typeface="Cambria"/>
-              </a:rPr>
-              <a:t>ToDo</a:t>
-            </a:r>
-            <a:endParaRPr sz="3600" dirty="0">
+              <a:solidFill>
+                <a:schemeClr val="accent4">
+                  <a:lumMod val="50000"/>
+                </a:schemeClr>
+              </a:solidFill>
               <a:latin typeface="Cambria"/>
               <a:cs typeface="Cambria"/>
             </a:endParaRPr>
@@ -18121,6 +18167,52 @@
                   <a:lumMod val="50000"/>
                 </a:schemeClr>
               </a:solidFill>
+            </a:endParaRPr>
+          </a:p>
+        </p:txBody>
+      </p:sp>
+      <p:sp>
+        <p:nvSpPr>
+          <p:cNvPr id="16" name="object 6"/>
+          <p:cNvSpPr txBox="1"/>
+          <p:nvPr/>
+        </p:nvSpPr>
+        <p:spPr>
+          <a:xfrm>
+            <a:off x="4866714" y="6153514"/>
+            <a:ext cx="9049469" cy="553998"/>
+          </a:xfrm>
+          <a:prstGeom prst="rect">
+            <a:avLst/>
+          </a:prstGeom>
+        </p:spPr>
+        <p:txBody>
+          <a:bodyPr vert="horz" wrap="square" lIns="0" tIns="0" rIns="0" bIns="0" rtlCol="0">
+            <a:spAutoFit/>
+          </a:bodyPr>
+          <a:lstStyle/>
+          <a:p>
+            <a:pPr marL="12699" marR="6350"/>
+            <a:r>
+              <a:rPr lang="de-DE" sz="3600" b="1" spc="-204" dirty="0" smtClean="0">
+                <a:solidFill>
+                  <a:schemeClr val="accent4">
+                    <a:lumMod val="50000"/>
+                  </a:schemeClr>
+                </a:solidFill>
+                <a:latin typeface="Cambria"/>
+                <a:cs typeface="Cambria"/>
+              </a:rPr>
+              <a:t>Ergebnis</a:t>
+            </a:r>
+            <a:endParaRPr sz="3600" dirty="0">
+              <a:solidFill>
+                <a:schemeClr val="accent4">
+                  <a:lumMod val="50000"/>
+                </a:schemeClr>
+              </a:solidFill>
+              <a:latin typeface="Cambria"/>
+              <a:cs typeface="Cambria"/>
             </a:endParaRPr>
           </a:p>
         </p:txBody>
@@ -19149,11 +19241,11 @@
   <p:clrMapOvr>
     <a:masterClrMapping/>
   </p:clrMapOvr>
-  <mc:AlternateContent xmlns:mc="http://schemas.openxmlformats.org/markup-compatibility/2006">
-    <mc:Choice xmlns:p14="http://schemas.microsoft.com/office/powerpoint/2010/main" Requires="p14">
+  <mc:AlternateContent xmlns:mc="http://schemas.openxmlformats.org/markup-compatibility/2006" xmlns:p14="http://schemas.microsoft.com/office/powerpoint/2010/main">
+    <mc:Choice Requires="p14">
       <p:transition spd="slow" p14:dur="2000"/>
     </mc:Choice>
-    <mc:Fallback>
+    <mc:Fallback xmlns="">
       <p:transition spd="slow"/>
     </mc:Fallback>
   </mc:AlternateContent>
@@ -19962,98 +20054,6 @@
       </p:grpSp>
       <p:sp>
         <p:nvSpPr>
-          <p:cNvPr id="14" name="object 6"/>
-          <p:cNvSpPr txBox="1"/>
-          <p:nvPr/>
-        </p:nvSpPr>
-        <p:spPr>
-          <a:xfrm>
-            <a:off x="2036183" y="4794912"/>
-            <a:ext cx="10800000" cy="492443"/>
-          </a:xfrm>
-          <a:prstGeom prst="rect">
-            <a:avLst/>
-          </a:prstGeom>
-        </p:spPr>
-        <p:txBody>
-          <a:bodyPr vert="horz" wrap="square" lIns="0" tIns="0" rIns="0" bIns="0" rtlCol="0">
-            <a:spAutoFit/>
-          </a:bodyPr>
-          <a:lstStyle/>
-          <a:p>
-            <a:pPr marL="12699" marR="6350"/>
-            <a:r>
-              <a:rPr lang="de-DE" sz="3200" spc="-204" dirty="0" smtClean="0">
-                <a:solidFill>
-                  <a:schemeClr val="accent4">
-                    <a:lumMod val="50000"/>
-                  </a:schemeClr>
-                </a:solidFill>
-                <a:latin typeface="Arial" panose="020B0604020202020204" pitchFamily="34" charset="0"/>
-                <a:cs typeface="Arial" panose="020B0604020202020204" pitchFamily="34" charset="0"/>
-              </a:rPr>
-              <a:t>Aufbau</a:t>
-            </a:r>
-            <a:endParaRPr sz="3200" dirty="0">
-              <a:solidFill>
-                <a:schemeClr val="accent4">
-                  <a:lumMod val="50000"/>
-                </a:schemeClr>
-              </a:solidFill>
-              <a:latin typeface="Arial" panose="020B0604020202020204" pitchFamily="34" charset="0"/>
-              <a:cs typeface="Arial" panose="020B0604020202020204" pitchFamily="34" charset="0"/>
-            </a:endParaRPr>
-          </a:p>
-        </p:txBody>
-      </p:sp>
-      <p:sp>
-        <p:nvSpPr>
-          <p:cNvPr id="15" name="object 6"/>
-          <p:cNvSpPr txBox="1"/>
-          <p:nvPr/>
-        </p:nvSpPr>
-        <p:spPr>
-          <a:xfrm>
-            <a:off x="2036183" y="5546992"/>
-            <a:ext cx="10800000" cy="492443"/>
-          </a:xfrm>
-          <a:prstGeom prst="rect">
-            <a:avLst/>
-          </a:prstGeom>
-        </p:spPr>
-        <p:txBody>
-          <a:bodyPr vert="horz" wrap="square" lIns="0" tIns="0" rIns="0" bIns="0" rtlCol="0">
-            <a:spAutoFit/>
-          </a:bodyPr>
-          <a:lstStyle/>
-          <a:p>
-            <a:pPr marL="12699" marR="6350"/>
-            <a:r>
-              <a:rPr lang="de-DE" sz="3200" spc="-204" dirty="0" smtClean="0">
-                <a:solidFill>
-                  <a:schemeClr val="accent4">
-                    <a:lumMod val="50000"/>
-                  </a:schemeClr>
-                </a:solidFill>
-                <a:latin typeface="Arial" panose="020B0604020202020204" pitchFamily="34" charset="0"/>
-                <a:cs typeface="Arial" panose="020B0604020202020204" pitchFamily="34" charset="0"/>
-              </a:rPr>
-              <a:t>Erstinbetriebnahme / Konfiguration</a:t>
-            </a:r>
-            <a:endParaRPr sz="3200" dirty="0">
-              <a:solidFill>
-                <a:schemeClr val="accent4">
-                  <a:lumMod val="50000"/>
-                </a:schemeClr>
-              </a:solidFill>
-              <a:latin typeface="Arial" panose="020B0604020202020204" pitchFamily="34" charset="0"/>
-              <a:cs typeface="Arial" panose="020B0604020202020204" pitchFamily="34" charset="0"/>
-            </a:endParaRPr>
-          </a:p>
-        </p:txBody>
-      </p:sp>
-      <p:sp>
-        <p:nvSpPr>
           <p:cNvPr id="18" name="object 6"/>
           <p:cNvSpPr txBox="1"/>
           <p:nvPr/>
@@ -20084,55 +20084,7 @@
                 <a:latin typeface="Cambria"/>
                 <a:cs typeface="Cambria"/>
               </a:rPr>
-              <a:t>Vorgehen: </a:t>
-            </a:r>
-            <a:r>
-              <a:rPr lang="de-DE" sz="3600" b="1" spc="-204" dirty="0" err="1" smtClean="0">
-                <a:solidFill>
-                  <a:schemeClr val="accent4">
-                    <a:lumMod val="50000"/>
-                  </a:schemeClr>
-                </a:solidFill>
-                <a:latin typeface="Cambria"/>
-                <a:cs typeface="Cambria"/>
-              </a:rPr>
-              <a:t>coex</a:t>
-            </a:r>
-            <a:r>
-              <a:rPr lang="de-DE" sz="3600" b="1" spc="-204" dirty="0" smtClean="0">
-                <a:solidFill>
-                  <a:schemeClr val="accent4">
-                    <a:lumMod val="50000"/>
-                  </a:schemeClr>
-                </a:solidFill>
-                <a:latin typeface="Cambria"/>
-                <a:cs typeface="Cambria"/>
-              </a:rPr>
-              <a:t> </a:t>
-            </a:r>
-            <a:r>
-              <a:rPr lang="de-DE" sz="3600" b="1" spc="-204" dirty="0" err="1" smtClean="0">
-                <a:solidFill>
-                  <a:schemeClr val="accent4">
-                    <a:lumMod val="50000"/>
-                  </a:schemeClr>
-                </a:solidFill>
-                <a:latin typeface="Cambria"/>
-                <a:cs typeface="Cambria"/>
-              </a:rPr>
-              <a:t>Clover</a:t>
-            </a:r>
-            <a:r>
-              <a:rPr lang="de-DE" sz="3600" b="1" spc="-204" dirty="0" smtClean="0">
-                <a:solidFill>
-                  <a:schemeClr val="accent4">
-                    <a:lumMod val="50000"/>
-                  </a:schemeClr>
-                </a:solidFill>
-                <a:latin typeface="Cambria"/>
-                <a:cs typeface="Cambria"/>
-              </a:rPr>
-              <a:t> 4.20</a:t>
+              <a:t>Projekt-Verlauf</a:t>
             </a:r>
             <a:endParaRPr sz="3600" dirty="0">
               <a:solidFill>
@@ -20214,86 +20166,28 @@
       </p:sp>
       <p:pic>
         <p:nvPicPr>
-          <p:cNvPr id="20" name="Picture 2" descr="QGroundControl compass calibration"/>
+          <p:cNvPr id="2" name="Grafik 1"/>
           <p:cNvPicPr>
-            <a:picLocks noChangeAspect="1" noChangeArrowheads="1"/>
+            <a:picLocks noChangeAspect="1"/>
           </p:cNvPicPr>
           <p:nvPr/>
         </p:nvPicPr>
-        <p:blipFill rotWithShape="1">
-          <a:blip r:embed="rId3" cstate="print">
-            <a:extLst>
-              <a:ext uri="{28A0092B-C50C-407E-A947-70E740481C1C}">
-                <a14:useLocalDpi xmlns:a14="http://schemas.microsoft.com/office/drawing/2010/main" val="0"/>
-              </a:ext>
-            </a:extLst>
-          </a:blip>
-          <a:srcRect l="5053" t="5436" r="5487" b="9300"/>
-          <a:stretch/>
+        <p:blipFill>
+          <a:blip r:embed="rId3"/>
+          <a:stretch>
+            <a:fillRect/>
+          </a:stretch>
         </p:blipFill>
-        <p:spPr bwMode="auto">
-          <a:xfrm>
-            <a:off x="2010783" y="7424425"/>
-            <a:ext cx="7209417" cy="4844728"/>
-          </a:xfrm>
-          <a:prstGeom prst="rect">
-            <a:avLst/>
-          </a:prstGeom>
-          <a:noFill/>
-          <a:extLst>
-            <a:ext uri="{909E8E84-426E-40DD-AFC4-6F175D3DCCD1}">
-              <a14:hiddenFill xmlns:a14="http://schemas.microsoft.com/office/drawing/2010/main">
-                <a:solidFill>
-                  <a:srgbClr val="FFFFFF"/>
-                </a:solidFill>
-              </a14:hiddenFill>
-            </a:ext>
-          </a:extLst>
-        </p:spPr>
-      </p:pic>
-      <p:sp>
-        <p:nvSpPr>
-          <p:cNvPr id="22" name="object 6"/>
-          <p:cNvSpPr txBox="1"/>
-          <p:nvPr/>
-        </p:nvSpPr>
         <p:spPr>
           <a:xfrm>
-            <a:off x="2115053" y="12534843"/>
-            <a:ext cx="7000875" cy="369332"/>
+            <a:off x="2396183" y="4221802"/>
+            <a:ext cx="15120000" cy="7548994"/>
           </a:xfrm>
           <a:prstGeom prst="rect">
             <a:avLst/>
           </a:prstGeom>
         </p:spPr>
-        <p:txBody>
-          <a:bodyPr vert="horz" wrap="square" lIns="0" tIns="0" rIns="0" bIns="0" rtlCol="0">
-            <a:spAutoFit/>
-          </a:bodyPr>
-          <a:lstStyle/>
-          <a:p>
-            <a:pPr marL="12699" marR="6350" algn="ctr"/>
-            <a:r>
-              <a:rPr lang="de-DE" sz="2400" b="1" spc="-204" dirty="0" smtClean="0">
-                <a:latin typeface="Cambria"/>
-                <a:cs typeface="Cambria"/>
-              </a:rPr>
-              <a:t>Sensor Kalibrierung mittel QGroundControl</a:t>
-            </a:r>
-            <a:r>
-              <a:rPr lang="de-DE" sz="2400" b="1" spc="-204" baseline="30000" dirty="0" smtClean="0">
-                <a:latin typeface="Cambria"/>
-                <a:cs typeface="Cambria"/>
-              </a:rPr>
-              <a:t>3</a:t>
-            </a:r>
-            <a:endParaRPr sz="2400" baseline="30000" dirty="0">
-              <a:latin typeface="Cambria"/>
-              <a:cs typeface="Cambria"/>
-            </a:endParaRPr>
-          </a:p>
-        </p:txBody>
-      </p:sp>
+      </p:pic>
     </p:spTree>
     <p:extLst>
       <p:ext uri="{BB962C8B-B14F-4D97-AF65-F5344CB8AC3E}">
@@ -20525,225 +20419,6 @@
       </p:grpSp>
       <p:sp>
         <p:nvSpPr>
-          <p:cNvPr id="14" name="object 6"/>
-          <p:cNvSpPr txBox="1"/>
-          <p:nvPr/>
-        </p:nvSpPr>
-        <p:spPr>
-          <a:xfrm>
-            <a:off x="2036183" y="4794912"/>
-            <a:ext cx="10800000" cy="492443"/>
-          </a:xfrm>
-          <a:prstGeom prst="rect">
-            <a:avLst/>
-          </a:prstGeom>
-        </p:spPr>
-        <p:txBody>
-          <a:bodyPr vert="horz" wrap="square" lIns="0" tIns="0" rIns="0" bIns="0" rtlCol="0">
-            <a:spAutoFit/>
-          </a:bodyPr>
-          <a:lstStyle/>
-          <a:p>
-            <a:pPr marL="12699" marR="6350"/>
-            <a:r>
-              <a:rPr lang="de-DE" sz="3200" spc="-204" dirty="0" smtClean="0">
-                <a:solidFill>
-                  <a:schemeClr val="accent4">
-                    <a:lumMod val="50000"/>
-                  </a:schemeClr>
-                </a:solidFill>
-                <a:latin typeface="Arial" panose="020B0604020202020204" pitchFamily="34" charset="0"/>
-                <a:cs typeface="Arial" panose="020B0604020202020204" pitchFamily="34" charset="0"/>
-              </a:rPr>
-              <a:t>Aufbau</a:t>
-            </a:r>
-            <a:endParaRPr sz="3200" dirty="0">
-              <a:solidFill>
-                <a:schemeClr val="accent4">
-                  <a:lumMod val="50000"/>
-                </a:schemeClr>
-              </a:solidFill>
-              <a:latin typeface="Arial" panose="020B0604020202020204" pitchFamily="34" charset="0"/>
-              <a:cs typeface="Arial" panose="020B0604020202020204" pitchFamily="34" charset="0"/>
-            </a:endParaRPr>
-          </a:p>
-        </p:txBody>
-      </p:sp>
-      <p:sp>
-        <p:nvSpPr>
-          <p:cNvPr id="15" name="object 6"/>
-          <p:cNvSpPr txBox="1"/>
-          <p:nvPr/>
-        </p:nvSpPr>
-        <p:spPr>
-          <a:xfrm>
-            <a:off x="2036183" y="5546992"/>
-            <a:ext cx="10800000" cy="492443"/>
-          </a:xfrm>
-          <a:prstGeom prst="rect">
-            <a:avLst/>
-          </a:prstGeom>
-        </p:spPr>
-        <p:txBody>
-          <a:bodyPr vert="horz" wrap="square" lIns="0" tIns="0" rIns="0" bIns="0" rtlCol="0">
-            <a:spAutoFit/>
-          </a:bodyPr>
-          <a:lstStyle/>
-          <a:p>
-            <a:pPr marL="12699" marR="6350"/>
-            <a:r>
-              <a:rPr lang="de-DE" sz="3200" spc="-204" dirty="0" smtClean="0">
-                <a:solidFill>
-                  <a:schemeClr val="accent4">
-                    <a:lumMod val="50000"/>
-                  </a:schemeClr>
-                </a:solidFill>
-                <a:latin typeface="Arial" panose="020B0604020202020204" pitchFamily="34" charset="0"/>
-                <a:cs typeface="Arial" panose="020B0604020202020204" pitchFamily="34" charset="0"/>
-              </a:rPr>
-              <a:t>Erstinbetriebnahme / Konfiguration</a:t>
-            </a:r>
-            <a:endParaRPr sz="3200" dirty="0">
-              <a:solidFill>
-                <a:schemeClr val="accent4">
-                  <a:lumMod val="50000"/>
-                </a:schemeClr>
-              </a:solidFill>
-              <a:latin typeface="Arial" panose="020B0604020202020204" pitchFamily="34" charset="0"/>
-              <a:cs typeface="Arial" panose="020B0604020202020204" pitchFamily="34" charset="0"/>
-            </a:endParaRPr>
-          </a:p>
-        </p:txBody>
-      </p:sp>
-      <p:sp>
-        <p:nvSpPr>
-          <p:cNvPr id="16" name="object 6"/>
-          <p:cNvSpPr txBox="1"/>
-          <p:nvPr/>
-        </p:nvSpPr>
-        <p:spPr>
-          <a:xfrm>
-            <a:off x="2036183" y="6296960"/>
-            <a:ext cx="10800000" cy="492443"/>
-          </a:xfrm>
-          <a:prstGeom prst="rect">
-            <a:avLst/>
-          </a:prstGeom>
-        </p:spPr>
-        <p:txBody>
-          <a:bodyPr vert="horz" wrap="square" lIns="0" tIns="0" rIns="0" bIns="0" rtlCol="0">
-            <a:spAutoFit/>
-          </a:bodyPr>
-          <a:lstStyle/>
-          <a:p>
-            <a:pPr marL="12699" marR="6350"/>
-            <a:r>
-              <a:rPr lang="de-DE" sz="3200" spc="-204" dirty="0" smtClean="0">
-                <a:solidFill>
-                  <a:schemeClr val="accent4">
-                    <a:lumMod val="50000"/>
-                  </a:schemeClr>
-                </a:solidFill>
-                <a:latin typeface="Arial" panose="020B0604020202020204" pitchFamily="34" charset="0"/>
-                <a:cs typeface="Arial" panose="020B0604020202020204" pitchFamily="34" charset="0"/>
-              </a:rPr>
-              <a:t>Auswahl möglicher Topics / Services</a:t>
-            </a:r>
-            <a:endParaRPr sz="3200" dirty="0">
-              <a:solidFill>
-                <a:schemeClr val="accent4">
-                  <a:lumMod val="50000"/>
-                </a:schemeClr>
-              </a:solidFill>
-              <a:latin typeface="Arial" panose="020B0604020202020204" pitchFamily="34" charset="0"/>
-              <a:cs typeface="Arial" panose="020B0604020202020204" pitchFamily="34" charset="0"/>
-            </a:endParaRPr>
-          </a:p>
-        </p:txBody>
-      </p:sp>
-      <p:pic>
-        <p:nvPicPr>
-          <p:cNvPr id="10" name="Grafik 9"/>
-          <p:cNvPicPr>
-            <a:picLocks noChangeAspect="1"/>
-          </p:cNvPicPr>
-          <p:nvPr/>
-        </p:nvPicPr>
-        <p:blipFill>
-          <a:blip r:embed="rId3"/>
-          <a:stretch>
-            <a:fillRect/>
-          </a:stretch>
-        </p:blipFill>
-        <p:spPr>
-          <a:xfrm>
-            <a:off x="9803197" y="3773448"/>
-            <a:ext cx="7761555" cy="9000000"/>
-          </a:xfrm>
-          <a:prstGeom prst="rect">
-            <a:avLst/>
-          </a:prstGeom>
-        </p:spPr>
-      </p:pic>
-      <p:sp>
-        <p:nvSpPr>
-          <p:cNvPr id="21" name="object 6"/>
-          <p:cNvSpPr txBox="1"/>
-          <p:nvPr/>
-        </p:nvSpPr>
-        <p:spPr>
-          <a:xfrm>
-            <a:off x="10183536" y="13043234"/>
-            <a:ext cx="7000875" cy="369332"/>
-          </a:xfrm>
-          <a:prstGeom prst="rect">
-            <a:avLst/>
-          </a:prstGeom>
-        </p:spPr>
-        <p:txBody>
-          <a:bodyPr vert="horz" wrap="square" lIns="0" tIns="0" rIns="0" bIns="0" rtlCol="0">
-            <a:spAutoFit/>
-          </a:bodyPr>
-          <a:lstStyle/>
-          <a:p>
-            <a:pPr marL="12699" marR="6350" algn="ctr"/>
-            <a:r>
-              <a:rPr lang="de-DE" sz="2400" b="1" spc="-204" dirty="0" err="1" smtClean="0">
-                <a:latin typeface="Cambria"/>
-                <a:cs typeface="Cambria"/>
-              </a:rPr>
-              <a:t>rqt_graph</a:t>
-            </a:r>
-            <a:r>
-              <a:rPr lang="de-DE" sz="2400" b="1" spc="-204" dirty="0" smtClean="0">
-                <a:latin typeface="Cambria"/>
-                <a:cs typeface="Cambria"/>
-              </a:rPr>
-              <a:t> </a:t>
-            </a:r>
-            <a:r>
-              <a:rPr lang="de-DE" sz="2400" b="1" spc="-204" dirty="0" err="1" smtClean="0">
-                <a:latin typeface="Cambria"/>
-                <a:cs typeface="Cambria"/>
-              </a:rPr>
-              <a:t>Clover</a:t>
-            </a:r>
-            <a:r>
-              <a:rPr lang="de-DE" sz="2400" b="1" spc="-204" dirty="0" smtClean="0">
-                <a:latin typeface="Cambria"/>
-                <a:cs typeface="Cambria"/>
-              </a:rPr>
-              <a:t> 4.20</a:t>
-            </a:r>
-            <a:endParaRPr sz="2400" baseline="30000" dirty="0">
-              <a:latin typeface="Cambria"/>
-              <a:cs typeface="Cambria"/>
-            </a:endParaRPr>
-          </a:p>
-        </p:txBody>
-      </p:sp>
-      <p:sp>
-        <p:nvSpPr>
           <p:cNvPr id="18" name="object 6"/>
           <p:cNvSpPr txBox="1"/>
           <p:nvPr/>
@@ -20774,55 +20449,7 @@
                 <a:latin typeface="Cambria"/>
                 <a:cs typeface="Cambria"/>
               </a:rPr>
-              <a:t>Vorgehen: </a:t>
-            </a:r>
-            <a:r>
-              <a:rPr lang="de-DE" sz="3600" b="1" spc="-204" dirty="0" err="1" smtClean="0">
-                <a:solidFill>
-                  <a:schemeClr val="accent4">
-                    <a:lumMod val="50000"/>
-                  </a:schemeClr>
-                </a:solidFill>
-                <a:latin typeface="Cambria"/>
-                <a:cs typeface="Cambria"/>
-              </a:rPr>
-              <a:t>coex</a:t>
-            </a:r>
-            <a:r>
-              <a:rPr lang="de-DE" sz="3600" b="1" spc="-204" dirty="0" smtClean="0">
-                <a:solidFill>
-                  <a:schemeClr val="accent4">
-                    <a:lumMod val="50000"/>
-                  </a:schemeClr>
-                </a:solidFill>
-                <a:latin typeface="Cambria"/>
-                <a:cs typeface="Cambria"/>
-              </a:rPr>
-              <a:t> </a:t>
-            </a:r>
-            <a:r>
-              <a:rPr lang="de-DE" sz="3600" b="1" spc="-204" dirty="0" err="1" smtClean="0">
-                <a:solidFill>
-                  <a:schemeClr val="accent4">
-                    <a:lumMod val="50000"/>
-                  </a:schemeClr>
-                </a:solidFill>
-                <a:latin typeface="Cambria"/>
-                <a:cs typeface="Cambria"/>
-              </a:rPr>
-              <a:t>Clover</a:t>
-            </a:r>
-            <a:r>
-              <a:rPr lang="de-DE" sz="3600" b="1" spc="-204" dirty="0" smtClean="0">
-                <a:solidFill>
-                  <a:schemeClr val="accent4">
-                    <a:lumMod val="50000"/>
-                  </a:schemeClr>
-                </a:solidFill>
-                <a:latin typeface="Cambria"/>
-                <a:cs typeface="Cambria"/>
-              </a:rPr>
-              <a:t> 4.20</a:t>
+              <a:t>Projekt-Verlauf</a:t>
             </a:r>
             <a:endParaRPr sz="3600" dirty="0">
               <a:solidFill>
@@ -20904,90 +20531,227 @@
       </p:sp>
       <p:pic>
         <p:nvPicPr>
-          <p:cNvPr id="20" name="Picture 2" descr="QGroundControl compass calibration"/>
+          <p:cNvPr id="2" name="Grafik 1"/>
           <p:cNvPicPr>
-            <a:picLocks noChangeAspect="1" noChangeArrowheads="1"/>
+            <a:picLocks noChangeAspect="1"/>
           </p:cNvPicPr>
           <p:nvPr/>
         </p:nvPicPr>
-        <p:blipFill rotWithShape="1">
-          <a:blip r:embed="rId4" cstate="print">
-            <a:extLst>
-              <a:ext uri="{28A0092B-C50C-407E-A947-70E740481C1C}">
-                <a14:useLocalDpi xmlns:a14="http://schemas.microsoft.com/office/drawing/2010/main" val="0"/>
-              </a:ext>
-            </a:extLst>
-          </a:blip>
-          <a:srcRect l="5053" t="5436" r="5487" b="9300"/>
-          <a:stretch/>
+        <p:blipFill>
+          <a:blip r:embed="rId3"/>
+          <a:stretch>
+            <a:fillRect/>
+          </a:stretch>
         </p:blipFill>
-        <p:spPr bwMode="auto">
-          <a:xfrm>
-            <a:off x="2010783" y="7424425"/>
-            <a:ext cx="7209417" cy="4844728"/>
-          </a:xfrm>
-          <a:prstGeom prst="rect">
-            <a:avLst/>
-          </a:prstGeom>
-          <a:noFill/>
-          <a:extLst>
-            <a:ext uri="{909E8E84-426E-40DD-AFC4-6F175D3DCCD1}">
-              <a14:hiddenFill xmlns:a14="http://schemas.microsoft.com/office/drawing/2010/main">
-                <a:solidFill>
-                  <a:srgbClr val="FFFFFF"/>
-                </a:solidFill>
-              </a14:hiddenFill>
-            </a:ext>
-          </a:extLst>
-        </p:spPr>
-      </p:pic>
-      <p:sp>
-        <p:nvSpPr>
-          <p:cNvPr id="22" name="object 6"/>
-          <p:cNvSpPr txBox="1"/>
-          <p:nvPr/>
-        </p:nvSpPr>
         <p:spPr>
           <a:xfrm>
-            <a:off x="2115053" y="12534843"/>
-            <a:ext cx="7000875" cy="369332"/>
+            <a:off x="2396183" y="4221802"/>
+            <a:ext cx="15120000" cy="7548994"/>
           </a:xfrm>
           <a:prstGeom prst="rect">
             <a:avLst/>
           </a:prstGeom>
         </p:spPr>
+      </p:pic>
+      <p:sp>
+        <p:nvSpPr>
+          <p:cNvPr id="5" name="Pfeil nach oben 4"/>
+          <p:cNvSpPr/>
+          <p:nvPr/>
+        </p:nvSpPr>
+        <p:spPr>
+          <a:xfrm>
+            <a:off x="3606800" y="10894496"/>
+            <a:ext cx="1143000" cy="1752600"/>
+          </a:xfrm>
+          <a:prstGeom prst="upArrow">
+            <a:avLst/>
+          </a:prstGeom>
+          <a:solidFill>
+            <a:srgbClr val="FFFF00"/>
+          </a:solidFill>
+          <a:ln>
+            <a:solidFill>
+              <a:schemeClr val="bg1"/>
+            </a:solidFill>
+          </a:ln>
+        </p:spPr>
+        <p:style>
+          <a:lnRef idx="2">
+            <a:schemeClr val="accent1">
+              <a:shade val="50000"/>
+            </a:schemeClr>
+          </a:lnRef>
+          <a:fillRef idx="1">
+            <a:schemeClr val="accent1"/>
+          </a:fillRef>
+          <a:effectRef idx="0">
+            <a:schemeClr val="accent1"/>
+          </a:effectRef>
+          <a:fontRef idx="minor">
+            <a:schemeClr val="lt1"/>
+          </a:fontRef>
+        </p:style>
         <p:txBody>
-          <a:bodyPr vert="horz" wrap="square" lIns="0" tIns="0" rIns="0" bIns="0" rtlCol="0">
-            <a:spAutoFit/>
-          </a:bodyPr>
+          <a:bodyPr rtlCol="0" anchor="ctr"/>
           <a:lstStyle/>
           <a:p>
-            <a:pPr marL="12699" marR="6350" algn="ctr"/>
-            <a:r>
-              <a:rPr lang="de-DE" sz="2400" b="1" spc="-204" dirty="0" smtClean="0">
-                <a:latin typeface="Cambria"/>
-                <a:cs typeface="Cambria"/>
-              </a:rPr>
-              <a:t>Sensor Kalibrierung mittel QGroundControl</a:t>
-            </a:r>
-            <a:r>
-              <a:rPr lang="de-DE" sz="2400" b="1" spc="-204" baseline="30000" dirty="0" smtClean="0">
-                <a:latin typeface="Cambria"/>
-                <a:cs typeface="Cambria"/>
-              </a:rPr>
-              <a:t>3</a:t>
-            </a:r>
-            <a:endParaRPr sz="2400" baseline="30000" dirty="0">
-              <a:latin typeface="Cambria"/>
-              <a:cs typeface="Cambria"/>
-            </a:endParaRPr>
+            <a:pPr algn="ctr"/>
+            <a:endParaRPr lang="de-DE"/>
+          </a:p>
+        </p:txBody>
+      </p:sp>
+      <p:sp>
+        <p:nvSpPr>
+          <p:cNvPr id="14" name="Pfeil nach oben 13"/>
+          <p:cNvSpPr/>
+          <p:nvPr/>
+        </p:nvSpPr>
+        <p:spPr>
+          <a:xfrm>
+            <a:off x="4847897" y="10894496"/>
+            <a:ext cx="1143000" cy="1752600"/>
+          </a:xfrm>
+          <a:prstGeom prst="upArrow">
+            <a:avLst/>
+          </a:prstGeom>
+          <a:solidFill>
+            <a:srgbClr val="FFFF00"/>
+          </a:solidFill>
+          <a:ln>
+            <a:solidFill>
+              <a:schemeClr val="bg1"/>
+            </a:solidFill>
+          </a:ln>
+        </p:spPr>
+        <p:style>
+          <a:lnRef idx="2">
+            <a:schemeClr val="accent1">
+              <a:shade val="50000"/>
+            </a:schemeClr>
+          </a:lnRef>
+          <a:fillRef idx="1">
+            <a:schemeClr val="accent1"/>
+          </a:fillRef>
+          <a:effectRef idx="0">
+            <a:schemeClr val="accent1"/>
+          </a:effectRef>
+          <a:fontRef idx="minor">
+            <a:schemeClr val="lt1"/>
+          </a:fontRef>
+        </p:style>
+        <p:txBody>
+          <a:bodyPr rtlCol="0" anchor="ctr"/>
+          <a:lstStyle/>
+          <a:p>
+            <a:pPr algn="ctr"/>
+            <a:endParaRPr lang="de-DE"/>
+          </a:p>
+        </p:txBody>
+      </p:sp>
+      <p:sp>
+        <p:nvSpPr>
+          <p:cNvPr id="15" name="Pfeil nach oben 14"/>
+          <p:cNvSpPr/>
+          <p:nvPr/>
+        </p:nvSpPr>
+        <p:spPr>
+          <a:xfrm>
+            <a:off x="6426200" y="10894496"/>
+            <a:ext cx="1143000" cy="1752600"/>
+          </a:xfrm>
+          <a:prstGeom prst="upArrow">
+            <a:avLst/>
+          </a:prstGeom>
+          <a:solidFill>
+            <a:schemeClr val="accent4">
+              <a:lumMod val="60000"/>
+              <a:lumOff val="40000"/>
+            </a:schemeClr>
+          </a:solidFill>
+          <a:ln>
+            <a:solidFill>
+              <a:schemeClr val="bg1"/>
+            </a:solidFill>
+          </a:ln>
+        </p:spPr>
+        <p:style>
+          <a:lnRef idx="2">
+            <a:schemeClr val="accent1">
+              <a:shade val="50000"/>
+            </a:schemeClr>
+          </a:lnRef>
+          <a:fillRef idx="1">
+            <a:schemeClr val="accent1"/>
+          </a:fillRef>
+          <a:effectRef idx="0">
+            <a:schemeClr val="accent1"/>
+          </a:effectRef>
+          <a:fontRef idx="minor">
+            <a:schemeClr val="lt1"/>
+          </a:fontRef>
+        </p:style>
+        <p:txBody>
+          <a:bodyPr rtlCol="0" anchor="ctr"/>
+          <a:lstStyle/>
+          <a:p>
+            <a:pPr algn="ctr"/>
+            <a:endParaRPr lang="de-DE"/>
+          </a:p>
+        </p:txBody>
+      </p:sp>
+      <p:sp>
+        <p:nvSpPr>
+          <p:cNvPr id="16" name="Pfeil nach oben 15"/>
+          <p:cNvSpPr/>
+          <p:nvPr/>
+        </p:nvSpPr>
+        <p:spPr>
+          <a:xfrm>
+            <a:off x="7569200" y="10894496"/>
+            <a:ext cx="1143000" cy="1752600"/>
+          </a:xfrm>
+          <a:prstGeom prst="upArrow">
+            <a:avLst/>
+          </a:prstGeom>
+          <a:solidFill>
+            <a:srgbClr val="92D050"/>
+          </a:solidFill>
+          <a:ln>
+            <a:solidFill>
+              <a:schemeClr val="bg1"/>
+            </a:solidFill>
+          </a:ln>
+        </p:spPr>
+        <p:style>
+          <a:lnRef idx="2">
+            <a:schemeClr val="accent1">
+              <a:shade val="50000"/>
+            </a:schemeClr>
+          </a:lnRef>
+          <a:fillRef idx="1">
+            <a:schemeClr val="accent1"/>
+          </a:fillRef>
+          <a:effectRef idx="0">
+            <a:schemeClr val="accent1"/>
+          </a:effectRef>
+          <a:fontRef idx="minor">
+            <a:schemeClr val="lt1"/>
+          </a:fontRef>
+        </p:style>
+        <p:txBody>
+          <a:bodyPr rtlCol="0" anchor="ctr"/>
+          <a:lstStyle/>
+          <a:p>
+            <a:pPr algn="ctr"/>
+            <a:endParaRPr lang="de-DE"/>
           </a:p>
         </p:txBody>
       </p:sp>
     </p:spTree>
     <p:extLst>
       <p:ext uri="{BB962C8B-B14F-4D97-AF65-F5344CB8AC3E}">
-        <p14:creationId xmlns:p14="http://schemas.microsoft.com/office/powerpoint/2010/main" val="3485099023"/>
+        <p14:creationId xmlns:p14="http://schemas.microsoft.com/office/powerpoint/2010/main" val="2826034346"/>
       </p:ext>
     </p:extLst>
   </p:cSld>
@@ -21023,6 +20787,30 @@
       </p:grpSpPr>
       <p:pic>
         <p:nvPicPr>
+          <p:cNvPr id="3" name="Grafik 2"/>
+          <p:cNvPicPr>
+            <a:picLocks noChangeAspect="1"/>
+          </p:cNvPicPr>
+          <p:nvPr/>
+        </p:nvPicPr>
+        <p:blipFill>
+          <a:blip r:embed="rId2"/>
+          <a:stretch>
+            <a:fillRect/>
+          </a:stretch>
+        </p:blipFill>
+        <p:spPr>
+          <a:xfrm>
+            <a:off x="2426663" y="4221802"/>
+            <a:ext cx="15119997" cy="7548994"/>
+          </a:xfrm>
+          <a:prstGeom prst="rect">
+            <a:avLst/>
+          </a:prstGeom>
+        </p:spPr>
+      </p:pic>
+      <p:pic>
+        <p:nvPicPr>
           <p:cNvPr id="8" name="Grafik 7"/>
           <p:cNvPicPr>
             <a:picLocks noChangeAspect="1"/>
@@ -21030,7 +20818,7 @@
           <p:nvPr/>
         </p:nvPicPr>
         <p:blipFill>
-          <a:blip r:embed="rId2" cstate="print">
+          <a:blip r:embed="rId3" cstate="print">
             <a:extLst>
               <a:ext uri="{28A0092B-C50C-407E-A947-70E740481C1C}">
                 <a14:useLocalDpi xmlns:a14="http://schemas.microsoft.com/office/drawing/2010/main" val="0"/>
@@ -21213,287 +21001,9 @@
           </p:txBody>
         </p:sp>
       </p:grpSp>
-      <p:pic>
-        <p:nvPicPr>
-          <p:cNvPr id="2" name="Grafik 1"/>
-          <p:cNvPicPr>
-            <a:picLocks noChangeAspect="1"/>
-          </p:cNvPicPr>
-          <p:nvPr/>
-        </p:nvPicPr>
-        <p:blipFill>
-          <a:blip r:embed="rId3" cstate="print">
-            <a:extLst>
-              <a:ext uri="{28A0092B-C50C-407E-A947-70E740481C1C}">
-                <a14:useLocalDpi xmlns:a14="http://schemas.microsoft.com/office/drawing/2010/main" val="0"/>
-              </a:ext>
-            </a:extLst>
-          </a:blip>
-          <a:stretch>
-            <a:fillRect/>
-          </a:stretch>
-        </p:blipFill>
-        <p:spPr>
-          <a:xfrm>
-            <a:off x="12831103" y="3773448"/>
-            <a:ext cx="4735585" cy="9000000"/>
-          </a:xfrm>
-          <a:prstGeom prst="rect">
-            <a:avLst/>
-          </a:prstGeom>
-        </p:spPr>
-      </p:pic>
       <p:sp>
         <p:nvSpPr>
-          <p:cNvPr id="14" name="object 6"/>
-          <p:cNvSpPr txBox="1"/>
-          <p:nvPr/>
-        </p:nvSpPr>
-        <p:spPr>
-          <a:xfrm>
-            <a:off x="2036183" y="4794912"/>
-            <a:ext cx="10800000" cy="492443"/>
-          </a:xfrm>
-          <a:prstGeom prst="rect">
-            <a:avLst/>
-          </a:prstGeom>
-        </p:spPr>
-        <p:txBody>
-          <a:bodyPr vert="horz" wrap="square" lIns="0" tIns="0" rIns="0" bIns="0" rtlCol="0">
-            <a:spAutoFit/>
-          </a:bodyPr>
-          <a:lstStyle/>
-          <a:p>
-            <a:pPr marL="12699" marR="6350"/>
-            <a:r>
-              <a:rPr lang="de-DE" sz="3200" spc="-204" dirty="0" smtClean="0">
-                <a:solidFill>
-                  <a:schemeClr val="accent4">
-                    <a:lumMod val="50000"/>
-                  </a:schemeClr>
-                </a:solidFill>
-                <a:latin typeface="Arial" panose="020B0604020202020204" pitchFamily="34" charset="0"/>
-                <a:cs typeface="Arial" panose="020B0604020202020204" pitchFamily="34" charset="0"/>
-              </a:rPr>
-              <a:t>Aufbau</a:t>
-            </a:r>
-            <a:endParaRPr sz="3200" dirty="0">
-              <a:solidFill>
-                <a:schemeClr val="accent4">
-                  <a:lumMod val="50000"/>
-                </a:schemeClr>
-              </a:solidFill>
-              <a:latin typeface="Arial" panose="020B0604020202020204" pitchFamily="34" charset="0"/>
-              <a:cs typeface="Arial" panose="020B0604020202020204" pitchFamily="34" charset="0"/>
-            </a:endParaRPr>
-          </a:p>
-        </p:txBody>
-      </p:sp>
-      <p:sp>
-        <p:nvSpPr>
-          <p:cNvPr id="15" name="object 6"/>
-          <p:cNvSpPr txBox="1"/>
-          <p:nvPr/>
-        </p:nvSpPr>
-        <p:spPr>
-          <a:xfrm>
-            <a:off x="2036183" y="5546992"/>
-            <a:ext cx="10800000" cy="492443"/>
-          </a:xfrm>
-          <a:prstGeom prst="rect">
-            <a:avLst/>
-          </a:prstGeom>
-        </p:spPr>
-        <p:txBody>
-          <a:bodyPr vert="horz" wrap="square" lIns="0" tIns="0" rIns="0" bIns="0" rtlCol="0">
-            <a:spAutoFit/>
-          </a:bodyPr>
-          <a:lstStyle/>
-          <a:p>
-            <a:pPr marL="12699" marR="6350"/>
-            <a:r>
-              <a:rPr lang="de-DE" sz="3200" spc="-204" dirty="0" smtClean="0">
-                <a:solidFill>
-                  <a:schemeClr val="accent4">
-                    <a:lumMod val="50000"/>
-                  </a:schemeClr>
-                </a:solidFill>
-                <a:latin typeface="Arial" panose="020B0604020202020204" pitchFamily="34" charset="0"/>
-                <a:cs typeface="Arial" panose="020B0604020202020204" pitchFamily="34" charset="0"/>
-              </a:rPr>
-              <a:t>Erstinbetriebnahme / Konfiguration</a:t>
-            </a:r>
-            <a:endParaRPr sz="3200" dirty="0">
-              <a:solidFill>
-                <a:schemeClr val="accent4">
-                  <a:lumMod val="50000"/>
-                </a:schemeClr>
-              </a:solidFill>
-              <a:latin typeface="Arial" panose="020B0604020202020204" pitchFamily="34" charset="0"/>
-              <a:cs typeface="Arial" panose="020B0604020202020204" pitchFamily="34" charset="0"/>
-            </a:endParaRPr>
-          </a:p>
-        </p:txBody>
-      </p:sp>
-      <p:sp>
-        <p:nvSpPr>
-          <p:cNvPr id="16" name="object 6"/>
-          <p:cNvSpPr txBox="1"/>
-          <p:nvPr/>
-        </p:nvSpPr>
-        <p:spPr>
-          <a:xfrm>
-            <a:off x="2036183" y="6296960"/>
-            <a:ext cx="10800000" cy="492443"/>
-          </a:xfrm>
-          <a:prstGeom prst="rect">
-            <a:avLst/>
-          </a:prstGeom>
-        </p:spPr>
-        <p:txBody>
-          <a:bodyPr vert="horz" wrap="square" lIns="0" tIns="0" rIns="0" bIns="0" rtlCol="0">
-            <a:spAutoFit/>
-          </a:bodyPr>
-          <a:lstStyle/>
-          <a:p>
-            <a:pPr marL="12699" marR="6350"/>
-            <a:r>
-              <a:rPr lang="de-DE" sz="3200" spc="-204" dirty="0" smtClean="0">
-                <a:solidFill>
-                  <a:schemeClr val="accent4">
-                    <a:lumMod val="50000"/>
-                  </a:schemeClr>
-                </a:solidFill>
-                <a:latin typeface="Arial" panose="020B0604020202020204" pitchFamily="34" charset="0"/>
-                <a:cs typeface="Arial" panose="020B0604020202020204" pitchFamily="34" charset="0"/>
-              </a:rPr>
-              <a:t>Auswahl möglicher Topics / Services</a:t>
-            </a:r>
-            <a:endParaRPr sz="3200" dirty="0">
-              <a:solidFill>
-                <a:schemeClr val="accent4">
-                  <a:lumMod val="50000"/>
-                </a:schemeClr>
-              </a:solidFill>
-              <a:latin typeface="Arial" panose="020B0604020202020204" pitchFamily="34" charset="0"/>
-              <a:cs typeface="Arial" panose="020B0604020202020204" pitchFamily="34" charset="0"/>
-            </a:endParaRPr>
-          </a:p>
-        </p:txBody>
-      </p:sp>
-      <p:sp>
-        <p:nvSpPr>
-          <p:cNvPr id="17" name="object 6"/>
-          <p:cNvSpPr txBox="1"/>
-          <p:nvPr/>
-        </p:nvSpPr>
-        <p:spPr>
-          <a:xfrm>
-            <a:off x="2031103" y="7046928"/>
-            <a:ext cx="10800000" cy="492443"/>
-          </a:xfrm>
-          <a:prstGeom prst="rect">
-            <a:avLst/>
-          </a:prstGeom>
-        </p:spPr>
-        <p:txBody>
-          <a:bodyPr vert="horz" wrap="square" lIns="0" tIns="0" rIns="0" bIns="0" rtlCol="0">
-            <a:spAutoFit/>
-          </a:bodyPr>
-          <a:lstStyle/>
-          <a:p>
-            <a:pPr marL="12699" marR="6350"/>
-            <a:r>
-              <a:rPr lang="de-DE" sz="3200" spc="-204" dirty="0" smtClean="0">
-                <a:solidFill>
-                  <a:schemeClr val="accent4">
-                    <a:lumMod val="50000"/>
-                  </a:schemeClr>
-                </a:solidFill>
-                <a:latin typeface="Arial" panose="020B0604020202020204" pitchFamily="34" charset="0"/>
-                <a:cs typeface="Arial" panose="020B0604020202020204" pitchFamily="34" charset="0"/>
-              </a:rPr>
-              <a:t>Entwurf des Regelungssystems</a:t>
-            </a:r>
-            <a:endParaRPr sz="3200" dirty="0">
-              <a:solidFill>
-                <a:schemeClr val="accent4">
-                  <a:lumMod val="50000"/>
-                </a:schemeClr>
-              </a:solidFill>
-              <a:latin typeface="Arial" panose="020B0604020202020204" pitchFamily="34" charset="0"/>
-              <a:cs typeface="Arial" panose="020B0604020202020204" pitchFamily="34" charset="0"/>
-            </a:endParaRPr>
-          </a:p>
-        </p:txBody>
-      </p:sp>
-      <p:sp>
-        <p:nvSpPr>
-          <p:cNvPr id="20" name="object 6"/>
-          <p:cNvSpPr txBox="1"/>
-          <p:nvPr/>
-        </p:nvSpPr>
-        <p:spPr>
-          <a:xfrm>
-            <a:off x="11698457" y="13042592"/>
-            <a:ext cx="7000875" cy="369332"/>
-          </a:xfrm>
-          <a:prstGeom prst="rect">
-            <a:avLst/>
-          </a:prstGeom>
-        </p:spPr>
-        <p:txBody>
-          <a:bodyPr vert="horz" wrap="square" lIns="0" tIns="0" rIns="0" bIns="0" rtlCol="0">
-            <a:spAutoFit/>
-          </a:bodyPr>
-          <a:lstStyle/>
-          <a:p>
-            <a:pPr marL="12699" marR="6350" algn="ctr"/>
-            <a:r>
-              <a:rPr lang="de-DE" sz="2400" b="1" spc="-204" dirty="0" smtClean="0">
-                <a:latin typeface="Cambria"/>
-                <a:cs typeface="Cambria"/>
-              </a:rPr>
-              <a:t>Architektur für </a:t>
-            </a:r>
-            <a:r>
-              <a:rPr lang="de-DE" sz="2400" b="1" spc="-204" dirty="0" err="1" smtClean="0">
-                <a:latin typeface="Cambria"/>
-                <a:cs typeface="Cambria"/>
-              </a:rPr>
-              <a:t>coex</a:t>
-            </a:r>
-            <a:r>
-              <a:rPr lang="de-DE" sz="2400" b="1" spc="-204" dirty="0" smtClean="0">
-                <a:latin typeface="Cambria"/>
-                <a:cs typeface="Cambria"/>
-              </a:rPr>
-              <a:t> </a:t>
-            </a:r>
-            <a:r>
-              <a:rPr lang="de-DE" sz="2400" b="1" spc="-204" dirty="0" err="1" smtClean="0">
-                <a:latin typeface="Cambria"/>
-                <a:cs typeface="Cambria"/>
-              </a:rPr>
-              <a:t>Clover</a:t>
-            </a:r>
-            <a:r>
-              <a:rPr lang="de-DE" sz="2400" b="1" spc="-204" dirty="0" smtClean="0">
-                <a:latin typeface="Cambria"/>
-                <a:cs typeface="Cambria"/>
-              </a:rPr>
-              <a:t> 4.20</a:t>
-            </a:r>
-            <a:endParaRPr sz="2400" baseline="30000" dirty="0">
-              <a:latin typeface="Cambria"/>
-              <a:cs typeface="Cambria"/>
-            </a:endParaRPr>
-          </a:p>
-        </p:txBody>
-      </p:sp>
-      <p:sp>
-        <p:nvSpPr>
-          <p:cNvPr id="19" name="object 6"/>
+          <p:cNvPr id="18" name="object 6"/>
           <p:cNvSpPr txBox="1"/>
           <p:nvPr/>
         </p:nvSpPr>
@@ -21523,55 +21033,7 @@
                 <a:latin typeface="Cambria"/>
                 <a:cs typeface="Cambria"/>
               </a:rPr>
-              <a:t>Vorgehen: </a:t>
-            </a:r>
-            <a:r>
-              <a:rPr lang="de-DE" sz="3600" b="1" spc="-204" dirty="0" err="1" smtClean="0">
-                <a:solidFill>
-                  <a:schemeClr val="accent4">
-                    <a:lumMod val="50000"/>
-                  </a:schemeClr>
-                </a:solidFill>
-                <a:latin typeface="Cambria"/>
-                <a:cs typeface="Cambria"/>
-              </a:rPr>
-              <a:t>coex</a:t>
-            </a:r>
-            <a:r>
-              <a:rPr lang="de-DE" sz="3600" b="1" spc="-204" dirty="0" smtClean="0">
-                <a:solidFill>
-                  <a:schemeClr val="accent4">
-                    <a:lumMod val="50000"/>
-                  </a:schemeClr>
-                </a:solidFill>
-                <a:latin typeface="Cambria"/>
-                <a:cs typeface="Cambria"/>
-              </a:rPr>
-              <a:t> </a:t>
-            </a:r>
-            <a:r>
-              <a:rPr lang="de-DE" sz="3600" b="1" spc="-204" dirty="0" err="1" smtClean="0">
-                <a:solidFill>
-                  <a:schemeClr val="accent4">
-                    <a:lumMod val="50000"/>
-                  </a:schemeClr>
-                </a:solidFill>
-                <a:latin typeface="Cambria"/>
-                <a:cs typeface="Cambria"/>
-              </a:rPr>
-              <a:t>Clover</a:t>
-            </a:r>
-            <a:r>
-              <a:rPr lang="de-DE" sz="3600" b="1" spc="-204" dirty="0" smtClean="0">
-                <a:solidFill>
-                  <a:schemeClr val="accent4">
-                    <a:lumMod val="50000"/>
-                  </a:schemeClr>
-                </a:solidFill>
-                <a:latin typeface="Cambria"/>
-                <a:cs typeface="Cambria"/>
-              </a:rPr>
-              <a:t> 4.20</a:t>
+              <a:t>Projekt-Verlauf</a:t>
             </a:r>
             <a:endParaRPr sz="3600" dirty="0">
               <a:solidFill>
@@ -21587,7 +21049,7 @@
       </p:sp>
       <p:sp>
         <p:nvSpPr>
-          <p:cNvPr id="21" name="Textfeld 20"/>
+          <p:cNvPr id="19" name="Textfeld 18"/>
           <p:cNvSpPr txBox="1"/>
           <p:nvPr/>
         </p:nvSpPr>
@@ -21654,7 +21116,7 @@
     </p:spTree>
     <p:extLst>
       <p:ext uri="{BB962C8B-B14F-4D97-AF65-F5344CB8AC3E}">
-        <p14:creationId xmlns:p14="http://schemas.microsoft.com/office/powerpoint/2010/main" val="2708064242"/>
+        <p14:creationId xmlns:p14="http://schemas.microsoft.com/office/powerpoint/2010/main" val="295654613"/>
       </p:ext>
     </p:extLst>
   </p:cSld>
@@ -21882,14 +21344,14 @@
       </p:grpSp>
       <p:sp>
         <p:nvSpPr>
-          <p:cNvPr id="14" name="object 6"/>
+          <p:cNvPr id="18" name="object 6"/>
           <p:cNvSpPr txBox="1"/>
           <p:nvPr/>
         </p:nvSpPr>
         <p:spPr>
           <a:xfrm>
-            <a:off x="2036183" y="4794912"/>
-            <a:ext cx="10800000" cy="492443"/>
+            <a:off x="4916183" y="3219450"/>
+            <a:ext cx="9049469" cy="553998"/>
           </a:xfrm>
           <a:prstGeom prst="rect">
             <a:avLst/>
@@ -21903,209 +21365,25 @@
           <a:p>
             <a:pPr marL="12699" marR="6350"/>
             <a:r>
-              <a:rPr lang="de-DE" sz="3200" spc="-204" dirty="0" smtClean="0">
+              <a:rPr lang="de-DE" sz="3600" b="1" spc="-204" dirty="0" smtClean="0">
                 <a:solidFill>
                   <a:schemeClr val="accent4">
                     <a:lumMod val="50000"/>
                   </a:schemeClr>
                 </a:solidFill>
-                <a:latin typeface="Arial" panose="020B0604020202020204" pitchFamily="34" charset="0"/>
-                <a:cs typeface="Arial" panose="020B0604020202020204" pitchFamily="34" charset="0"/>
+                <a:latin typeface="Cambria"/>
+                <a:cs typeface="Cambria"/>
               </a:rPr>
-              <a:t>Aufbau</a:t>
-            </a:r>
-            <a:endParaRPr sz="3200" dirty="0">
+              <a:t>Projekt-Verlauf</a:t>
+            </a:r>
+            <a:endParaRPr sz="3600" dirty="0">
               <a:solidFill>
                 <a:schemeClr val="accent4">
                   <a:lumMod val="50000"/>
                 </a:schemeClr>
               </a:solidFill>
-              <a:latin typeface="Arial" panose="020B0604020202020204" pitchFamily="34" charset="0"/>
-              <a:cs typeface="Arial" panose="020B0604020202020204" pitchFamily="34" charset="0"/>
-            </a:endParaRPr>
-          </a:p>
-        </p:txBody>
-      </p:sp>
-      <p:sp>
-        <p:nvSpPr>
-          <p:cNvPr id="15" name="object 6"/>
-          <p:cNvSpPr txBox="1"/>
-          <p:nvPr/>
-        </p:nvSpPr>
-        <p:spPr>
-          <a:xfrm>
-            <a:off x="2036183" y="5546992"/>
-            <a:ext cx="10800000" cy="492443"/>
-          </a:xfrm>
-          <a:prstGeom prst="rect">
-            <a:avLst/>
-          </a:prstGeom>
-        </p:spPr>
-        <p:txBody>
-          <a:bodyPr vert="horz" wrap="square" lIns="0" tIns="0" rIns="0" bIns="0" rtlCol="0">
-            <a:spAutoFit/>
-          </a:bodyPr>
-          <a:lstStyle/>
-          <a:p>
-            <a:pPr marL="12699" marR="6350"/>
-            <a:r>
-              <a:rPr lang="de-DE" sz="3200" spc="-204" dirty="0" smtClean="0">
-                <a:solidFill>
-                  <a:schemeClr val="accent4">
-                    <a:lumMod val="50000"/>
-                  </a:schemeClr>
-                </a:solidFill>
-                <a:latin typeface="Arial" panose="020B0604020202020204" pitchFamily="34" charset="0"/>
-                <a:cs typeface="Arial" panose="020B0604020202020204" pitchFamily="34" charset="0"/>
-              </a:rPr>
-              <a:t>Erstinbetriebnahme / Konfiguration</a:t>
-            </a:r>
-            <a:endParaRPr sz="3200" dirty="0">
-              <a:solidFill>
-                <a:schemeClr val="accent4">
-                  <a:lumMod val="50000"/>
-                </a:schemeClr>
-              </a:solidFill>
-              <a:latin typeface="Arial" panose="020B0604020202020204" pitchFamily="34" charset="0"/>
-              <a:cs typeface="Arial" panose="020B0604020202020204" pitchFamily="34" charset="0"/>
-            </a:endParaRPr>
-          </a:p>
-        </p:txBody>
-      </p:sp>
-      <p:sp>
-        <p:nvSpPr>
-          <p:cNvPr id="16" name="object 6"/>
-          <p:cNvSpPr txBox="1"/>
-          <p:nvPr/>
-        </p:nvSpPr>
-        <p:spPr>
-          <a:xfrm>
-            <a:off x="2036183" y="6296960"/>
-            <a:ext cx="10800000" cy="492443"/>
-          </a:xfrm>
-          <a:prstGeom prst="rect">
-            <a:avLst/>
-          </a:prstGeom>
-        </p:spPr>
-        <p:txBody>
-          <a:bodyPr vert="horz" wrap="square" lIns="0" tIns="0" rIns="0" bIns="0" rtlCol="0">
-            <a:spAutoFit/>
-          </a:bodyPr>
-          <a:lstStyle/>
-          <a:p>
-            <a:pPr marL="12699" marR="6350"/>
-            <a:r>
-              <a:rPr lang="de-DE" sz="3200" spc="-204" dirty="0" smtClean="0">
-                <a:solidFill>
-                  <a:schemeClr val="accent4">
-                    <a:lumMod val="50000"/>
-                  </a:schemeClr>
-                </a:solidFill>
-                <a:latin typeface="Arial" panose="020B0604020202020204" pitchFamily="34" charset="0"/>
-                <a:cs typeface="Arial" panose="020B0604020202020204" pitchFamily="34" charset="0"/>
-              </a:rPr>
-              <a:t>Auswahl möglicher Topics / Services</a:t>
-            </a:r>
-            <a:endParaRPr sz="3200" dirty="0">
-              <a:solidFill>
-                <a:schemeClr val="accent4">
-                  <a:lumMod val="50000"/>
-                </a:schemeClr>
-              </a:solidFill>
-              <a:latin typeface="Arial" panose="020B0604020202020204" pitchFamily="34" charset="0"/>
-              <a:cs typeface="Arial" panose="020B0604020202020204" pitchFamily="34" charset="0"/>
-            </a:endParaRPr>
-          </a:p>
-        </p:txBody>
-      </p:sp>
-      <p:sp>
-        <p:nvSpPr>
-          <p:cNvPr id="17" name="object 6"/>
-          <p:cNvSpPr txBox="1"/>
-          <p:nvPr/>
-        </p:nvSpPr>
-        <p:spPr>
-          <a:xfrm>
-            <a:off x="2031103" y="7046928"/>
-            <a:ext cx="10800000" cy="492443"/>
-          </a:xfrm>
-          <a:prstGeom prst="rect">
-            <a:avLst/>
-          </a:prstGeom>
-        </p:spPr>
-        <p:txBody>
-          <a:bodyPr vert="horz" wrap="square" lIns="0" tIns="0" rIns="0" bIns="0" rtlCol="0">
-            <a:spAutoFit/>
-          </a:bodyPr>
-          <a:lstStyle/>
-          <a:p>
-            <a:pPr marL="12699" marR="6350"/>
-            <a:r>
-              <a:rPr lang="de-DE" sz="3200" spc="-204" dirty="0" smtClean="0">
-                <a:solidFill>
-                  <a:schemeClr val="accent4">
-                    <a:lumMod val="50000"/>
-                  </a:schemeClr>
-                </a:solidFill>
-                <a:latin typeface="Arial" panose="020B0604020202020204" pitchFamily="34" charset="0"/>
-                <a:cs typeface="Arial" panose="020B0604020202020204" pitchFamily="34" charset="0"/>
-              </a:rPr>
-              <a:t>Entwurf des Regelungssystems</a:t>
-            </a:r>
-            <a:endParaRPr sz="3200" dirty="0">
-              <a:solidFill>
-                <a:schemeClr val="accent4">
-                  <a:lumMod val="50000"/>
-                </a:schemeClr>
-              </a:solidFill>
-              <a:latin typeface="Arial" panose="020B0604020202020204" pitchFamily="34" charset="0"/>
-              <a:cs typeface="Arial" panose="020B0604020202020204" pitchFamily="34" charset="0"/>
-            </a:endParaRPr>
-          </a:p>
-        </p:txBody>
-      </p:sp>
-      <p:sp>
-        <p:nvSpPr>
-          <p:cNvPr id="18" name="object 6"/>
-          <p:cNvSpPr txBox="1"/>
-          <p:nvPr/>
-        </p:nvSpPr>
-        <p:spPr>
-          <a:xfrm>
-            <a:off x="2004506" y="7796896"/>
-            <a:ext cx="10800000" cy="492443"/>
-          </a:xfrm>
-          <a:prstGeom prst="rect">
-            <a:avLst/>
-          </a:prstGeom>
-        </p:spPr>
-        <p:txBody>
-          <a:bodyPr vert="horz" wrap="square" lIns="0" tIns="0" rIns="0" bIns="0" rtlCol="0">
-            <a:spAutoFit/>
-          </a:bodyPr>
-          <a:lstStyle/>
-          <a:p>
-            <a:pPr marL="12699" marR="6350"/>
-            <a:r>
-              <a:rPr lang="de-DE" sz="3200" spc="-204" dirty="0" smtClean="0">
-                <a:solidFill>
-                  <a:schemeClr val="accent4">
-                    <a:lumMod val="50000"/>
-                  </a:schemeClr>
-                </a:solidFill>
-                <a:latin typeface="Arial" panose="020B0604020202020204" pitchFamily="34" charset="0"/>
-                <a:cs typeface="Arial" panose="020B0604020202020204" pitchFamily="34" charset="0"/>
-              </a:rPr>
-              <a:t>Test der gewünschten Topics / Services</a:t>
-            </a:r>
-            <a:endParaRPr sz="3200" dirty="0">
-              <a:solidFill>
-                <a:schemeClr val="accent4">
-                  <a:lumMod val="50000"/>
-                </a:schemeClr>
-              </a:solidFill>
-              <a:latin typeface="Arial" panose="020B0604020202020204" pitchFamily="34" charset="0"/>
-              <a:cs typeface="Arial" panose="020B0604020202020204" pitchFamily="34" charset="0"/>
+              <a:latin typeface="Cambria"/>
+              <a:cs typeface="Cambria"/>
             </a:endParaRPr>
           </a:p>
         </p:txBody>
@@ -22176,16 +21454,88 @@
           </a:p>
         </p:txBody>
       </p:sp>
+      <p:pic>
+        <p:nvPicPr>
+          <p:cNvPr id="2" name="Grafik 1"/>
+          <p:cNvPicPr>
+            <a:picLocks noChangeAspect="1"/>
+          </p:cNvPicPr>
+          <p:nvPr/>
+        </p:nvPicPr>
+        <p:blipFill>
+          <a:blip r:embed="rId3"/>
+          <a:stretch>
+            <a:fillRect/>
+          </a:stretch>
+        </p:blipFill>
+        <p:spPr>
+          <a:xfrm>
+            <a:off x="8331200" y="3019920"/>
+            <a:ext cx="11520000" cy="3181396"/>
+          </a:xfrm>
+          <a:prstGeom prst="rect">
+            <a:avLst/>
+          </a:prstGeom>
+        </p:spPr>
+      </p:pic>
       <p:sp>
         <p:nvSpPr>
-          <p:cNvPr id="21" name="object 6"/>
+          <p:cNvPr id="5" name="Ellipse 4"/>
+          <p:cNvSpPr/>
+          <p:nvPr/>
+        </p:nvSpPr>
+        <p:spPr>
+          <a:xfrm>
+            <a:off x="11074400" y="3019920"/>
+            <a:ext cx="1800000" cy="3181396"/>
+          </a:xfrm>
+          <a:prstGeom prst="ellipse">
+            <a:avLst/>
+          </a:prstGeom>
+          <a:noFill/>
+          <a:ln w="95250">
+            <a:solidFill>
+              <a:schemeClr val="accent3">
+                <a:lumMod val="75000"/>
+              </a:schemeClr>
+            </a:solidFill>
+          </a:ln>
+        </p:spPr>
+        <p:style>
+          <a:lnRef idx="2">
+            <a:schemeClr val="accent1">
+              <a:shade val="50000"/>
+            </a:schemeClr>
+          </a:lnRef>
+          <a:fillRef idx="1">
+            <a:schemeClr val="accent1"/>
+          </a:fillRef>
+          <a:effectRef idx="0">
+            <a:schemeClr val="accent1"/>
+          </a:effectRef>
+          <a:fontRef idx="minor">
+            <a:schemeClr val="lt1"/>
+          </a:fontRef>
+        </p:style>
+        <p:txBody>
+          <a:bodyPr rtlCol="0" anchor="ctr"/>
+          <a:lstStyle/>
+          <a:p>
+            <a:pPr algn="ctr"/>
+            <a:endParaRPr lang="de-DE"/>
+          </a:p>
+        </p:txBody>
+      </p:sp>
+      <p:sp>
+        <p:nvSpPr>
+          <p:cNvPr id="14" name="object 6"/>
           <p:cNvSpPr txBox="1"/>
           <p:nvPr/>
         </p:nvSpPr>
         <p:spPr>
           <a:xfrm>
-            <a:off x="4916183" y="3219450"/>
-            <a:ext cx="9049469" cy="553998"/>
+            <a:off x="2810623" y="6695635"/>
+            <a:ext cx="10800000" cy="492443"/>
           </a:xfrm>
           <a:prstGeom prst="rect">
             <a:avLst/>
@@ -22199,73 +21549,107 @@
           <a:p>
             <a:pPr marL="12699" marR="6350"/>
             <a:r>
-              <a:rPr lang="de-DE" sz="3600" b="1" spc="-204" dirty="0" smtClean="0">
+              <a:rPr lang="de-DE" sz="3200" spc="-204" dirty="0" smtClean="0">
                 <a:solidFill>
                   <a:schemeClr val="accent4">
                     <a:lumMod val="50000"/>
                   </a:schemeClr>
                 </a:solidFill>
-                <a:latin typeface="Cambria"/>
-                <a:cs typeface="Cambria"/>
+                <a:latin typeface="Arial" panose="020B0604020202020204" pitchFamily="34" charset="0"/>
+                <a:cs typeface="Arial" panose="020B0604020202020204" pitchFamily="34" charset="0"/>
               </a:rPr>
-              <a:t>Vorgehen: </a:t>
-            </a:r>
-            <a:r>
-              <a:rPr lang="de-DE" sz="3600" b="1" spc="-204" dirty="0" err="1" smtClean="0">
+              <a:t>Ergebnis aller Tests nicht wie gewünscht bzw. erwartet</a:t>
+            </a:r>
+            <a:endParaRPr sz="3200" dirty="0">
+              <a:solidFill>
+                <a:schemeClr val="accent4">
+                  <a:lumMod val="50000"/>
+                </a:schemeClr>
+              </a:solidFill>
+              <a:latin typeface="Arial" panose="020B0604020202020204" pitchFamily="34" charset="0"/>
+              <a:cs typeface="Arial" panose="020B0604020202020204" pitchFamily="34" charset="0"/>
+            </a:endParaRPr>
+          </a:p>
+        </p:txBody>
+      </p:sp>
+      <p:sp>
+        <p:nvSpPr>
+          <p:cNvPr id="16" name="object 6"/>
+          <p:cNvSpPr txBox="1"/>
+          <p:nvPr/>
+        </p:nvSpPr>
+        <p:spPr>
+          <a:xfrm>
+            <a:off x="3454400" y="7414918"/>
+            <a:ext cx="10800000" cy="492443"/>
+          </a:xfrm>
+          <a:prstGeom prst="rect">
+            <a:avLst/>
+          </a:prstGeom>
+        </p:spPr>
+        <p:txBody>
+          <a:bodyPr vert="horz" wrap="square" lIns="0" tIns="0" rIns="0" bIns="0" rtlCol="0">
+            <a:spAutoFit/>
+          </a:bodyPr>
+          <a:lstStyle/>
+          <a:p>
+            <a:pPr marL="12699" marR="6350"/>
+            <a:r>
+              <a:rPr lang="de-DE" sz="3200" spc="-204" dirty="0" err="1" smtClean="0">
                 <a:solidFill>
                   <a:schemeClr val="accent4">
                     <a:lumMod val="50000"/>
                   </a:schemeClr>
                 </a:solidFill>
-                <a:latin typeface="Cambria"/>
-                <a:cs typeface="Cambria"/>
+                <a:latin typeface="Arial" panose="020B0604020202020204" pitchFamily="34" charset="0"/>
+                <a:cs typeface="Arial" panose="020B0604020202020204" pitchFamily="34" charset="0"/>
               </a:rPr>
-              <a:t>coex</a:t>
-            </a:r>
-            <a:r>
-              <a:rPr lang="de-DE" sz="3600" b="1" spc="-204" dirty="0" smtClean="0">
+              <a:t>Rekalibrierung</a:t>
+            </a:r>
+            <a:r>
+              <a:rPr lang="de-DE" sz="3200" spc="-204" dirty="0">
                 <a:solidFill>
                   <a:schemeClr val="accent4">
                     <a:lumMod val="50000"/>
                   </a:schemeClr>
                 </a:solidFill>
-                <a:latin typeface="Cambria"/>
-                <a:cs typeface="Cambria"/>
+                <a:latin typeface="Arial" panose="020B0604020202020204" pitchFamily="34" charset="0"/>
+                <a:cs typeface="Arial" panose="020B0604020202020204" pitchFamily="34" charset="0"/>
               </a:rPr>
               <a:t> </a:t>
             </a:r>
             <a:r>
-              <a:rPr lang="de-DE" sz="3600" b="1" spc="-204" dirty="0" err="1" smtClean="0">
+              <a:rPr lang="de-DE" sz="3200" spc="-204" dirty="0" smtClean="0">
                 <a:solidFill>
                   <a:schemeClr val="accent4">
                     <a:lumMod val="50000"/>
                   </a:schemeClr>
                 </a:solidFill>
-                <a:latin typeface="Cambria"/>
-                <a:cs typeface="Cambria"/>
+                <a:latin typeface="Arial" panose="020B0604020202020204" pitchFamily="34" charset="0"/>
+                <a:cs typeface="Arial" panose="020B0604020202020204" pitchFamily="34" charset="0"/>
               </a:rPr>
-              <a:t>Clover</a:t>
-            </a:r>
-            <a:r>
-              <a:rPr lang="de-DE" sz="3600" b="1" spc="-204" dirty="0" smtClean="0">
+              <a:t>und </a:t>
+            </a:r>
+            <a:r>
+              <a:rPr lang="de-DE" sz="3200" spc="-204" dirty="0" smtClean="0">
                 <a:solidFill>
                   <a:schemeClr val="accent4">
                     <a:lumMod val="50000"/>
                   </a:schemeClr>
                 </a:solidFill>
-                <a:latin typeface="Cambria"/>
-                <a:cs typeface="Cambria"/>
+                <a:latin typeface="Arial" panose="020B0604020202020204" pitchFamily="34" charset="0"/>
+                <a:cs typeface="Arial" panose="020B0604020202020204" pitchFamily="34" charset="0"/>
               </a:rPr>
-              <a:t> 4.20</a:t>
-            </a:r>
-            <a:endParaRPr sz="3600" dirty="0">
+              <a:t>neu-Inbetriebnahme ohne Erfolg</a:t>
+            </a:r>
+            <a:endParaRPr sz="3200" dirty="0">
               <a:solidFill>
                 <a:schemeClr val="accent4">
                   <a:lumMod val="50000"/>
                 </a:schemeClr>
               </a:solidFill>
-              <a:latin typeface="Cambria"/>
-              <a:cs typeface="Cambria"/>
+              <a:latin typeface="Arial" panose="020B0604020202020204" pitchFamily="34" charset="0"/>
+              <a:cs typeface="Arial" panose="020B0604020202020204" pitchFamily="34" charset="0"/>
             </a:endParaRPr>
           </a:p>
         </p:txBody>
@@ -22273,7 +21657,7 @@
     </p:spTree>
     <p:extLst>
       <p:ext uri="{BB962C8B-B14F-4D97-AF65-F5344CB8AC3E}">
-        <p14:creationId xmlns:p14="http://schemas.microsoft.com/office/powerpoint/2010/main" val="591151976"/>
+        <p14:creationId xmlns:p14="http://schemas.microsoft.com/office/powerpoint/2010/main" val="2117241342"/>
       </p:ext>
     </p:extLst>
   </p:cSld>

--- a/Anforderungen/Abschlusspräsentation.pptx
+++ b/Anforderungen/Abschlusspräsentation.pptx
@@ -8,20 +8,21 @@
     <p:sldId id="256" r:id="rId2"/>
     <p:sldId id="257" r:id="rId3"/>
     <p:sldId id="258" r:id="rId4"/>
-    <p:sldId id="265" r:id="rId5"/>
-    <p:sldId id="266" r:id="rId6"/>
-    <p:sldId id="262" r:id="rId7"/>
-    <p:sldId id="274" r:id="rId8"/>
-    <p:sldId id="275" r:id="rId9"/>
-    <p:sldId id="276" r:id="rId10"/>
-    <p:sldId id="277" r:id="rId11"/>
-    <p:sldId id="278" r:id="rId12"/>
-    <p:sldId id="279" r:id="rId13"/>
-    <p:sldId id="280" r:id="rId14"/>
-    <p:sldId id="281" r:id="rId15"/>
+    <p:sldId id="266" r:id="rId5"/>
+    <p:sldId id="262" r:id="rId6"/>
+    <p:sldId id="274" r:id="rId7"/>
+    <p:sldId id="275" r:id="rId8"/>
+    <p:sldId id="276" r:id="rId9"/>
+    <p:sldId id="277" r:id="rId10"/>
+    <p:sldId id="278" r:id="rId11"/>
+    <p:sldId id="279" r:id="rId12"/>
+    <p:sldId id="280" r:id="rId13"/>
+    <p:sldId id="281" r:id="rId14"/>
+    <p:sldId id="285" r:id="rId15"/>
     <p:sldId id="283" r:id="rId16"/>
-    <p:sldId id="284" r:id="rId17"/>
-    <p:sldId id="261" r:id="rId18"/>
+    <p:sldId id="286" r:id="rId17"/>
+    <p:sldId id="284" r:id="rId18"/>
+    <p:sldId id="261" r:id="rId19"/>
   </p:sldIdLst>
   <p:sldSz cx="20167600" cy="15125700"/>
   <p:notesSz cx="10693400" cy="15125700"/>
@@ -4422,7 +4423,7 @@
           <a:p>
             <a:fld id="{1D8BD707-D9CF-40AE-B4C6-C98DA3205C09}" type="datetimeFigureOut">
               <a:rPr lang="en-US" smtClean="0"/>
-              <a:t>5/11/2022</a:t>
+              <a:t>5/12/2022</a:t>
             </a:fld>
             <a:endParaRPr lang="en-US"/>
           </a:p>
@@ -4689,7 +4690,7 @@
           <a:p>
             <a:fld id="{1D8BD707-D9CF-40AE-B4C6-C98DA3205C09}" type="datetimeFigureOut">
               <a:rPr lang="en-US" smtClean="0"/>
-              <a:t>5/11/2022</a:t>
+              <a:t>5/12/2022</a:t>
             </a:fld>
             <a:endParaRPr lang="en-US"/>
           </a:p>
@@ -4885,7 +4886,7 @@
           <a:p>
             <a:fld id="{1D8BD707-D9CF-40AE-B4C6-C98DA3205C09}" type="datetimeFigureOut">
               <a:rPr lang="en-US" smtClean="0"/>
-              <a:t>5/11/2022</a:t>
+              <a:t>5/12/2022</a:t>
             </a:fld>
             <a:endParaRPr lang="en-US"/>
           </a:p>
@@ -5148,7 +5149,7 @@
           <a:p>
             <a:fld id="{1D8BD707-D9CF-40AE-B4C6-C98DA3205C09}" type="datetimeFigureOut">
               <a:rPr lang="en-US" smtClean="0"/>
-              <a:t>5/11/2022</a:t>
+              <a:t>5/12/2022</a:t>
             </a:fld>
             <a:endParaRPr lang="en-US"/>
           </a:p>
@@ -5582,7 +5583,7 @@
           <a:p>
             <a:fld id="{1D8BD707-D9CF-40AE-B4C6-C98DA3205C09}" type="datetimeFigureOut">
               <a:rPr lang="en-US" smtClean="0"/>
-              <a:t>5/11/2022</a:t>
+              <a:t>5/12/2022</a:t>
             </a:fld>
             <a:endParaRPr lang="en-US"/>
           </a:p>
@@ -6128,7 +6129,7 @@
           <a:p>
             <a:fld id="{1D8BD707-D9CF-40AE-B4C6-C98DA3205C09}" type="datetimeFigureOut">
               <a:rPr lang="en-US" smtClean="0"/>
-              <a:t>5/11/2022</a:t>
+              <a:t>5/12/2022</a:t>
             </a:fld>
             <a:endParaRPr lang="en-US"/>
           </a:p>
@@ -6848,7 +6849,7 @@
           <a:p>
             <a:fld id="{1D8BD707-D9CF-40AE-B4C6-C98DA3205C09}" type="datetimeFigureOut">
               <a:rPr lang="en-US" smtClean="0"/>
-              <a:t>5/11/2022</a:t>
+              <a:t>5/12/2022</a:t>
             </a:fld>
             <a:endParaRPr lang="en-US"/>
           </a:p>
@@ -7022,7 +7023,7 @@
           <a:p>
             <a:fld id="{1D8BD707-D9CF-40AE-B4C6-C98DA3205C09}" type="datetimeFigureOut">
               <a:rPr lang="en-US" smtClean="0"/>
-              <a:t>5/11/2022</a:t>
+              <a:t>5/12/2022</a:t>
             </a:fld>
             <a:endParaRPr lang="en-US"/>
           </a:p>
@@ -7202,7 +7203,7 @@
           <a:p>
             <a:fld id="{1D8BD707-D9CF-40AE-B4C6-C98DA3205C09}" type="datetimeFigureOut">
               <a:rPr lang="en-US" smtClean="0"/>
-              <a:t>5/11/2022</a:t>
+              <a:t>5/12/2022</a:t>
             </a:fld>
             <a:endParaRPr lang="en-US"/>
           </a:p>
@@ -7387,7 +7388,7 @@
           <a:p>
             <a:fld id="{1D8BD707-D9CF-40AE-B4C6-C98DA3205C09}" type="datetimeFigureOut">
               <a:rPr lang="en-US" smtClean="0"/>
-              <a:t>5/11/2022</a:t>
+              <a:t>5/12/2022</a:t>
             </a:fld>
             <a:endParaRPr lang="en-US"/>
           </a:p>
@@ -7654,7 +7655,7 @@
           <a:p>
             <a:fld id="{1D8BD707-D9CF-40AE-B4C6-C98DA3205C09}" type="datetimeFigureOut">
               <a:rPr lang="en-US" smtClean="0"/>
-              <a:t>5/11/2022</a:t>
+              <a:t>5/12/2022</a:t>
             </a:fld>
             <a:endParaRPr lang="en-US"/>
           </a:p>
@@ -7886,7 +7887,7 @@
           <a:p>
             <a:fld id="{1D8BD707-D9CF-40AE-B4C6-C98DA3205C09}" type="datetimeFigureOut">
               <a:rPr lang="en-US" smtClean="0"/>
-              <a:t>5/11/2022</a:t>
+              <a:t>5/12/2022</a:t>
             </a:fld>
             <a:endParaRPr lang="en-US"/>
           </a:p>
@@ -8267,7 +8268,7 @@
           <a:p>
             <a:fld id="{1D8BD707-D9CF-40AE-B4C6-C98DA3205C09}" type="datetimeFigureOut">
               <a:rPr lang="en-US" smtClean="0"/>
-              <a:t>5/11/2022</a:t>
+              <a:t>5/12/2022</a:t>
             </a:fld>
             <a:endParaRPr lang="en-US"/>
           </a:p>
@@ -8385,7 +8386,7 @@
           <a:p>
             <a:fld id="{1D8BD707-D9CF-40AE-B4C6-C98DA3205C09}" type="datetimeFigureOut">
               <a:rPr lang="en-US" smtClean="0"/>
-              <a:t>5/11/2022</a:t>
+              <a:t>5/12/2022</a:t>
             </a:fld>
             <a:endParaRPr lang="en-US"/>
           </a:p>
@@ -8480,7 +8481,7 @@
           <a:p>
             <a:fld id="{1D8BD707-D9CF-40AE-B4C6-C98DA3205C09}" type="datetimeFigureOut">
               <a:rPr lang="en-US" smtClean="0"/>
-              <a:t>5/11/2022</a:t>
+              <a:t>5/12/2022</a:t>
             </a:fld>
             <a:endParaRPr lang="en-US"/>
           </a:p>
@@ -8729,7 +8730,7 @@
           <a:p>
             <a:fld id="{1D8BD707-D9CF-40AE-B4C6-C98DA3205C09}" type="datetimeFigureOut">
               <a:rPr lang="en-US" smtClean="0"/>
-              <a:t>5/11/2022</a:t>
+              <a:t>5/12/2022</a:t>
             </a:fld>
             <a:endParaRPr lang="en-US"/>
           </a:p>
@@ -8981,7 +8982,7 @@
           <a:p>
             <a:fld id="{1D8BD707-D9CF-40AE-B4C6-C98DA3205C09}" type="datetimeFigureOut">
               <a:rPr lang="en-US" smtClean="0"/>
-              <a:t>5/11/2022</a:t>
+              <a:t>5/12/2022</a:t>
             </a:fld>
             <a:endParaRPr lang="en-US"/>
           </a:p>
@@ -12065,7 +12066,7 @@
           <a:p>
             <a:fld id="{1D8BD707-D9CF-40AE-B4C6-C98DA3205C09}" type="datetimeFigureOut">
               <a:rPr lang="en-US" smtClean="0"/>
-              <a:t>5/11/2022</a:t>
+              <a:t>5/12/2022</a:t>
             </a:fld>
             <a:endParaRPr lang="en-US"/>
           </a:p>
@@ -12801,17 +12802,7 @@
                   </a:schemeClr>
                 </a:solidFill>
               </a:rPr>
-              <a:t>Positionsregelung </a:t>
-            </a:r>
-            <a:r>
-              <a:rPr lang="de-DE" sz="4400" b="1" dirty="0" smtClean="0">
-                <a:solidFill>
-                  <a:schemeClr val="accent4">
-                    <a:lumMod val="50000"/>
-                  </a:schemeClr>
-                </a:solidFill>
-              </a:rPr>
-              <a:t>eines </a:t>
+              <a:t>Positionsregelung eines </a:t>
             </a:r>
             <a:r>
               <a:rPr lang="de-DE" sz="4400" b="1" dirty="0" err="1">
@@ -13201,8 +13192,8 @@
         </p:nvSpPr>
         <p:spPr>
           <a:xfrm>
-            <a:off x="11074400" y="3019920"/>
-            <a:ext cx="1800000" cy="3181396"/>
+            <a:off x="12619400" y="3019920"/>
+            <a:ext cx="360000" cy="3181396"/>
           </a:xfrm>
           <a:prstGeom prst="ellipse">
             <a:avLst/>
@@ -13380,15 +13371,26 @@
                   <a:schemeClr val="bg1"/>
                 </a:solidFill>
               </a:rPr>
-              <a:t>Explorative </a:t>
-            </a:r>
+              <a:t>Fassen </a:t>
+            </a:r>
+            <a:r>
+              <a:rPr lang="de-DE" sz="3600" dirty="0">
+                <a:solidFill>
+                  <a:schemeClr val="bg1"/>
+                </a:solidFill>
+              </a:rPr>
+              <a:t>Sie nie in sich drehende Teile!</a:t>
+            </a:r>
+          </a:p>
+          <a:p>
+            <a:pPr algn="ctr"/>
             <a:r>
               <a:rPr lang="de-DE" sz="3600" dirty="0" smtClean="0">
                 <a:solidFill>
                   <a:schemeClr val="bg1"/>
                 </a:solidFill>
               </a:rPr>
-              <a:t>Tests VOR vollständiger Implementierung!</a:t>
+              <a:t>Gesundheit ist wichtiger als Hardware.</a:t>
             </a:r>
           </a:p>
           <a:p>
@@ -13407,19 +13409,99 @@
               </a:solidFill>
             </a:endParaRPr>
           </a:p>
-          <a:p>
-            <a:pPr algn="ctr"/>
-            <a:endParaRPr lang="de-DE" sz="3600" dirty="0" smtClean="0">
-              <a:solidFill>
-                <a:schemeClr val="bg1"/>
-              </a:solidFill>
+        </p:txBody>
+      </p:sp>
+      <p:pic>
+        <p:nvPicPr>
+          <p:cNvPr id="16" name="Grafik 15"/>
+          <p:cNvPicPr>
+            <a:picLocks noChangeAspect="1"/>
+          </p:cNvPicPr>
+          <p:nvPr/>
+        </p:nvPicPr>
+        <p:blipFill>
+          <a:blip r:embed="rId4"/>
+          <a:stretch>
+            <a:fillRect/>
+          </a:stretch>
+        </p:blipFill>
+        <p:spPr>
+          <a:xfrm>
+            <a:off x="15356182" y="10764591"/>
+            <a:ext cx="4320000" cy="2167260"/>
+          </a:xfrm>
+          <a:prstGeom prst="rect">
+            <a:avLst/>
+          </a:prstGeom>
+        </p:spPr>
+      </p:pic>
+      <p:sp>
+        <p:nvSpPr>
+          <p:cNvPr id="17" name="object 6"/>
+          <p:cNvSpPr txBox="1"/>
+          <p:nvPr/>
+        </p:nvSpPr>
+        <p:spPr>
+          <a:xfrm>
+            <a:off x="14015744" y="13090517"/>
+            <a:ext cx="7000875" cy="369332"/>
+          </a:xfrm>
+          <a:prstGeom prst="rect">
+            <a:avLst/>
+          </a:prstGeom>
+        </p:spPr>
+        <p:txBody>
+          <a:bodyPr vert="horz" wrap="square" lIns="0" tIns="0" rIns="0" bIns="0" rtlCol="0">
+            <a:spAutoFit/>
+          </a:bodyPr>
+          <a:lstStyle/>
+          <a:p>
+            <a:pPr marL="12699" marR="6350" algn="ctr"/>
+            <a:r>
+              <a:rPr lang="de-DE" sz="2400" b="1" spc="-204" dirty="0" err="1" smtClean="0">
+                <a:latin typeface="Cambria"/>
+                <a:cs typeface="Cambria"/>
+              </a:rPr>
+              <a:t>Safety</a:t>
+            </a:r>
+            <a:r>
+              <a:rPr lang="de-DE" sz="2400" b="1" spc="-204" dirty="0" smtClean="0">
+                <a:latin typeface="Cambria"/>
+                <a:cs typeface="Cambria"/>
+              </a:rPr>
+              <a:t> Label  </a:t>
+            </a:r>
+            <a:r>
+              <a:rPr lang="de-DE" sz="2400" b="1" spc="-204" dirty="0" err="1" smtClean="0">
+                <a:latin typeface="Cambria"/>
+                <a:cs typeface="Cambria"/>
+              </a:rPr>
+              <a:t>Rotating</a:t>
+            </a:r>
+            <a:r>
+              <a:rPr lang="de-DE" sz="2400" b="1" spc="-204" dirty="0" smtClean="0">
+                <a:latin typeface="Cambria"/>
+                <a:cs typeface="Cambria"/>
+              </a:rPr>
+              <a:t> Blades</a:t>
+            </a:r>
+            <a:r>
+              <a:rPr lang="de-DE" sz="2400" b="1" spc="-204" baseline="30000" dirty="0" smtClean="0">
+                <a:latin typeface="Cambria"/>
+                <a:cs typeface="Cambria"/>
+              </a:rPr>
+              <a:t>3</a:t>
+            </a:r>
+            <a:endParaRPr sz="2400" baseline="30000" dirty="0">
+              <a:latin typeface="Cambria"/>
+              <a:cs typeface="Cambria"/>
             </a:endParaRPr>
           </a:p>
         </p:txBody>
       </p:sp>
       <p:sp>
         <p:nvSpPr>
-          <p:cNvPr id="17" name="object 6"/>
+          <p:cNvPr id="20" name="object 6"/>
           <p:cNvSpPr txBox="1"/>
           <p:nvPr/>
         </p:nvSpPr>
@@ -13473,19 +13555,7 @@
                 <a:latin typeface="Arial" panose="020B0604020202020204" pitchFamily="34" charset="0"/>
                 <a:cs typeface="Arial" panose="020B0604020202020204" pitchFamily="34" charset="0"/>
               </a:rPr>
-              <a:t>und </a:t>
-            </a:r>
-            <a:r>
-              <a:rPr lang="de-DE" sz="3200" spc="-204" dirty="0" smtClean="0">
-                <a:solidFill>
-                  <a:schemeClr val="accent4">
-                    <a:lumMod val="50000"/>
-                  </a:schemeClr>
-                </a:solidFill>
-                <a:latin typeface="Arial" panose="020B0604020202020204" pitchFamily="34" charset="0"/>
-                <a:cs typeface="Arial" panose="020B0604020202020204" pitchFamily="34" charset="0"/>
-              </a:rPr>
-              <a:t>neu-Inbetriebnahme ohne Erfolg</a:t>
+              <a:t>und neu-Inbetriebnahme ohne Erfolg</a:t>
             </a:r>
             <a:endParaRPr sz="3200" dirty="0">
               <a:solidFill>
@@ -13502,7 +13572,7 @@
     </p:spTree>
     <p:extLst>
       <p:ext uri="{BB962C8B-B14F-4D97-AF65-F5344CB8AC3E}">
-        <p14:creationId xmlns:p14="http://schemas.microsoft.com/office/powerpoint/2010/main" val="823856358"/>
+        <p14:creationId xmlns:p14="http://schemas.microsoft.com/office/powerpoint/2010/main" val="2471344405"/>
       </p:ext>
     </p:extLst>
   </p:cSld>
@@ -13872,8 +13942,8 @@
         </p:nvSpPr>
         <p:spPr>
           <a:xfrm>
-            <a:off x="12619400" y="3019920"/>
-            <a:ext cx="360000" cy="3181396"/>
+            <a:off x="12903200" y="3019920"/>
+            <a:ext cx="900000" cy="3181396"/>
           </a:xfrm>
           <a:prstGeom prst="ellipse">
             <a:avLst/>
@@ -13944,7 +14014,7 @@
                 <a:latin typeface="Arial" panose="020B0604020202020204" pitchFamily="34" charset="0"/>
                 <a:cs typeface="Arial" panose="020B0604020202020204" pitchFamily="34" charset="0"/>
               </a:rPr>
-              <a:t>Ergebnis aller Tests nicht wie gewünscht bzw. erwartet</a:t>
+              <a:t>Zwischenpräsentation, Ankündigung: Austausch der Hardware</a:t>
             </a:r>
             <a:endParaRPr sz="3200" dirty="0">
               <a:solidFill>
@@ -13954,234 +14024,6 @@
               </a:solidFill>
               <a:latin typeface="Arial" panose="020B0604020202020204" pitchFamily="34" charset="0"/>
               <a:cs typeface="Arial" panose="020B0604020202020204" pitchFamily="34" charset="0"/>
-            </a:endParaRPr>
-          </a:p>
-        </p:txBody>
-      </p:sp>
-      <p:sp>
-        <p:nvSpPr>
-          <p:cNvPr id="15" name="Rechteck 14"/>
-          <p:cNvSpPr/>
-          <p:nvPr/>
-        </p:nvSpPr>
-        <p:spPr>
-          <a:xfrm>
-            <a:off x="2396183" y="9291517"/>
-            <a:ext cx="15120000" cy="3600000"/>
-          </a:xfrm>
-          <a:prstGeom prst="rect">
-            <a:avLst/>
-          </a:prstGeom>
-          <a:solidFill>
-            <a:schemeClr val="accent3">
-              <a:lumMod val="20000"/>
-              <a:lumOff val="80000"/>
-            </a:schemeClr>
-          </a:solidFill>
-          <a:ln w="50800">
-            <a:solidFill>
-              <a:srgbClr val="FF0000"/>
-            </a:solidFill>
-          </a:ln>
-        </p:spPr>
-        <p:style>
-          <a:lnRef idx="2">
-            <a:schemeClr val="accent1">
-              <a:shade val="50000"/>
-            </a:schemeClr>
-          </a:lnRef>
-          <a:fillRef idx="1">
-            <a:schemeClr val="accent1"/>
-          </a:fillRef>
-          <a:effectRef idx="0">
-            <a:schemeClr val="accent1"/>
-          </a:effectRef>
-          <a:fontRef idx="minor">
-            <a:schemeClr val="lt1"/>
-          </a:fontRef>
-        </p:style>
-        <p:txBody>
-          <a:bodyPr rtlCol="0" anchor="ctr"/>
-          <a:lstStyle/>
-          <a:p>
-            <a:pPr algn="ctr"/>
-            <a:r>
-              <a:rPr lang="de-DE" sz="3600" dirty="0" err="1" smtClean="0">
-                <a:solidFill>
-                  <a:srgbClr val="FF0000"/>
-                </a:solidFill>
-              </a:rPr>
-              <a:t>Lesson</a:t>
-            </a:r>
-            <a:r>
-              <a:rPr lang="de-DE" sz="3600" dirty="0" smtClean="0">
-                <a:solidFill>
-                  <a:srgbClr val="FF0000"/>
-                </a:solidFill>
-              </a:rPr>
-              <a:t> </a:t>
-            </a:r>
-            <a:r>
-              <a:rPr lang="de-DE" sz="3600" dirty="0" err="1" smtClean="0">
-                <a:solidFill>
-                  <a:srgbClr val="FF0000"/>
-                </a:solidFill>
-              </a:rPr>
-              <a:t>Learned</a:t>
-            </a:r>
-            <a:endParaRPr lang="de-DE" sz="3600" dirty="0" smtClean="0">
-              <a:solidFill>
-                <a:srgbClr val="FF0000"/>
-              </a:solidFill>
-            </a:endParaRPr>
-          </a:p>
-          <a:p>
-            <a:pPr algn="ctr"/>
-            <a:endParaRPr lang="de-DE" sz="3600" dirty="0" smtClean="0">
-              <a:solidFill>
-                <a:schemeClr val="bg1"/>
-              </a:solidFill>
-            </a:endParaRPr>
-          </a:p>
-          <a:p>
-            <a:pPr algn="ctr"/>
-            <a:r>
-              <a:rPr lang="de-DE" sz="3600" dirty="0" smtClean="0">
-                <a:solidFill>
-                  <a:schemeClr val="bg1"/>
-                </a:solidFill>
-              </a:rPr>
-              <a:t>Fassen </a:t>
-            </a:r>
-            <a:r>
-              <a:rPr lang="de-DE" sz="3600" dirty="0">
-                <a:solidFill>
-                  <a:schemeClr val="bg1"/>
-                </a:solidFill>
-              </a:rPr>
-              <a:t>Sie nie in sich drehende Teile!</a:t>
-            </a:r>
-          </a:p>
-          <a:p>
-            <a:pPr algn="ctr"/>
-            <a:r>
-              <a:rPr lang="de-DE" sz="3600" dirty="0" smtClean="0">
-                <a:solidFill>
-                  <a:schemeClr val="bg1"/>
-                </a:solidFill>
-              </a:rPr>
-              <a:t>Gesundheit ist wichtiger als Hardware.</a:t>
-            </a:r>
-          </a:p>
-          <a:p>
-            <a:pPr algn="ctr"/>
-            <a:endParaRPr lang="de-DE" sz="3600" dirty="0" smtClean="0">
-              <a:solidFill>
-                <a:schemeClr val="bg1"/>
-              </a:solidFill>
-            </a:endParaRPr>
-          </a:p>
-          <a:p>
-            <a:pPr algn="ctr"/>
-            <a:endParaRPr lang="de-DE" sz="3600" dirty="0" smtClean="0">
-              <a:solidFill>
-                <a:schemeClr val="bg1"/>
-              </a:solidFill>
-            </a:endParaRPr>
-          </a:p>
-        </p:txBody>
-      </p:sp>
-      <p:pic>
-        <p:nvPicPr>
-          <p:cNvPr id="16" name="Grafik 15"/>
-          <p:cNvPicPr>
-            <a:picLocks noChangeAspect="1"/>
-          </p:cNvPicPr>
-          <p:nvPr/>
-        </p:nvPicPr>
-        <p:blipFill>
-          <a:blip r:embed="rId4"/>
-          <a:stretch>
-            <a:fillRect/>
-          </a:stretch>
-        </p:blipFill>
-        <p:spPr>
-          <a:xfrm>
-            <a:off x="15356182" y="10764591"/>
-            <a:ext cx="4320000" cy="2167260"/>
-          </a:xfrm>
-          <a:prstGeom prst="rect">
-            <a:avLst/>
-          </a:prstGeom>
-        </p:spPr>
-      </p:pic>
-      <p:sp>
-        <p:nvSpPr>
-          <p:cNvPr id="17" name="object 6"/>
-          <p:cNvSpPr txBox="1"/>
-          <p:nvPr/>
-        </p:nvSpPr>
-        <p:spPr>
-          <a:xfrm>
-            <a:off x="14015744" y="13090517"/>
-            <a:ext cx="7000875" cy="369332"/>
-          </a:xfrm>
-          <a:prstGeom prst="rect">
-            <a:avLst/>
-          </a:prstGeom>
-        </p:spPr>
-        <p:txBody>
-          <a:bodyPr vert="horz" wrap="square" lIns="0" tIns="0" rIns="0" bIns="0" rtlCol="0">
-            <a:spAutoFit/>
-          </a:bodyPr>
-          <a:lstStyle/>
-          <a:p>
-            <a:pPr marL="12699" marR="6350" algn="ctr"/>
-            <a:r>
-              <a:rPr lang="de-DE" sz="2400" b="1" spc="-204" dirty="0" err="1" smtClean="0">
-                <a:latin typeface="Cambria"/>
-                <a:cs typeface="Cambria"/>
-              </a:rPr>
-              <a:t>Safety</a:t>
-            </a:r>
-            <a:r>
-              <a:rPr lang="de-DE" sz="2400" b="1" spc="-204" dirty="0" smtClean="0">
-                <a:latin typeface="Cambria"/>
-                <a:cs typeface="Cambria"/>
-              </a:rPr>
-              <a:t> Label  </a:t>
-            </a:r>
-            <a:r>
-              <a:rPr lang="de-DE" sz="2400" b="1" spc="-204" dirty="0" err="1" smtClean="0">
-                <a:latin typeface="Cambria"/>
-                <a:cs typeface="Cambria"/>
-              </a:rPr>
-              <a:t>Rotating</a:t>
-            </a:r>
-            <a:r>
-              <a:rPr lang="de-DE" sz="2400" b="1" spc="-204" dirty="0" smtClean="0">
-                <a:latin typeface="Cambria"/>
-                <a:cs typeface="Cambria"/>
-              </a:rPr>
-              <a:t> </a:t>
-            </a:r>
-            <a:r>
-              <a:rPr lang="de-DE" sz="2400" b="1" spc="-204" dirty="0" smtClean="0">
-                <a:latin typeface="Cambria"/>
-                <a:cs typeface="Cambria"/>
-              </a:rPr>
-              <a:t>Blades</a:t>
-            </a:r>
-            <a:r>
-              <a:rPr lang="de-DE" sz="2400" b="1" spc="-204" baseline="30000" dirty="0" smtClean="0">
-                <a:latin typeface="Cambria"/>
-                <a:cs typeface="Cambria"/>
-              </a:rPr>
-              <a:t>3</a:t>
-            </a:r>
-            <a:endParaRPr sz="2400" baseline="30000" dirty="0">
-              <a:latin typeface="Cambria"/>
-              <a:cs typeface="Cambria"/>
             </a:endParaRPr>
           </a:p>
         </p:txBody>
@@ -14194,7 +14036,7 @@
         </p:nvSpPr>
         <p:spPr>
           <a:xfrm>
-            <a:off x="3454400" y="7414918"/>
+            <a:off x="2780143" y="7453412"/>
             <a:ext cx="10800000" cy="492443"/>
           </a:xfrm>
           <a:prstGeom prst="rect">
@@ -14209,30 +14051,6 @@
           <a:p>
             <a:pPr marL="12699" marR="6350"/>
             <a:r>
-              <a:rPr lang="de-DE" sz="3200" spc="-204" dirty="0" err="1" smtClean="0">
-                <a:solidFill>
-                  <a:schemeClr val="accent4">
-                    <a:lumMod val="50000"/>
-                  </a:schemeClr>
-                </a:solidFill>
-                <a:latin typeface="Arial" panose="020B0604020202020204" pitchFamily="34" charset="0"/>
-                <a:cs typeface="Arial" panose="020B0604020202020204" pitchFamily="34" charset="0"/>
-              </a:rPr>
-              <a:t>Rekalibrierung</a:t>
-            </a:r>
-            <a:r>
-              <a:rPr lang="de-DE" sz="3200" spc="-204" dirty="0">
-                <a:solidFill>
-                  <a:schemeClr val="accent4">
-                    <a:lumMod val="50000"/>
-                  </a:schemeClr>
-                </a:solidFill>
-                <a:latin typeface="Arial" panose="020B0604020202020204" pitchFamily="34" charset="0"/>
-                <a:cs typeface="Arial" panose="020B0604020202020204" pitchFamily="34" charset="0"/>
-              </a:rPr>
-              <a:t> </a:t>
-            </a:r>
-            <a:r>
               <a:rPr lang="de-DE" sz="3200" spc="-204" dirty="0" smtClean="0">
                 <a:solidFill>
                   <a:schemeClr val="accent4">
@@ -14242,19 +14060,7 @@
                 <a:latin typeface="Arial" panose="020B0604020202020204" pitchFamily="34" charset="0"/>
                 <a:cs typeface="Arial" panose="020B0604020202020204" pitchFamily="34" charset="0"/>
               </a:rPr>
-              <a:t>und </a:t>
-            </a:r>
-            <a:r>
-              <a:rPr lang="de-DE" sz="3200" spc="-204" dirty="0" smtClean="0">
-                <a:solidFill>
-                  <a:schemeClr val="accent4">
-                    <a:lumMod val="50000"/>
-                  </a:schemeClr>
-                </a:solidFill>
-                <a:latin typeface="Arial" panose="020B0604020202020204" pitchFamily="34" charset="0"/>
-                <a:cs typeface="Arial" panose="020B0604020202020204" pitchFamily="34" charset="0"/>
-              </a:rPr>
-              <a:t>neu-Inbetriebnahme ohne Erfolg</a:t>
+              <a:t>Austausch der Hardware</a:t>
             </a:r>
             <a:endParaRPr sz="3200" dirty="0">
               <a:solidFill>
@@ -14271,7 +14077,7 @@
     </p:spTree>
     <p:extLst>
       <p:ext uri="{BB962C8B-B14F-4D97-AF65-F5344CB8AC3E}">
-        <p14:creationId xmlns:p14="http://schemas.microsoft.com/office/powerpoint/2010/main" val="2471344405"/>
+        <p14:creationId xmlns:p14="http://schemas.microsoft.com/office/powerpoint/2010/main" val="3656502956"/>
       </p:ext>
     </p:extLst>
   </p:cSld>
@@ -14773,10 +14579,143 @@
           </a:p>
         </p:txBody>
       </p:sp>
+      <p:sp>
+        <p:nvSpPr>
+          <p:cNvPr id="22" name="Rechteck 21"/>
+          <p:cNvSpPr/>
+          <p:nvPr/>
+        </p:nvSpPr>
+        <p:spPr>
+          <a:xfrm>
+            <a:off x="2396183" y="9291517"/>
+            <a:ext cx="15120000" cy="3600000"/>
+          </a:xfrm>
+          <a:prstGeom prst="rect">
+            <a:avLst/>
+          </a:prstGeom>
+          <a:solidFill>
+            <a:schemeClr val="accent3">
+              <a:lumMod val="20000"/>
+              <a:lumOff val="80000"/>
+            </a:schemeClr>
+          </a:solidFill>
+          <a:ln w="50800">
+            <a:solidFill>
+              <a:srgbClr val="FF0000"/>
+            </a:solidFill>
+          </a:ln>
+        </p:spPr>
+        <p:style>
+          <a:lnRef idx="2">
+            <a:schemeClr val="accent1">
+              <a:shade val="50000"/>
+            </a:schemeClr>
+          </a:lnRef>
+          <a:fillRef idx="1">
+            <a:schemeClr val="accent1"/>
+          </a:fillRef>
+          <a:effectRef idx="0">
+            <a:schemeClr val="accent1"/>
+          </a:effectRef>
+          <a:fontRef idx="minor">
+            <a:schemeClr val="lt1"/>
+          </a:fontRef>
+        </p:style>
+        <p:txBody>
+          <a:bodyPr rtlCol="0" anchor="ctr"/>
+          <a:lstStyle/>
+          <a:p>
+            <a:pPr algn="ctr"/>
+            <a:r>
+              <a:rPr lang="de-DE" sz="3600" dirty="0" err="1" smtClean="0">
+                <a:solidFill>
+                  <a:srgbClr val="FF0000"/>
+                </a:solidFill>
+              </a:rPr>
+              <a:t>Lesson</a:t>
+            </a:r>
+            <a:r>
+              <a:rPr lang="de-DE" sz="3600" dirty="0" smtClean="0">
+                <a:solidFill>
+                  <a:srgbClr val="FF0000"/>
+                </a:solidFill>
+              </a:rPr>
+              <a:t> </a:t>
+            </a:r>
+            <a:r>
+              <a:rPr lang="de-DE" sz="3600" dirty="0" err="1" smtClean="0">
+                <a:solidFill>
+                  <a:srgbClr val="FF0000"/>
+                </a:solidFill>
+              </a:rPr>
+              <a:t>Learned</a:t>
+            </a:r>
+            <a:endParaRPr lang="de-DE" sz="3600" dirty="0" smtClean="0">
+              <a:solidFill>
+                <a:srgbClr val="FF0000"/>
+              </a:solidFill>
+            </a:endParaRPr>
+          </a:p>
+          <a:p>
+            <a:pPr algn="ctr"/>
+            <a:endParaRPr lang="de-DE" sz="3600" dirty="0" smtClean="0">
+              <a:solidFill>
+                <a:schemeClr val="bg1"/>
+              </a:solidFill>
+            </a:endParaRPr>
+          </a:p>
+          <a:p>
+            <a:pPr algn="ctr"/>
+            <a:r>
+              <a:rPr lang="de-DE" sz="3600" dirty="0" smtClean="0">
+                <a:solidFill>
+                  <a:schemeClr val="bg1"/>
+                </a:solidFill>
+              </a:rPr>
+              <a:t>Aufgaben/Problematiken </a:t>
+            </a:r>
+            <a:r>
+              <a:rPr lang="de-DE" sz="3600" dirty="0">
+                <a:solidFill>
+                  <a:schemeClr val="bg1"/>
+                </a:solidFill>
+              </a:rPr>
+              <a:t>an passende Ansprechperson übergeben!</a:t>
+            </a:r>
+          </a:p>
+          <a:p>
+            <a:pPr algn="ctr"/>
+            <a:r>
+              <a:rPr lang="de-DE" sz="3600" dirty="0">
+                <a:solidFill>
+                  <a:schemeClr val="bg1"/>
+                </a:solidFill>
+              </a:rPr>
+              <a:t>Im Zweifel bzw. Zeitmangel: Hardware austauschen.</a:t>
+            </a:r>
+          </a:p>
+          <a:p>
+            <a:pPr algn="ctr"/>
+            <a:endParaRPr lang="de-DE" sz="3600" dirty="0" smtClean="0">
+              <a:solidFill>
+                <a:schemeClr val="bg1"/>
+              </a:solidFill>
+            </a:endParaRPr>
+          </a:p>
+          <a:p>
+            <a:pPr algn="ctr"/>
+            <a:endParaRPr lang="de-DE" sz="3600" dirty="0" smtClean="0">
+              <a:solidFill>
+                <a:schemeClr val="bg1"/>
+              </a:solidFill>
+            </a:endParaRPr>
+          </a:p>
+        </p:txBody>
+      </p:sp>
     </p:spTree>
     <p:extLst>
       <p:ext uri="{BB962C8B-B14F-4D97-AF65-F5344CB8AC3E}">
-        <p14:creationId xmlns:p14="http://schemas.microsoft.com/office/powerpoint/2010/main" val="3656502956"/>
+        <p14:creationId xmlns:p14="http://schemas.microsoft.com/office/powerpoint/2010/main" val="2013580419"/>
       </p:ext>
     </p:extLst>
   </p:cSld>
@@ -15146,8 +15085,8 @@
         </p:nvSpPr>
         <p:spPr>
           <a:xfrm>
-            <a:off x="12903200" y="3019920"/>
-            <a:ext cx="900000" cy="3181396"/>
+            <a:off x="13580142" y="3019920"/>
+            <a:ext cx="4199857" cy="3181396"/>
           </a:xfrm>
           <a:prstGeom prst="ellipse">
             <a:avLst/>
@@ -15218,7 +15157,55 @@
                 <a:latin typeface="Arial" panose="020B0604020202020204" pitchFamily="34" charset="0"/>
                 <a:cs typeface="Arial" panose="020B0604020202020204" pitchFamily="34" charset="0"/>
               </a:rPr>
-              <a:t>Zwischenpräsentation, Ankündigung: Austausch der Hardware</a:t>
+              <a:t>Bürokratie at </a:t>
+            </a:r>
+            <a:r>
+              <a:rPr lang="de-DE" sz="3200" spc="-204" dirty="0" err="1" smtClean="0">
+                <a:solidFill>
+                  <a:schemeClr val="accent4">
+                    <a:lumMod val="50000"/>
+                  </a:schemeClr>
+                </a:solidFill>
+                <a:latin typeface="Arial" panose="020B0604020202020204" pitchFamily="34" charset="0"/>
+                <a:cs typeface="Arial" panose="020B0604020202020204" pitchFamily="34" charset="0"/>
+              </a:rPr>
+              <a:t>its</a:t>
+            </a:r>
+            <a:r>
+              <a:rPr lang="de-DE" sz="3200" spc="-204" dirty="0" smtClean="0">
+                <a:solidFill>
+                  <a:schemeClr val="accent4">
+                    <a:lumMod val="50000"/>
+                  </a:schemeClr>
+                </a:solidFill>
+                <a:latin typeface="Arial" panose="020B0604020202020204" pitchFamily="34" charset="0"/>
+                <a:cs typeface="Arial" panose="020B0604020202020204" pitchFamily="34" charset="0"/>
+              </a:rPr>
+              <a:t> </a:t>
+            </a:r>
+            <a:r>
+              <a:rPr lang="de-DE" sz="3200" spc="-204" dirty="0" err="1" smtClean="0">
+                <a:solidFill>
+                  <a:schemeClr val="accent4">
+                    <a:lumMod val="50000"/>
+                  </a:schemeClr>
+                </a:solidFill>
+                <a:latin typeface="Arial" panose="020B0604020202020204" pitchFamily="34" charset="0"/>
+                <a:cs typeface="Arial" panose="020B0604020202020204" pitchFamily="34" charset="0"/>
+              </a:rPr>
+              <a:t>best</a:t>
+            </a:r>
+            <a:r>
+              <a:rPr lang="de-DE" sz="3200" spc="-204" dirty="0" smtClean="0">
+                <a:solidFill>
+                  <a:schemeClr val="accent4">
+                    <a:lumMod val="50000"/>
+                  </a:schemeClr>
+                </a:solidFill>
+                <a:latin typeface="Arial" panose="020B0604020202020204" pitchFamily="34" charset="0"/>
+                <a:cs typeface="Arial" panose="020B0604020202020204" pitchFamily="34" charset="0"/>
+              </a:rPr>
+              <a:t>!</a:t>
             </a:r>
             <a:endParaRPr sz="3200" dirty="0">
               <a:solidFill>
@@ -15234,73 +15221,24 @@
       </p:sp>
       <p:sp>
         <p:nvSpPr>
-          <p:cNvPr id="20" name="object 6"/>
-          <p:cNvSpPr txBox="1"/>
-          <p:nvPr/>
-        </p:nvSpPr>
-        <p:spPr>
-          <a:xfrm>
-            <a:off x="2780143" y="7453412"/>
-            <a:ext cx="10800000" cy="492443"/>
-          </a:xfrm>
-          <a:prstGeom prst="rect">
-            <a:avLst/>
-          </a:prstGeom>
-        </p:spPr>
-        <p:txBody>
-          <a:bodyPr vert="horz" wrap="square" lIns="0" tIns="0" rIns="0" bIns="0" rtlCol="0">
-            <a:spAutoFit/>
-          </a:bodyPr>
-          <a:lstStyle/>
-          <a:p>
-            <a:pPr marL="12699" marR="6350"/>
-            <a:r>
-              <a:rPr lang="de-DE" sz="3200" spc="-204" dirty="0" smtClean="0">
-                <a:solidFill>
-                  <a:schemeClr val="accent4">
-                    <a:lumMod val="50000"/>
-                  </a:schemeClr>
-                </a:solidFill>
-                <a:latin typeface="Arial" panose="020B0604020202020204" pitchFamily="34" charset="0"/>
-                <a:cs typeface="Arial" panose="020B0604020202020204" pitchFamily="34" charset="0"/>
-              </a:rPr>
-              <a:t>Austausch der Hardware</a:t>
-            </a:r>
-            <a:endParaRPr sz="3200" dirty="0">
-              <a:solidFill>
-                <a:schemeClr val="accent4">
-                  <a:lumMod val="50000"/>
-                </a:schemeClr>
-              </a:solidFill>
-              <a:latin typeface="Arial" panose="020B0604020202020204" pitchFamily="34" charset="0"/>
-              <a:cs typeface="Arial" panose="020B0604020202020204" pitchFamily="34" charset="0"/>
-            </a:endParaRPr>
-          </a:p>
-        </p:txBody>
-      </p:sp>
-      <p:sp>
-        <p:nvSpPr>
-          <p:cNvPr id="22" name="Rechteck 21"/>
+          <p:cNvPr id="16" name="Pfeil nach oben 15"/>
           <p:cNvSpPr/>
           <p:nvPr/>
         </p:nvSpPr>
         <p:spPr>
           <a:xfrm>
-            <a:off x="2396183" y="9291517"/>
-            <a:ext cx="15120000" cy="3600000"/>
+            <a:off x="13817600" y="5624335"/>
+            <a:ext cx="720000" cy="1080000"/>
           </a:xfrm>
-          <a:prstGeom prst="rect">
+          <a:prstGeom prst="upArrow">
             <a:avLst/>
           </a:prstGeom>
           <a:solidFill>
-            <a:schemeClr val="accent3">
-              <a:lumMod val="20000"/>
-              <a:lumOff val="80000"/>
-            </a:schemeClr>
+            <a:srgbClr val="FFFF00"/>
           </a:solidFill>
-          <a:ln w="50800">
+          <a:ln>
             <a:solidFill>
-              <a:srgbClr val="FF0000"/>
+              <a:schemeClr val="bg1"/>
             </a:solidFill>
           </a:ln>
         </p:spPr>
@@ -15325,96 +15263,443 @@
           <a:lstStyle/>
           <a:p>
             <a:pPr algn="ctr"/>
-            <a:r>
-              <a:rPr lang="de-DE" sz="3600" dirty="0" err="1" smtClean="0">
+            <a:endParaRPr lang="de-DE"/>
+          </a:p>
+        </p:txBody>
+      </p:sp>
+      <p:sp>
+        <p:nvSpPr>
+          <p:cNvPr id="17" name="Pfeil nach oben 16"/>
+          <p:cNvSpPr/>
+          <p:nvPr/>
+        </p:nvSpPr>
+        <p:spPr>
+          <a:xfrm>
+            <a:off x="16602800" y="5615635"/>
+            <a:ext cx="720000" cy="1080000"/>
+          </a:xfrm>
+          <a:prstGeom prst="upArrow">
+            <a:avLst/>
+          </a:prstGeom>
+          <a:solidFill>
+            <a:schemeClr val="accent4">
+              <a:lumMod val="60000"/>
+              <a:lumOff val="40000"/>
+            </a:schemeClr>
+          </a:solidFill>
+          <a:ln>
+            <a:solidFill>
+              <a:schemeClr val="bg1"/>
+            </a:solidFill>
+          </a:ln>
+        </p:spPr>
+        <p:style>
+          <a:lnRef idx="2">
+            <a:schemeClr val="accent1">
+              <a:shade val="50000"/>
+            </a:schemeClr>
+          </a:lnRef>
+          <a:fillRef idx="1">
+            <a:schemeClr val="accent1"/>
+          </a:fillRef>
+          <a:effectRef idx="0">
+            <a:schemeClr val="accent1"/>
+          </a:effectRef>
+          <a:fontRef idx="minor">
+            <a:schemeClr val="lt1"/>
+          </a:fontRef>
+        </p:style>
+        <p:txBody>
+          <a:bodyPr rtlCol="0" anchor="ctr"/>
+          <a:lstStyle/>
+          <a:p>
+            <a:pPr algn="ctr"/>
+            <a:endParaRPr lang="de-DE"/>
+          </a:p>
+        </p:txBody>
+      </p:sp>
+      <p:sp>
+        <p:nvSpPr>
+          <p:cNvPr id="15" name="Pfeil nach oben 14"/>
+          <p:cNvSpPr/>
+          <p:nvPr/>
+        </p:nvSpPr>
+        <p:spPr>
+          <a:xfrm>
+            <a:off x="17136200" y="5615635"/>
+            <a:ext cx="720000" cy="1080000"/>
+          </a:xfrm>
+          <a:prstGeom prst="upArrow">
+            <a:avLst/>
+          </a:prstGeom>
+          <a:solidFill>
+            <a:srgbClr val="92D050"/>
+          </a:solidFill>
+          <a:ln>
+            <a:solidFill>
+              <a:schemeClr val="bg1"/>
+            </a:solidFill>
+          </a:ln>
+        </p:spPr>
+        <p:style>
+          <a:lnRef idx="2">
+            <a:schemeClr val="accent1">
+              <a:shade val="50000"/>
+            </a:schemeClr>
+          </a:lnRef>
+          <a:fillRef idx="1">
+            <a:schemeClr val="accent1"/>
+          </a:fillRef>
+          <a:effectRef idx="0">
+            <a:schemeClr val="accent1"/>
+          </a:effectRef>
+          <a:fontRef idx="minor">
+            <a:schemeClr val="lt1"/>
+          </a:fontRef>
+        </p:style>
+        <p:txBody>
+          <a:bodyPr rtlCol="0" anchor="ctr"/>
+          <a:lstStyle/>
+          <a:p>
+            <a:pPr algn="ctr"/>
+            <a:endParaRPr lang="de-DE"/>
+          </a:p>
+        </p:txBody>
+      </p:sp>
+      <p:sp>
+        <p:nvSpPr>
+          <p:cNvPr id="21" name="Pfeil nach oben 20"/>
+          <p:cNvSpPr/>
+          <p:nvPr/>
+        </p:nvSpPr>
+        <p:spPr>
+          <a:xfrm>
+            <a:off x="15951200" y="5615635"/>
+            <a:ext cx="720000" cy="1080000"/>
+          </a:xfrm>
+          <a:prstGeom prst="upArrow">
+            <a:avLst/>
+          </a:prstGeom>
+          <a:solidFill>
+            <a:schemeClr val="accent2"/>
+          </a:solidFill>
+          <a:ln>
+            <a:solidFill>
+              <a:schemeClr val="bg1"/>
+            </a:solidFill>
+          </a:ln>
+        </p:spPr>
+        <p:style>
+          <a:lnRef idx="2">
+            <a:schemeClr val="accent1">
+              <a:shade val="50000"/>
+            </a:schemeClr>
+          </a:lnRef>
+          <a:fillRef idx="1">
+            <a:schemeClr val="accent1"/>
+          </a:fillRef>
+          <a:effectRef idx="0">
+            <a:schemeClr val="accent1"/>
+          </a:effectRef>
+          <a:fontRef idx="minor">
+            <a:schemeClr val="lt1"/>
+          </a:fontRef>
+        </p:style>
+        <p:txBody>
+          <a:bodyPr rtlCol="0" anchor="ctr"/>
+          <a:lstStyle/>
+          <a:p>
+            <a:pPr algn="ctr"/>
+            <a:endParaRPr lang="de-DE"/>
+          </a:p>
+        </p:txBody>
+      </p:sp>
+      <p:sp>
+        <p:nvSpPr>
+          <p:cNvPr id="22" name="object 6"/>
+          <p:cNvSpPr txBox="1"/>
+          <p:nvPr/>
+        </p:nvSpPr>
+        <p:spPr>
+          <a:xfrm>
+            <a:off x="4556183" y="7436175"/>
+            <a:ext cx="10800000" cy="492443"/>
+          </a:xfrm>
+          <a:prstGeom prst="rect">
+            <a:avLst/>
+          </a:prstGeom>
+        </p:spPr>
+        <p:txBody>
+          <a:bodyPr vert="horz" wrap="square" lIns="0" tIns="0" rIns="0" bIns="0" rtlCol="0">
+            <a:spAutoFit/>
+          </a:bodyPr>
+          <a:lstStyle/>
+          <a:p>
+            <a:pPr marL="12699" marR="6350"/>
+            <a:r>
+              <a:rPr lang="de-DE" sz="3200" spc="-204" dirty="0" smtClean="0">
                 <a:solidFill>
-                  <a:srgbClr val="FF0000"/>
+                  <a:schemeClr val="accent4">
+                    <a:lumMod val="50000"/>
+                  </a:schemeClr>
                 </a:solidFill>
+                <a:latin typeface="Arial" panose="020B0604020202020204" pitchFamily="34" charset="0"/>
+                <a:cs typeface="Arial" panose="020B0604020202020204" pitchFamily="34" charset="0"/>
               </a:rPr>
-              <a:t>Lesson</a:t>
-            </a:r>
-            <a:r>
-              <a:rPr lang="de-DE" sz="3600" dirty="0" smtClean="0">
+              <a:t>Bestellung</a:t>
+            </a:r>
+            <a:endParaRPr sz="3200" dirty="0">
+              <a:solidFill>
+                <a:schemeClr val="accent4">
+                  <a:lumMod val="50000"/>
+                </a:schemeClr>
+              </a:solidFill>
+              <a:latin typeface="Arial" panose="020B0604020202020204" pitchFamily="34" charset="0"/>
+              <a:cs typeface="Arial" panose="020B0604020202020204" pitchFamily="34" charset="0"/>
+            </a:endParaRPr>
+          </a:p>
+        </p:txBody>
+      </p:sp>
+      <p:sp>
+        <p:nvSpPr>
+          <p:cNvPr id="23" name="object 6"/>
+          <p:cNvSpPr txBox="1"/>
+          <p:nvPr/>
+        </p:nvSpPr>
+        <p:spPr>
+          <a:xfrm>
+            <a:off x="4556183" y="8008885"/>
+            <a:ext cx="10800000" cy="492443"/>
+          </a:xfrm>
+          <a:prstGeom prst="rect">
+            <a:avLst/>
+          </a:prstGeom>
+        </p:spPr>
+        <p:txBody>
+          <a:bodyPr vert="horz" wrap="square" lIns="0" tIns="0" rIns="0" bIns="0" rtlCol="0">
+            <a:spAutoFit/>
+          </a:bodyPr>
+          <a:lstStyle/>
+          <a:p>
+            <a:pPr marL="12699" marR="6350"/>
+            <a:r>
+              <a:rPr lang="de-DE" sz="3200" spc="-204" dirty="0" smtClean="0">
                 <a:solidFill>
-                  <a:srgbClr val="FF0000"/>
+                  <a:schemeClr val="accent4">
+                    <a:lumMod val="50000"/>
+                  </a:schemeClr>
                 </a:solidFill>
+                <a:latin typeface="Arial" panose="020B0604020202020204" pitchFamily="34" charset="0"/>
+                <a:cs typeface="Arial" panose="020B0604020202020204" pitchFamily="34" charset="0"/>
               </a:rPr>
-              <a:t> </a:t>
-            </a:r>
-            <a:r>
-              <a:rPr lang="de-DE" sz="3600" dirty="0" err="1" smtClean="0">
+              <a:t>Rückfrage</a:t>
+            </a:r>
+            <a:endParaRPr sz="3200" dirty="0">
+              <a:solidFill>
+                <a:schemeClr val="accent4">
+                  <a:lumMod val="50000"/>
+                </a:schemeClr>
+              </a:solidFill>
+              <a:latin typeface="Arial" panose="020B0604020202020204" pitchFamily="34" charset="0"/>
+              <a:cs typeface="Arial" panose="020B0604020202020204" pitchFamily="34" charset="0"/>
+            </a:endParaRPr>
+          </a:p>
+        </p:txBody>
+      </p:sp>
+      <p:sp>
+        <p:nvSpPr>
+          <p:cNvPr id="24" name="object 6"/>
+          <p:cNvSpPr txBox="1"/>
+          <p:nvPr/>
+        </p:nvSpPr>
+        <p:spPr>
+          <a:xfrm>
+            <a:off x="4556183" y="8581595"/>
+            <a:ext cx="10800000" cy="492443"/>
+          </a:xfrm>
+          <a:prstGeom prst="rect">
+            <a:avLst/>
+          </a:prstGeom>
+        </p:spPr>
+        <p:txBody>
+          <a:bodyPr vert="horz" wrap="square" lIns="0" tIns="0" rIns="0" bIns="0" rtlCol="0">
+            <a:spAutoFit/>
+          </a:bodyPr>
+          <a:lstStyle/>
+          <a:p>
+            <a:pPr marL="12699" marR="6350"/>
+            <a:r>
+              <a:rPr lang="de-DE" sz="3200" spc="-204" dirty="0" smtClean="0">
                 <a:solidFill>
-                  <a:srgbClr val="FF0000"/>
+                  <a:schemeClr val="accent4">
+                    <a:lumMod val="50000"/>
+                  </a:schemeClr>
                 </a:solidFill>
+                <a:latin typeface="Arial" panose="020B0604020202020204" pitchFamily="34" charset="0"/>
+                <a:cs typeface="Arial" panose="020B0604020202020204" pitchFamily="34" charset="0"/>
               </a:rPr>
-              <a:t>Learned</a:t>
-            </a:r>
-            <a:endParaRPr lang="de-DE" sz="3600" dirty="0" smtClean="0">
+              <a:t>Lieferung</a:t>
+            </a:r>
+            <a:endParaRPr sz="3200" dirty="0">
               <a:solidFill>
-                <a:srgbClr val="FF0000"/>
+                <a:schemeClr val="accent4">
+                  <a:lumMod val="50000"/>
+                </a:schemeClr>
               </a:solidFill>
+              <a:latin typeface="Arial" panose="020B0604020202020204" pitchFamily="34" charset="0"/>
+              <a:cs typeface="Arial" panose="020B0604020202020204" pitchFamily="34" charset="0"/>
             </a:endParaRPr>
           </a:p>
+        </p:txBody>
+      </p:sp>
+      <p:sp>
+        <p:nvSpPr>
+          <p:cNvPr id="20" name="Pfeil nach oben 19"/>
+          <p:cNvSpPr/>
+          <p:nvPr/>
+        </p:nvSpPr>
+        <p:spPr>
+          <a:xfrm rot="5400000">
+            <a:off x="3522640" y="7145480"/>
+            <a:ext cx="720000" cy="1080000"/>
+          </a:xfrm>
+          <a:prstGeom prst="upArrow">
+            <a:avLst/>
+          </a:prstGeom>
+          <a:solidFill>
+            <a:srgbClr val="FFFF00"/>
+          </a:solidFill>
+          <a:ln>
+            <a:solidFill>
+              <a:schemeClr val="bg1"/>
+            </a:solidFill>
+          </a:ln>
+        </p:spPr>
+        <p:style>
+          <a:lnRef idx="2">
+            <a:schemeClr val="accent1">
+              <a:shade val="50000"/>
+            </a:schemeClr>
+          </a:lnRef>
+          <a:fillRef idx="1">
+            <a:schemeClr val="accent1"/>
+          </a:fillRef>
+          <a:effectRef idx="0">
+            <a:schemeClr val="accent1"/>
+          </a:effectRef>
+          <a:fontRef idx="minor">
+            <a:schemeClr val="lt1"/>
+          </a:fontRef>
+        </p:style>
+        <p:txBody>
+          <a:bodyPr rtlCol="0" anchor="ctr"/>
+          <a:lstStyle/>
           <a:p>
             <a:pPr algn="ctr"/>
-            <a:endParaRPr lang="de-DE" sz="3600" dirty="0" smtClean="0">
-              <a:solidFill>
-                <a:schemeClr val="bg1"/>
-              </a:solidFill>
-            </a:endParaRPr>
-          </a:p>
+            <a:endParaRPr lang="de-DE"/>
+          </a:p>
+        </p:txBody>
+      </p:sp>
+      <p:sp>
+        <p:nvSpPr>
+          <p:cNvPr id="26" name="Pfeil nach oben 25"/>
+          <p:cNvSpPr/>
+          <p:nvPr/>
+        </p:nvSpPr>
+        <p:spPr>
+          <a:xfrm rot="5400000">
+            <a:off x="3517560" y="7715106"/>
+            <a:ext cx="720000" cy="1080000"/>
+          </a:xfrm>
+          <a:prstGeom prst="upArrow">
+            <a:avLst/>
+          </a:prstGeom>
+          <a:solidFill>
+            <a:schemeClr val="accent2"/>
+          </a:solidFill>
+          <a:ln>
+            <a:solidFill>
+              <a:schemeClr val="bg1"/>
+            </a:solidFill>
+          </a:ln>
+        </p:spPr>
+        <p:style>
+          <a:lnRef idx="2">
+            <a:schemeClr val="accent1">
+              <a:shade val="50000"/>
+            </a:schemeClr>
+          </a:lnRef>
+          <a:fillRef idx="1">
+            <a:schemeClr val="accent1"/>
+          </a:fillRef>
+          <a:effectRef idx="0">
+            <a:schemeClr val="accent1"/>
+          </a:effectRef>
+          <a:fontRef idx="minor">
+            <a:schemeClr val="lt1"/>
+          </a:fontRef>
+        </p:style>
+        <p:txBody>
+          <a:bodyPr rtlCol="0" anchor="ctr"/>
+          <a:lstStyle/>
           <a:p>
             <a:pPr algn="ctr"/>
-            <a:r>
-              <a:rPr lang="de-DE" sz="3600" dirty="0" smtClean="0">
-                <a:solidFill>
-                  <a:schemeClr val="bg1"/>
-                </a:solidFill>
-              </a:rPr>
-              <a:t>Aufgaben/Problematiken </a:t>
-            </a:r>
-            <a:r>
-              <a:rPr lang="de-DE" sz="3600" dirty="0">
-                <a:solidFill>
-                  <a:schemeClr val="bg1"/>
-                </a:solidFill>
-              </a:rPr>
-              <a:t>an passende Ansprechperson übergeben!</a:t>
-            </a:r>
-          </a:p>
+            <a:endParaRPr lang="de-DE"/>
+          </a:p>
+        </p:txBody>
+      </p:sp>
+      <p:sp>
+        <p:nvSpPr>
+          <p:cNvPr id="25" name="Pfeil nach oben 24"/>
+          <p:cNvSpPr/>
+          <p:nvPr/>
+        </p:nvSpPr>
+        <p:spPr>
+          <a:xfrm rot="5400000">
+            <a:off x="3482000" y="8287816"/>
+            <a:ext cx="720000" cy="1080000"/>
+          </a:xfrm>
+          <a:prstGeom prst="upArrow">
+            <a:avLst/>
+          </a:prstGeom>
+          <a:solidFill>
+            <a:srgbClr val="92D050"/>
+          </a:solidFill>
+          <a:ln>
+            <a:solidFill>
+              <a:schemeClr val="bg1"/>
+            </a:solidFill>
+          </a:ln>
+        </p:spPr>
+        <p:style>
+          <a:lnRef idx="2">
+            <a:schemeClr val="accent1">
+              <a:shade val="50000"/>
+            </a:schemeClr>
+          </a:lnRef>
+          <a:fillRef idx="1">
+            <a:schemeClr val="accent1"/>
+          </a:fillRef>
+          <a:effectRef idx="0">
+            <a:schemeClr val="accent1"/>
+          </a:effectRef>
+          <a:fontRef idx="minor">
+            <a:schemeClr val="lt1"/>
+          </a:fontRef>
+        </p:style>
+        <p:txBody>
+          <a:bodyPr rtlCol="0" anchor="ctr"/>
+          <a:lstStyle/>
           <a:p>
             <a:pPr algn="ctr"/>
-            <a:r>
-              <a:rPr lang="de-DE" sz="3600" dirty="0">
-                <a:solidFill>
-                  <a:schemeClr val="bg1"/>
-                </a:solidFill>
-              </a:rPr>
-              <a:t>Im Zweifel bzw. Zeitmangel: Hardware austauschen.</a:t>
-            </a:r>
-          </a:p>
-          <a:p>
-            <a:pPr algn="ctr"/>
-            <a:endParaRPr lang="de-DE" sz="3600" dirty="0" smtClean="0">
-              <a:solidFill>
-                <a:schemeClr val="bg1"/>
-              </a:solidFill>
-            </a:endParaRPr>
-          </a:p>
-          <a:p>
-            <a:pPr algn="ctr"/>
-            <a:endParaRPr lang="de-DE" sz="3600" dirty="0" smtClean="0">
-              <a:solidFill>
-                <a:schemeClr val="bg1"/>
-              </a:solidFill>
-            </a:endParaRPr>
+            <a:endParaRPr lang="de-DE"/>
           </a:p>
         </p:txBody>
       </p:sp>
     </p:spTree>
     <p:extLst>
       <p:ext uri="{BB962C8B-B14F-4D97-AF65-F5344CB8AC3E}">
-        <p14:creationId xmlns:p14="http://schemas.microsoft.com/office/powerpoint/2010/main" val="2013580419"/>
+        <p14:creationId xmlns:p14="http://schemas.microsoft.com/office/powerpoint/2010/main" val="3020996292"/>
       </p:ext>
     </p:extLst>
   </p:cSld>
@@ -16121,7 +16406,7 @@
         </p:nvSpPr>
         <p:spPr>
           <a:xfrm>
-            <a:off x="3454400" y="7414918"/>
+            <a:off x="4556183" y="7436175"/>
             <a:ext cx="10800000" cy="492443"/>
           </a:xfrm>
           <a:prstGeom prst="rect">
@@ -16145,7 +16430,7 @@
                 <a:latin typeface="Arial" panose="020B0604020202020204" pitchFamily="34" charset="0"/>
                 <a:cs typeface="Arial" panose="020B0604020202020204" pitchFamily="34" charset="0"/>
               </a:rPr>
-              <a:t>Gelb:		Bestellung</a:t>
+              <a:t>Bestellung</a:t>
             </a:r>
             <a:endParaRPr sz="3200" dirty="0">
               <a:solidFill>
@@ -16167,7 +16452,7 @@
         </p:nvSpPr>
         <p:spPr>
           <a:xfrm>
-            <a:off x="3459480" y="7912844"/>
+            <a:off x="4556183" y="8008885"/>
             <a:ext cx="10800000" cy="492443"/>
           </a:xfrm>
           <a:prstGeom prst="rect">
@@ -16191,7 +16476,7 @@
                 <a:latin typeface="Arial" panose="020B0604020202020204" pitchFamily="34" charset="0"/>
                 <a:cs typeface="Arial" panose="020B0604020202020204" pitchFamily="34" charset="0"/>
               </a:rPr>
-              <a:t>Orange:	Rückfrage</a:t>
+              <a:t>Rückfrage</a:t>
             </a:r>
             <a:endParaRPr sz="3200" dirty="0">
               <a:solidFill>
@@ -16213,7 +16498,7 @@
         </p:nvSpPr>
         <p:spPr>
           <a:xfrm>
-            <a:off x="3454400" y="8405287"/>
+            <a:off x="4556183" y="8581595"/>
             <a:ext cx="10800000" cy="492443"/>
           </a:xfrm>
           <a:prstGeom prst="rect">
@@ -16237,7 +16522,7 @@
                 <a:latin typeface="Arial" panose="020B0604020202020204" pitchFamily="34" charset="0"/>
                 <a:cs typeface="Arial" panose="020B0604020202020204" pitchFamily="34" charset="0"/>
               </a:rPr>
-              <a:t>Grün:		Lieferung</a:t>
+              <a:t>Lieferung</a:t>
             </a:r>
             <a:endParaRPr sz="3200" dirty="0">
               <a:solidFill>
@@ -16251,10 +16536,281 @@
           </a:p>
         </p:txBody>
       </p:sp>
+      <p:sp>
+        <p:nvSpPr>
+          <p:cNvPr id="20" name="Pfeil nach oben 19"/>
+          <p:cNvSpPr/>
+          <p:nvPr/>
+        </p:nvSpPr>
+        <p:spPr>
+          <a:xfrm rot="5400000">
+            <a:off x="3522640" y="7145480"/>
+            <a:ext cx="720000" cy="1080000"/>
+          </a:xfrm>
+          <a:prstGeom prst="upArrow">
+            <a:avLst/>
+          </a:prstGeom>
+          <a:solidFill>
+            <a:srgbClr val="FFFF00"/>
+          </a:solidFill>
+          <a:ln>
+            <a:solidFill>
+              <a:schemeClr val="bg1"/>
+            </a:solidFill>
+          </a:ln>
+        </p:spPr>
+        <p:style>
+          <a:lnRef idx="2">
+            <a:schemeClr val="accent1">
+              <a:shade val="50000"/>
+            </a:schemeClr>
+          </a:lnRef>
+          <a:fillRef idx="1">
+            <a:schemeClr val="accent1"/>
+          </a:fillRef>
+          <a:effectRef idx="0">
+            <a:schemeClr val="accent1"/>
+          </a:effectRef>
+          <a:fontRef idx="minor">
+            <a:schemeClr val="lt1"/>
+          </a:fontRef>
+        </p:style>
+        <p:txBody>
+          <a:bodyPr rtlCol="0" anchor="ctr"/>
+          <a:lstStyle/>
+          <a:p>
+            <a:pPr algn="ctr"/>
+            <a:endParaRPr lang="de-DE"/>
+          </a:p>
+        </p:txBody>
+      </p:sp>
+      <p:sp>
+        <p:nvSpPr>
+          <p:cNvPr id="26" name="Pfeil nach oben 25"/>
+          <p:cNvSpPr/>
+          <p:nvPr/>
+        </p:nvSpPr>
+        <p:spPr>
+          <a:xfrm rot="5400000">
+            <a:off x="3517560" y="7715106"/>
+            <a:ext cx="720000" cy="1080000"/>
+          </a:xfrm>
+          <a:prstGeom prst="upArrow">
+            <a:avLst/>
+          </a:prstGeom>
+          <a:solidFill>
+            <a:schemeClr val="accent2"/>
+          </a:solidFill>
+          <a:ln>
+            <a:solidFill>
+              <a:schemeClr val="bg1"/>
+            </a:solidFill>
+          </a:ln>
+        </p:spPr>
+        <p:style>
+          <a:lnRef idx="2">
+            <a:schemeClr val="accent1">
+              <a:shade val="50000"/>
+            </a:schemeClr>
+          </a:lnRef>
+          <a:fillRef idx="1">
+            <a:schemeClr val="accent1"/>
+          </a:fillRef>
+          <a:effectRef idx="0">
+            <a:schemeClr val="accent1"/>
+          </a:effectRef>
+          <a:fontRef idx="minor">
+            <a:schemeClr val="lt1"/>
+          </a:fontRef>
+        </p:style>
+        <p:txBody>
+          <a:bodyPr rtlCol="0" anchor="ctr"/>
+          <a:lstStyle/>
+          <a:p>
+            <a:pPr algn="ctr"/>
+            <a:endParaRPr lang="de-DE"/>
+          </a:p>
+        </p:txBody>
+      </p:sp>
+      <p:sp>
+        <p:nvSpPr>
+          <p:cNvPr id="25" name="Pfeil nach oben 24"/>
+          <p:cNvSpPr/>
+          <p:nvPr/>
+        </p:nvSpPr>
+        <p:spPr>
+          <a:xfrm rot="5400000">
+            <a:off x="3482000" y="8287816"/>
+            <a:ext cx="720000" cy="1080000"/>
+          </a:xfrm>
+          <a:prstGeom prst="upArrow">
+            <a:avLst/>
+          </a:prstGeom>
+          <a:solidFill>
+            <a:srgbClr val="92D050"/>
+          </a:solidFill>
+          <a:ln>
+            <a:solidFill>
+              <a:schemeClr val="bg1"/>
+            </a:solidFill>
+          </a:ln>
+        </p:spPr>
+        <p:style>
+          <a:lnRef idx="2">
+            <a:schemeClr val="accent1">
+              <a:shade val="50000"/>
+            </a:schemeClr>
+          </a:lnRef>
+          <a:fillRef idx="1">
+            <a:schemeClr val="accent1"/>
+          </a:fillRef>
+          <a:effectRef idx="0">
+            <a:schemeClr val="accent1"/>
+          </a:effectRef>
+          <a:fontRef idx="minor">
+            <a:schemeClr val="lt1"/>
+          </a:fontRef>
+        </p:style>
+        <p:txBody>
+          <a:bodyPr rtlCol="0" anchor="ctr"/>
+          <a:lstStyle/>
+          <a:p>
+            <a:pPr algn="ctr"/>
+            <a:endParaRPr lang="de-DE"/>
+          </a:p>
+        </p:txBody>
+      </p:sp>
+      <p:sp>
+        <p:nvSpPr>
+          <p:cNvPr id="27" name="Rechteck 26"/>
+          <p:cNvSpPr/>
+          <p:nvPr/>
+        </p:nvSpPr>
+        <p:spPr>
+          <a:xfrm>
+            <a:off x="2396183" y="9291517"/>
+            <a:ext cx="15120000" cy="3600000"/>
+          </a:xfrm>
+          <a:prstGeom prst="rect">
+            <a:avLst/>
+          </a:prstGeom>
+          <a:solidFill>
+            <a:schemeClr val="accent3">
+              <a:lumMod val="20000"/>
+              <a:lumOff val="80000"/>
+            </a:schemeClr>
+          </a:solidFill>
+          <a:ln w="50800">
+            <a:solidFill>
+              <a:srgbClr val="FF0000"/>
+            </a:solidFill>
+          </a:ln>
+        </p:spPr>
+        <p:style>
+          <a:lnRef idx="2">
+            <a:schemeClr val="accent1">
+              <a:shade val="50000"/>
+            </a:schemeClr>
+          </a:lnRef>
+          <a:fillRef idx="1">
+            <a:schemeClr val="accent1"/>
+          </a:fillRef>
+          <a:effectRef idx="0">
+            <a:schemeClr val="accent1"/>
+          </a:effectRef>
+          <a:fontRef idx="minor">
+            <a:schemeClr val="lt1"/>
+          </a:fontRef>
+        </p:style>
+        <p:txBody>
+          <a:bodyPr rtlCol="0" anchor="ctr"/>
+          <a:lstStyle/>
+          <a:p>
+            <a:pPr algn="ctr"/>
+            <a:r>
+              <a:rPr lang="de-DE" sz="3600" dirty="0" err="1" smtClean="0">
+                <a:solidFill>
+                  <a:srgbClr val="FF0000"/>
+                </a:solidFill>
+              </a:rPr>
+              <a:t>Lesson</a:t>
+            </a:r>
+            <a:r>
+              <a:rPr lang="de-DE" sz="3600" dirty="0" smtClean="0">
+                <a:solidFill>
+                  <a:srgbClr val="FF0000"/>
+                </a:solidFill>
+              </a:rPr>
+              <a:t> </a:t>
+            </a:r>
+            <a:r>
+              <a:rPr lang="de-DE" sz="3600" dirty="0" err="1" smtClean="0">
+                <a:solidFill>
+                  <a:srgbClr val="FF0000"/>
+                </a:solidFill>
+              </a:rPr>
+              <a:t>Learned</a:t>
+            </a:r>
+            <a:endParaRPr lang="de-DE" sz="3600" dirty="0" smtClean="0">
+              <a:solidFill>
+                <a:srgbClr val="FF0000"/>
+              </a:solidFill>
+            </a:endParaRPr>
+          </a:p>
+          <a:p>
+            <a:pPr algn="ctr"/>
+            <a:endParaRPr lang="de-DE" sz="3600" dirty="0" smtClean="0">
+              <a:solidFill>
+                <a:schemeClr val="bg1"/>
+              </a:solidFill>
+            </a:endParaRPr>
+          </a:p>
+          <a:p>
+            <a:pPr algn="ctr"/>
+            <a:r>
+              <a:rPr lang="de-DE" sz="3600" dirty="0" smtClean="0">
+                <a:solidFill>
+                  <a:schemeClr val="bg1"/>
+                </a:solidFill>
+              </a:rPr>
+              <a:t>Materialien im überschaubaren Preisbereich selbst bestellen.</a:t>
+            </a:r>
+            <a:endParaRPr lang="de-DE" sz="3600" dirty="0" smtClean="0">
+              <a:solidFill>
+                <a:schemeClr val="bg1"/>
+              </a:solidFill>
+            </a:endParaRPr>
+          </a:p>
+          <a:p>
+            <a:pPr algn="ctr"/>
+            <a:endParaRPr lang="de-DE" sz="3600" dirty="0" smtClean="0">
+              <a:solidFill>
+                <a:schemeClr val="bg1"/>
+              </a:solidFill>
+            </a:endParaRPr>
+          </a:p>
+          <a:p>
+            <a:pPr algn="ctr"/>
+            <a:endParaRPr lang="de-DE" sz="3600" dirty="0" smtClean="0">
+              <a:solidFill>
+                <a:schemeClr val="bg1"/>
+              </a:solidFill>
+            </a:endParaRPr>
+          </a:p>
+          <a:p>
+            <a:pPr algn="ctr"/>
+            <a:endParaRPr lang="de-DE" sz="3600" dirty="0" smtClean="0">
+              <a:solidFill>
+                <a:schemeClr val="bg1"/>
+              </a:solidFill>
+            </a:endParaRPr>
+          </a:p>
+        </p:txBody>
+      </p:sp>
     </p:spTree>
     <p:extLst>
       <p:ext uri="{BB962C8B-B14F-4D97-AF65-F5344CB8AC3E}">
-        <p14:creationId xmlns:p14="http://schemas.microsoft.com/office/powerpoint/2010/main" val="3020996292"/>
+        <p14:creationId xmlns:p14="http://schemas.microsoft.com/office/powerpoint/2010/main" val="988480610"/>
       </p:ext>
     </p:extLst>
   </p:cSld>
@@ -16706,141 +17262,6 @@
               </a:solidFill>
               <a:latin typeface="Arial" panose="020B0604020202020204" pitchFamily="34" charset="0"/>
               <a:cs typeface="Arial" panose="020B0604020202020204" pitchFamily="34" charset="0"/>
-            </a:endParaRPr>
-          </a:p>
-        </p:txBody>
-      </p:sp>
-      <p:sp>
-        <p:nvSpPr>
-          <p:cNvPr id="20" name="Rechteck 19"/>
-          <p:cNvSpPr/>
-          <p:nvPr/>
-        </p:nvSpPr>
-        <p:spPr>
-          <a:xfrm>
-            <a:off x="2396183" y="9291517"/>
-            <a:ext cx="15120000" cy="3600000"/>
-          </a:xfrm>
-          <a:prstGeom prst="rect">
-            <a:avLst/>
-          </a:prstGeom>
-          <a:solidFill>
-            <a:schemeClr val="accent3">
-              <a:lumMod val="20000"/>
-              <a:lumOff val="80000"/>
-            </a:schemeClr>
-          </a:solidFill>
-          <a:ln w="50800">
-            <a:solidFill>
-              <a:srgbClr val="FF0000"/>
-            </a:solidFill>
-          </a:ln>
-        </p:spPr>
-        <p:style>
-          <a:lnRef idx="2">
-            <a:schemeClr val="accent1">
-              <a:shade val="50000"/>
-            </a:schemeClr>
-          </a:lnRef>
-          <a:fillRef idx="1">
-            <a:schemeClr val="accent1"/>
-          </a:fillRef>
-          <a:effectRef idx="0">
-            <a:schemeClr val="accent1"/>
-          </a:effectRef>
-          <a:fontRef idx="minor">
-            <a:schemeClr val="lt1"/>
-          </a:fontRef>
-        </p:style>
-        <p:txBody>
-          <a:bodyPr rtlCol="0" anchor="ctr"/>
-          <a:lstStyle/>
-          <a:p>
-            <a:pPr algn="ctr"/>
-            <a:r>
-              <a:rPr lang="de-DE" sz="3600" dirty="0" err="1" smtClean="0">
-                <a:solidFill>
-                  <a:srgbClr val="FF0000"/>
-                </a:solidFill>
-              </a:rPr>
-              <a:t>Lesson</a:t>
-            </a:r>
-            <a:r>
-              <a:rPr lang="de-DE" sz="3600" dirty="0" smtClean="0">
-                <a:solidFill>
-                  <a:srgbClr val="FF0000"/>
-                </a:solidFill>
-              </a:rPr>
-              <a:t> </a:t>
-            </a:r>
-            <a:r>
-              <a:rPr lang="de-DE" sz="3600" dirty="0" err="1" smtClean="0">
-                <a:solidFill>
-                  <a:srgbClr val="FF0000"/>
-                </a:solidFill>
-              </a:rPr>
-              <a:t>Learned</a:t>
-            </a:r>
-            <a:endParaRPr lang="de-DE" sz="3600" dirty="0" smtClean="0">
-              <a:solidFill>
-                <a:srgbClr val="FF0000"/>
-              </a:solidFill>
-            </a:endParaRPr>
-          </a:p>
-          <a:p>
-            <a:pPr algn="ctr"/>
-            <a:endParaRPr lang="de-DE" sz="3600" dirty="0" smtClean="0">
-              <a:solidFill>
-                <a:schemeClr val="bg1"/>
-              </a:solidFill>
-            </a:endParaRPr>
-          </a:p>
-          <a:p>
-            <a:pPr algn="ctr"/>
-            <a:r>
-              <a:rPr lang="de-DE" sz="3600" dirty="0" smtClean="0">
-                <a:solidFill>
-                  <a:schemeClr val="bg1"/>
-                </a:solidFill>
-              </a:rPr>
-              <a:t>Prioritäten korrekt setzen!</a:t>
-            </a:r>
-            <a:endParaRPr lang="de-DE" sz="3600" dirty="0">
-              <a:solidFill>
-                <a:schemeClr val="bg1"/>
-              </a:solidFill>
-            </a:endParaRPr>
-          </a:p>
-          <a:p>
-            <a:pPr algn="ctr"/>
-            <a:r>
-              <a:rPr lang="de-DE" sz="3600" dirty="0" smtClean="0">
-                <a:solidFill>
-                  <a:schemeClr val="bg1"/>
-                </a:solidFill>
-              </a:rPr>
-              <a:t>Hier: Ausarbeitung wird maßgeblich bewertet.</a:t>
-            </a:r>
-            <a:endParaRPr lang="de-DE" sz="3600" dirty="0" smtClean="0">
-              <a:solidFill>
-                <a:schemeClr val="bg1"/>
-              </a:solidFill>
-            </a:endParaRPr>
-          </a:p>
-          <a:p>
-            <a:pPr algn="ctr"/>
-            <a:endParaRPr lang="de-DE" sz="3600" dirty="0" smtClean="0">
-              <a:solidFill>
-                <a:schemeClr val="bg1"/>
-              </a:solidFill>
-            </a:endParaRPr>
-          </a:p>
-          <a:p>
-            <a:pPr algn="ctr"/>
-            <a:endParaRPr lang="de-DE" sz="3600" dirty="0" smtClean="0">
-              <a:solidFill>
-                <a:schemeClr val="bg1"/>
-              </a:solidFill>
             </a:endParaRPr>
           </a:p>
         </p:txBody>
@@ -17106,6 +17527,595 @@
                 <a:latin typeface="Cambria"/>
                 <a:cs typeface="Cambria"/>
               </a:rPr>
+              <a:t>Projekt-Verlauf</a:t>
+            </a:r>
+            <a:endParaRPr sz="3600" dirty="0">
+              <a:solidFill>
+                <a:schemeClr val="accent4">
+                  <a:lumMod val="50000"/>
+                </a:schemeClr>
+              </a:solidFill>
+              <a:latin typeface="Cambria"/>
+              <a:cs typeface="Cambria"/>
+            </a:endParaRPr>
+          </a:p>
+        </p:txBody>
+      </p:sp>
+      <p:sp>
+        <p:nvSpPr>
+          <p:cNvPr id="19" name="Textfeld 18"/>
+          <p:cNvSpPr txBox="1"/>
+          <p:nvPr/>
+        </p:nvSpPr>
+        <p:spPr>
+          <a:xfrm>
+            <a:off x="5996183" y="1324546"/>
+            <a:ext cx="7920000" cy="1446550"/>
+          </a:xfrm>
+          <a:prstGeom prst="rect">
+            <a:avLst/>
+          </a:prstGeom>
+          <a:noFill/>
+        </p:spPr>
+        <p:txBody>
+          <a:bodyPr wrap="square" rtlCol="0">
+            <a:spAutoFit/>
+          </a:bodyPr>
+          <a:lstStyle/>
+          <a:p>
+            <a:pPr algn="ctr"/>
+            <a:r>
+              <a:rPr lang="de-DE" sz="4400" dirty="0" err="1" smtClean="0">
+                <a:solidFill>
+                  <a:schemeClr val="accent4">
+                    <a:lumMod val="50000"/>
+                  </a:schemeClr>
+                </a:solidFill>
+              </a:rPr>
+              <a:t>RaHM</a:t>
+            </a:r>
+            <a:r>
+              <a:rPr lang="de-DE" sz="4400" dirty="0" smtClean="0">
+                <a:solidFill>
+                  <a:schemeClr val="accent4">
+                    <a:lumMod val="50000"/>
+                  </a:schemeClr>
+                </a:solidFill>
+              </a:rPr>
+              <a:t>-Lab:</a:t>
+            </a:r>
+          </a:p>
+          <a:p>
+            <a:pPr algn="ctr"/>
+            <a:r>
+              <a:rPr lang="de-DE" sz="4400" dirty="0" smtClean="0">
+                <a:solidFill>
+                  <a:schemeClr val="accent4">
+                    <a:lumMod val="50000"/>
+                  </a:schemeClr>
+                </a:solidFill>
+              </a:rPr>
+              <a:t>Positionsregelung Drohne</a:t>
+            </a:r>
+            <a:endParaRPr lang="de-DE" sz="4400" dirty="0">
+              <a:solidFill>
+                <a:schemeClr val="accent4">
+                  <a:lumMod val="50000"/>
+                </a:schemeClr>
+              </a:solidFill>
+            </a:endParaRPr>
+          </a:p>
+        </p:txBody>
+      </p:sp>
+      <p:pic>
+        <p:nvPicPr>
+          <p:cNvPr id="2" name="Grafik 1"/>
+          <p:cNvPicPr>
+            <a:picLocks noChangeAspect="1"/>
+          </p:cNvPicPr>
+          <p:nvPr/>
+        </p:nvPicPr>
+        <p:blipFill>
+          <a:blip r:embed="rId3"/>
+          <a:stretch>
+            <a:fillRect/>
+          </a:stretch>
+        </p:blipFill>
+        <p:spPr>
+          <a:xfrm>
+            <a:off x="8331200" y="3019920"/>
+            <a:ext cx="11520000" cy="3181396"/>
+          </a:xfrm>
+          <a:prstGeom prst="rect">
+            <a:avLst/>
+          </a:prstGeom>
+        </p:spPr>
+      </p:pic>
+      <p:sp>
+        <p:nvSpPr>
+          <p:cNvPr id="5" name="Ellipse 4"/>
+          <p:cNvSpPr/>
+          <p:nvPr/>
+        </p:nvSpPr>
+        <p:spPr>
+          <a:xfrm>
+            <a:off x="17475200" y="3019920"/>
+            <a:ext cx="1440000" cy="3181396"/>
+          </a:xfrm>
+          <a:prstGeom prst="ellipse">
+            <a:avLst/>
+          </a:prstGeom>
+          <a:noFill/>
+          <a:ln w="95250">
+            <a:solidFill>
+              <a:schemeClr val="accent3">
+                <a:lumMod val="75000"/>
+              </a:schemeClr>
+            </a:solidFill>
+          </a:ln>
+        </p:spPr>
+        <p:style>
+          <a:lnRef idx="2">
+            <a:schemeClr val="accent1">
+              <a:shade val="50000"/>
+            </a:schemeClr>
+          </a:lnRef>
+          <a:fillRef idx="1">
+            <a:schemeClr val="accent1"/>
+          </a:fillRef>
+          <a:effectRef idx="0">
+            <a:schemeClr val="accent1"/>
+          </a:effectRef>
+          <a:fontRef idx="minor">
+            <a:schemeClr val="lt1"/>
+          </a:fontRef>
+        </p:style>
+        <p:txBody>
+          <a:bodyPr rtlCol="0" anchor="ctr"/>
+          <a:lstStyle/>
+          <a:p>
+            <a:pPr algn="ctr"/>
+            <a:endParaRPr lang="de-DE"/>
+          </a:p>
+        </p:txBody>
+      </p:sp>
+      <p:sp>
+        <p:nvSpPr>
+          <p:cNvPr id="14" name="object 6"/>
+          <p:cNvSpPr txBox="1"/>
+          <p:nvPr/>
+        </p:nvSpPr>
+        <p:spPr>
+          <a:xfrm>
+            <a:off x="2810623" y="6695635"/>
+            <a:ext cx="10800000" cy="492443"/>
+          </a:xfrm>
+          <a:prstGeom prst="rect">
+            <a:avLst/>
+          </a:prstGeom>
+        </p:spPr>
+        <p:txBody>
+          <a:bodyPr vert="horz" wrap="square" lIns="0" tIns="0" rIns="0" bIns="0" rtlCol="0">
+            <a:spAutoFit/>
+          </a:bodyPr>
+          <a:lstStyle/>
+          <a:p>
+            <a:pPr marL="12699" marR="6350"/>
+            <a:r>
+              <a:rPr lang="de-DE" sz="3200" spc="-204" dirty="0" smtClean="0">
+                <a:solidFill>
+                  <a:schemeClr val="accent4">
+                    <a:lumMod val="50000"/>
+                  </a:schemeClr>
+                </a:solidFill>
+                <a:latin typeface="Arial" panose="020B0604020202020204" pitchFamily="34" charset="0"/>
+                <a:cs typeface="Arial" panose="020B0604020202020204" pitchFamily="34" charset="0"/>
+              </a:rPr>
+              <a:t>Fortschritt der Ausarbeitung</a:t>
+            </a:r>
+            <a:endParaRPr sz="3200" dirty="0">
+              <a:solidFill>
+                <a:schemeClr val="accent4">
+                  <a:lumMod val="50000"/>
+                </a:schemeClr>
+              </a:solidFill>
+              <a:latin typeface="Arial" panose="020B0604020202020204" pitchFamily="34" charset="0"/>
+              <a:cs typeface="Arial" panose="020B0604020202020204" pitchFamily="34" charset="0"/>
+            </a:endParaRPr>
+          </a:p>
+        </p:txBody>
+      </p:sp>
+      <p:sp>
+        <p:nvSpPr>
+          <p:cNvPr id="20" name="Rechteck 19"/>
+          <p:cNvSpPr/>
+          <p:nvPr/>
+        </p:nvSpPr>
+        <p:spPr>
+          <a:xfrm>
+            <a:off x="2396183" y="9291517"/>
+            <a:ext cx="15120000" cy="3600000"/>
+          </a:xfrm>
+          <a:prstGeom prst="rect">
+            <a:avLst/>
+          </a:prstGeom>
+          <a:solidFill>
+            <a:schemeClr val="accent3">
+              <a:lumMod val="20000"/>
+              <a:lumOff val="80000"/>
+            </a:schemeClr>
+          </a:solidFill>
+          <a:ln w="50800">
+            <a:solidFill>
+              <a:srgbClr val="FF0000"/>
+            </a:solidFill>
+          </a:ln>
+        </p:spPr>
+        <p:style>
+          <a:lnRef idx="2">
+            <a:schemeClr val="accent1">
+              <a:shade val="50000"/>
+            </a:schemeClr>
+          </a:lnRef>
+          <a:fillRef idx="1">
+            <a:schemeClr val="accent1"/>
+          </a:fillRef>
+          <a:effectRef idx="0">
+            <a:schemeClr val="accent1"/>
+          </a:effectRef>
+          <a:fontRef idx="minor">
+            <a:schemeClr val="lt1"/>
+          </a:fontRef>
+        </p:style>
+        <p:txBody>
+          <a:bodyPr rtlCol="0" anchor="ctr"/>
+          <a:lstStyle/>
+          <a:p>
+            <a:pPr algn="ctr"/>
+            <a:r>
+              <a:rPr lang="de-DE" sz="3600" dirty="0" err="1" smtClean="0">
+                <a:solidFill>
+                  <a:srgbClr val="FF0000"/>
+                </a:solidFill>
+              </a:rPr>
+              <a:t>Lesson</a:t>
+            </a:r>
+            <a:r>
+              <a:rPr lang="de-DE" sz="3600" dirty="0" smtClean="0">
+                <a:solidFill>
+                  <a:srgbClr val="FF0000"/>
+                </a:solidFill>
+              </a:rPr>
+              <a:t> </a:t>
+            </a:r>
+            <a:r>
+              <a:rPr lang="de-DE" sz="3600" dirty="0" err="1" smtClean="0">
+                <a:solidFill>
+                  <a:srgbClr val="FF0000"/>
+                </a:solidFill>
+              </a:rPr>
+              <a:t>Learned</a:t>
+            </a:r>
+            <a:endParaRPr lang="de-DE" sz="3600" dirty="0" smtClean="0">
+              <a:solidFill>
+                <a:srgbClr val="FF0000"/>
+              </a:solidFill>
+            </a:endParaRPr>
+          </a:p>
+          <a:p>
+            <a:pPr algn="ctr"/>
+            <a:endParaRPr lang="de-DE" sz="3600" dirty="0" smtClean="0">
+              <a:solidFill>
+                <a:schemeClr val="bg1"/>
+              </a:solidFill>
+            </a:endParaRPr>
+          </a:p>
+          <a:p>
+            <a:pPr algn="ctr"/>
+            <a:r>
+              <a:rPr lang="de-DE" sz="3600" dirty="0" smtClean="0">
+                <a:solidFill>
+                  <a:schemeClr val="bg1"/>
+                </a:solidFill>
+              </a:rPr>
+              <a:t>Prioritäten korrekt setzen!</a:t>
+            </a:r>
+            <a:endParaRPr lang="de-DE" sz="3600" dirty="0">
+              <a:solidFill>
+                <a:schemeClr val="bg1"/>
+              </a:solidFill>
+            </a:endParaRPr>
+          </a:p>
+          <a:p>
+            <a:pPr algn="ctr"/>
+            <a:r>
+              <a:rPr lang="de-DE" sz="3600" dirty="0" smtClean="0">
+                <a:solidFill>
+                  <a:schemeClr val="bg1"/>
+                </a:solidFill>
+              </a:rPr>
+              <a:t>Hier: Ausarbeitung wird maßgeblich bewertet.</a:t>
+            </a:r>
+          </a:p>
+          <a:p>
+            <a:pPr algn="ctr"/>
+            <a:endParaRPr lang="de-DE" sz="3600" dirty="0" smtClean="0">
+              <a:solidFill>
+                <a:schemeClr val="bg1"/>
+              </a:solidFill>
+            </a:endParaRPr>
+          </a:p>
+          <a:p>
+            <a:pPr algn="ctr"/>
+            <a:endParaRPr lang="de-DE" sz="3600" dirty="0" smtClean="0">
+              <a:solidFill>
+                <a:schemeClr val="bg1"/>
+              </a:solidFill>
+            </a:endParaRPr>
+          </a:p>
+        </p:txBody>
+      </p:sp>
+    </p:spTree>
+    <p:extLst>
+      <p:ext uri="{BB962C8B-B14F-4D97-AF65-F5344CB8AC3E}">
+        <p14:creationId xmlns:p14="http://schemas.microsoft.com/office/powerpoint/2010/main" val="433652973"/>
+      </p:ext>
+    </p:extLst>
+  </p:cSld>
+  <p:clrMapOvr>
+    <a:masterClrMapping/>
+  </p:clrMapOvr>
+  <p:timing>
+    <p:tnLst>
+      <p:par>
+        <p:cTn id="1" dur="indefinite" restart="never" nodeType="tmRoot"/>
+      </p:par>
+    </p:tnLst>
+  </p:timing>
+</p:sld>
+</file>
+
+<file path=ppt/slides/slide17.xml><?xml version="1.0" encoding="utf-8"?>
+<p:sld xmlns:a="http://schemas.openxmlformats.org/drawingml/2006/main" xmlns:r="http://schemas.openxmlformats.org/officeDocument/2006/relationships" xmlns:p="http://schemas.openxmlformats.org/presentationml/2006/main">
+  <p:cSld>
+    <p:spTree>
+      <p:nvGrpSpPr>
+        <p:cNvPr id="1" name=""/>
+        <p:cNvGrpSpPr/>
+        <p:nvPr/>
+      </p:nvGrpSpPr>
+      <p:grpSpPr>
+        <a:xfrm>
+          <a:off x="0" y="0"/>
+          <a:ext cx="0" cy="0"/>
+          <a:chOff x="0" y="0"/>
+          <a:chExt cx="0" cy="0"/>
+        </a:xfrm>
+      </p:grpSpPr>
+      <p:pic>
+        <p:nvPicPr>
+          <p:cNvPr id="8" name="Grafik 7"/>
+          <p:cNvPicPr>
+            <a:picLocks noChangeAspect="1"/>
+          </p:cNvPicPr>
+          <p:nvPr/>
+        </p:nvPicPr>
+        <p:blipFill>
+          <a:blip r:embed="rId2" cstate="print">
+            <a:extLst>
+              <a:ext uri="{28A0092B-C50C-407E-A947-70E740481C1C}">
+                <a14:useLocalDpi xmlns:a14="http://schemas.microsoft.com/office/drawing/2010/main" val="0"/>
+              </a:ext>
+            </a:extLst>
+          </a:blip>
+          <a:stretch>
+            <a:fillRect/>
+          </a:stretch>
+        </p:blipFill>
+        <p:spPr>
+          <a:xfrm>
+            <a:off x="14996183" y="781049"/>
+            <a:ext cx="3749040" cy="1990047"/>
+          </a:xfrm>
+          <a:prstGeom prst="rect">
+            <a:avLst/>
+          </a:prstGeom>
+        </p:spPr>
+      </p:pic>
+      <p:grpSp>
+        <p:nvGrpSpPr>
+          <p:cNvPr id="13" name="Gruppieren 12"/>
+          <p:cNvGrpSpPr/>
+          <p:nvPr/>
+        </p:nvGrpSpPr>
+        <p:grpSpPr>
+          <a:xfrm>
+            <a:off x="4916183" y="13658850"/>
+            <a:ext cx="10080000" cy="900000"/>
+            <a:chOff x="4916183" y="13658850"/>
+            <a:chExt cx="10080000" cy="900000"/>
+          </a:xfrm>
+        </p:grpSpPr>
+        <p:sp>
+          <p:nvSpPr>
+            <p:cNvPr id="4" name="object 4"/>
+            <p:cNvSpPr/>
+            <p:nvPr/>
+          </p:nvSpPr>
+          <p:spPr>
+            <a:xfrm>
+              <a:off x="4916183" y="13658850"/>
+              <a:ext cx="10080000" cy="900000"/>
+            </a:xfrm>
+            <a:custGeom>
+              <a:avLst/>
+              <a:gdLst/>
+              <a:ahLst/>
+              <a:cxnLst/>
+              <a:rect l="l" t="t" r="r" b="b"/>
+              <a:pathLst>
+                <a:path w="10015855" h="807719">
+                  <a:moveTo>
+                    <a:pt x="0" y="807351"/>
+                  </a:moveTo>
+                  <a:lnTo>
+                    <a:pt x="10015334" y="807351"/>
+                  </a:lnTo>
+                  <a:lnTo>
+                    <a:pt x="10015334" y="0"/>
+                  </a:lnTo>
+                  <a:lnTo>
+                    <a:pt x="0" y="0"/>
+                  </a:lnTo>
+                  <a:lnTo>
+                    <a:pt x="0" y="807351"/>
+                  </a:lnTo>
+                  <a:close/>
+                </a:path>
+              </a:pathLst>
+            </a:custGeom>
+            <a:solidFill>
+              <a:srgbClr val="FFFFFF"/>
+            </a:solidFill>
+          </p:spPr>
+          <p:txBody>
+            <a:bodyPr wrap="square" lIns="0" tIns="0" rIns="0" bIns="0" rtlCol="0">
+              <a:spAutoFit/>
+            </a:bodyPr>
+            <a:lstStyle/>
+            <a:p>
+              <a:endParaRPr/>
+            </a:p>
+          </p:txBody>
+        </p:sp>
+        <p:sp>
+          <p:nvSpPr>
+            <p:cNvPr id="7" name="object 7"/>
+            <p:cNvSpPr txBox="1"/>
+            <p:nvPr/>
+          </p:nvSpPr>
+          <p:spPr>
+            <a:xfrm>
+              <a:off x="5960623" y="13924184"/>
+              <a:ext cx="4500000" cy="369332"/>
+            </a:xfrm>
+            <a:prstGeom prst="rect">
+              <a:avLst/>
+            </a:prstGeom>
+          </p:spPr>
+          <p:txBody>
+            <a:bodyPr vert="horz" wrap="square" lIns="0" tIns="0" rIns="0" bIns="0" rtlCol="0">
+              <a:spAutoFit/>
+            </a:bodyPr>
+            <a:lstStyle/>
+            <a:p>
+              <a:pPr marL="12699"/>
+              <a:r>
+                <a:rPr lang="de-DE" sz="2400" b="1" spc="-20" dirty="0">
+                  <a:solidFill>
+                    <a:srgbClr val="546670"/>
+                  </a:solidFill>
+                  <a:latin typeface="Calibri"/>
+                  <a:cs typeface="Calibri"/>
+                </a:rPr>
+                <a:t>Michael Maag, TINF19B1</a:t>
+              </a:r>
+              <a:endParaRPr sz="2400" b="1" spc="-20" dirty="0">
+                <a:solidFill>
+                  <a:srgbClr val="546670"/>
+                </a:solidFill>
+                <a:latin typeface="Calibri"/>
+                <a:cs typeface="Calibri"/>
+              </a:endParaRPr>
+            </a:p>
+          </p:txBody>
+        </p:sp>
+        <p:sp>
+          <p:nvSpPr>
+            <p:cNvPr id="12" name="object 7"/>
+            <p:cNvSpPr txBox="1"/>
+            <p:nvPr/>
+          </p:nvSpPr>
+          <p:spPr>
+            <a:xfrm>
+              <a:off x="10460623" y="13924184"/>
+              <a:ext cx="4500000" cy="369332"/>
+            </a:xfrm>
+            <a:prstGeom prst="rect">
+              <a:avLst/>
+            </a:prstGeom>
+          </p:spPr>
+          <p:txBody>
+            <a:bodyPr vert="horz" wrap="square" lIns="0" tIns="0" rIns="0" bIns="0" rtlCol="0">
+              <a:spAutoFit/>
+            </a:bodyPr>
+            <a:lstStyle/>
+            <a:p>
+              <a:pPr marL="12699">
+                <a:spcBef>
+                  <a:spcPts val="370"/>
+                </a:spcBef>
+              </a:pPr>
+              <a:r>
+                <a:rPr lang="de-DE" sz="2400" b="1" spc="-20" dirty="0" smtClean="0">
+                  <a:solidFill>
+                    <a:srgbClr val="546670"/>
+                  </a:solidFill>
+                  <a:latin typeface="Calibri"/>
+                  <a:cs typeface="Calibri"/>
+                </a:rPr>
+                <a:t>Betreuer</a:t>
+              </a:r>
+              <a:r>
+                <a:rPr lang="de-DE" sz="2400" b="1" spc="-20" dirty="0">
+                  <a:solidFill>
+                    <a:srgbClr val="546670"/>
+                  </a:solidFill>
+                  <a:latin typeface="Calibri"/>
+                  <a:cs typeface="Calibri"/>
+                </a:rPr>
+                <a:t>: Herr Strand</a:t>
+              </a:r>
+              <a:endParaRPr sz="2400" dirty="0">
+                <a:latin typeface="Calibri"/>
+                <a:cs typeface="Calibri"/>
+              </a:endParaRPr>
+            </a:p>
+          </p:txBody>
+        </p:sp>
+      </p:grpSp>
+      <p:sp>
+        <p:nvSpPr>
+          <p:cNvPr id="18" name="object 6"/>
+          <p:cNvSpPr txBox="1"/>
+          <p:nvPr/>
+        </p:nvSpPr>
+        <p:spPr>
+          <a:xfrm>
+            <a:off x="4916183" y="3219450"/>
+            <a:ext cx="9049469" cy="553998"/>
+          </a:xfrm>
+          <a:prstGeom prst="rect">
+            <a:avLst/>
+          </a:prstGeom>
+        </p:spPr>
+        <p:txBody>
+          <a:bodyPr vert="horz" wrap="square" lIns="0" tIns="0" rIns="0" bIns="0" rtlCol="0">
+            <a:spAutoFit/>
+          </a:bodyPr>
+          <a:lstStyle/>
+          <a:p>
+            <a:pPr marL="12699" marR="6350"/>
+            <a:r>
+              <a:rPr lang="de-DE" sz="3600" b="1" spc="-204" dirty="0" smtClean="0">
+                <a:solidFill>
+                  <a:schemeClr val="accent4">
+                    <a:lumMod val="50000"/>
+                  </a:schemeClr>
+                </a:solidFill>
+                <a:latin typeface="Cambria"/>
+                <a:cs typeface="Cambria"/>
+              </a:rPr>
               <a:t>Ergebnis</a:t>
             </a:r>
             <a:endParaRPr sz="3600" dirty="0">
@@ -17230,7 +18240,7 @@
 </p:sld>
 </file>
 
-<file path=ppt/slides/slide17.xml><?xml version="1.0" encoding="utf-8"?>
+<file path=ppt/slides/slide18.xml><?xml version="1.0" encoding="utf-8"?>
 <p:sld xmlns:a="http://schemas.openxmlformats.org/drawingml/2006/main" xmlns:r="http://schemas.openxmlformats.org/officeDocument/2006/relationships" xmlns:p="http://schemas.openxmlformats.org/presentationml/2006/main">
   <p:cSld>
     <p:spTree>
@@ -17747,19 +18757,7 @@
                 <a:latin typeface="Arial" panose="020B0604020202020204" pitchFamily="34" charset="0"/>
                 <a:cs typeface="Arial" panose="020B0604020202020204" pitchFamily="34" charset="0"/>
               </a:rPr>
-              <a:t>(3) </a:t>
-            </a:r>
-            <a:r>
-              <a:rPr lang="de-DE" sz="3200" spc="-204" dirty="0" smtClean="0">
-                <a:solidFill>
-                  <a:schemeClr val="accent4">
-                    <a:lumMod val="50000"/>
-                  </a:schemeClr>
-                </a:solidFill>
-                <a:latin typeface="Arial" panose="020B0604020202020204" pitchFamily="34" charset="0"/>
-                <a:cs typeface="Arial" panose="020B0604020202020204" pitchFamily="34" charset="0"/>
-              </a:rPr>
-              <a:t>http</a:t>
+              <a:t>(3) http</a:t>
             </a:r>
             <a:r>
               <a:rPr lang="de-DE" sz="3200" spc="-204" dirty="0">
@@ -17786,11 +18784,11 @@
   <p:clrMapOvr>
     <a:masterClrMapping/>
   </p:clrMapOvr>
-  <mc:AlternateContent xmlns:mc="http://schemas.openxmlformats.org/markup-compatibility/2006">
-    <mc:Choice xmlns:p14="http://schemas.microsoft.com/office/powerpoint/2010/main" Requires="p14">
+  <mc:AlternateContent xmlns:mc="http://schemas.openxmlformats.org/markup-compatibility/2006" xmlns:p14="http://schemas.microsoft.com/office/powerpoint/2010/main">
+    <mc:Choice Requires="p14">
       <p:transition spd="slow" p14:dur="2000"/>
     </mc:Choice>
-    <mc:Fallback>
+    <mc:Fallback xmlns="">
       <p:transition spd="slow"/>
     </mc:Fallback>
   </mc:AlternateContent>
@@ -18697,7 +19695,7 @@
 </file>
 
 <file path=ppt/slides/slide4.xml><?xml version="1.0" encoding="utf-8"?>
-<p:sld xmlns:a="http://schemas.openxmlformats.org/drawingml/2006/main" xmlns:r="http://schemas.openxmlformats.org/officeDocument/2006/relationships" xmlns:p="http://schemas.openxmlformats.org/presentationml/2006/main" show="0">
+<p:sld xmlns:a="http://schemas.openxmlformats.org/drawingml/2006/main" xmlns:r="http://schemas.openxmlformats.org/officeDocument/2006/relationships" xmlns:p="http://schemas.openxmlformats.org/presentationml/2006/main">
   <p:cSld>
     <p:spTree>
       <p:nvGrpSpPr>
@@ -19231,24 +20229,45 @@
           </a:p>
         </p:txBody>
       </p:sp>
+      <p:pic>
+        <p:nvPicPr>
+          <p:cNvPr id="2" name="Grafik 1"/>
+          <p:cNvPicPr>
+            <a:picLocks noChangeAspect="1"/>
+          </p:cNvPicPr>
+          <p:nvPr/>
+        </p:nvPicPr>
+        <p:blipFill rotWithShape="1">
+          <a:blip r:embed="rId5" cstate="print">
+            <a:extLst>
+              <a:ext uri="{28A0092B-C50C-407E-A947-70E740481C1C}">
+                <a14:useLocalDpi xmlns:a14="http://schemas.microsoft.com/office/drawing/2010/main" val="0"/>
+              </a:ext>
+            </a:extLst>
+          </a:blip>
+          <a:srcRect t="5303" b="3788"/>
+          <a:stretch/>
+        </p:blipFill>
+        <p:spPr>
+          <a:xfrm>
+            <a:off x="2676024" y="8946180"/>
+            <a:ext cx="6640317" cy="4527489"/>
+          </a:xfrm>
+          <a:prstGeom prst="rect">
+            <a:avLst/>
+          </a:prstGeom>
+        </p:spPr>
+      </p:pic>
     </p:spTree>
     <p:extLst>
       <p:ext uri="{BB962C8B-B14F-4D97-AF65-F5344CB8AC3E}">
-        <p14:creationId xmlns:p14="http://schemas.microsoft.com/office/powerpoint/2010/main" val="1765202718"/>
+        <p14:creationId xmlns:p14="http://schemas.microsoft.com/office/powerpoint/2010/main" val="794882110"/>
       </p:ext>
     </p:extLst>
   </p:cSld>
   <p:clrMapOvr>
     <a:masterClrMapping/>
   </p:clrMapOvr>
-  <mc:AlternateContent xmlns:mc="http://schemas.openxmlformats.org/markup-compatibility/2006" xmlns:p14="http://schemas.microsoft.com/office/powerpoint/2010/main">
-    <mc:Choice Requires="p14">
-      <p:transition spd="slow" p14:dur="2000"/>
-    </mc:Choice>
-    <mc:Fallback xmlns="">
-      <p:transition spd="slow"/>
-    </mc:Fallback>
-  </mc:AlternateContent>
   <p:timing>
     <p:tnLst>
       <p:par>
@@ -19276,52 +20295,6 @@
           <a:chExt cx="0" cy="0"/>
         </a:xfrm>
       </p:grpSpPr>
-      <p:sp>
-        <p:nvSpPr>
-          <p:cNvPr id="6" name="object 6"/>
-          <p:cNvSpPr txBox="1"/>
-          <p:nvPr/>
-        </p:nvSpPr>
-        <p:spPr>
-          <a:xfrm>
-            <a:off x="4916183" y="3219450"/>
-            <a:ext cx="9049469" cy="553998"/>
-          </a:xfrm>
-          <a:prstGeom prst="rect">
-            <a:avLst/>
-          </a:prstGeom>
-        </p:spPr>
-        <p:txBody>
-          <a:bodyPr vert="horz" wrap="square" lIns="0" tIns="0" rIns="0" bIns="0" rtlCol="0">
-            <a:spAutoFit/>
-          </a:bodyPr>
-          <a:lstStyle/>
-          <a:p>
-            <a:pPr marL="12699" marR="6350"/>
-            <a:r>
-              <a:rPr lang="de-DE" sz="3600" b="1" spc="-204" dirty="0" smtClean="0">
-                <a:solidFill>
-                  <a:schemeClr val="accent4">
-                    <a:lumMod val="50000"/>
-                  </a:schemeClr>
-                </a:solidFill>
-                <a:latin typeface="Cambria"/>
-                <a:cs typeface="Cambria"/>
-              </a:rPr>
-              <a:t>Projekt-Idee</a:t>
-            </a:r>
-            <a:endParaRPr sz="3600" dirty="0">
-              <a:solidFill>
-                <a:schemeClr val="accent4">
-                  <a:lumMod val="50000"/>
-                </a:schemeClr>
-              </a:solidFill>
-              <a:latin typeface="Cambria"/>
-              <a:cs typeface="Cambria"/>
-            </a:endParaRPr>
-          </a:p>
-        </p:txBody>
-      </p:sp>
       <p:pic>
         <p:nvPicPr>
           <p:cNvPr id="8" name="Grafik 7"/>
@@ -19514,79 +20487,16 @@
           </p:txBody>
         </p:sp>
       </p:grpSp>
-      <p:pic>
-        <p:nvPicPr>
-          <p:cNvPr id="3" name="Grafik 2"/>
-          <p:cNvPicPr>
-            <a:picLocks noChangeAspect="1"/>
-          </p:cNvPicPr>
-          <p:nvPr/>
-        </p:nvPicPr>
-        <p:blipFill>
-          <a:blip r:embed="rId3"/>
-          <a:stretch>
-            <a:fillRect/>
-          </a:stretch>
-        </p:blipFill>
-        <p:spPr>
-          <a:xfrm>
-            <a:off x="2440042" y="4512601"/>
-            <a:ext cx="7000875" cy="3000375"/>
-          </a:xfrm>
-          <a:prstGeom prst="rect">
-            <a:avLst/>
-          </a:prstGeom>
-        </p:spPr>
-      </p:pic>
-      <p:pic>
-        <p:nvPicPr>
-          <p:cNvPr id="1028" name="Picture 4" descr="https://clover.coex.tech/assets/assembling_clever4_2/final_4.png"/>
-          <p:cNvPicPr>
-            <a:picLocks noChangeAspect="1" noChangeArrowheads="1"/>
-          </p:cNvPicPr>
-          <p:nvPr/>
-        </p:nvPicPr>
-        <p:blipFill rotWithShape="1">
-          <a:blip r:embed="rId4">
-            <a:extLst>
-              <a:ext uri="{28A0092B-C50C-407E-A947-70E740481C1C}">
-                <a14:useLocalDpi xmlns:a14="http://schemas.microsoft.com/office/drawing/2010/main" val="0"/>
-              </a:ext>
-            </a:extLst>
-          </a:blip>
-          <a:srcRect l="15232" t="7611" r="15435" b="15352"/>
-          <a:stretch/>
-        </p:blipFill>
-        <p:spPr bwMode="auto">
-          <a:xfrm>
-            <a:off x="10617199" y="6800849"/>
-            <a:ext cx="7924801" cy="4953001"/>
-          </a:xfrm>
-          <a:prstGeom prst="rect">
-            <a:avLst/>
-          </a:prstGeom>
-          <a:noFill/>
-          <a:extLst>
-            <a:ext uri="{909E8E84-426E-40DD-AFC4-6F175D3DCCD1}">
-              <a14:hiddenFill xmlns:a14="http://schemas.microsoft.com/office/drawing/2010/main">
-                <a:solidFill>
-                  <a:srgbClr val="FFFFFF"/>
-                </a:solidFill>
-              </a14:hiddenFill>
-            </a:ext>
-          </a:extLst>
-        </p:spPr>
-      </p:pic>
       <p:sp>
         <p:nvSpPr>
-          <p:cNvPr id="14" name="object 6"/>
+          <p:cNvPr id="18" name="object 6"/>
           <p:cNvSpPr txBox="1"/>
           <p:nvPr/>
         </p:nvSpPr>
         <p:spPr>
           <a:xfrm>
-            <a:off x="2415463" y="7778310"/>
-            <a:ext cx="7000875" cy="369332"/>
+            <a:off x="4916183" y="3219450"/>
+            <a:ext cx="9049469" cy="553998"/>
           </a:xfrm>
           <a:prstGeom prst="rect">
             <a:avLst/>
@@ -19598,9 +20508,9 @@
           </a:bodyPr>
           <a:lstStyle/>
           <a:p>
-            <a:pPr marL="12699" marR="6350" algn="ctr"/>
-            <a:r>
-              <a:rPr lang="de-DE" sz="2400" b="1" spc="-204" dirty="0" err="1" smtClean="0">
+            <a:pPr marL="12699" marR="6350"/>
+            <a:r>
+              <a:rPr lang="de-DE" sz="3600" b="1" spc="-204" dirty="0" smtClean="0">
                 <a:solidFill>
                   <a:schemeClr val="accent4">
                     <a:lumMod val="50000"/>
@@ -19609,57 +20519,9 @@
                 <a:latin typeface="Cambria"/>
                 <a:cs typeface="Cambria"/>
               </a:rPr>
-              <a:t>Parrot</a:t>
-            </a:r>
-            <a:r>
-              <a:rPr lang="de-DE" sz="2400" b="1" spc="-204" dirty="0" smtClean="0">
-                <a:solidFill>
-                  <a:schemeClr val="accent4">
-                    <a:lumMod val="50000"/>
-                  </a:schemeClr>
-                </a:solidFill>
-                <a:latin typeface="Cambria"/>
-                <a:cs typeface="Cambria"/>
-              </a:rPr>
-              <a:t> </a:t>
-            </a:r>
-            <a:r>
-              <a:rPr lang="de-DE" sz="2400" b="1" spc="-204" dirty="0" err="1" smtClean="0">
-                <a:solidFill>
-                  <a:schemeClr val="accent4">
-                    <a:lumMod val="50000"/>
-                  </a:schemeClr>
-                </a:solidFill>
-                <a:latin typeface="Cambria"/>
-                <a:cs typeface="Cambria"/>
-              </a:rPr>
-              <a:t>AR.Drohne</a:t>
-            </a:r>
-            <a:r>
-              <a:rPr lang="de-DE" sz="2400" b="1" spc="-204" dirty="0" smtClean="0">
-                <a:solidFill>
-                  <a:schemeClr val="accent4">
-                    <a:lumMod val="50000"/>
-                  </a:schemeClr>
-                </a:solidFill>
-                <a:latin typeface="Cambria"/>
-                <a:cs typeface="Cambria"/>
-              </a:rPr>
-              <a:t> 2.0</a:t>
-            </a:r>
-            <a:r>
-              <a:rPr lang="de-DE" sz="2400" b="1" spc="-204" baseline="30000" dirty="0" smtClean="0">
-                <a:solidFill>
-                  <a:schemeClr val="accent4">
-                    <a:lumMod val="50000"/>
-                  </a:schemeClr>
-                </a:solidFill>
-                <a:latin typeface="Cambria"/>
-                <a:cs typeface="Cambria"/>
-              </a:rPr>
-              <a:t>1</a:t>
-            </a:r>
-            <a:endParaRPr sz="2400" baseline="30000" dirty="0">
+              <a:t>Projekt-Verlauf</a:t>
+            </a:r>
+            <a:endParaRPr sz="3600" dirty="0">
               <a:solidFill>
                 <a:schemeClr val="accent4">
                   <a:lumMod val="50000"/>
@@ -19673,64 +20535,7 @@
       </p:sp>
       <p:sp>
         <p:nvSpPr>
-          <p:cNvPr id="15" name="object 6"/>
-          <p:cNvSpPr txBox="1"/>
-          <p:nvPr/>
-        </p:nvSpPr>
-        <p:spPr>
-          <a:xfrm>
-            <a:off x="11150600" y="12019184"/>
-            <a:ext cx="7000875" cy="369332"/>
-          </a:xfrm>
-          <a:prstGeom prst="rect">
-            <a:avLst/>
-          </a:prstGeom>
-        </p:spPr>
-        <p:txBody>
-          <a:bodyPr vert="horz" wrap="square" lIns="0" tIns="0" rIns="0" bIns="0" rtlCol="0">
-            <a:spAutoFit/>
-          </a:bodyPr>
-          <a:lstStyle/>
-          <a:p>
-            <a:pPr marL="12699" marR="6350" algn="ctr"/>
-            <a:r>
-              <a:rPr lang="de-DE" sz="2400" b="1" spc="-204" dirty="0" smtClean="0">
-                <a:latin typeface="Cambria"/>
-                <a:cs typeface="Cambria"/>
-              </a:rPr>
-              <a:t>COEX </a:t>
-            </a:r>
-            <a:r>
-              <a:rPr lang="de-DE" sz="2400" b="1" spc="-204" dirty="0" err="1" smtClean="0">
-                <a:latin typeface="Cambria"/>
-                <a:cs typeface="Cambria"/>
-              </a:rPr>
-              <a:t>Clover</a:t>
-            </a:r>
-            <a:r>
-              <a:rPr lang="de-DE" sz="2400" b="1" spc="-204" dirty="0" smtClean="0">
-                <a:latin typeface="Cambria"/>
-                <a:cs typeface="Cambria"/>
-              </a:rPr>
-              <a:t> 4.20</a:t>
-            </a:r>
-            <a:r>
-              <a:rPr lang="de-DE" sz="2400" b="1" spc="-204" baseline="30000" dirty="0" smtClean="0">
-                <a:latin typeface="Cambria"/>
-                <a:cs typeface="Cambria"/>
-              </a:rPr>
-              <a:t>2</a:t>
-            </a:r>
-            <a:endParaRPr sz="2400" baseline="30000" dirty="0">
-              <a:latin typeface="Cambria"/>
-              <a:cs typeface="Cambria"/>
-            </a:endParaRPr>
-          </a:p>
-        </p:txBody>
-      </p:sp>
-      <p:sp>
-        <p:nvSpPr>
-          <p:cNvPr id="16" name="Textfeld 15"/>
+          <p:cNvPr id="19" name="Textfeld 18"/>
           <p:cNvSpPr txBox="1"/>
           <p:nvPr/>
         </p:nvSpPr>
@@ -19802,21 +20607,16 @@
           </p:cNvPicPr>
           <p:nvPr/>
         </p:nvPicPr>
-        <p:blipFill rotWithShape="1">
-          <a:blip r:embed="rId5" cstate="print">
-            <a:extLst>
-              <a:ext uri="{28A0092B-C50C-407E-A947-70E740481C1C}">
-                <a14:useLocalDpi xmlns:a14="http://schemas.microsoft.com/office/drawing/2010/main" val="0"/>
-              </a:ext>
-            </a:extLst>
-          </a:blip>
-          <a:srcRect t="5303" b="3788"/>
-          <a:stretch/>
+        <p:blipFill>
+          <a:blip r:embed="rId3"/>
+          <a:stretch>
+            <a:fillRect/>
+          </a:stretch>
         </p:blipFill>
         <p:spPr>
           <a:xfrm>
-            <a:off x="2676024" y="8946180"/>
-            <a:ext cx="6640317" cy="4527489"/>
+            <a:off x="2396183" y="4221802"/>
+            <a:ext cx="15120000" cy="7548994"/>
           </a:xfrm>
           <a:prstGeom prst="rect">
             <a:avLst/>
@@ -19826,7 +20626,7 @@
     </p:spTree>
     <p:extLst>
       <p:ext uri="{BB962C8B-B14F-4D97-AF65-F5344CB8AC3E}">
-        <p14:creationId xmlns:p14="http://schemas.microsoft.com/office/powerpoint/2010/main" val="794882110"/>
+        <p14:creationId xmlns:p14="http://schemas.microsoft.com/office/powerpoint/2010/main" val="2671651189"/>
       </p:ext>
     </p:extLst>
   </p:cSld>
@@ -20188,371 +20988,6 @@
           </a:prstGeom>
         </p:spPr>
       </p:pic>
-    </p:spTree>
-    <p:extLst>
-      <p:ext uri="{BB962C8B-B14F-4D97-AF65-F5344CB8AC3E}">
-        <p14:creationId xmlns:p14="http://schemas.microsoft.com/office/powerpoint/2010/main" val="2671651189"/>
-      </p:ext>
-    </p:extLst>
-  </p:cSld>
-  <p:clrMapOvr>
-    <a:masterClrMapping/>
-  </p:clrMapOvr>
-  <p:timing>
-    <p:tnLst>
-      <p:par>
-        <p:cTn id="1" dur="indefinite" restart="never" nodeType="tmRoot"/>
-      </p:par>
-    </p:tnLst>
-  </p:timing>
-</p:sld>
-</file>
-
-<file path=ppt/slides/slide7.xml><?xml version="1.0" encoding="utf-8"?>
-<p:sld xmlns:a="http://schemas.openxmlformats.org/drawingml/2006/main" xmlns:r="http://schemas.openxmlformats.org/officeDocument/2006/relationships" xmlns:p="http://schemas.openxmlformats.org/presentationml/2006/main">
-  <p:cSld>
-    <p:spTree>
-      <p:nvGrpSpPr>
-        <p:cNvPr id="1" name=""/>
-        <p:cNvGrpSpPr/>
-        <p:nvPr/>
-      </p:nvGrpSpPr>
-      <p:grpSpPr>
-        <a:xfrm>
-          <a:off x="0" y="0"/>
-          <a:ext cx="0" cy="0"/>
-          <a:chOff x="0" y="0"/>
-          <a:chExt cx="0" cy="0"/>
-        </a:xfrm>
-      </p:grpSpPr>
-      <p:pic>
-        <p:nvPicPr>
-          <p:cNvPr id="8" name="Grafik 7"/>
-          <p:cNvPicPr>
-            <a:picLocks noChangeAspect="1"/>
-          </p:cNvPicPr>
-          <p:nvPr/>
-        </p:nvPicPr>
-        <p:blipFill>
-          <a:blip r:embed="rId2" cstate="print">
-            <a:extLst>
-              <a:ext uri="{28A0092B-C50C-407E-A947-70E740481C1C}">
-                <a14:useLocalDpi xmlns:a14="http://schemas.microsoft.com/office/drawing/2010/main" val="0"/>
-              </a:ext>
-            </a:extLst>
-          </a:blip>
-          <a:stretch>
-            <a:fillRect/>
-          </a:stretch>
-        </p:blipFill>
-        <p:spPr>
-          <a:xfrm>
-            <a:off x="14996183" y="781049"/>
-            <a:ext cx="3749040" cy="1990047"/>
-          </a:xfrm>
-          <a:prstGeom prst="rect">
-            <a:avLst/>
-          </a:prstGeom>
-        </p:spPr>
-      </p:pic>
-      <p:grpSp>
-        <p:nvGrpSpPr>
-          <p:cNvPr id="13" name="Gruppieren 12"/>
-          <p:cNvGrpSpPr/>
-          <p:nvPr/>
-        </p:nvGrpSpPr>
-        <p:grpSpPr>
-          <a:xfrm>
-            <a:off x="4916183" y="13658850"/>
-            <a:ext cx="10080000" cy="900000"/>
-            <a:chOff x="4916183" y="13658850"/>
-            <a:chExt cx="10080000" cy="900000"/>
-          </a:xfrm>
-        </p:grpSpPr>
-        <p:sp>
-          <p:nvSpPr>
-            <p:cNvPr id="4" name="object 4"/>
-            <p:cNvSpPr/>
-            <p:nvPr/>
-          </p:nvSpPr>
-          <p:spPr>
-            <a:xfrm>
-              <a:off x="4916183" y="13658850"/>
-              <a:ext cx="10080000" cy="900000"/>
-            </a:xfrm>
-            <a:custGeom>
-              <a:avLst/>
-              <a:gdLst/>
-              <a:ahLst/>
-              <a:cxnLst/>
-              <a:rect l="l" t="t" r="r" b="b"/>
-              <a:pathLst>
-                <a:path w="10015855" h="807719">
-                  <a:moveTo>
-                    <a:pt x="0" y="807351"/>
-                  </a:moveTo>
-                  <a:lnTo>
-                    <a:pt x="10015334" y="807351"/>
-                  </a:lnTo>
-                  <a:lnTo>
-                    <a:pt x="10015334" y="0"/>
-                  </a:lnTo>
-                  <a:lnTo>
-                    <a:pt x="0" y="0"/>
-                  </a:lnTo>
-                  <a:lnTo>
-                    <a:pt x="0" y="807351"/>
-                  </a:lnTo>
-                  <a:close/>
-                </a:path>
-              </a:pathLst>
-            </a:custGeom>
-            <a:solidFill>
-              <a:srgbClr val="FFFFFF"/>
-            </a:solidFill>
-          </p:spPr>
-          <p:txBody>
-            <a:bodyPr wrap="square" lIns="0" tIns="0" rIns="0" bIns="0" rtlCol="0">
-              <a:spAutoFit/>
-            </a:bodyPr>
-            <a:lstStyle/>
-            <a:p>
-              <a:endParaRPr/>
-            </a:p>
-          </p:txBody>
-        </p:sp>
-        <p:sp>
-          <p:nvSpPr>
-            <p:cNvPr id="7" name="object 7"/>
-            <p:cNvSpPr txBox="1"/>
-            <p:nvPr/>
-          </p:nvSpPr>
-          <p:spPr>
-            <a:xfrm>
-              <a:off x="5960623" y="13924184"/>
-              <a:ext cx="4500000" cy="369332"/>
-            </a:xfrm>
-            <a:prstGeom prst="rect">
-              <a:avLst/>
-            </a:prstGeom>
-          </p:spPr>
-          <p:txBody>
-            <a:bodyPr vert="horz" wrap="square" lIns="0" tIns="0" rIns="0" bIns="0" rtlCol="0">
-              <a:spAutoFit/>
-            </a:bodyPr>
-            <a:lstStyle/>
-            <a:p>
-              <a:pPr marL="12699"/>
-              <a:r>
-                <a:rPr lang="de-DE" sz="2400" b="1" spc="-20" dirty="0">
-                  <a:solidFill>
-                    <a:srgbClr val="546670"/>
-                  </a:solidFill>
-                  <a:latin typeface="Calibri"/>
-                  <a:cs typeface="Calibri"/>
-                </a:rPr>
-                <a:t>Michael Maag, TINF19B1</a:t>
-              </a:r>
-              <a:endParaRPr sz="2400" b="1" spc="-20" dirty="0">
-                <a:solidFill>
-                  <a:srgbClr val="546670"/>
-                </a:solidFill>
-                <a:latin typeface="Calibri"/>
-                <a:cs typeface="Calibri"/>
-              </a:endParaRPr>
-            </a:p>
-          </p:txBody>
-        </p:sp>
-        <p:sp>
-          <p:nvSpPr>
-            <p:cNvPr id="12" name="object 7"/>
-            <p:cNvSpPr txBox="1"/>
-            <p:nvPr/>
-          </p:nvSpPr>
-          <p:spPr>
-            <a:xfrm>
-              <a:off x="10460623" y="13924184"/>
-              <a:ext cx="4500000" cy="369332"/>
-            </a:xfrm>
-            <a:prstGeom prst="rect">
-              <a:avLst/>
-            </a:prstGeom>
-          </p:spPr>
-          <p:txBody>
-            <a:bodyPr vert="horz" wrap="square" lIns="0" tIns="0" rIns="0" bIns="0" rtlCol="0">
-              <a:spAutoFit/>
-            </a:bodyPr>
-            <a:lstStyle/>
-            <a:p>
-              <a:pPr marL="12699">
-                <a:spcBef>
-                  <a:spcPts val="370"/>
-                </a:spcBef>
-              </a:pPr>
-              <a:r>
-                <a:rPr lang="de-DE" sz="2400" b="1" spc="-20" dirty="0" smtClean="0">
-                  <a:solidFill>
-                    <a:srgbClr val="546670"/>
-                  </a:solidFill>
-                  <a:latin typeface="Calibri"/>
-                  <a:cs typeface="Calibri"/>
-                </a:rPr>
-                <a:t>Betreuer</a:t>
-              </a:r>
-              <a:r>
-                <a:rPr lang="de-DE" sz="2400" b="1" spc="-20" dirty="0">
-                  <a:solidFill>
-                    <a:srgbClr val="546670"/>
-                  </a:solidFill>
-                  <a:latin typeface="Calibri"/>
-                  <a:cs typeface="Calibri"/>
-                </a:rPr>
-                <a:t>: Herr Strand</a:t>
-              </a:r>
-              <a:endParaRPr sz="2400" dirty="0">
-                <a:latin typeface="Calibri"/>
-                <a:cs typeface="Calibri"/>
-              </a:endParaRPr>
-            </a:p>
-          </p:txBody>
-        </p:sp>
-      </p:grpSp>
-      <p:sp>
-        <p:nvSpPr>
-          <p:cNvPr id="18" name="object 6"/>
-          <p:cNvSpPr txBox="1"/>
-          <p:nvPr/>
-        </p:nvSpPr>
-        <p:spPr>
-          <a:xfrm>
-            <a:off x="4916183" y="3219450"/>
-            <a:ext cx="9049469" cy="553998"/>
-          </a:xfrm>
-          <a:prstGeom prst="rect">
-            <a:avLst/>
-          </a:prstGeom>
-        </p:spPr>
-        <p:txBody>
-          <a:bodyPr vert="horz" wrap="square" lIns="0" tIns="0" rIns="0" bIns="0" rtlCol="0">
-            <a:spAutoFit/>
-          </a:bodyPr>
-          <a:lstStyle/>
-          <a:p>
-            <a:pPr marL="12699" marR="6350"/>
-            <a:r>
-              <a:rPr lang="de-DE" sz="3600" b="1" spc="-204" dirty="0" smtClean="0">
-                <a:solidFill>
-                  <a:schemeClr val="accent4">
-                    <a:lumMod val="50000"/>
-                  </a:schemeClr>
-                </a:solidFill>
-                <a:latin typeface="Cambria"/>
-                <a:cs typeface="Cambria"/>
-              </a:rPr>
-              <a:t>Projekt-Verlauf</a:t>
-            </a:r>
-            <a:endParaRPr sz="3600" dirty="0">
-              <a:solidFill>
-                <a:schemeClr val="accent4">
-                  <a:lumMod val="50000"/>
-                </a:schemeClr>
-              </a:solidFill>
-              <a:latin typeface="Cambria"/>
-              <a:cs typeface="Cambria"/>
-            </a:endParaRPr>
-          </a:p>
-        </p:txBody>
-      </p:sp>
-      <p:sp>
-        <p:nvSpPr>
-          <p:cNvPr id="19" name="Textfeld 18"/>
-          <p:cNvSpPr txBox="1"/>
-          <p:nvPr/>
-        </p:nvSpPr>
-        <p:spPr>
-          <a:xfrm>
-            <a:off x="5996183" y="1324546"/>
-            <a:ext cx="7920000" cy="1446550"/>
-          </a:xfrm>
-          <a:prstGeom prst="rect">
-            <a:avLst/>
-          </a:prstGeom>
-          <a:noFill/>
-        </p:spPr>
-        <p:txBody>
-          <a:bodyPr wrap="square" rtlCol="0">
-            <a:spAutoFit/>
-          </a:bodyPr>
-          <a:lstStyle/>
-          <a:p>
-            <a:pPr algn="ctr"/>
-            <a:r>
-              <a:rPr lang="de-DE" sz="4400" dirty="0" err="1" smtClean="0">
-                <a:solidFill>
-                  <a:schemeClr val="accent4">
-                    <a:lumMod val="50000"/>
-                  </a:schemeClr>
-                </a:solidFill>
-              </a:rPr>
-              <a:t>RaHM</a:t>
-            </a:r>
-            <a:r>
-              <a:rPr lang="de-DE" sz="4400" dirty="0" smtClean="0">
-                <a:solidFill>
-                  <a:schemeClr val="accent4">
-                    <a:lumMod val="50000"/>
-                  </a:schemeClr>
-                </a:solidFill>
-              </a:rPr>
-              <a:t>-Lab:</a:t>
-            </a:r>
-          </a:p>
-          <a:p>
-            <a:pPr algn="ctr"/>
-            <a:r>
-              <a:rPr lang="de-DE" sz="4400" dirty="0" smtClean="0">
-                <a:solidFill>
-                  <a:schemeClr val="accent4">
-                    <a:lumMod val="50000"/>
-                  </a:schemeClr>
-                </a:solidFill>
-              </a:rPr>
-              <a:t>Positionsregelung Drohne</a:t>
-            </a:r>
-            <a:endParaRPr lang="de-DE" sz="4400" dirty="0">
-              <a:solidFill>
-                <a:schemeClr val="accent4">
-                  <a:lumMod val="50000"/>
-                </a:schemeClr>
-              </a:solidFill>
-            </a:endParaRPr>
-          </a:p>
-        </p:txBody>
-      </p:sp>
-      <p:pic>
-        <p:nvPicPr>
-          <p:cNvPr id="2" name="Grafik 1"/>
-          <p:cNvPicPr>
-            <a:picLocks noChangeAspect="1"/>
-          </p:cNvPicPr>
-          <p:nvPr/>
-        </p:nvPicPr>
-        <p:blipFill>
-          <a:blip r:embed="rId3"/>
-          <a:stretch>
-            <a:fillRect/>
-          </a:stretch>
-        </p:blipFill>
-        <p:spPr>
-          <a:xfrm>
-            <a:off x="2396183" y="4221802"/>
-            <a:ext cx="15120000" cy="7548994"/>
-          </a:xfrm>
-          <a:prstGeom prst="rect">
-            <a:avLst/>
-          </a:prstGeom>
-        </p:spPr>
-      </p:pic>
       <p:sp>
         <p:nvSpPr>
           <p:cNvPr id="5" name="Pfeil nach oben 4"/>
@@ -20768,7 +21203,7 @@
 </p:sld>
 </file>
 
-<file path=ppt/slides/slide8.xml><?xml version="1.0" encoding="utf-8"?>
+<file path=ppt/slides/slide7.xml><?xml version="1.0" encoding="utf-8"?>
 <p:sld xmlns:a="http://schemas.openxmlformats.org/drawingml/2006/main" xmlns:r="http://schemas.openxmlformats.org/officeDocument/2006/relationships" xmlns:p="http://schemas.openxmlformats.org/presentationml/2006/main">
   <p:cSld>
     <p:spTree>
@@ -21133,6 +21568,535 @@
 </p:sld>
 </file>
 
+<file path=ppt/slides/slide8.xml><?xml version="1.0" encoding="utf-8"?>
+<p:sld xmlns:a="http://schemas.openxmlformats.org/drawingml/2006/main" xmlns:r="http://schemas.openxmlformats.org/officeDocument/2006/relationships" xmlns:p="http://schemas.openxmlformats.org/presentationml/2006/main">
+  <p:cSld>
+    <p:spTree>
+      <p:nvGrpSpPr>
+        <p:cNvPr id="1" name=""/>
+        <p:cNvGrpSpPr/>
+        <p:nvPr/>
+      </p:nvGrpSpPr>
+      <p:grpSpPr>
+        <a:xfrm>
+          <a:off x="0" y="0"/>
+          <a:ext cx="0" cy="0"/>
+          <a:chOff x="0" y="0"/>
+          <a:chExt cx="0" cy="0"/>
+        </a:xfrm>
+      </p:grpSpPr>
+      <p:pic>
+        <p:nvPicPr>
+          <p:cNvPr id="8" name="Grafik 7"/>
+          <p:cNvPicPr>
+            <a:picLocks noChangeAspect="1"/>
+          </p:cNvPicPr>
+          <p:nvPr/>
+        </p:nvPicPr>
+        <p:blipFill>
+          <a:blip r:embed="rId2" cstate="print">
+            <a:extLst>
+              <a:ext uri="{28A0092B-C50C-407E-A947-70E740481C1C}">
+                <a14:useLocalDpi xmlns:a14="http://schemas.microsoft.com/office/drawing/2010/main" val="0"/>
+              </a:ext>
+            </a:extLst>
+          </a:blip>
+          <a:stretch>
+            <a:fillRect/>
+          </a:stretch>
+        </p:blipFill>
+        <p:spPr>
+          <a:xfrm>
+            <a:off x="14996183" y="781049"/>
+            <a:ext cx="3749040" cy="1990047"/>
+          </a:xfrm>
+          <a:prstGeom prst="rect">
+            <a:avLst/>
+          </a:prstGeom>
+        </p:spPr>
+      </p:pic>
+      <p:grpSp>
+        <p:nvGrpSpPr>
+          <p:cNvPr id="13" name="Gruppieren 12"/>
+          <p:cNvGrpSpPr/>
+          <p:nvPr/>
+        </p:nvGrpSpPr>
+        <p:grpSpPr>
+          <a:xfrm>
+            <a:off x="4916183" y="13658850"/>
+            <a:ext cx="10080000" cy="900000"/>
+            <a:chOff x="4916183" y="13658850"/>
+            <a:chExt cx="10080000" cy="900000"/>
+          </a:xfrm>
+        </p:grpSpPr>
+        <p:sp>
+          <p:nvSpPr>
+            <p:cNvPr id="4" name="object 4"/>
+            <p:cNvSpPr/>
+            <p:nvPr/>
+          </p:nvSpPr>
+          <p:spPr>
+            <a:xfrm>
+              <a:off x="4916183" y="13658850"/>
+              <a:ext cx="10080000" cy="900000"/>
+            </a:xfrm>
+            <a:custGeom>
+              <a:avLst/>
+              <a:gdLst/>
+              <a:ahLst/>
+              <a:cxnLst/>
+              <a:rect l="l" t="t" r="r" b="b"/>
+              <a:pathLst>
+                <a:path w="10015855" h="807719">
+                  <a:moveTo>
+                    <a:pt x="0" y="807351"/>
+                  </a:moveTo>
+                  <a:lnTo>
+                    <a:pt x="10015334" y="807351"/>
+                  </a:lnTo>
+                  <a:lnTo>
+                    <a:pt x="10015334" y="0"/>
+                  </a:lnTo>
+                  <a:lnTo>
+                    <a:pt x="0" y="0"/>
+                  </a:lnTo>
+                  <a:lnTo>
+                    <a:pt x="0" y="807351"/>
+                  </a:lnTo>
+                  <a:close/>
+                </a:path>
+              </a:pathLst>
+            </a:custGeom>
+            <a:solidFill>
+              <a:srgbClr val="FFFFFF"/>
+            </a:solidFill>
+          </p:spPr>
+          <p:txBody>
+            <a:bodyPr wrap="square" lIns="0" tIns="0" rIns="0" bIns="0" rtlCol="0">
+              <a:spAutoFit/>
+            </a:bodyPr>
+            <a:lstStyle/>
+            <a:p>
+              <a:endParaRPr/>
+            </a:p>
+          </p:txBody>
+        </p:sp>
+        <p:sp>
+          <p:nvSpPr>
+            <p:cNvPr id="7" name="object 7"/>
+            <p:cNvSpPr txBox="1"/>
+            <p:nvPr/>
+          </p:nvSpPr>
+          <p:spPr>
+            <a:xfrm>
+              <a:off x="5960623" y="13924184"/>
+              <a:ext cx="4500000" cy="369332"/>
+            </a:xfrm>
+            <a:prstGeom prst="rect">
+              <a:avLst/>
+            </a:prstGeom>
+          </p:spPr>
+          <p:txBody>
+            <a:bodyPr vert="horz" wrap="square" lIns="0" tIns="0" rIns="0" bIns="0" rtlCol="0">
+              <a:spAutoFit/>
+            </a:bodyPr>
+            <a:lstStyle/>
+            <a:p>
+              <a:pPr marL="12699"/>
+              <a:r>
+                <a:rPr lang="de-DE" sz="2400" b="1" spc="-20" dirty="0">
+                  <a:solidFill>
+                    <a:srgbClr val="546670"/>
+                  </a:solidFill>
+                  <a:latin typeface="Calibri"/>
+                  <a:cs typeface="Calibri"/>
+                </a:rPr>
+                <a:t>Michael Maag, TINF19B1</a:t>
+              </a:r>
+              <a:endParaRPr sz="2400" b="1" spc="-20" dirty="0">
+                <a:solidFill>
+                  <a:srgbClr val="546670"/>
+                </a:solidFill>
+                <a:latin typeface="Calibri"/>
+                <a:cs typeface="Calibri"/>
+              </a:endParaRPr>
+            </a:p>
+          </p:txBody>
+        </p:sp>
+        <p:sp>
+          <p:nvSpPr>
+            <p:cNvPr id="12" name="object 7"/>
+            <p:cNvSpPr txBox="1"/>
+            <p:nvPr/>
+          </p:nvSpPr>
+          <p:spPr>
+            <a:xfrm>
+              <a:off x="10460623" y="13924184"/>
+              <a:ext cx="4500000" cy="369332"/>
+            </a:xfrm>
+            <a:prstGeom prst="rect">
+              <a:avLst/>
+            </a:prstGeom>
+          </p:spPr>
+          <p:txBody>
+            <a:bodyPr vert="horz" wrap="square" lIns="0" tIns="0" rIns="0" bIns="0" rtlCol="0">
+              <a:spAutoFit/>
+            </a:bodyPr>
+            <a:lstStyle/>
+            <a:p>
+              <a:pPr marL="12699">
+                <a:spcBef>
+                  <a:spcPts val="370"/>
+                </a:spcBef>
+              </a:pPr>
+              <a:r>
+                <a:rPr lang="de-DE" sz="2400" b="1" spc="-20" dirty="0" smtClean="0">
+                  <a:solidFill>
+                    <a:srgbClr val="546670"/>
+                  </a:solidFill>
+                  <a:latin typeface="Calibri"/>
+                  <a:cs typeface="Calibri"/>
+                </a:rPr>
+                <a:t>Betreuer</a:t>
+              </a:r>
+              <a:r>
+                <a:rPr lang="de-DE" sz="2400" b="1" spc="-20" dirty="0">
+                  <a:solidFill>
+                    <a:srgbClr val="546670"/>
+                  </a:solidFill>
+                  <a:latin typeface="Calibri"/>
+                  <a:cs typeface="Calibri"/>
+                </a:rPr>
+                <a:t>: Herr Strand</a:t>
+              </a:r>
+              <a:endParaRPr sz="2400" dirty="0">
+                <a:latin typeface="Calibri"/>
+                <a:cs typeface="Calibri"/>
+              </a:endParaRPr>
+            </a:p>
+          </p:txBody>
+        </p:sp>
+      </p:grpSp>
+      <p:sp>
+        <p:nvSpPr>
+          <p:cNvPr id="18" name="object 6"/>
+          <p:cNvSpPr txBox="1"/>
+          <p:nvPr/>
+        </p:nvSpPr>
+        <p:spPr>
+          <a:xfrm>
+            <a:off x="4916183" y="3219450"/>
+            <a:ext cx="9049469" cy="553998"/>
+          </a:xfrm>
+          <a:prstGeom prst="rect">
+            <a:avLst/>
+          </a:prstGeom>
+        </p:spPr>
+        <p:txBody>
+          <a:bodyPr vert="horz" wrap="square" lIns="0" tIns="0" rIns="0" bIns="0" rtlCol="0">
+            <a:spAutoFit/>
+          </a:bodyPr>
+          <a:lstStyle/>
+          <a:p>
+            <a:pPr marL="12699" marR="6350"/>
+            <a:r>
+              <a:rPr lang="de-DE" sz="3600" b="1" spc="-204" dirty="0" smtClean="0">
+                <a:solidFill>
+                  <a:schemeClr val="accent4">
+                    <a:lumMod val="50000"/>
+                  </a:schemeClr>
+                </a:solidFill>
+                <a:latin typeface="Cambria"/>
+                <a:cs typeface="Cambria"/>
+              </a:rPr>
+              <a:t>Projekt-Verlauf</a:t>
+            </a:r>
+            <a:endParaRPr sz="3600" dirty="0">
+              <a:solidFill>
+                <a:schemeClr val="accent4">
+                  <a:lumMod val="50000"/>
+                </a:schemeClr>
+              </a:solidFill>
+              <a:latin typeface="Cambria"/>
+              <a:cs typeface="Cambria"/>
+            </a:endParaRPr>
+          </a:p>
+        </p:txBody>
+      </p:sp>
+      <p:sp>
+        <p:nvSpPr>
+          <p:cNvPr id="19" name="Textfeld 18"/>
+          <p:cNvSpPr txBox="1"/>
+          <p:nvPr/>
+        </p:nvSpPr>
+        <p:spPr>
+          <a:xfrm>
+            <a:off x="5996183" y="1324546"/>
+            <a:ext cx="7920000" cy="1446550"/>
+          </a:xfrm>
+          <a:prstGeom prst="rect">
+            <a:avLst/>
+          </a:prstGeom>
+          <a:noFill/>
+        </p:spPr>
+        <p:txBody>
+          <a:bodyPr wrap="square" rtlCol="0">
+            <a:spAutoFit/>
+          </a:bodyPr>
+          <a:lstStyle/>
+          <a:p>
+            <a:pPr algn="ctr"/>
+            <a:r>
+              <a:rPr lang="de-DE" sz="4400" dirty="0" err="1" smtClean="0">
+                <a:solidFill>
+                  <a:schemeClr val="accent4">
+                    <a:lumMod val="50000"/>
+                  </a:schemeClr>
+                </a:solidFill>
+              </a:rPr>
+              <a:t>RaHM</a:t>
+            </a:r>
+            <a:r>
+              <a:rPr lang="de-DE" sz="4400" dirty="0" smtClean="0">
+                <a:solidFill>
+                  <a:schemeClr val="accent4">
+                    <a:lumMod val="50000"/>
+                  </a:schemeClr>
+                </a:solidFill>
+              </a:rPr>
+              <a:t>-Lab:</a:t>
+            </a:r>
+          </a:p>
+          <a:p>
+            <a:pPr algn="ctr"/>
+            <a:r>
+              <a:rPr lang="de-DE" sz="4400" dirty="0" smtClean="0">
+                <a:solidFill>
+                  <a:schemeClr val="accent4">
+                    <a:lumMod val="50000"/>
+                  </a:schemeClr>
+                </a:solidFill>
+              </a:rPr>
+              <a:t>Positionsregelung Drohne</a:t>
+            </a:r>
+            <a:endParaRPr lang="de-DE" sz="4400" dirty="0">
+              <a:solidFill>
+                <a:schemeClr val="accent4">
+                  <a:lumMod val="50000"/>
+                </a:schemeClr>
+              </a:solidFill>
+            </a:endParaRPr>
+          </a:p>
+        </p:txBody>
+      </p:sp>
+      <p:pic>
+        <p:nvPicPr>
+          <p:cNvPr id="2" name="Grafik 1"/>
+          <p:cNvPicPr>
+            <a:picLocks noChangeAspect="1"/>
+          </p:cNvPicPr>
+          <p:nvPr/>
+        </p:nvPicPr>
+        <p:blipFill>
+          <a:blip r:embed="rId3"/>
+          <a:stretch>
+            <a:fillRect/>
+          </a:stretch>
+        </p:blipFill>
+        <p:spPr>
+          <a:xfrm>
+            <a:off x="8331200" y="3019920"/>
+            <a:ext cx="11520000" cy="3181396"/>
+          </a:xfrm>
+          <a:prstGeom prst="rect">
+            <a:avLst/>
+          </a:prstGeom>
+        </p:spPr>
+      </p:pic>
+      <p:sp>
+        <p:nvSpPr>
+          <p:cNvPr id="5" name="Ellipse 4"/>
+          <p:cNvSpPr/>
+          <p:nvPr/>
+        </p:nvSpPr>
+        <p:spPr>
+          <a:xfrm>
+            <a:off x="11074400" y="3019920"/>
+            <a:ext cx="1800000" cy="3181396"/>
+          </a:xfrm>
+          <a:prstGeom prst="ellipse">
+            <a:avLst/>
+          </a:prstGeom>
+          <a:noFill/>
+          <a:ln w="95250">
+            <a:solidFill>
+              <a:schemeClr val="accent3">
+                <a:lumMod val="75000"/>
+              </a:schemeClr>
+            </a:solidFill>
+          </a:ln>
+        </p:spPr>
+        <p:style>
+          <a:lnRef idx="2">
+            <a:schemeClr val="accent1">
+              <a:shade val="50000"/>
+            </a:schemeClr>
+          </a:lnRef>
+          <a:fillRef idx="1">
+            <a:schemeClr val="accent1"/>
+          </a:fillRef>
+          <a:effectRef idx="0">
+            <a:schemeClr val="accent1"/>
+          </a:effectRef>
+          <a:fontRef idx="minor">
+            <a:schemeClr val="lt1"/>
+          </a:fontRef>
+        </p:style>
+        <p:txBody>
+          <a:bodyPr rtlCol="0" anchor="ctr"/>
+          <a:lstStyle/>
+          <a:p>
+            <a:pPr algn="ctr"/>
+            <a:endParaRPr lang="de-DE"/>
+          </a:p>
+        </p:txBody>
+      </p:sp>
+      <p:sp>
+        <p:nvSpPr>
+          <p:cNvPr id="14" name="object 6"/>
+          <p:cNvSpPr txBox="1"/>
+          <p:nvPr/>
+        </p:nvSpPr>
+        <p:spPr>
+          <a:xfrm>
+            <a:off x="2810623" y="6695635"/>
+            <a:ext cx="10800000" cy="492443"/>
+          </a:xfrm>
+          <a:prstGeom prst="rect">
+            <a:avLst/>
+          </a:prstGeom>
+        </p:spPr>
+        <p:txBody>
+          <a:bodyPr vert="horz" wrap="square" lIns="0" tIns="0" rIns="0" bIns="0" rtlCol="0">
+            <a:spAutoFit/>
+          </a:bodyPr>
+          <a:lstStyle/>
+          <a:p>
+            <a:pPr marL="12699" marR="6350"/>
+            <a:r>
+              <a:rPr lang="de-DE" sz="3200" spc="-204" dirty="0" smtClean="0">
+                <a:solidFill>
+                  <a:schemeClr val="accent4">
+                    <a:lumMod val="50000"/>
+                  </a:schemeClr>
+                </a:solidFill>
+                <a:latin typeface="Arial" panose="020B0604020202020204" pitchFamily="34" charset="0"/>
+                <a:cs typeface="Arial" panose="020B0604020202020204" pitchFamily="34" charset="0"/>
+              </a:rPr>
+              <a:t>Ergebnis aller Tests nicht wie gewünscht bzw. erwartet</a:t>
+            </a:r>
+            <a:endParaRPr sz="3200" dirty="0">
+              <a:solidFill>
+                <a:schemeClr val="accent4">
+                  <a:lumMod val="50000"/>
+                </a:schemeClr>
+              </a:solidFill>
+              <a:latin typeface="Arial" panose="020B0604020202020204" pitchFamily="34" charset="0"/>
+              <a:cs typeface="Arial" panose="020B0604020202020204" pitchFamily="34" charset="0"/>
+            </a:endParaRPr>
+          </a:p>
+        </p:txBody>
+      </p:sp>
+      <p:sp>
+        <p:nvSpPr>
+          <p:cNvPr id="16" name="object 6"/>
+          <p:cNvSpPr txBox="1"/>
+          <p:nvPr/>
+        </p:nvSpPr>
+        <p:spPr>
+          <a:xfrm>
+            <a:off x="3454400" y="7414918"/>
+            <a:ext cx="10800000" cy="492443"/>
+          </a:xfrm>
+          <a:prstGeom prst="rect">
+            <a:avLst/>
+          </a:prstGeom>
+        </p:spPr>
+        <p:txBody>
+          <a:bodyPr vert="horz" wrap="square" lIns="0" tIns="0" rIns="0" bIns="0" rtlCol="0">
+            <a:spAutoFit/>
+          </a:bodyPr>
+          <a:lstStyle/>
+          <a:p>
+            <a:pPr marL="12699" marR="6350"/>
+            <a:r>
+              <a:rPr lang="de-DE" sz="3200" spc="-204" dirty="0" err="1" smtClean="0">
+                <a:solidFill>
+                  <a:schemeClr val="accent4">
+                    <a:lumMod val="50000"/>
+                  </a:schemeClr>
+                </a:solidFill>
+                <a:latin typeface="Arial" panose="020B0604020202020204" pitchFamily="34" charset="0"/>
+                <a:cs typeface="Arial" panose="020B0604020202020204" pitchFamily="34" charset="0"/>
+              </a:rPr>
+              <a:t>Rekalibrierung</a:t>
+            </a:r>
+            <a:r>
+              <a:rPr lang="de-DE" sz="3200" spc="-204" dirty="0">
+                <a:solidFill>
+                  <a:schemeClr val="accent4">
+                    <a:lumMod val="50000"/>
+                  </a:schemeClr>
+                </a:solidFill>
+                <a:latin typeface="Arial" panose="020B0604020202020204" pitchFamily="34" charset="0"/>
+                <a:cs typeface="Arial" panose="020B0604020202020204" pitchFamily="34" charset="0"/>
+              </a:rPr>
+              <a:t> </a:t>
+            </a:r>
+            <a:r>
+              <a:rPr lang="de-DE" sz="3200" spc="-204" dirty="0" smtClean="0">
+                <a:solidFill>
+                  <a:schemeClr val="accent4">
+                    <a:lumMod val="50000"/>
+                  </a:schemeClr>
+                </a:solidFill>
+                <a:latin typeface="Arial" panose="020B0604020202020204" pitchFamily="34" charset="0"/>
+                <a:cs typeface="Arial" panose="020B0604020202020204" pitchFamily="34" charset="0"/>
+              </a:rPr>
+              <a:t>und neu-Inbetriebnahme ohne Erfolg</a:t>
+            </a:r>
+            <a:endParaRPr sz="3200" dirty="0">
+              <a:solidFill>
+                <a:schemeClr val="accent4">
+                  <a:lumMod val="50000"/>
+                </a:schemeClr>
+              </a:solidFill>
+              <a:latin typeface="Arial" panose="020B0604020202020204" pitchFamily="34" charset="0"/>
+              <a:cs typeface="Arial" panose="020B0604020202020204" pitchFamily="34" charset="0"/>
+            </a:endParaRPr>
+          </a:p>
+        </p:txBody>
+      </p:sp>
+    </p:spTree>
+    <p:extLst>
+      <p:ext uri="{BB962C8B-B14F-4D97-AF65-F5344CB8AC3E}">
+        <p14:creationId xmlns:p14="http://schemas.microsoft.com/office/powerpoint/2010/main" val="2117241342"/>
+      </p:ext>
+    </p:extLst>
+  </p:cSld>
+  <p:clrMapOvr>
+    <a:masterClrMapping/>
+  </p:clrMapOvr>
+  <p:timing>
+    <p:tnLst>
+      <p:par>
+        <p:cTn id="1" dur="indefinite" restart="never" nodeType="tmRoot"/>
+      </p:par>
+    </p:tnLst>
+  </p:timing>
+</p:sld>
+</file>
+
 <file path=ppt/slides/slide9.xml><?xml version="1.0" encoding="utf-8"?>
 <p:sld xmlns:a="http://schemas.openxmlformats.org/drawingml/2006/main" xmlns:r="http://schemas.openxmlformats.org/officeDocument/2006/relationships" xmlns:p="http://schemas.openxmlformats.org/presentationml/2006/main">
   <p:cSld>
@@ -21574,7 +22538,129 @@
       </p:sp>
       <p:sp>
         <p:nvSpPr>
-          <p:cNvPr id="16" name="object 6"/>
+          <p:cNvPr id="15" name="Rechteck 14"/>
+          <p:cNvSpPr/>
+          <p:nvPr/>
+        </p:nvSpPr>
+        <p:spPr>
+          <a:xfrm>
+            <a:off x="2396183" y="9291517"/>
+            <a:ext cx="15120000" cy="3600000"/>
+          </a:xfrm>
+          <a:prstGeom prst="rect">
+            <a:avLst/>
+          </a:prstGeom>
+          <a:solidFill>
+            <a:schemeClr val="accent3">
+              <a:lumMod val="20000"/>
+              <a:lumOff val="80000"/>
+            </a:schemeClr>
+          </a:solidFill>
+          <a:ln w="50800">
+            <a:solidFill>
+              <a:srgbClr val="FF0000"/>
+            </a:solidFill>
+          </a:ln>
+        </p:spPr>
+        <p:style>
+          <a:lnRef idx="2">
+            <a:schemeClr val="accent1">
+              <a:shade val="50000"/>
+            </a:schemeClr>
+          </a:lnRef>
+          <a:fillRef idx="1">
+            <a:schemeClr val="accent1"/>
+          </a:fillRef>
+          <a:effectRef idx="0">
+            <a:schemeClr val="accent1"/>
+          </a:effectRef>
+          <a:fontRef idx="minor">
+            <a:schemeClr val="lt1"/>
+          </a:fontRef>
+        </p:style>
+        <p:txBody>
+          <a:bodyPr rtlCol="0" anchor="ctr"/>
+          <a:lstStyle/>
+          <a:p>
+            <a:pPr algn="ctr"/>
+            <a:r>
+              <a:rPr lang="de-DE" sz="3600" dirty="0" err="1" smtClean="0">
+                <a:solidFill>
+                  <a:srgbClr val="FF0000"/>
+                </a:solidFill>
+              </a:rPr>
+              <a:t>Lesson</a:t>
+            </a:r>
+            <a:r>
+              <a:rPr lang="de-DE" sz="3600" dirty="0" smtClean="0">
+                <a:solidFill>
+                  <a:srgbClr val="FF0000"/>
+                </a:solidFill>
+              </a:rPr>
+              <a:t> </a:t>
+            </a:r>
+            <a:r>
+              <a:rPr lang="de-DE" sz="3600" dirty="0" err="1" smtClean="0">
+                <a:solidFill>
+                  <a:srgbClr val="FF0000"/>
+                </a:solidFill>
+              </a:rPr>
+              <a:t>Learned</a:t>
+            </a:r>
+            <a:endParaRPr lang="de-DE" sz="3600" dirty="0" smtClean="0">
+              <a:solidFill>
+                <a:srgbClr val="FF0000"/>
+              </a:solidFill>
+            </a:endParaRPr>
+          </a:p>
+          <a:p>
+            <a:pPr algn="ctr"/>
+            <a:endParaRPr lang="de-DE" sz="3600" dirty="0" smtClean="0">
+              <a:solidFill>
+                <a:schemeClr val="bg1"/>
+              </a:solidFill>
+            </a:endParaRPr>
+          </a:p>
+          <a:p>
+            <a:pPr algn="ctr"/>
+            <a:r>
+              <a:rPr lang="de-DE" sz="3600" dirty="0" smtClean="0">
+                <a:solidFill>
+                  <a:schemeClr val="bg1"/>
+                </a:solidFill>
+              </a:rPr>
+              <a:t>Explorative Tests VOR vollständiger Implementierung!</a:t>
+            </a:r>
+          </a:p>
+          <a:p>
+            <a:pPr algn="ctr"/>
+            <a:endParaRPr lang="de-DE" sz="3600" dirty="0" smtClean="0">
+              <a:solidFill>
+                <a:schemeClr val="bg1"/>
+              </a:solidFill>
+            </a:endParaRPr>
+          </a:p>
+          <a:p>
+            <a:pPr algn="ctr"/>
+            <a:endParaRPr lang="de-DE" sz="3600" dirty="0" smtClean="0">
+              <a:solidFill>
+                <a:schemeClr val="bg1"/>
+              </a:solidFill>
+            </a:endParaRPr>
+          </a:p>
+          <a:p>
+            <a:pPr algn="ctr"/>
+            <a:endParaRPr lang="de-DE" sz="3600" dirty="0" smtClean="0">
+              <a:solidFill>
+                <a:schemeClr val="bg1"/>
+              </a:solidFill>
+            </a:endParaRPr>
+          </a:p>
+        </p:txBody>
+      </p:sp>
+      <p:sp>
+        <p:nvSpPr>
+          <p:cNvPr id="17" name="object 6"/>
           <p:cNvSpPr txBox="1"/>
           <p:nvPr/>
         </p:nvSpPr>
@@ -21628,19 +22714,7 @@
                 <a:latin typeface="Arial" panose="020B0604020202020204" pitchFamily="34" charset="0"/>
                 <a:cs typeface="Arial" panose="020B0604020202020204" pitchFamily="34" charset="0"/>
               </a:rPr>
-              <a:t>und </a:t>
-            </a:r>
-            <a:r>
-              <a:rPr lang="de-DE" sz="3200" spc="-204" dirty="0" smtClean="0">
-                <a:solidFill>
-                  <a:schemeClr val="accent4">
-                    <a:lumMod val="50000"/>
-                  </a:schemeClr>
-                </a:solidFill>
-                <a:latin typeface="Arial" panose="020B0604020202020204" pitchFamily="34" charset="0"/>
-                <a:cs typeface="Arial" panose="020B0604020202020204" pitchFamily="34" charset="0"/>
-              </a:rPr>
-              <a:t>neu-Inbetriebnahme ohne Erfolg</a:t>
+              <a:t>und neu-Inbetriebnahme ohne Erfolg</a:t>
             </a:r>
             <a:endParaRPr sz="3200" dirty="0">
               <a:solidFill>
@@ -21657,7 +22731,7 @@
     </p:spTree>
     <p:extLst>
       <p:ext uri="{BB962C8B-B14F-4D97-AF65-F5344CB8AC3E}">
-        <p14:creationId xmlns:p14="http://schemas.microsoft.com/office/powerpoint/2010/main" val="2117241342"/>
+        <p14:creationId xmlns:p14="http://schemas.microsoft.com/office/powerpoint/2010/main" val="823856358"/>
       </p:ext>
     </p:extLst>
   </p:cSld>
